--- a/Slides/Lecture05.pptx
+++ b/Slides/Lecture05.pptx
@@ -5,10 +5,10 @@
     <p:sldMasterId id="2147484082" r:id="rId4"/>
   </p:sldMasterIdLst>
   <p:notesMasterIdLst>
-    <p:notesMasterId r:id="rId10"/>
+    <p:notesMasterId r:id="rId27"/>
   </p:notesMasterIdLst>
   <p:handoutMasterIdLst>
-    <p:handoutMasterId r:id="rId11"/>
+    <p:handoutMasterId r:id="rId28"/>
   </p:handoutMasterIdLst>
   <p:sldIdLst>
     <p:sldId id="880" r:id="rId5"/>
@@ -16,6 +16,23 @@
     <p:sldId id="881" r:id="rId7"/>
     <p:sldId id="882" r:id="rId8"/>
     <p:sldId id="884" r:id="rId9"/>
+    <p:sldId id="885" r:id="rId10"/>
+    <p:sldId id="891" r:id="rId11"/>
+    <p:sldId id="892" r:id="rId12"/>
+    <p:sldId id="893" r:id="rId13"/>
+    <p:sldId id="894" r:id="rId14"/>
+    <p:sldId id="895" r:id="rId15"/>
+    <p:sldId id="897" r:id="rId16"/>
+    <p:sldId id="896" r:id="rId17"/>
+    <p:sldId id="898" r:id="rId18"/>
+    <p:sldId id="886" r:id="rId19"/>
+    <p:sldId id="887" r:id="rId20"/>
+    <p:sldId id="888" r:id="rId21"/>
+    <p:sldId id="889" r:id="rId22"/>
+    <p:sldId id="890" r:id="rId23"/>
+    <p:sldId id="899" r:id="rId24"/>
+    <p:sldId id="900" r:id="rId25"/>
+    <p:sldId id="901" r:id="rId26"/>
   </p:sldIdLst>
   <p:sldSz cx="9326563" cy="6994525"/>
   <p:notesSz cx="6858000" cy="9144000"/>
@@ -124,6 +141,23 @@
             <p14:sldId id="881"/>
             <p14:sldId id="882"/>
             <p14:sldId id="884"/>
+            <p14:sldId id="885"/>
+            <p14:sldId id="891"/>
+            <p14:sldId id="892"/>
+            <p14:sldId id="893"/>
+            <p14:sldId id="894"/>
+            <p14:sldId id="895"/>
+            <p14:sldId id="897"/>
+            <p14:sldId id="896"/>
+            <p14:sldId id="898"/>
+            <p14:sldId id="886"/>
+            <p14:sldId id="887"/>
+            <p14:sldId id="888"/>
+            <p14:sldId id="889"/>
+            <p14:sldId id="890"/>
+            <p14:sldId id="899"/>
+            <p14:sldId id="900"/>
+            <p14:sldId id="901"/>
           </p14:sldIdLst>
         </p14:section>
       </p14:sectionLst>
@@ -4626,6 +4660,5700 @@
 </p:sld>
 </file>
 
+<file path=ppt/slides/slide10.xml><?xml version="1.0" encoding="utf-8"?>
+<p:sld xmlns:a="http://schemas.openxmlformats.org/drawingml/2006/main" xmlns:r="http://schemas.openxmlformats.org/officeDocument/2006/relationships" xmlns:p="http://schemas.openxmlformats.org/presentationml/2006/main">
+  <p:cSld>
+    <p:spTree>
+      <p:nvGrpSpPr>
+        <p:cNvPr id="1" name=""/>
+        <p:cNvGrpSpPr/>
+        <p:nvPr/>
+      </p:nvGrpSpPr>
+      <p:grpSpPr>
+        <a:xfrm>
+          <a:off x="0" y="0"/>
+          <a:ext cx="0" cy="0"/>
+          <a:chOff x="0" y="0"/>
+          <a:chExt cx="0" cy="0"/>
+        </a:xfrm>
+      </p:grpSpPr>
+      <p:sp>
+        <p:nvSpPr>
+          <p:cNvPr id="2" name="Title 1"/>
+          <p:cNvSpPr>
+            <a:spLocks noGrp="1"/>
+          </p:cNvSpPr>
+          <p:nvPr>
+            <p:ph type="title"/>
+          </p:nvPr>
+        </p:nvSpPr>
+        <p:spPr/>
+        <p:txBody>
+          <a:bodyPr/>
+          <a:lstStyle/>
+          <a:p>
+            <a:r>
+              <a:rPr lang="da-DK" dirty="0"/>
+              <a:t>Interface </a:t>
+            </a:r>
+            <a:r>
+              <a:rPr lang="da-DK" dirty="0" err="1"/>
+              <a:t>Injection</a:t>
+            </a:r>
+            <a:r>
+              <a:rPr lang="da-DK" dirty="0"/>
+              <a:t> III</a:t>
+            </a:r>
+          </a:p>
+        </p:txBody>
+      </p:sp>
+      <p:sp>
+        <p:nvSpPr>
+          <p:cNvPr id="3" name="Rectangle 2"/>
+          <p:cNvSpPr/>
+          <p:nvPr/>
+        </p:nvSpPr>
+        <p:spPr>
+          <a:xfrm>
+            <a:off x="2377306" y="3222945"/>
+            <a:ext cx="4571950" cy="1200329"/>
+          </a:xfrm>
+          <a:prstGeom prst="rect">
+            <a:avLst/>
+          </a:prstGeom>
+        </p:spPr>
+        <p:txBody>
+          <a:bodyPr wrap="square">
+            <a:spAutoFit/>
+          </a:bodyPr>
+          <a:lstStyle/>
+          <a:p>
+            <a:r>
+              <a:rPr lang="da-DK" dirty="0">
+                <a:solidFill>
+                  <a:srgbClr val="0000FF"/>
+                </a:solidFill>
+                <a:latin typeface="Consolas" panose="020B0609020204030204" pitchFamily="49" charset="0"/>
+              </a:rPr>
+              <a:t>public</a:t>
+            </a:r>
+            <a:r>
+              <a:rPr lang="da-DK" dirty="0">
+                <a:solidFill>
+                  <a:srgbClr val="000000"/>
+                </a:solidFill>
+                <a:latin typeface="Consolas" panose="020B0609020204030204" pitchFamily="49" charset="0"/>
+              </a:rPr>
+              <a:t> </a:t>
+            </a:r>
+            <a:r>
+              <a:rPr lang="da-DK" dirty="0">
+                <a:solidFill>
+                  <a:srgbClr val="0000FF"/>
+                </a:solidFill>
+                <a:latin typeface="Consolas" panose="020B0609020204030204" pitchFamily="49" charset="0"/>
+              </a:rPr>
+              <a:t>interface</a:t>
+            </a:r>
+            <a:r>
+              <a:rPr lang="da-DK" dirty="0">
+                <a:solidFill>
+                  <a:srgbClr val="000000"/>
+                </a:solidFill>
+                <a:latin typeface="Consolas" panose="020B0609020204030204" pitchFamily="49" charset="0"/>
+              </a:rPr>
+              <a:t> </a:t>
+            </a:r>
+            <a:r>
+              <a:rPr lang="da-DK" dirty="0" err="1">
+                <a:solidFill>
+                  <a:srgbClr val="2B91AF"/>
+                </a:solidFill>
+                <a:latin typeface="Consolas" panose="020B0609020204030204" pitchFamily="49" charset="0"/>
+              </a:rPr>
+              <a:t>IServiceSetter</a:t>
+            </a:r>
+            <a:r>
+              <a:rPr lang="da-DK" dirty="0">
+                <a:solidFill>
+                  <a:srgbClr val="000000"/>
+                </a:solidFill>
+                <a:latin typeface="Consolas" panose="020B0609020204030204" pitchFamily="49" charset="0"/>
+              </a:rPr>
+              <a:t>&lt;</a:t>
+            </a:r>
+            <a:r>
+              <a:rPr lang="da-DK" dirty="0">
+                <a:solidFill>
+                  <a:srgbClr val="2B91AF"/>
+                </a:solidFill>
+                <a:latin typeface="Consolas" panose="020B0609020204030204" pitchFamily="49" charset="0"/>
+              </a:rPr>
+              <a:t>T</a:t>
+            </a:r>
+            <a:r>
+              <a:rPr lang="da-DK" dirty="0">
+                <a:solidFill>
+                  <a:srgbClr val="000000"/>
+                </a:solidFill>
+                <a:latin typeface="Consolas" panose="020B0609020204030204" pitchFamily="49" charset="0"/>
+              </a:rPr>
+              <a:t>&gt;</a:t>
+            </a:r>
+          </a:p>
+          <a:p>
+            <a:r>
+              <a:rPr lang="da-DK" dirty="0">
+                <a:solidFill>
+                  <a:srgbClr val="000000"/>
+                </a:solidFill>
+                <a:latin typeface="Consolas" panose="020B0609020204030204" pitchFamily="49" charset="0"/>
+              </a:rPr>
+              <a:t>{</a:t>
+            </a:r>
+          </a:p>
+          <a:p>
+            <a:r>
+              <a:rPr lang="da-DK" dirty="0">
+                <a:solidFill>
+                  <a:srgbClr val="000000"/>
+                </a:solidFill>
+                <a:latin typeface="Consolas" panose="020B0609020204030204" pitchFamily="49" charset="0"/>
+              </a:rPr>
+              <a:t>    </a:t>
+            </a:r>
+            <a:r>
+              <a:rPr lang="da-DK" dirty="0">
+                <a:solidFill>
+                  <a:srgbClr val="2B91AF"/>
+                </a:solidFill>
+                <a:latin typeface="Consolas" panose="020B0609020204030204" pitchFamily="49" charset="0"/>
+              </a:rPr>
+              <a:t>T</a:t>
+            </a:r>
+            <a:r>
+              <a:rPr lang="da-DK" dirty="0">
+                <a:solidFill>
+                  <a:srgbClr val="000000"/>
+                </a:solidFill>
+                <a:latin typeface="Consolas" panose="020B0609020204030204" pitchFamily="49" charset="0"/>
+              </a:rPr>
+              <a:t> Service { </a:t>
+            </a:r>
+            <a:r>
+              <a:rPr lang="da-DK" dirty="0">
+                <a:solidFill>
+                  <a:srgbClr val="0000FF"/>
+                </a:solidFill>
+                <a:latin typeface="Consolas" panose="020B0609020204030204" pitchFamily="49" charset="0"/>
+              </a:rPr>
+              <a:t>set</a:t>
+            </a:r>
+            <a:r>
+              <a:rPr lang="da-DK" dirty="0">
+                <a:solidFill>
+                  <a:srgbClr val="000000"/>
+                </a:solidFill>
+                <a:latin typeface="Consolas" panose="020B0609020204030204" pitchFamily="49" charset="0"/>
+              </a:rPr>
+              <a:t>; }</a:t>
+            </a:r>
+          </a:p>
+          <a:p>
+            <a:r>
+              <a:rPr lang="da-DK" dirty="0">
+                <a:solidFill>
+                  <a:srgbClr val="000000"/>
+                </a:solidFill>
+                <a:latin typeface="Consolas" panose="020B0609020204030204" pitchFamily="49" charset="0"/>
+              </a:rPr>
+              <a:t>}</a:t>
+            </a:r>
+          </a:p>
+        </p:txBody>
+      </p:sp>
+    </p:spTree>
+    <p:extLst>
+      <p:ext uri="{BB962C8B-B14F-4D97-AF65-F5344CB8AC3E}">
+        <p14:creationId xmlns:p14="http://schemas.microsoft.com/office/powerpoint/2010/main" val="106678809"/>
+      </p:ext>
+    </p:extLst>
+  </p:cSld>
+  <p:clrMapOvr>
+    <a:masterClrMapping/>
+  </p:clrMapOvr>
+  <p:transition>
+    <p:fade/>
+  </p:transition>
+</p:sld>
+</file>
+
+<file path=ppt/slides/slide11.xml><?xml version="1.0" encoding="utf-8"?>
+<p:sld xmlns:a="http://schemas.openxmlformats.org/drawingml/2006/main" xmlns:r="http://schemas.openxmlformats.org/officeDocument/2006/relationships" xmlns:p="http://schemas.openxmlformats.org/presentationml/2006/main">
+  <p:cSld>
+    <p:spTree>
+      <p:nvGrpSpPr>
+        <p:cNvPr id="1" name=""/>
+        <p:cNvGrpSpPr/>
+        <p:nvPr/>
+      </p:nvGrpSpPr>
+      <p:grpSpPr>
+        <a:xfrm>
+          <a:off x="0" y="0"/>
+          <a:ext cx="0" cy="0"/>
+          <a:chOff x="0" y="0"/>
+          <a:chExt cx="0" cy="0"/>
+        </a:xfrm>
+      </p:grpSpPr>
+      <p:sp>
+        <p:nvSpPr>
+          <p:cNvPr id="2" name="Title 1"/>
+          <p:cNvSpPr>
+            <a:spLocks noGrp="1"/>
+          </p:cNvSpPr>
+          <p:nvPr>
+            <p:ph type="title"/>
+          </p:nvPr>
+        </p:nvSpPr>
+        <p:spPr/>
+        <p:txBody>
+          <a:bodyPr/>
+          <a:lstStyle/>
+          <a:p>
+            <a:r>
+              <a:rPr lang="da-DK" dirty="0"/>
+              <a:t>Interface </a:t>
+            </a:r>
+            <a:r>
+              <a:rPr lang="da-DK" dirty="0" err="1"/>
+              <a:t>Injection</a:t>
+            </a:r>
+            <a:r>
+              <a:rPr lang="da-DK" dirty="0"/>
+              <a:t> IV</a:t>
+            </a:r>
+          </a:p>
+        </p:txBody>
+      </p:sp>
+      <p:sp>
+        <p:nvSpPr>
+          <p:cNvPr id="3" name="Rectangle 2"/>
+          <p:cNvSpPr/>
+          <p:nvPr/>
+        </p:nvSpPr>
+        <p:spPr>
+          <a:xfrm>
+            <a:off x="593559" y="2125677"/>
+            <a:ext cx="8139445" cy="3970318"/>
+          </a:xfrm>
+          <a:prstGeom prst="rect">
+            <a:avLst/>
+          </a:prstGeom>
+        </p:spPr>
+        <p:txBody>
+          <a:bodyPr wrap="square">
+            <a:spAutoFit/>
+          </a:bodyPr>
+          <a:lstStyle/>
+          <a:p>
+            <a:r>
+              <a:rPr lang="en-US" dirty="0">
+                <a:solidFill>
+                  <a:srgbClr val="0000FF"/>
+                </a:solidFill>
+                <a:latin typeface="Consolas" panose="020B0609020204030204" pitchFamily="49" charset="0"/>
+              </a:rPr>
+              <a:t>public</a:t>
+            </a:r>
+            <a:r>
+              <a:rPr lang="en-US" dirty="0">
+                <a:solidFill>
+                  <a:srgbClr val="000000"/>
+                </a:solidFill>
+                <a:latin typeface="Consolas" panose="020B0609020204030204" pitchFamily="49" charset="0"/>
+              </a:rPr>
+              <a:t> </a:t>
+            </a:r>
+            <a:r>
+              <a:rPr lang="en-US" dirty="0">
+                <a:solidFill>
+                  <a:srgbClr val="0000FF"/>
+                </a:solidFill>
+                <a:latin typeface="Consolas" panose="020B0609020204030204" pitchFamily="49" charset="0"/>
+              </a:rPr>
+              <a:t>class</a:t>
+            </a:r>
+            <a:r>
+              <a:rPr lang="en-US" dirty="0">
+                <a:solidFill>
+                  <a:srgbClr val="000000"/>
+                </a:solidFill>
+                <a:latin typeface="Consolas" panose="020B0609020204030204" pitchFamily="49" charset="0"/>
+              </a:rPr>
+              <a:t> </a:t>
+            </a:r>
+            <a:r>
+              <a:rPr lang="en-US" dirty="0">
+                <a:solidFill>
+                  <a:srgbClr val="2B91AF"/>
+                </a:solidFill>
+                <a:latin typeface="Consolas" panose="020B0609020204030204" pitchFamily="49" charset="0"/>
+              </a:rPr>
+              <a:t>Worker</a:t>
+            </a:r>
+            <a:r>
+              <a:rPr lang="en-US" dirty="0">
+                <a:solidFill>
+                  <a:srgbClr val="000000"/>
+                </a:solidFill>
+                <a:latin typeface="Consolas" panose="020B0609020204030204" pitchFamily="49" charset="0"/>
+              </a:rPr>
+              <a:t> : </a:t>
+            </a:r>
+            <a:r>
+              <a:rPr lang="en-US" dirty="0" err="1">
+                <a:solidFill>
+                  <a:srgbClr val="2B91AF"/>
+                </a:solidFill>
+                <a:latin typeface="Consolas" panose="020B0609020204030204" pitchFamily="49" charset="0"/>
+              </a:rPr>
+              <a:t>IServiceSetter</a:t>
+            </a:r>
+            <a:r>
+              <a:rPr lang="en-US" dirty="0">
+                <a:solidFill>
+                  <a:srgbClr val="000000"/>
+                </a:solidFill>
+                <a:latin typeface="Consolas" panose="020B0609020204030204" pitchFamily="49" charset="0"/>
+              </a:rPr>
+              <a:t>&lt;</a:t>
+            </a:r>
+            <a:r>
+              <a:rPr lang="en-US" dirty="0" err="1">
+                <a:solidFill>
+                  <a:srgbClr val="2B91AF"/>
+                </a:solidFill>
+                <a:latin typeface="Consolas" panose="020B0609020204030204" pitchFamily="49" charset="0"/>
+              </a:rPr>
+              <a:t>IFooService</a:t>
+            </a:r>
+            <a:r>
+              <a:rPr lang="en-US" dirty="0">
+                <a:solidFill>
+                  <a:srgbClr val="000000"/>
+                </a:solidFill>
+                <a:latin typeface="Consolas" panose="020B0609020204030204" pitchFamily="49" charset="0"/>
+              </a:rPr>
+              <a:t>&gt;, </a:t>
+            </a:r>
+            <a:r>
+              <a:rPr lang="en-US" dirty="0" err="1">
+                <a:solidFill>
+                  <a:srgbClr val="2B91AF"/>
+                </a:solidFill>
+                <a:latin typeface="Consolas" panose="020B0609020204030204" pitchFamily="49" charset="0"/>
+              </a:rPr>
+              <a:t>IDisposable</a:t>
+            </a:r>
+            <a:endParaRPr lang="en-US" dirty="0">
+              <a:solidFill>
+                <a:srgbClr val="000000"/>
+              </a:solidFill>
+              <a:latin typeface="Consolas" panose="020B0609020204030204" pitchFamily="49" charset="0"/>
+            </a:endParaRPr>
+          </a:p>
+          <a:p>
+            <a:r>
+              <a:rPr lang="da-DK" dirty="0">
+                <a:solidFill>
+                  <a:srgbClr val="000000"/>
+                </a:solidFill>
+                <a:latin typeface="Consolas" panose="020B0609020204030204" pitchFamily="49" charset="0"/>
+              </a:rPr>
+              <a:t>{</a:t>
+            </a:r>
+          </a:p>
+          <a:p>
+            <a:r>
+              <a:rPr lang="en-US" dirty="0">
+                <a:solidFill>
+                  <a:srgbClr val="000000"/>
+                </a:solidFill>
+                <a:latin typeface="Consolas" panose="020B0609020204030204" pitchFamily="49" charset="0"/>
+              </a:rPr>
+              <a:t>    </a:t>
+            </a:r>
+            <a:r>
+              <a:rPr lang="en-US" dirty="0">
+                <a:solidFill>
+                  <a:srgbClr val="0000FF"/>
+                </a:solidFill>
+                <a:latin typeface="Consolas" panose="020B0609020204030204" pitchFamily="49" charset="0"/>
+              </a:rPr>
+              <a:t>public</a:t>
+            </a:r>
+            <a:r>
+              <a:rPr lang="en-US" dirty="0">
+                <a:solidFill>
+                  <a:srgbClr val="000000"/>
+                </a:solidFill>
+                <a:latin typeface="Consolas" panose="020B0609020204030204" pitchFamily="49" charset="0"/>
+              </a:rPr>
+              <a:t> </a:t>
+            </a:r>
+            <a:r>
+              <a:rPr lang="en-US" dirty="0" err="1">
+                <a:solidFill>
+                  <a:srgbClr val="2B91AF"/>
+                </a:solidFill>
+                <a:latin typeface="Consolas" panose="020B0609020204030204" pitchFamily="49" charset="0"/>
+              </a:rPr>
+              <a:t>IFooService</a:t>
+            </a:r>
+            <a:r>
+              <a:rPr lang="en-US" dirty="0">
+                <a:solidFill>
+                  <a:srgbClr val="000000"/>
+                </a:solidFill>
+                <a:latin typeface="Consolas" panose="020B0609020204030204" pitchFamily="49" charset="0"/>
+              </a:rPr>
+              <a:t> Service { </a:t>
+            </a:r>
+            <a:r>
+              <a:rPr lang="en-US" dirty="0">
+                <a:solidFill>
+                  <a:srgbClr val="0000FF"/>
+                </a:solidFill>
+                <a:latin typeface="Consolas" panose="020B0609020204030204" pitchFamily="49" charset="0"/>
+              </a:rPr>
+              <a:t>private</a:t>
+            </a:r>
+            <a:r>
+              <a:rPr lang="en-US" dirty="0">
+                <a:solidFill>
+                  <a:srgbClr val="000000"/>
+                </a:solidFill>
+                <a:latin typeface="Consolas" panose="020B0609020204030204" pitchFamily="49" charset="0"/>
+              </a:rPr>
+              <a:t> </a:t>
+            </a:r>
+            <a:r>
+              <a:rPr lang="en-US" dirty="0">
+                <a:solidFill>
+                  <a:srgbClr val="0000FF"/>
+                </a:solidFill>
+                <a:latin typeface="Consolas" panose="020B0609020204030204" pitchFamily="49" charset="0"/>
+              </a:rPr>
+              <a:t>get</a:t>
+            </a:r>
+            <a:r>
+              <a:rPr lang="en-US" dirty="0">
+                <a:solidFill>
+                  <a:srgbClr val="000000"/>
+                </a:solidFill>
+                <a:latin typeface="Consolas" panose="020B0609020204030204" pitchFamily="49" charset="0"/>
+              </a:rPr>
+              <a:t>; </a:t>
+            </a:r>
+            <a:r>
+              <a:rPr lang="en-US" dirty="0">
+                <a:solidFill>
+                  <a:srgbClr val="0000FF"/>
+                </a:solidFill>
+                <a:latin typeface="Consolas" panose="020B0609020204030204" pitchFamily="49" charset="0"/>
+              </a:rPr>
+              <a:t>set</a:t>
+            </a:r>
+            <a:r>
+              <a:rPr lang="en-US" dirty="0">
+                <a:solidFill>
+                  <a:srgbClr val="000000"/>
+                </a:solidFill>
+                <a:latin typeface="Consolas" panose="020B0609020204030204" pitchFamily="49" charset="0"/>
+              </a:rPr>
+              <a:t>; }</a:t>
+            </a:r>
+          </a:p>
+          <a:p>
+            <a:endParaRPr lang="da-DK" dirty="0">
+              <a:solidFill>
+                <a:srgbClr val="000000"/>
+              </a:solidFill>
+              <a:latin typeface="Consolas" panose="020B0609020204030204" pitchFamily="49" charset="0"/>
+            </a:endParaRPr>
+          </a:p>
+          <a:p>
+            <a:r>
+              <a:rPr lang="en-US" dirty="0">
+                <a:solidFill>
+                  <a:srgbClr val="000000"/>
+                </a:solidFill>
+                <a:latin typeface="Consolas" panose="020B0609020204030204" pitchFamily="49" charset="0"/>
+              </a:rPr>
+              <a:t>    </a:t>
+            </a:r>
+            <a:r>
+              <a:rPr lang="en-US" dirty="0">
+                <a:solidFill>
+                  <a:srgbClr val="0000FF"/>
+                </a:solidFill>
+                <a:latin typeface="Consolas" panose="020B0609020204030204" pitchFamily="49" charset="0"/>
+              </a:rPr>
+              <a:t>public</a:t>
+            </a:r>
+            <a:r>
+              <a:rPr lang="en-US" dirty="0">
+                <a:solidFill>
+                  <a:srgbClr val="000000"/>
+                </a:solidFill>
+                <a:latin typeface="Consolas" panose="020B0609020204030204" pitchFamily="49" charset="0"/>
+              </a:rPr>
+              <a:t> </a:t>
+            </a:r>
+            <a:r>
+              <a:rPr lang="en-US" dirty="0">
+                <a:solidFill>
+                  <a:srgbClr val="0000FF"/>
+                </a:solidFill>
+                <a:latin typeface="Consolas" panose="020B0609020204030204" pitchFamily="49" charset="0"/>
+              </a:rPr>
+              <a:t>bool</a:t>
+            </a:r>
+            <a:r>
+              <a:rPr lang="en-US" dirty="0">
+                <a:solidFill>
+                  <a:srgbClr val="000000"/>
+                </a:solidFill>
+                <a:latin typeface="Consolas" panose="020B0609020204030204" pitchFamily="49" charset="0"/>
+              </a:rPr>
+              <a:t> </a:t>
+            </a:r>
+            <a:r>
+              <a:rPr lang="en-US" dirty="0" err="1">
+                <a:solidFill>
+                  <a:srgbClr val="000000"/>
+                </a:solidFill>
+                <a:latin typeface="Consolas" panose="020B0609020204030204" pitchFamily="49" charset="0"/>
+              </a:rPr>
+              <a:t>DoWork</a:t>
+            </a:r>
+            <a:r>
+              <a:rPr lang="en-US" dirty="0">
+                <a:solidFill>
+                  <a:srgbClr val="000000"/>
+                </a:solidFill>
+                <a:latin typeface="Consolas" panose="020B0609020204030204" pitchFamily="49" charset="0"/>
+              </a:rPr>
+              <a:t>(</a:t>
+            </a:r>
+            <a:r>
+              <a:rPr lang="en-US" dirty="0" err="1">
+                <a:solidFill>
+                  <a:srgbClr val="2B91AF"/>
+                </a:solidFill>
+                <a:latin typeface="Consolas" panose="020B0609020204030204" pitchFamily="49" charset="0"/>
+              </a:rPr>
+              <a:t>FooDto</a:t>
+            </a:r>
+            <a:r>
+              <a:rPr lang="en-US" dirty="0">
+                <a:solidFill>
+                  <a:srgbClr val="000000"/>
+                </a:solidFill>
+                <a:latin typeface="Consolas" panose="020B0609020204030204" pitchFamily="49" charset="0"/>
+              </a:rPr>
+              <a:t> </a:t>
+            </a:r>
+            <a:r>
+              <a:rPr lang="en-US" dirty="0" err="1">
+                <a:solidFill>
+                  <a:srgbClr val="000000"/>
+                </a:solidFill>
+                <a:latin typeface="Consolas" panose="020B0609020204030204" pitchFamily="49" charset="0"/>
+              </a:rPr>
+              <a:t>fooDto</a:t>
+            </a:r>
+            <a:r>
+              <a:rPr lang="en-US" dirty="0">
+                <a:solidFill>
+                  <a:srgbClr val="000000"/>
+                </a:solidFill>
+                <a:latin typeface="Consolas" panose="020B0609020204030204" pitchFamily="49" charset="0"/>
+              </a:rPr>
+              <a:t>)</a:t>
+            </a:r>
+          </a:p>
+          <a:p>
+            <a:r>
+              <a:rPr lang="da-DK" dirty="0">
+                <a:solidFill>
+                  <a:srgbClr val="000000"/>
+                </a:solidFill>
+                <a:latin typeface="Consolas" panose="020B0609020204030204" pitchFamily="49" charset="0"/>
+              </a:rPr>
+              <a:t>    {</a:t>
+            </a:r>
+          </a:p>
+          <a:p>
+            <a:r>
+              <a:rPr lang="da-DK" dirty="0">
+                <a:solidFill>
+                  <a:srgbClr val="000000"/>
+                </a:solidFill>
+                <a:latin typeface="Consolas" panose="020B0609020204030204" pitchFamily="49" charset="0"/>
+              </a:rPr>
+              <a:t>        </a:t>
+            </a:r>
+            <a:r>
+              <a:rPr lang="da-DK" dirty="0">
+                <a:solidFill>
+                  <a:srgbClr val="008000"/>
+                </a:solidFill>
+                <a:latin typeface="Consolas" panose="020B0609020204030204" pitchFamily="49" charset="0"/>
+              </a:rPr>
+              <a:t>// </a:t>
+            </a:r>
+            <a:r>
+              <a:rPr lang="da-DK" dirty="0" err="1">
+                <a:solidFill>
+                  <a:srgbClr val="008000"/>
+                </a:solidFill>
+                <a:latin typeface="Consolas" panose="020B0609020204030204" pitchFamily="49" charset="0"/>
+              </a:rPr>
+              <a:t>Implementation</a:t>
+            </a:r>
+            <a:endParaRPr lang="da-DK" dirty="0">
+              <a:solidFill>
+                <a:srgbClr val="000000"/>
+              </a:solidFill>
+              <a:latin typeface="Consolas" panose="020B0609020204030204" pitchFamily="49" charset="0"/>
+            </a:endParaRPr>
+          </a:p>
+          <a:p>
+            <a:r>
+              <a:rPr lang="da-DK" dirty="0">
+                <a:solidFill>
+                  <a:srgbClr val="000000"/>
+                </a:solidFill>
+                <a:latin typeface="Consolas" panose="020B0609020204030204" pitchFamily="49" charset="0"/>
+              </a:rPr>
+              <a:t>    }</a:t>
+            </a:r>
+          </a:p>
+          <a:p>
+            <a:endParaRPr lang="da-DK" dirty="0">
+              <a:solidFill>
+                <a:srgbClr val="000000"/>
+              </a:solidFill>
+              <a:latin typeface="Consolas" panose="020B0609020204030204" pitchFamily="49" charset="0"/>
+            </a:endParaRPr>
+          </a:p>
+          <a:p>
+            <a:r>
+              <a:rPr lang="da-DK" dirty="0">
+                <a:solidFill>
+                  <a:srgbClr val="000000"/>
+                </a:solidFill>
+                <a:latin typeface="Consolas" panose="020B0609020204030204" pitchFamily="49" charset="0"/>
+              </a:rPr>
+              <a:t>    </a:t>
+            </a:r>
+            <a:r>
+              <a:rPr lang="da-DK" dirty="0">
+                <a:solidFill>
+                  <a:srgbClr val="0000FF"/>
+                </a:solidFill>
+                <a:latin typeface="Consolas" panose="020B0609020204030204" pitchFamily="49" charset="0"/>
+              </a:rPr>
+              <a:t>public</a:t>
+            </a:r>
+            <a:r>
+              <a:rPr lang="da-DK" dirty="0">
+                <a:solidFill>
+                  <a:srgbClr val="000000"/>
+                </a:solidFill>
+                <a:latin typeface="Consolas" panose="020B0609020204030204" pitchFamily="49" charset="0"/>
+              </a:rPr>
+              <a:t> </a:t>
+            </a:r>
+            <a:r>
+              <a:rPr lang="da-DK" dirty="0" err="1">
+                <a:solidFill>
+                  <a:srgbClr val="0000FF"/>
+                </a:solidFill>
+                <a:latin typeface="Consolas" panose="020B0609020204030204" pitchFamily="49" charset="0"/>
+              </a:rPr>
+              <a:t>void</a:t>
+            </a:r>
+            <a:r>
+              <a:rPr lang="da-DK" dirty="0">
+                <a:solidFill>
+                  <a:srgbClr val="000000"/>
+                </a:solidFill>
+                <a:latin typeface="Consolas" panose="020B0609020204030204" pitchFamily="49" charset="0"/>
+              </a:rPr>
+              <a:t> Dispose()</a:t>
+            </a:r>
+          </a:p>
+          <a:p>
+            <a:r>
+              <a:rPr lang="da-DK" dirty="0">
+                <a:solidFill>
+                  <a:srgbClr val="000000"/>
+                </a:solidFill>
+                <a:latin typeface="Consolas" panose="020B0609020204030204" pitchFamily="49" charset="0"/>
+              </a:rPr>
+              <a:t>    {</a:t>
+            </a:r>
+          </a:p>
+          <a:p>
+            <a:r>
+              <a:rPr lang="da-DK" dirty="0">
+                <a:solidFill>
+                  <a:srgbClr val="000000"/>
+                </a:solidFill>
+                <a:latin typeface="Consolas" panose="020B0609020204030204" pitchFamily="49" charset="0"/>
+              </a:rPr>
+              <a:t>        </a:t>
+            </a:r>
+            <a:r>
+              <a:rPr lang="da-DK" dirty="0" err="1">
+                <a:solidFill>
+                  <a:srgbClr val="000000"/>
+                </a:solidFill>
+                <a:latin typeface="Consolas" panose="020B0609020204030204" pitchFamily="49" charset="0"/>
+              </a:rPr>
+              <a:t>Service?.Dispose</a:t>
+            </a:r>
+            <a:r>
+              <a:rPr lang="da-DK" dirty="0">
+                <a:solidFill>
+                  <a:srgbClr val="000000"/>
+                </a:solidFill>
+                <a:latin typeface="Consolas" panose="020B0609020204030204" pitchFamily="49" charset="0"/>
+              </a:rPr>
+              <a:t>();</a:t>
+            </a:r>
+          </a:p>
+          <a:p>
+            <a:r>
+              <a:rPr lang="da-DK" dirty="0">
+                <a:solidFill>
+                  <a:srgbClr val="000000"/>
+                </a:solidFill>
+                <a:latin typeface="Consolas" panose="020B0609020204030204" pitchFamily="49" charset="0"/>
+              </a:rPr>
+              <a:t>    }</a:t>
+            </a:r>
+          </a:p>
+          <a:p>
+            <a:r>
+              <a:rPr lang="da-DK" dirty="0">
+                <a:solidFill>
+                  <a:srgbClr val="000000"/>
+                </a:solidFill>
+                <a:latin typeface="Consolas" panose="020B0609020204030204" pitchFamily="49" charset="0"/>
+              </a:rPr>
+              <a:t>}</a:t>
+            </a:r>
+            <a:endParaRPr lang="da-DK" dirty="0"/>
+          </a:p>
+        </p:txBody>
+      </p:sp>
+      <p:sp>
+        <p:nvSpPr>
+          <p:cNvPr id="4" name="Speech Bubble: Rectangle 3"/>
+          <p:cNvSpPr/>
+          <p:nvPr/>
+        </p:nvSpPr>
+        <p:spPr bwMode="auto">
+          <a:xfrm>
+            <a:off x="6034866" y="965279"/>
+            <a:ext cx="2925620" cy="636870"/>
+          </a:xfrm>
+          <a:prstGeom prst="wedgeRectCallout">
+            <a:avLst>
+              <a:gd name="adj1" fmla="val -95615"/>
+              <a:gd name="adj2" fmla="val 140465"/>
+            </a:avLst>
+          </a:prstGeom>
+          <a:solidFill>
+            <a:srgbClr val="68217A"/>
+          </a:solidFill>
+          <a:ln>
+            <a:noFill/>
+            <a:headEnd type="none" w="med" len="med"/>
+            <a:tailEnd type="none" w="med" len="med"/>
+          </a:ln>
+          <a:effectLst/>
+        </p:spPr>
+        <p:style>
+          <a:lnRef idx="1">
+            <a:schemeClr val="accent2"/>
+          </a:lnRef>
+          <a:fillRef idx="3">
+            <a:schemeClr val="accent2"/>
+          </a:fillRef>
+          <a:effectRef idx="2">
+            <a:schemeClr val="accent2"/>
+          </a:effectRef>
+          <a:fontRef idx="minor">
+            <a:schemeClr val="lt1"/>
+          </a:fontRef>
+        </p:style>
+        <p:txBody>
+          <a:bodyPr rot="0" spcFirstLastPara="0" vertOverflow="overflow" horzOverflow="overflow" vert="horz" wrap="square" lIns="182880" tIns="146304" rIns="182880" bIns="146304" numCol="1" spcCol="0" rtlCol="0" fromWordArt="0" anchor="t" anchorCtr="0" forceAA="0" compatLnSpc="1">
+            <a:prstTxWarp prst="textNoShape">
+              <a:avLst/>
+            </a:prstTxWarp>
+            <a:noAutofit/>
+          </a:bodyPr>
+          <a:lstStyle/>
+          <a:p>
+            <a:pPr algn="ctr" defTabSz="932472" fontAlgn="base">
+              <a:lnSpc>
+                <a:spcPct val="90000"/>
+              </a:lnSpc>
+              <a:spcBef>
+                <a:spcPct val="0"/>
+              </a:spcBef>
+              <a:spcAft>
+                <a:spcPct val="0"/>
+              </a:spcAft>
+            </a:pPr>
+            <a:r>
+              <a:rPr lang="da-DK" sz="2400" dirty="0">
+                <a:gradFill>
+                  <a:gsLst>
+                    <a:gs pos="0">
+                      <a:srgbClr val="FFFFFF"/>
+                    </a:gs>
+                    <a:gs pos="100000">
+                      <a:srgbClr val="FFFFFF"/>
+                    </a:gs>
+                  </a:gsLst>
+                  <a:lin ang="5400000" scaled="0"/>
+                </a:gradFill>
+                <a:ea typeface="Segoe UI" pitchFamily="34" charset="0"/>
+                <a:cs typeface="Segoe UI" pitchFamily="34" charset="0"/>
+              </a:rPr>
+              <a:t>Interface</a:t>
+            </a:r>
+          </a:p>
+        </p:txBody>
+      </p:sp>
+      <p:sp>
+        <p:nvSpPr>
+          <p:cNvPr id="5" name="Speech Bubble: Rectangle 4"/>
+          <p:cNvSpPr/>
+          <p:nvPr/>
+        </p:nvSpPr>
+        <p:spPr bwMode="auto">
+          <a:xfrm>
+            <a:off x="6309183" y="4110836"/>
+            <a:ext cx="2925620" cy="914390"/>
+          </a:xfrm>
+          <a:prstGeom prst="wedgeRectCallout">
+            <a:avLst>
+              <a:gd name="adj1" fmla="val -38909"/>
+              <a:gd name="adj2" fmla="val -170358"/>
+            </a:avLst>
+          </a:prstGeom>
+          <a:solidFill>
+            <a:srgbClr val="68217A"/>
+          </a:solidFill>
+          <a:ln>
+            <a:noFill/>
+            <a:headEnd type="none" w="med" len="med"/>
+            <a:tailEnd type="none" w="med" len="med"/>
+          </a:ln>
+          <a:effectLst/>
+        </p:spPr>
+        <p:style>
+          <a:lnRef idx="1">
+            <a:schemeClr val="accent2"/>
+          </a:lnRef>
+          <a:fillRef idx="3">
+            <a:schemeClr val="accent2"/>
+          </a:fillRef>
+          <a:effectRef idx="2">
+            <a:schemeClr val="accent2"/>
+          </a:effectRef>
+          <a:fontRef idx="minor">
+            <a:schemeClr val="lt1"/>
+          </a:fontRef>
+        </p:style>
+        <p:txBody>
+          <a:bodyPr rot="0" spcFirstLastPara="0" vertOverflow="overflow" horzOverflow="overflow" vert="horz" wrap="square" lIns="182880" tIns="146304" rIns="182880" bIns="146304" numCol="1" spcCol="0" rtlCol="0" fromWordArt="0" anchor="t" anchorCtr="0" forceAA="0" compatLnSpc="1">
+            <a:prstTxWarp prst="textNoShape">
+              <a:avLst/>
+            </a:prstTxWarp>
+            <a:noAutofit/>
+          </a:bodyPr>
+          <a:lstStyle/>
+          <a:p>
+            <a:pPr algn="ctr" defTabSz="932472" fontAlgn="base">
+              <a:lnSpc>
+                <a:spcPct val="90000"/>
+              </a:lnSpc>
+              <a:spcBef>
+                <a:spcPct val="0"/>
+              </a:spcBef>
+              <a:spcAft>
+                <a:spcPct val="0"/>
+              </a:spcAft>
+            </a:pPr>
+            <a:r>
+              <a:rPr lang="da-DK" sz="2400" dirty="0" err="1">
+                <a:gradFill>
+                  <a:gsLst>
+                    <a:gs pos="0">
+                      <a:srgbClr val="FFFFFF"/>
+                    </a:gs>
+                    <a:gs pos="100000">
+                      <a:srgbClr val="FFFFFF"/>
+                    </a:gs>
+                  </a:gsLst>
+                  <a:lin ang="5400000" scaled="0"/>
+                </a:gradFill>
+                <a:ea typeface="Segoe UI" pitchFamily="34" charset="0"/>
+                <a:cs typeface="Segoe UI" pitchFamily="34" charset="0"/>
+              </a:rPr>
+              <a:t>Implement</a:t>
+            </a:r>
+            <a:r>
+              <a:rPr lang="da-DK" sz="2400" dirty="0">
+                <a:gradFill>
+                  <a:gsLst>
+                    <a:gs pos="0">
+                      <a:srgbClr val="FFFFFF"/>
+                    </a:gs>
+                    <a:gs pos="100000">
+                      <a:srgbClr val="FFFFFF"/>
+                    </a:gs>
+                  </a:gsLst>
+                  <a:lin ang="5400000" scaled="0"/>
+                </a:gradFill>
+                <a:ea typeface="Segoe UI" pitchFamily="34" charset="0"/>
+                <a:cs typeface="Segoe UI" pitchFamily="34" charset="0"/>
+              </a:rPr>
+              <a:t> interface</a:t>
+            </a:r>
+          </a:p>
+        </p:txBody>
+      </p:sp>
+    </p:spTree>
+    <p:extLst>
+      <p:ext uri="{BB962C8B-B14F-4D97-AF65-F5344CB8AC3E}">
+        <p14:creationId xmlns:p14="http://schemas.microsoft.com/office/powerpoint/2010/main" val="180288330"/>
+      </p:ext>
+    </p:extLst>
+  </p:cSld>
+  <p:clrMapOvr>
+    <a:masterClrMapping/>
+  </p:clrMapOvr>
+  <p:transition>
+    <p:fade/>
+  </p:transition>
+</p:sld>
+</file>
+
+<file path=ppt/slides/slide12.xml><?xml version="1.0" encoding="utf-8"?>
+<p:sld xmlns:a="http://schemas.openxmlformats.org/drawingml/2006/main" xmlns:r="http://schemas.openxmlformats.org/officeDocument/2006/relationships" xmlns:p="http://schemas.openxmlformats.org/presentationml/2006/main">
+  <p:cSld>
+    <p:bg>
+      <p:bgPr>
+        <a:solidFill>
+          <a:srgbClr val="92D050"/>
+        </a:solidFill>
+        <a:effectLst/>
+      </p:bgPr>
+    </p:bg>
+    <p:spTree>
+      <p:nvGrpSpPr>
+        <p:cNvPr id="1" name=""/>
+        <p:cNvGrpSpPr/>
+        <p:nvPr/>
+      </p:nvGrpSpPr>
+      <p:grpSpPr>
+        <a:xfrm>
+          <a:off x="0" y="0"/>
+          <a:ext cx="0" cy="0"/>
+          <a:chOff x="0" y="0"/>
+          <a:chExt cx="0" cy="0"/>
+        </a:xfrm>
+      </p:grpSpPr>
+      <p:sp>
+        <p:nvSpPr>
+          <p:cNvPr id="2" name="Title 1"/>
+          <p:cNvSpPr>
+            <a:spLocks noGrp="1"/>
+          </p:cNvSpPr>
+          <p:nvPr>
+            <p:ph type="title"/>
+          </p:nvPr>
+        </p:nvSpPr>
+        <p:spPr/>
+        <p:txBody>
+          <a:bodyPr/>
+          <a:lstStyle/>
+          <a:p>
+            <a:r>
+              <a:rPr lang="da-DK" dirty="0"/>
+              <a:t>Best practices</a:t>
+            </a:r>
+          </a:p>
+        </p:txBody>
+      </p:sp>
+      <p:sp>
+        <p:nvSpPr>
+          <p:cNvPr id="8" name="Rectangle 7"/>
+          <p:cNvSpPr/>
+          <p:nvPr/>
+        </p:nvSpPr>
+        <p:spPr bwMode="auto">
+          <a:xfrm>
+            <a:off x="5120476" y="2111967"/>
+            <a:ext cx="2926048" cy="1097268"/>
+          </a:xfrm>
+          <a:prstGeom prst="rect">
+            <a:avLst/>
+          </a:prstGeom>
+          <a:solidFill>
+            <a:srgbClr val="68217A"/>
+          </a:solidFill>
+          <a:ln>
+            <a:noFill/>
+            <a:headEnd type="none" w="med" len="med"/>
+            <a:tailEnd type="none" w="med" len="med"/>
+          </a:ln>
+          <a:effectLst/>
+        </p:spPr>
+        <p:style>
+          <a:lnRef idx="1">
+            <a:schemeClr val="accent2"/>
+          </a:lnRef>
+          <a:fillRef idx="3">
+            <a:schemeClr val="accent2"/>
+          </a:fillRef>
+          <a:effectRef idx="2">
+            <a:schemeClr val="accent2"/>
+          </a:effectRef>
+          <a:fontRef idx="minor">
+            <a:schemeClr val="lt1"/>
+          </a:fontRef>
+        </p:style>
+        <p:txBody>
+          <a:bodyPr rot="0" spcFirstLastPara="0" vertOverflow="overflow" horzOverflow="overflow" vert="horz" wrap="square" lIns="182880" tIns="146304" rIns="182880" bIns="146304" numCol="1" spcCol="0" rtlCol="0" fromWordArt="0" anchor="t" anchorCtr="0" forceAA="0" compatLnSpc="1">
+            <a:prstTxWarp prst="textNoShape">
+              <a:avLst/>
+            </a:prstTxWarp>
+            <a:noAutofit/>
+          </a:bodyPr>
+          <a:lstStyle/>
+          <a:p>
+            <a:pPr algn="ctr" defTabSz="932472" fontAlgn="base">
+              <a:lnSpc>
+                <a:spcPct val="90000"/>
+              </a:lnSpc>
+              <a:spcBef>
+                <a:spcPct val="0"/>
+              </a:spcBef>
+              <a:spcAft>
+                <a:spcPct val="0"/>
+              </a:spcAft>
+            </a:pPr>
+            <a:r>
+              <a:rPr lang="da-DK" sz="2800" dirty="0" err="1">
+                <a:gradFill>
+                  <a:gsLst>
+                    <a:gs pos="0">
+                      <a:srgbClr val="FFFFFF"/>
+                    </a:gs>
+                    <a:gs pos="100000">
+                      <a:srgbClr val="FFFFFF"/>
+                    </a:gs>
+                  </a:gsLst>
+                  <a:lin ang="5400000" scaled="0"/>
+                </a:gradFill>
+                <a:ea typeface="Segoe UI" pitchFamily="34" charset="0"/>
+                <a:cs typeface="Segoe UI" pitchFamily="34" charset="0"/>
+              </a:rPr>
+              <a:t>Use</a:t>
+            </a:r>
+            <a:r>
+              <a:rPr lang="da-DK" sz="2800" dirty="0">
+                <a:gradFill>
+                  <a:gsLst>
+                    <a:gs pos="0">
+                      <a:srgbClr val="FFFFFF"/>
+                    </a:gs>
+                    <a:gs pos="100000">
+                      <a:srgbClr val="FFFFFF"/>
+                    </a:gs>
+                  </a:gsLst>
+                  <a:lin ang="5400000" scaled="0"/>
+                </a:gradFill>
+                <a:ea typeface="Segoe UI" pitchFamily="34" charset="0"/>
+                <a:cs typeface="Segoe UI" pitchFamily="34" charset="0"/>
+              </a:rPr>
+              <a:t> </a:t>
+            </a:r>
+            <a:r>
+              <a:rPr lang="da-DK" sz="2800" dirty="0" err="1">
+                <a:gradFill>
+                  <a:gsLst>
+                    <a:gs pos="0">
+                      <a:srgbClr val="FFFFFF"/>
+                    </a:gs>
+                    <a:gs pos="100000">
+                      <a:srgbClr val="FFFFFF"/>
+                    </a:gs>
+                  </a:gsLst>
+                  <a:lin ang="5400000" scaled="0"/>
+                </a:gradFill>
+                <a:ea typeface="Segoe UI" pitchFamily="34" charset="0"/>
+                <a:cs typeface="Segoe UI" pitchFamily="34" charset="0"/>
+              </a:rPr>
+              <a:t>constructor</a:t>
+            </a:r>
+            <a:r>
+              <a:rPr lang="da-DK" sz="2800" dirty="0">
+                <a:gradFill>
+                  <a:gsLst>
+                    <a:gs pos="0">
+                      <a:srgbClr val="FFFFFF"/>
+                    </a:gs>
+                    <a:gs pos="100000">
+                      <a:srgbClr val="FFFFFF"/>
+                    </a:gs>
+                  </a:gsLst>
+                  <a:lin ang="5400000" scaled="0"/>
+                </a:gradFill>
+                <a:ea typeface="Segoe UI" pitchFamily="34" charset="0"/>
+                <a:cs typeface="Segoe UI" pitchFamily="34" charset="0"/>
+              </a:rPr>
+              <a:t> </a:t>
+            </a:r>
+            <a:r>
+              <a:rPr lang="da-DK" sz="2800" dirty="0" err="1">
+                <a:gradFill>
+                  <a:gsLst>
+                    <a:gs pos="0">
+                      <a:srgbClr val="FFFFFF"/>
+                    </a:gs>
+                    <a:gs pos="100000">
+                      <a:srgbClr val="FFFFFF"/>
+                    </a:gs>
+                  </a:gsLst>
+                  <a:lin ang="5400000" scaled="0"/>
+                </a:gradFill>
+                <a:ea typeface="Segoe UI" pitchFamily="34" charset="0"/>
+                <a:cs typeface="Segoe UI" pitchFamily="34" charset="0"/>
+              </a:rPr>
+              <a:t>injection</a:t>
+            </a:r>
+            <a:r>
+              <a:rPr lang="da-DK" sz="2800" dirty="0">
+                <a:gradFill>
+                  <a:gsLst>
+                    <a:gs pos="0">
+                      <a:srgbClr val="FFFFFF"/>
+                    </a:gs>
+                    <a:gs pos="100000">
+                      <a:srgbClr val="FFFFFF"/>
+                    </a:gs>
+                  </a:gsLst>
+                  <a:lin ang="5400000" scaled="0"/>
+                </a:gradFill>
+                <a:ea typeface="Segoe UI" pitchFamily="34" charset="0"/>
+                <a:cs typeface="Segoe UI" pitchFamily="34" charset="0"/>
+              </a:rPr>
+              <a:t> </a:t>
+            </a:r>
+          </a:p>
+        </p:txBody>
+      </p:sp>
+      <p:sp>
+        <p:nvSpPr>
+          <p:cNvPr id="10" name="Rectangle 9"/>
+          <p:cNvSpPr/>
+          <p:nvPr/>
+        </p:nvSpPr>
+        <p:spPr bwMode="auto">
+          <a:xfrm>
+            <a:off x="5577671" y="4411652"/>
+            <a:ext cx="2926048" cy="1097268"/>
+          </a:xfrm>
+          <a:prstGeom prst="rect">
+            <a:avLst/>
+          </a:prstGeom>
+          <a:solidFill>
+            <a:srgbClr val="BA141A"/>
+          </a:solidFill>
+          <a:ln>
+            <a:noFill/>
+            <a:headEnd type="none" w="med" len="med"/>
+            <a:tailEnd type="none" w="med" len="med"/>
+          </a:ln>
+          <a:effectLst/>
+        </p:spPr>
+        <p:style>
+          <a:lnRef idx="1">
+            <a:schemeClr val="accent2"/>
+          </a:lnRef>
+          <a:fillRef idx="3">
+            <a:schemeClr val="accent2"/>
+          </a:fillRef>
+          <a:effectRef idx="2">
+            <a:schemeClr val="accent2"/>
+          </a:effectRef>
+          <a:fontRef idx="minor">
+            <a:schemeClr val="lt1"/>
+          </a:fontRef>
+        </p:style>
+        <p:txBody>
+          <a:bodyPr rot="0" spcFirstLastPara="0" vertOverflow="overflow" horzOverflow="overflow" vert="horz" wrap="square" lIns="182880" tIns="146304" rIns="182880" bIns="146304" numCol="1" spcCol="0" rtlCol="0" fromWordArt="0" anchor="t" anchorCtr="0" forceAA="0" compatLnSpc="1">
+            <a:prstTxWarp prst="textNoShape">
+              <a:avLst/>
+            </a:prstTxWarp>
+            <a:noAutofit/>
+          </a:bodyPr>
+          <a:lstStyle/>
+          <a:p>
+            <a:pPr algn="ctr" defTabSz="932472" fontAlgn="base">
+              <a:lnSpc>
+                <a:spcPct val="90000"/>
+              </a:lnSpc>
+              <a:spcBef>
+                <a:spcPct val="0"/>
+              </a:spcBef>
+              <a:spcAft>
+                <a:spcPct val="0"/>
+              </a:spcAft>
+            </a:pPr>
+            <a:r>
+              <a:rPr lang="da-DK" sz="2800" dirty="0" err="1">
+                <a:gradFill>
+                  <a:gsLst>
+                    <a:gs pos="0">
+                      <a:srgbClr val="FFFFFF"/>
+                    </a:gs>
+                    <a:gs pos="100000">
+                      <a:srgbClr val="FFFFFF"/>
+                    </a:gs>
+                  </a:gsLst>
+                  <a:lin ang="5400000" scaled="0"/>
+                </a:gradFill>
+                <a:ea typeface="Segoe UI" pitchFamily="34" charset="0"/>
+                <a:cs typeface="Segoe UI" pitchFamily="34" charset="0"/>
+              </a:rPr>
+              <a:t>Implement</a:t>
+            </a:r>
+            <a:r>
+              <a:rPr lang="da-DK" sz="2800" dirty="0">
+                <a:gradFill>
+                  <a:gsLst>
+                    <a:gs pos="0">
+                      <a:srgbClr val="FFFFFF"/>
+                    </a:gs>
+                    <a:gs pos="100000">
+                      <a:srgbClr val="FFFFFF"/>
+                    </a:gs>
+                  </a:gsLst>
+                  <a:lin ang="5400000" scaled="0"/>
+                </a:gradFill>
+                <a:ea typeface="Segoe UI" pitchFamily="34" charset="0"/>
+                <a:cs typeface="Segoe UI" pitchFamily="34" charset="0"/>
+              </a:rPr>
+              <a:t> </a:t>
+            </a:r>
+            <a:r>
+              <a:rPr lang="da-DK" sz="2800" dirty="0" err="1">
+                <a:gradFill>
+                  <a:gsLst>
+                    <a:gs pos="0">
+                      <a:srgbClr val="FFFFFF"/>
+                    </a:gs>
+                    <a:gs pos="100000">
+                      <a:srgbClr val="FFFFFF"/>
+                    </a:gs>
+                  </a:gsLst>
+                  <a:lin ang="5400000" scaled="0"/>
+                </a:gradFill>
+                <a:ea typeface="Segoe UI" pitchFamily="34" charset="0"/>
+                <a:cs typeface="Segoe UI" pitchFamily="34" charset="0"/>
+              </a:rPr>
+              <a:t>IDisposable</a:t>
+            </a:r>
+            <a:endParaRPr lang="da-DK" sz="2800" dirty="0">
+              <a:gradFill>
+                <a:gsLst>
+                  <a:gs pos="0">
+                    <a:srgbClr val="FFFFFF"/>
+                  </a:gs>
+                  <a:gs pos="100000">
+                    <a:srgbClr val="FFFFFF"/>
+                  </a:gs>
+                </a:gsLst>
+                <a:lin ang="5400000" scaled="0"/>
+              </a:gradFill>
+              <a:ea typeface="Segoe UI" pitchFamily="34" charset="0"/>
+              <a:cs typeface="Segoe UI" pitchFamily="34" charset="0"/>
+            </a:endParaRPr>
+          </a:p>
+        </p:txBody>
+      </p:sp>
+      <p:sp>
+        <p:nvSpPr>
+          <p:cNvPr id="11" name="Rectangle 10"/>
+          <p:cNvSpPr/>
+          <p:nvPr/>
+        </p:nvSpPr>
+        <p:spPr bwMode="auto">
+          <a:xfrm>
+            <a:off x="914282" y="2399994"/>
+            <a:ext cx="2926048" cy="1463024"/>
+          </a:xfrm>
+          <a:prstGeom prst="rect">
+            <a:avLst/>
+          </a:prstGeom>
+          <a:solidFill>
+            <a:srgbClr val="FF8C00"/>
+          </a:solidFill>
+          <a:ln>
+            <a:noFill/>
+            <a:headEnd type="none" w="med" len="med"/>
+            <a:tailEnd type="none" w="med" len="med"/>
+          </a:ln>
+          <a:effectLst/>
+        </p:spPr>
+        <p:style>
+          <a:lnRef idx="1">
+            <a:schemeClr val="accent2"/>
+          </a:lnRef>
+          <a:fillRef idx="3">
+            <a:schemeClr val="accent2"/>
+          </a:fillRef>
+          <a:effectRef idx="2">
+            <a:schemeClr val="accent2"/>
+          </a:effectRef>
+          <a:fontRef idx="minor">
+            <a:schemeClr val="lt1"/>
+          </a:fontRef>
+        </p:style>
+        <p:txBody>
+          <a:bodyPr rot="0" spcFirstLastPara="0" vertOverflow="overflow" horzOverflow="overflow" vert="horz" wrap="square" lIns="182880" tIns="146304" rIns="182880" bIns="146304" numCol="1" spcCol="0" rtlCol="0" fromWordArt="0" anchor="t" anchorCtr="0" forceAA="0" compatLnSpc="1">
+            <a:prstTxWarp prst="textNoShape">
+              <a:avLst/>
+            </a:prstTxWarp>
+            <a:noAutofit/>
+          </a:bodyPr>
+          <a:lstStyle/>
+          <a:p>
+            <a:pPr algn="ctr" defTabSz="932472" fontAlgn="base">
+              <a:lnSpc>
+                <a:spcPct val="90000"/>
+              </a:lnSpc>
+              <a:spcBef>
+                <a:spcPct val="0"/>
+              </a:spcBef>
+              <a:spcAft>
+                <a:spcPct val="0"/>
+              </a:spcAft>
+            </a:pPr>
+            <a:r>
+              <a:rPr lang="da-DK" sz="2800" dirty="0" err="1">
+                <a:solidFill>
+                  <a:schemeClr val="tx1"/>
+                </a:solidFill>
+                <a:ea typeface="Segoe UI" pitchFamily="34" charset="0"/>
+                <a:cs typeface="Segoe UI" pitchFamily="34" charset="0"/>
+              </a:rPr>
+              <a:t>Use</a:t>
+            </a:r>
+            <a:r>
+              <a:rPr lang="da-DK" sz="2800" dirty="0">
+                <a:solidFill>
+                  <a:schemeClr val="tx1"/>
+                </a:solidFill>
+                <a:ea typeface="Segoe UI" pitchFamily="34" charset="0"/>
+                <a:cs typeface="Segoe UI" pitchFamily="34" charset="0"/>
+              </a:rPr>
+              <a:t> Adapter to </a:t>
+            </a:r>
+            <a:r>
+              <a:rPr lang="da-DK" sz="2800" dirty="0" err="1">
+                <a:solidFill>
+                  <a:schemeClr val="tx1"/>
+                </a:solidFill>
+                <a:ea typeface="Segoe UI" pitchFamily="34" charset="0"/>
+                <a:cs typeface="Segoe UI" pitchFamily="34" charset="0"/>
+              </a:rPr>
+              <a:t>enable</a:t>
+            </a:r>
+            <a:r>
+              <a:rPr lang="da-DK" sz="2800" dirty="0">
+                <a:solidFill>
+                  <a:schemeClr val="tx1"/>
+                </a:solidFill>
+                <a:ea typeface="Segoe UI" pitchFamily="34" charset="0"/>
+                <a:cs typeface="Segoe UI" pitchFamily="34" charset="0"/>
+              </a:rPr>
+              <a:t> interface </a:t>
+            </a:r>
+            <a:r>
+              <a:rPr lang="da-DK" sz="2800" dirty="0" err="1">
+                <a:solidFill>
+                  <a:schemeClr val="tx1"/>
+                </a:solidFill>
+                <a:ea typeface="Segoe UI" pitchFamily="34" charset="0"/>
+                <a:cs typeface="Segoe UI" pitchFamily="34" charset="0"/>
+              </a:rPr>
+              <a:t>if</a:t>
+            </a:r>
+            <a:r>
+              <a:rPr lang="da-DK" sz="2800" dirty="0">
+                <a:solidFill>
+                  <a:schemeClr val="tx1"/>
+                </a:solidFill>
+                <a:ea typeface="Segoe UI" pitchFamily="34" charset="0"/>
+                <a:cs typeface="Segoe UI" pitchFamily="34" charset="0"/>
+              </a:rPr>
+              <a:t> </a:t>
+            </a:r>
+            <a:r>
+              <a:rPr lang="da-DK" sz="2800" dirty="0" err="1">
+                <a:solidFill>
+                  <a:schemeClr val="tx1"/>
+                </a:solidFill>
+                <a:ea typeface="Segoe UI" pitchFamily="34" charset="0"/>
+                <a:cs typeface="Segoe UI" pitchFamily="34" charset="0"/>
+              </a:rPr>
+              <a:t>needed</a:t>
+            </a:r>
+            <a:endParaRPr lang="da-DK" sz="2800" dirty="0">
+              <a:solidFill>
+                <a:schemeClr val="tx1"/>
+              </a:solidFill>
+              <a:ea typeface="Segoe UI" pitchFamily="34" charset="0"/>
+              <a:cs typeface="Segoe UI" pitchFamily="34" charset="0"/>
+            </a:endParaRPr>
+          </a:p>
+        </p:txBody>
+      </p:sp>
+      <p:sp>
+        <p:nvSpPr>
+          <p:cNvPr id="12" name="Rectangle 11"/>
+          <p:cNvSpPr/>
+          <p:nvPr/>
+        </p:nvSpPr>
+        <p:spPr bwMode="auto">
+          <a:xfrm>
+            <a:off x="1462916" y="5134358"/>
+            <a:ext cx="2926048" cy="1097268"/>
+          </a:xfrm>
+          <a:prstGeom prst="rect">
+            <a:avLst/>
+          </a:prstGeom>
+          <a:solidFill>
+            <a:srgbClr val="007233"/>
+          </a:solidFill>
+          <a:ln>
+            <a:noFill/>
+            <a:headEnd type="none" w="med" len="med"/>
+            <a:tailEnd type="none" w="med" len="med"/>
+          </a:ln>
+          <a:effectLst/>
+        </p:spPr>
+        <p:style>
+          <a:lnRef idx="1">
+            <a:schemeClr val="accent2"/>
+          </a:lnRef>
+          <a:fillRef idx="3">
+            <a:schemeClr val="accent2"/>
+          </a:fillRef>
+          <a:effectRef idx="2">
+            <a:schemeClr val="accent2"/>
+          </a:effectRef>
+          <a:fontRef idx="minor">
+            <a:schemeClr val="lt1"/>
+          </a:fontRef>
+        </p:style>
+        <p:txBody>
+          <a:bodyPr rot="0" spcFirstLastPara="0" vertOverflow="overflow" horzOverflow="overflow" vert="horz" wrap="square" lIns="182880" tIns="146304" rIns="182880" bIns="146304" numCol="1" spcCol="0" rtlCol="0" fromWordArt="0" anchor="t" anchorCtr="0" forceAA="0" compatLnSpc="1">
+            <a:prstTxWarp prst="textNoShape">
+              <a:avLst/>
+            </a:prstTxWarp>
+            <a:noAutofit/>
+          </a:bodyPr>
+          <a:lstStyle/>
+          <a:p>
+            <a:pPr algn="ctr" defTabSz="932472" fontAlgn="base">
+              <a:lnSpc>
+                <a:spcPct val="90000"/>
+              </a:lnSpc>
+              <a:spcBef>
+                <a:spcPct val="0"/>
+              </a:spcBef>
+              <a:spcAft>
+                <a:spcPct val="0"/>
+              </a:spcAft>
+            </a:pPr>
+            <a:r>
+              <a:rPr lang="da-DK" sz="2800" dirty="0" err="1">
+                <a:solidFill>
+                  <a:schemeClr val="bg1"/>
+                </a:solidFill>
+                <a:ea typeface="Segoe UI" pitchFamily="34" charset="0"/>
+                <a:cs typeface="Segoe UI" pitchFamily="34" charset="0"/>
+              </a:rPr>
+              <a:t>Use</a:t>
+            </a:r>
+            <a:r>
+              <a:rPr lang="da-DK" sz="2800" dirty="0">
+                <a:solidFill>
+                  <a:schemeClr val="bg1"/>
+                </a:solidFill>
+                <a:ea typeface="Segoe UI" pitchFamily="34" charset="0"/>
+                <a:cs typeface="Segoe UI" pitchFamily="34" charset="0"/>
+              </a:rPr>
+              <a:t> an </a:t>
+            </a:r>
+            <a:r>
+              <a:rPr lang="da-DK" sz="2800" dirty="0" err="1">
+                <a:solidFill>
+                  <a:schemeClr val="bg1"/>
+                </a:solidFill>
+                <a:ea typeface="Segoe UI" pitchFamily="34" charset="0"/>
+                <a:cs typeface="Segoe UI" pitchFamily="34" charset="0"/>
+              </a:rPr>
+              <a:t>IoC</a:t>
+            </a:r>
+            <a:r>
+              <a:rPr lang="da-DK" sz="2800" dirty="0">
+                <a:solidFill>
+                  <a:schemeClr val="bg1"/>
+                </a:solidFill>
+                <a:ea typeface="Segoe UI" pitchFamily="34" charset="0"/>
+                <a:cs typeface="Segoe UI" pitchFamily="34" charset="0"/>
+              </a:rPr>
+              <a:t> container</a:t>
+            </a:r>
+          </a:p>
+        </p:txBody>
+      </p:sp>
+    </p:spTree>
+    <p:extLst>
+      <p:ext uri="{BB962C8B-B14F-4D97-AF65-F5344CB8AC3E}">
+        <p14:creationId xmlns:p14="http://schemas.microsoft.com/office/powerpoint/2010/main" val="1515009574"/>
+      </p:ext>
+    </p:extLst>
+  </p:cSld>
+  <p:clrMapOvr>
+    <a:masterClrMapping/>
+  </p:clrMapOvr>
+  <p:transition>
+    <p:fade/>
+  </p:transition>
+</p:sld>
+</file>
+
+<file path=ppt/slides/slide13.xml><?xml version="1.0" encoding="utf-8"?>
+<p:sld xmlns:a="http://schemas.openxmlformats.org/drawingml/2006/main" xmlns:r="http://schemas.openxmlformats.org/officeDocument/2006/relationships" xmlns:p="http://schemas.openxmlformats.org/presentationml/2006/main">
+  <p:cSld>
+    <p:spTree>
+      <p:nvGrpSpPr>
+        <p:cNvPr id="1" name=""/>
+        <p:cNvGrpSpPr/>
+        <p:nvPr/>
+      </p:nvGrpSpPr>
+      <p:grpSpPr>
+        <a:xfrm>
+          <a:off x="0" y="0"/>
+          <a:ext cx="0" cy="0"/>
+          <a:chOff x="0" y="0"/>
+          <a:chExt cx="0" cy="0"/>
+        </a:xfrm>
+      </p:grpSpPr>
+      <p:sp>
+        <p:nvSpPr>
+          <p:cNvPr id="2" name="Title 1"/>
+          <p:cNvSpPr>
+            <a:spLocks noGrp="1"/>
+          </p:cNvSpPr>
+          <p:nvPr>
+            <p:ph type="title"/>
+          </p:nvPr>
+        </p:nvSpPr>
+        <p:spPr/>
+        <p:txBody>
+          <a:bodyPr/>
+          <a:lstStyle/>
+          <a:p>
+            <a:r>
+              <a:rPr lang="da-DK" dirty="0" err="1"/>
+              <a:t>When</a:t>
+            </a:r>
+            <a:r>
+              <a:rPr lang="da-DK" dirty="0"/>
+              <a:t> interface not </a:t>
+            </a:r>
+            <a:r>
+              <a:rPr lang="da-DK" dirty="0" err="1"/>
+              <a:t>possible</a:t>
+            </a:r>
+            <a:r>
+              <a:rPr lang="da-DK" dirty="0"/>
+              <a:t> </a:t>
+            </a:r>
+            <a:r>
+              <a:rPr lang="da-DK" dirty="0" err="1"/>
+              <a:t>directly</a:t>
+            </a:r>
+            <a:r>
+              <a:rPr lang="da-DK" dirty="0"/>
+              <a:t>, </a:t>
+            </a:r>
+            <a:r>
+              <a:rPr lang="da-DK" dirty="0" err="1"/>
+              <a:t>use</a:t>
+            </a:r>
+            <a:r>
+              <a:rPr lang="da-DK" dirty="0"/>
+              <a:t> Adapter pattern</a:t>
+            </a:r>
+          </a:p>
+        </p:txBody>
+      </p:sp>
+      <p:sp>
+        <p:nvSpPr>
+          <p:cNvPr id="3" name="Rectangle 2"/>
+          <p:cNvSpPr/>
+          <p:nvPr/>
+        </p:nvSpPr>
+        <p:spPr>
+          <a:xfrm>
+            <a:off x="1554355" y="3131506"/>
+            <a:ext cx="5805925" cy="2031325"/>
+          </a:xfrm>
+          <a:prstGeom prst="rect">
+            <a:avLst/>
+          </a:prstGeom>
+        </p:spPr>
+        <p:txBody>
+          <a:bodyPr wrap="square">
+            <a:spAutoFit/>
+          </a:bodyPr>
+          <a:lstStyle/>
+          <a:p>
+            <a:r>
+              <a:rPr lang="da-DK" dirty="0">
+                <a:solidFill>
+                  <a:srgbClr val="0000FF"/>
+                </a:solidFill>
+                <a:latin typeface="Consolas" panose="020B0609020204030204" pitchFamily="49" charset="0"/>
+              </a:rPr>
+              <a:t>public</a:t>
+            </a:r>
+            <a:r>
+              <a:rPr lang="da-DK" dirty="0">
+                <a:solidFill>
+                  <a:srgbClr val="000000"/>
+                </a:solidFill>
+                <a:latin typeface="Consolas" panose="020B0609020204030204" pitchFamily="49" charset="0"/>
+              </a:rPr>
+              <a:t> </a:t>
+            </a:r>
+            <a:r>
+              <a:rPr lang="da-DK" dirty="0" err="1">
+                <a:solidFill>
+                  <a:srgbClr val="0000FF"/>
+                </a:solidFill>
+                <a:latin typeface="Consolas" panose="020B0609020204030204" pitchFamily="49" charset="0"/>
+              </a:rPr>
+              <a:t>sealed</a:t>
+            </a:r>
+            <a:r>
+              <a:rPr lang="da-DK" dirty="0">
+                <a:solidFill>
+                  <a:srgbClr val="000000"/>
+                </a:solidFill>
+                <a:latin typeface="Consolas" panose="020B0609020204030204" pitchFamily="49" charset="0"/>
+              </a:rPr>
+              <a:t> </a:t>
+            </a:r>
+            <a:r>
+              <a:rPr lang="da-DK" dirty="0">
+                <a:solidFill>
+                  <a:srgbClr val="0000FF"/>
+                </a:solidFill>
+                <a:latin typeface="Consolas" panose="020B0609020204030204" pitchFamily="49" charset="0"/>
+              </a:rPr>
+              <a:t>class</a:t>
+            </a:r>
+            <a:r>
+              <a:rPr lang="da-DK" dirty="0">
+                <a:solidFill>
+                  <a:srgbClr val="000000"/>
+                </a:solidFill>
+                <a:latin typeface="Consolas" panose="020B0609020204030204" pitchFamily="49" charset="0"/>
+              </a:rPr>
+              <a:t> </a:t>
+            </a:r>
+            <a:r>
+              <a:rPr lang="da-DK" dirty="0" err="1">
+                <a:solidFill>
+                  <a:srgbClr val="2B91AF"/>
+                </a:solidFill>
+                <a:latin typeface="Consolas" panose="020B0609020204030204" pitchFamily="49" charset="0"/>
+              </a:rPr>
+              <a:t>FoolishService</a:t>
+            </a:r>
+            <a:endParaRPr lang="da-DK" dirty="0">
+              <a:solidFill>
+                <a:srgbClr val="000000"/>
+              </a:solidFill>
+              <a:latin typeface="Consolas" panose="020B0609020204030204" pitchFamily="49" charset="0"/>
+            </a:endParaRPr>
+          </a:p>
+          <a:p>
+            <a:r>
+              <a:rPr lang="da-DK" dirty="0">
+                <a:solidFill>
+                  <a:srgbClr val="000000"/>
+                </a:solidFill>
+                <a:latin typeface="Consolas" panose="020B0609020204030204" pitchFamily="49" charset="0"/>
+              </a:rPr>
+              <a:t>{</a:t>
+            </a:r>
+          </a:p>
+          <a:p>
+            <a:r>
+              <a:rPr lang="en-US" dirty="0">
+                <a:solidFill>
+                  <a:srgbClr val="000000"/>
+                </a:solidFill>
+                <a:latin typeface="Consolas" panose="020B0609020204030204" pitchFamily="49" charset="0"/>
+              </a:rPr>
+              <a:t>    </a:t>
+            </a:r>
+            <a:r>
+              <a:rPr lang="en-US" dirty="0">
+                <a:solidFill>
+                  <a:srgbClr val="0000FF"/>
+                </a:solidFill>
+                <a:latin typeface="Consolas" panose="020B0609020204030204" pitchFamily="49" charset="0"/>
+              </a:rPr>
+              <a:t>public</a:t>
+            </a:r>
+            <a:r>
+              <a:rPr lang="en-US" dirty="0">
+                <a:solidFill>
+                  <a:srgbClr val="000000"/>
+                </a:solidFill>
+                <a:latin typeface="Consolas" panose="020B0609020204030204" pitchFamily="49" charset="0"/>
+              </a:rPr>
+              <a:t> </a:t>
+            </a:r>
+            <a:r>
+              <a:rPr lang="en-US" dirty="0">
+                <a:solidFill>
+                  <a:srgbClr val="0000FF"/>
+                </a:solidFill>
+                <a:latin typeface="Consolas" panose="020B0609020204030204" pitchFamily="49" charset="0"/>
+              </a:rPr>
+              <a:t>bool</a:t>
+            </a:r>
+            <a:r>
+              <a:rPr lang="en-US" dirty="0">
+                <a:solidFill>
+                  <a:srgbClr val="000000"/>
+                </a:solidFill>
+                <a:latin typeface="Consolas" panose="020B0609020204030204" pitchFamily="49" charset="0"/>
+              </a:rPr>
+              <a:t> Update(</a:t>
+            </a:r>
+            <a:r>
+              <a:rPr lang="en-US" dirty="0">
+                <a:solidFill>
+                  <a:srgbClr val="2B91AF"/>
+                </a:solidFill>
+                <a:latin typeface="Consolas" panose="020B0609020204030204" pitchFamily="49" charset="0"/>
+              </a:rPr>
+              <a:t>Foo</a:t>
+            </a:r>
+            <a:r>
+              <a:rPr lang="en-US" dirty="0">
+                <a:solidFill>
+                  <a:srgbClr val="000000"/>
+                </a:solidFill>
+                <a:latin typeface="Consolas" panose="020B0609020204030204" pitchFamily="49" charset="0"/>
+              </a:rPr>
+              <a:t> foo)</a:t>
+            </a:r>
+          </a:p>
+          <a:p>
+            <a:r>
+              <a:rPr lang="da-DK" dirty="0">
+                <a:solidFill>
+                  <a:srgbClr val="000000"/>
+                </a:solidFill>
+                <a:latin typeface="Consolas" panose="020B0609020204030204" pitchFamily="49" charset="0"/>
+              </a:rPr>
+              <a:t>    {</a:t>
+            </a:r>
+          </a:p>
+          <a:p>
+            <a:r>
+              <a:rPr lang="da-DK" dirty="0">
+                <a:solidFill>
+                  <a:srgbClr val="000000"/>
+                </a:solidFill>
+                <a:latin typeface="Consolas" panose="020B0609020204030204" pitchFamily="49" charset="0"/>
+              </a:rPr>
+              <a:t>        </a:t>
+            </a:r>
+            <a:r>
+              <a:rPr lang="da-DK" dirty="0">
+                <a:solidFill>
+                  <a:srgbClr val="008000"/>
+                </a:solidFill>
+                <a:latin typeface="Consolas" panose="020B0609020204030204" pitchFamily="49" charset="0"/>
+              </a:rPr>
+              <a:t>// </a:t>
+            </a:r>
+            <a:r>
+              <a:rPr lang="da-DK" dirty="0" err="1">
+                <a:solidFill>
+                  <a:srgbClr val="008000"/>
+                </a:solidFill>
+                <a:latin typeface="Consolas" panose="020B0609020204030204" pitchFamily="49" charset="0"/>
+              </a:rPr>
+              <a:t>Implementation</a:t>
+            </a:r>
+            <a:endParaRPr lang="da-DK" dirty="0">
+              <a:solidFill>
+                <a:srgbClr val="000000"/>
+              </a:solidFill>
+              <a:latin typeface="Consolas" panose="020B0609020204030204" pitchFamily="49" charset="0"/>
+            </a:endParaRPr>
+          </a:p>
+          <a:p>
+            <a:r>
+              <a:rPr lang="da-DK" dirty="0">
+                <a:solidFill>
+                  <a:srgbClr val="000000"/>
+                </a:solidFill>
+                <a:latin typeface="Consolas" panose="020B0609020204030204" pitchFamily="49" charset="0"/>
+              </a:rPr>
+              <a:t>    }</a:t>
+            </a:r>
+          </a:p>
+          <a:p>
+            <a:r>
+              <a:rPr lang="da-DK" dirty="0">
+                <a:solidFill>
+                  <a:srgbClr val="000000"/>
+                </a:solidFill>
+                <a:latin typeface="Consolas" panose="020B0609020204030204" pitchFamily="49" charset="0"/>
+              </a:rPr>
+              <a:t>}</a:t>
+            </a:r>
+            <a:endParaRPr lang="da-DK" dirty="0"/>
+          </a:p>
+        </p:txBody>
+      </p:sp>
+      <p:sp>
+        <p:nvSpPr>
+          <p:cNvPr id="4" name="Speech Bubble: Rectangle 3"/>
+          <p:cNvSpPr/>
+          <p:nvPr/>
+        </p:nvSpPr>
+        <p:spPr bwMode="auto">
+          <a:xfrm>
+            <a:off x="5760549" y="2034238"/>
+            <a:ext cx="2925620" cy="636870"/>
+          </a:xfrm>
+          <a:prstGeom prst="wedgeRectCallout">
+            <a:avLst>
+              <a:gd name="adj1" fmla="val -82220"/>
+              <a:gd name="adj2" fmla="val 135337"/>
+            </a:avLst>
+          </a:prstGeom>
+          <a:solidFill>
+            <a:srgbClr val="68217A"/>
+          </a:solidFill>
+          <a:ln>
+            <a:noFill/>
+            <a:headEnd type="none" w="med" len="med"/>
+            <a:tailEnd type="none" w="med" len="med"/>
+          </a:ln>
+          <a:effectLst/>
+        </p:spPr>
+        <p:style>
+          <a:lnRef idx="1">
+            <a:schemeClr val="accent2"/>
+          </a:lnRef>
+          <a:fillRef idx="3">
+            <a:schemeClr val="accent2"/>
+          </a:fillRef>
+          <a:effectRef idx="2">
+            <a:schemeClr val="accent2"/>
+          </a:effectRef>
+          <a:fontRef idx="minor">
+            <a:schemeClr val="lt1"/>
+          </a:fontRef>
+        </p:style>
+        <p:txBody>
+          <a:bodyPr rot="0" spcFirstLastPara="0" vertOverflow="overflow" horzOverflow="overflow" vert="horz" wrap="square" lIns="182880" tIns="146304" rIns="182880" bIns="146304" numCol="1" spcCol="0" rtlCol="0" fromWordArt="0" anchor="t" anchorCtr="0" forceAA="0" compatLnSpc="1">
+            <a:prstTxWarp prst="textNoShape">
+              <a:avLst/>
+            </a:prstTxWarp>
+            <a:noAutofit/>
+          </a:bodyPr>
+          <a:lstStyle/>
+          <a:p>
+            <a:pPr algn="ctr" defTabSz="932472" fontAlgn="base">
+              <a:lnSpc>
+                <a:spcPct val="90000"/>
+              </a:lnSpc>
+              <a:spcBef>
+                <a:spcPct val="0"/>
+              </a:spcBef>
+              <a:spcAft>
+                <a:spcPct val="0"/>
+              </a:spcAft>
+            </a:pPr>
+            <a:r>
+              <a:rPr lang="da-DK" sz="2400" dirty="0" err="1">
+                <a:gradFill>
+                  <a:gsLst>
+                    <a:gs pos="0">
+                      <a:srgbClr val="FFFFFF"/>
+                    </a:gs>
+                    <a:gs pos="100000">
+                      <a:srgbClr val="FFFFFF"/>
+                    </a:gs>
+                  </a:gsLst>
+                  <a:lin ang="5400000" scaled="0"/>
+                </a:gradFill>
+                <a:ea typeface="Segoe UI" pitchFamily="34" charset="0"/>
+                <a:cs typeface="Segoe UI" pitchFamily="34" charset="0"/>
+              </a:rPr>
+              <a:t>Pun</a:t>
+            </a:r>
+            <a:r>
+              <a:rPr lang="da-DK" sz="2400" dirty="0">
+                <a:gradFill>
+                  <a:gsLst>
+                    <a:gs pos="0">
+                      <a:srgbClr val="FFFFFF"/>
+                    </a:gs>
+                    <a:gs pos="100000">
+                      <a:srgbClr val="FFFFFF"/>
+                    </a:gs>
+                  </a:gsLst>
+                  <a:lin ang="5400000" scaled="0"/>
+                </a:gradFill>
+                <a:ea typeface="Segoe UI" pitchFamily="34" charset="0"/>
+                <a:cs typeface="Segoe UI" pitchFamily="34" charset="0"/>
+              </a:rPr>
+              <a:t> </a:t>
+            </a:r>
+            <a:r>
+              <a:rPr lang="da-DK" sz="2400" dirty="0" err="1">
+                <a:gradFill>
+                  <a:gsLst>
+                    <a:gs pos="0">
+                      <a:srgbClr val="FFFFFF"/>
+                    </a:gs>
+                    <a:gs pos="100000">
+                      <a:srgbClr val="FFFFFF"/>
+                    </a:gs>
+                  </a:gsLst>
+                  <a:lin ang="5400000" scaled="0"/>
+                </a:gradFill>
+                <a:ea typeface="Segoe UI" pitchFamily="34" charset="0"/>
+                <a:cs typeface="Segoe UI" pitchFamily="34" charset="0"/>
+              </a:rPr>
+              <a:t>intended</a:t>
+            </a:r>
+            <a:endParaRPr lang="da-DK" sz="2400" dirty="0">
+              <a:gradFill>
+                <a:gsLst>
+                  <a:gs pos="0">
+                    <a:srgbClr val="FFFFFF"/>
+                  </a:gs>
+                  <a:gs pos="100000">
+                    <a:srgbClr val="FFFFFF"/>
+                  </a:gs>
+                </a:gsLst>
+                <a:lin ang="5400000" scaled="0"/>
+              </a:gradFill>
+              <a:ea typeface="Segoe UI" pitchFamily="34" charset="0"/>
+              <a:cs typeface="Segoe UI" pitchFamily="34" charset="0"/>
+            </a:endParaRPr>
+          </a:p>
+        </p:txBody>
+      </p:sp>
+    </p:spTree>
+    <p:extLst>
+      <p:ext uri="{BB962C8B-B14F-4D97-AF65-F5344CB8AC3E}">
+        <p14:creationId xmlns:p14="http://schemas.microsoft.com/office/powerpoint/2010/main" val="696088466"/>
+      </p:ext>
+    </p:extLst>
+  </p:cSld>
+  <p:clrMapOvr>
+    <a:masterClrMapping/>
+  </p:clrMapOvr>
+  <p:transition>
+    <p:fade/>
+  </p:transition>
+  <p:timing>
+    <p:tnLst>
+      <p:par>
+        <p:cTn id="1" dur="indefinite" restart="never" nodeType="tmRoot">
+          <p:childTnLst>
+            <p:seq concurrent="1" nextAc="seek">
+              <p:cTn id="2" dur="indefinite" nodeType="mainSeq">
+                <p:childTnLst>
+                  <p:par>
+                    <p:cTn id="3" fill="hold">
+                      <p:stCondLst>
+                        <p:cond delay="indefinite"/>
+                      </p:stCondLst>
+                      <p:childTnLst>
+                        <p:par>
+                          <p:cTn id="4" fill="hold">
+                            <p:stCondLst>
+                              <p:cond delay="0"/>
+                            </p:stCondLst>
+                            <p:childTnLst>
+                              <p:par>
+                                <p:cTn id="5" presetID="1" presetClass="entr" presetSubtype="0" fill="hold" grpId="0" nodeType="clickEffect">
+                                  <p:stCondLst>
+                                    <p:cond delay="0"/>
+                                  </p:stCondLst>
+                                  <p:childTnLst>
+                                    <p:set>
+                                      <p:cBhvr>
+                                        <p:cTn id="6" dur="1" fill="hold">
+                                          <p:stCondLst>
+                                            <p:cond delay="0"/>
+                                          </p:stCondLst>
+                                        </p:cTn>
+                                        <p:tgtEl>
+                                          <p:spTgt spid="4"/>
+                                        </p:tgtEl>
+                                        <p:attrNameLst>
+                                          <p:attrName>style.visibility</p:attrName>
+                                        </p:attrNameLst>
+                                      </p:cBhvr>
+                                      <p:to>
+                                        <p:strVal val="visible"/>
+                                      </p:to>
+                                    </p:set>
+                                  </p:childTnLst>
+                                </p:cTn>
+                              </p:par>
+                            </p:childTnLst>
+                          </p:cTn>
+                        </p:par>
+                      </p:childTnLst>
+                    </p:cTn>
+                  </p:par>
+                </p:childTnLst>
+              </p:cTn>
+              <p:prevCondLst>
+                <p:cond evt="onPrev" delay="0">
+                  <p:tgtEl>
+                    <p:sldTgt/>
+                  </p:tgtEl>
+                </p:cond>
+              </p:prevCondLst>
+              <p:nextCondLst>
+                <p:cond evt="onNext" delay="0">
+                  <p:tgtEl>
+                    <p:sldTgt/>
+                  </p:tgtEl>
+                </p:cond>
+              </p:nextCondLst>
+            </p:seq>
+          </p:childTnLst>
+        </p:cTn>
+      </p:par>
+    </p:tnLst>
+    <p:bldLst>
+      <p:bldP spid="4" grpId="0" animBg="1"/>
+    </p:bldLst>
+  </p:timing>
+</p:sld>
+</file>
+
+<file path=ppt/slides/slide14.xml><?xml version="1.0" encoding="utf-8"?>
+<p:sld xmlns:a="http://schemas.openxmlformats.org/drawingml/2006/main" xmlns:r="http://schemas.openxmlformats.org/officeDocument/2006/relationships" xmlns:p="http://schemas.openxmlformats.org/presentationml/2006/main">
+  <p:cSld>
+    <p:spTree>
+      <p:nvGrpSpPr>
+        <p:cNvPr id="1" name=""/>
+        <p:cNvGrpSpPr/>
+        <p:nvPr/>
+      </p:nvGrpSpPr>
+      <p:grpSpPr>
+        <a:xfrm>
+          <a:off x="0" y="0"/>
+          <a:ext cx="0" cy="0"/>
+          <a:chOff x="0" y="0"/>
+          <a:chExt cx="0" cy="0"/>
+        </a:xfrm>
+      </p:grpSpPr>
+      <p:sp>
+        <p:nvSpPr>
+          <p:cNvPr id="2" name="Title 1"/>
+          <p:cNvSpPr>
+            <a:spLocks noGrp="1"/>
+          </p:cNvSpPr>
+          <p:nvPr>
+            <p:ph type="title"/>
+          </p:nvPr>
+        </p:nvSpPr>
+        <p:spPr/>
+        <p:txBody>
+          <a:bodyPr/>
+          <a:lstStyle/>
+          <a:p>
+            <a:r>
+              <a:rPr lang="da-DK" dirty="0" err="1"/>
+              <a:t>When</a:t>
+            </a:r>
+            <a:r>
+              <a:rPr lang="da-DK" dirty="0"/>
+              <a:t> interface not </a:t>
+            </a:r>
+            <a:r>
+              <a:rPr lang="da-DK" dirty="0" err="1"/>
+              <a:t>possible</a:t>
+            </a:r>
+            <a:r>
+              <a:rPr lang="da-DK" dirty="0"/>
+              <a:t> </a:t>
+            </a:r>
+            <a:r>
+              <a:rPr lang="da-DK" dirty="0" err="1"/>
+              <a:t>directly</a:t>
+            </a:r>
+            <a:r>
+              <a:rPr lang="da-DK" dirty="0"/>
+              <a:t>, </a:t>
+            </a:r>
+            <a:r>
+              <a:rPr lang="da-DK" dirty="0" err="1"/>
+              <a:t>use</a:t>
+            </a:r>
+            <a:r>
+              <a:rPr lang="da-DK" dirty="0"/>
+              <a:t> Adapter pattern II</a:t>
+            </a:r>
+            <a:endParaRPr lang="da-DK" dirty="0"/>
+          </a:p>
+        </p:txBody>
+      </p:sp>
+      <p:sp>
+        <p:nvSpPr>
+          <p:cNvPr id="3" name="Rectangle 2"/>
+          <p:cNvSpPr/>
+          <p:nvPr/>
+        </p:nvSpPr>
+        <p:spPr>
+          <a:xfrm>
+            <a:off x="227910" y="2491433"/>
+            <a:ext cx="8870742" cy="3693319"/>
+          </a:xfrm>
+          <a:prstGeom prst="rect">
+            <a:avLst/>
+          </a:prstGeom>
+        </p:spPr>
+        <p:txBody>
+          <a:bodyPr wrap="square">
+            <a:spAutoFit/>
+          </a:bodyPr>
+          <a:lstStyle/>
+          <a:p>
+            <a:r>
+              <a:rPr lang="da-DK" dirty="0">
+                <a:solidFill>
+                  <a:srgbClr val="0000FF"/>
+                </a:solidFill>
+                <a:latin typeface="Consolas" panose="020B0609020204030204" pitchFamily="49" charset="0"/>
+              </a:rPr>
+              <a:t>public</a:t>
+            </a:r>
+            <a:r>
+              <a:rPr lang="da-DK" dirty="0">
+                <a:solidFill>
+                  <a:srgbClr val="000000"/>
+                </a:solidFill>
+                <a:latin typeface="Consolas" panose="020B0609020204030204" pitchFamily="49" charset="0"/>
+              </a:rPr>
+              <a:t> </a:t>
+            </a:r>
+            <a:r>
+              <a:rPr lang="da-DK" dirty="0">
+                <a:solidFill>
+                  <a:srgbClr val="0000FF"/>
+                </a:solidFill>
+                <a:latin typeface="Consolas" panose="020B0609020204030204" pitchFamily="49" charset="0"/>
+              </a:rPr>
+              <a:t>class</a:t>
+            </a:r>
+            <a:r>
+              <a:rPr lang="da-DK" dirty="0">
+                <a:solidFill>
+                  <a:srgbClr val="000000"/>
+                </a:solidFill>
+                <a:latin typeface="Consolas" panose="020B0609020204030204" pitchFamily="49" charset="0"/>
+              </a:rPr>
+              <a:t> </a:t>
+            </a:r>
+            <a:r>
+              <a:rPr lang="da-DK" dirty="0" err="1">
+                <a:solidFill>
+                  <a:srgbClr val="2B91AF"/>
+                </a:solidFill>
+                <a:latin typeface="Consolas" panose="020B0609020204030204" pitchFamily="49" charset="0"/>
+              </a:rPr>
+              <a:t>FoolishServiceAdapter</a:t>
+            </a:r>
+            <a:r>
+              <a:rPr lang="da-DK" dirty="0">
+                <a:solidFill>
+                  <a:srgbClr val="000000"/>
+                </a:solidFill>
+                <a:latin typeface="Consolas" panose="020B0609020204030204" pitchFamily="49" charset="0"/>
+              </a:rPr>
+              <a:t> : </a:t>
+            </a:r>
+            <a:r>
+              <a:rPr lang="da-DK" dirty="0" err="1">
+                <a:solidFill>
+                  <a:srgbClr val="2B91AF"/>
+                </a:solidFill>
+                <a:latin typeface="Consolas" panose="020B0609020204030204" pitchFamily="49" charset="0"/>
+              </a:rPr>
+              <a:t>IFooService</a:t>
+            </a:r>
+            <a:endParaRPr lang="da-DK" dirty="0">
+              <a:solidFill>
+                <a:srgbClr val="000000"/>
+              </a:solidFill>
+              <a:latin typeface="Consolas" panose="020B0609020204030204" pitchFamily="49" charset="0"/>
+            </a:endParaRPr>
+          </a:p>
+          <a:p>
+            <a:r>
+              <a:rPr lang="da-DK" dirty="0">
+                <a:solidFill>
+                  <a:srgbClr val="000000"/>
+                </a:solidFill>
+                <a:latin typeface="Consolas" panose="020B0609020204030204" pitchFamily="49" charset="0"/>
+              </a:rPr>
+              <a:t>{</a:t>
+            </a:r>
+          </a:p>
+          <a:p>
+            <a:r>
+              <a:rPr lang="en-US" dirty="0">
+                <a:solidFill>
+                  <a:srgbClr val="000000"/>
+                </a:solidFill>
+                <a:latin typeface="Consolas" panose="020B0609020204030204" pitchFamily="49" charset="0"/>
+              </a:rPr>
+              <a:t>    </a:t>
+            </a:r>
+            <a:r>
+              <a:rPr lang="en-US" dirty="0">
+                <a:solidFill>
+                  <a:srgbClr val="0000FF"/>
+                </a:solidFill>
+                <a:latin typeface="Consolas" panose="020B0609020204030204" pitchFamily="49" charset="0"/>
+              </a:rPr>
+              <a:t>private</a:t>
+            </a:r>
+            <a:r>
+              <a:rPr lang="en-US" dirty="0">
+                <a:solidFill>
+                  <a:srgbClr val="000000"/>
+                </a:solidFill>
+                <a:latin typeface="Consolas" panose="020B0609020204030204" pitchFamily="49" charset="0"/>
+              </a:rPr>
+              <a:t> </a:t>
+            </a:r>
+            <a:r>
+              <a:rPr lang="en-US" dirty="0" err="1">
+                <a:solidFill>
+                  <a:srgbClr val="0000FF"/>
+                </a:solidFill>
+                <a:latin typeface="Consolas" panose="020B0609020204030204" pitchFamily="49" charset="0"/>
+              </a:rPr>
+              <a:t>readonly</a:t>
+            </a:r>
+            <a:r>
+              <a:rPr lang="en-US" dirty="0">
+                <a:solidFill>
+                  <a:srgbClr val="000000"/>
+                </a:solidFill>
+                <a:latin typeface="Consolas" panose="020B0609020204030204" pitchFamily="49" charset="0"/>
+              </a:rPr>
+              <a:t> </a:t>
+            </a:r>
+            <a:r>
+              <a:rPr lang="en-US" dirty="0" err="1">
+                <a:solidFill>
+                  <a:srgbClr val="2B91AF"/>
+                </a:solidFill>
+                <a:latin typeface="Consolas" panose="020B0609020204030204" pitchFamily="49" charset="0"/>
+              </a:rPr>
+              <a:t>FoolishService</a:t>
+            </a:r>
+            <a:r>
+              <a:rPr lang="en-US" dirty="0">
+                <a:solidFill>
+                  <a:srgbClr val="000000"/>
+                </a:solidFill>
+                <a:latin typeface="Consolas" panose="020B0609020204030204" pitchFamily="49" charset="0"/>
+              </a:rPr>
+              <a:t> _service = </a:t>
+            </a:r>
+            <a:r>
+              <a:rPr lang="en-US" dirty="0">
+                <a:solidFill>
+                  <a:srgbClr val="0000FF"/>
+                </a:solidFill>
+                <a:latin typeface="Consolas" panose="020B0609020204030204" pitchFamily="49" charset="0"/>
+              </a:rPr>
+              <a:t>new</a:t>
+            </a:r>
+            <a:r>
+              <a:rPr lang="en-US" dirty="0">
+                <a:solidFill>
+                  <a:srgbClr val="000000"/>
+                </a:solidFill>
+                <a:latin typeface="Consolas" panose="020B0609020204030204" pitchFamily="49" charset="0"/>
+              </a:rPr>
+              <a:t> </a:t>
+            </a:r>
+            <a:r>
+              <a:rPr lang="en-US" dirty="0" err="1">
+                <a:solidFill>
+                  <a:srgbClr val="2B91AF"/>
+                </a:solidFill>
+                <a:latin typeface="Consolas" panose="020B0609020204030204" pitchFamily="49" charset="0"/>
+              </a:rPr>
+              <a:t>FoolishService</a:t>
+            </a:r>
+            <a:r>
+              <a:rPr lang="en-US" dirty="0">
+                <a:solidFill>
+                  <a:srgbClr val="000000"/>
+                </a:solidFill>
+                <a:latin typeface="Consolas" panose="020B0609020204030204" pitchFamily="49" charset="0"/>
+              </a:rPr>
+              <a:t>();</a:t>
+            </a:r>
+          </a:p>
+          <a:p>
+            <a:endParaRPr lang="da-DK" dirty="0">
+              <a:solidFill>
+                <a:srgbClr val="000000"/>
+              </a:solidFill>
+              <a:latin typeface="Consolas" panose="020B0609020204030204" pitchFamily="49" charset="0"/>
+            </a:endParaRPr>
+          </a:p>
+          <a:p>
+            <a:r>
+              <a:rPr lang="en-US" dirty="0">
+                <a:solidFill>
+                  <a:srgbClr val="000000"/>
+                </a:solidFill>
+                <a:latin typeface="Consolas" panose="020B0609020204030204" pitchFamily="49" charset="0"/>
+              </a:rPr>
+              <a:t>    </a:t>
+            </a:r>
+            <a:r>
+              <a:rPr lang="en-US" dirty="0">
+                <a:solidFill>
+                  <a:srgbClr val="0000FF"/>
+                </a:solidFill>
+                <a:latin typeface="Consolas" panose="020B0609020204030204" pitchFamily="49" charset="0"/>
+              </a:rPr>
+              <a:t>public</a:t>
+            </a:r>
+            <a:r>
+              <a:rPr lang="en-US" dirty="0">
+                <a:solidFill>
+                  <a:srgbClr val="000000"/>
+                </a:solidFill>
+                <a:latin typeface="Consolas" panose="020B0609020204030204" pitchFamily="49" charset="0"/>
+              </a:rPr>
+              <a:t> </a:t>
+            </a:r>
+            <a:r>
+              <a:rPr lang="en-US" dirty="0">
+                <a:solidFill>
+                  <a:srgbClr val="0000FF"/>
+                </a:solidFill>
+                <a:latin typeface="Consolas" panose="020B0609020204030204" pitchFamily="49" charset="0"/>
+              </a:rPr>
+              <a:t>bool</a:t>
+            </a:r>
+            <a:r>
+              <a:rPr lang="en-US" dirty="0">
+                <a:solidFill>
+                  <a:srgbClr val="000000"/>
+                </a:solidFill>
+                <a:latin typeface="Consolas" panose="020B0609020204030204" pitchFamily="49" charset="0"/>
+              </a:rPr>
+              <a:t> Update(</a:t>
+            </a:r>
+            <a:r>
+              <a:rPr lang="en-US" dirty="0">
+                <a:solidFill>
+                  <a:srgbClr val="2B91AF"/>
+                </a:solidFill>
+                <a:latin typeface="Consolas" panose="020B0609020204030204" pitchFamily="49" charset="0"/>
+              </a:rPr>
+              <a:t>Foo</a:t>
+            </a:r>
+            <a:r>
+              <a:rPr lang="en-US" dirty="0">
+                <a:solidFill>
+                  <a:srgbClr val="000000"/>
+                </a:solidFill>
+                <a:latin typeface="Consolas" panose="020B0609020204030204" pitchFamily="49" charset="0"/>
+              </a:rPr>
+              <a:t> foo)</a:t>
+            </a:r>
+          </a:p>
+          <a:p>
+            <a:r>
+              <a:rPr lang="da-DK" dirty="0">
+                <a:solidFill>
+                  <a:srgbClr val="000000"/>
+                </a:solidFill>
+                <a:latin typeface="Consolas" panose="020B0609020204030204" pitchFamily="49" charset="0"/>
+              </a:rPr>
+              <a:t>    {</a:t>
+            </a:r>
+          </a:p>
+          <a:p>
+            <a:r>
+              <a:rPr lang="da-DK" dirty="0">
+                <a:solidFill>
+                  <a:srgbClr val="000000"/>
+                </a:solidFill>
+                <a:latin typeface="Consolas" panose="020B0609020204030204" pitchFamily="49" charset="0"/>
+              </a:rPr>
+              <a:t>        </a:t>
+            </a:r>
+            <a:r>
+              <a:rPr lang="da-DK" dirty="0">
+                <a:solidFill>
+                  <a:srgbClr val="0000FF"/>
+                </a:solidFill>
+                <a:latin typeface="Consolas" panose="020B0609020204030204" pitchFamily="49" charset="0"/>
+              </a:rPr>
+              <a:t>return</a:t>
+            </a:r>
+            <a:r>
+              <a:rPr lang="da-DK" dirty="0">
+                <a:solidFill>
+                  <a:srgbClr val="000000"/>
+                </a:solidFill>
+                <a:latin typeface="Consolas" panose="020B0609020204030204" pitchFamily="49" charset="0"/>
+              </a:rPr>
+              <a:t> _</a:t>
+            </a:r>
+            <a:r>
+              <a:rPr lang="da-DK" dirty="0" err="1">
+                <a:solidFill>
+                  <a:srgbClr val="000000"/>
+                </a:solidFill>
+                <a:latin typeface="Consolas" panose="020B0609020204030204" pitchFamily="49" charset="0"/>
+              </a:rPr>
+              <a:t>service.Update</a:t>
+            </a:r>
+            <a:r>
+              <a:rPr lang="da-DK" dirty="0">
+                <a:solidFill>
+                  <a:srgbClr val="000000"/>
+                </a:solidFill>
+                <a:latin typeface="Consolas" panose="020B0609020204030204" pitchFamily="49" charset="0"/>
+              </a:rPr>
+              <a:t>(</a:t>
+            </a:r>
+            <a:r>
+              <a:rPr lang="da-DK" dirty="0" err="1">
+                <a:solidFill>
+                  <a:srgbClr val="000000"/>
+                </a:solidFill>
+                <a:latin typeface="Consolas" panose="020B0609020204030204" pitchFamily="49" charset="0"/>
+              </a:rPr>
+              <a:t>foo</a:t>
+            </a:r>
+            <a:r>
+              <a:rPr lang="da-DK" dirty="0">
+                <a:solidFill>
+                  <a:srgbClr val="000000"/>
+                </a:solidFill>
+                <a:latin typeface="Consolas" panose="020B0609020204030204" pitchFamily="49" charset="0"/>
+              </a:rPr>
+              <a:t>);</a:t>
+            </a:r>
+          </a:p>
+          <a:p>
+            <a:r>
+              <a:rPr lang="da-DK" dirty="0">
+                <a:solidFill>
+                  <a:srgbClr val="000000"/>
+                </a:solidFill>
+                <a:latin typeface="Consolas" panose="020B0609020204030204" pitchFamily="49" charset="0"/>
+              </a:rPr>
+              <a:t>    }</a:t>
+            </a:r>
+          </a:p>
+          <a:p>
+            <a:endParaRPr lang="da-DK" dirty="0">
+              <a:solidFill>
+                <a:srgbClr val="000000"/>
+              </a:solidFill>
+              <a:latin typeface="Consolas" panose="020B0609020204030204" pitchFamily="49" charset="0"/>
+            </a:endParaRPr>
+          </a:p>
+          <a:p>
+            <a:r>
+              <a:rPr lang="da-DK" dirty="0">
+                <a:solidFill>
+                  <a:srgbClr val="000000"/>
+                </a:solidFill>
+                <a:latin typeface="Consolas" panose="020B0609020204030204" pitchFamily="49" charset="0"/>
+              </a:rPr>
+              <a:t>    </a:t>
+            </a:r>
+            <a:r>
+              <a:rPr lang="da-DK" dirty="0">
+                <a:solidFill>
+                  <a:srgbClr val="0000FF"/>
+                </a:solidFill>
+                <a:latin typeface="Consolas" panose="020B0609020204030204" pitchFamily="49" charset="0"/>
+              </a:rPr>
+              <a:t>public</a:t>
+            </a:r>
+            <a:r>
+              <a:rPr lang="da-DK" dirty="0">
+                <a:solidFill>
+                  <a:srgbClr val="000000"/>
+                </a:solidFill>
+                <a:latin typeface="Consolas" panose="020B0609020204030204" pitchFamily="49" charset="0"/>
+              </a:rPr>
+              <a:t> </a:t>
+            </a:r>
+            <a:r>
+              <a:rPr lang="da-DK" dirty="0" err="1">
+                <a:solidFill>
+                  <a:srgbClr val="0000FF"/>
+                </a:solidFill>
+                <a:latin typeface="Consolas" panose="020B0609020204030204" pitchFamily="49" charset="0"/>
+              </a:rPr>
+              <a:t>void</a:t>
+            </a:r>
+            <a:r>
+              <a:rPr lang="da-DK" dirty="0">
+                <a:solidFill>
+                  <a:srgbClr val="000000"/>
+                </a:solidFill>
+                <a:latin typeface="Consolas" panose="020B0609020204030204" pitchFamily="49" charset="0"/>
+              </a:rPr>
+              <a:t> Dispose()</a:t>
+            </a:r>
+          </a:p>
+          <a:p>
+            <a:r>
+              <a:rPr lang="da-DK" dirty="0">
+                <a:solidFill>
+                  <a:srgbClr val="000000"/>
+                </a:solidFill>
+                <a:latin typeface="Consolas" panose="020B0609020204030204" pitchFamily="49" charset="0"/>
+              </a:rPr>
+              <a:t>    {</a:t>
+            </a:r>
+          </a:p>
+          <a:p>
+            <a:r>
+              <a:rPr lang="da-DK" dirty="0">
+                <a:solidFill>
+                  <a:srgbClr val="000000"/>
+                </a:solidFill>
+                <a:latin typeface="Consolas" panose="020B0609020204030204" pitchFamily="49" charset="0"/>
+              </a:rPr>
+              <a:t>    }</a:t>
+            </a:r>
+          </a:p>
+          <a:p>
+            <a:r>
+              <a:rPr lang="da-DK" dirty="0">
+                <a:solidFill>
+                  <a:srgbClr val="000000"/>
+                </a:solidFill>
+                <a:latin typeface="Consolas" panose="020B0609020204030204" pitchFamily="49" charset="0"/>
+              </a:rPr>
+              <a:t>}</a:t>
+            </a:r>
+            <a:endParaRPr lang="da-DK" dirty="0"/>
+          </a:p>
+        </p:txBody>
+      </p:sp>
+    </p:spTree>
+    <p:extLst>
+      <p:ext uri="{BB962C8B-B14F-4D97-AF65-F5344CB8AC3E}">
+        <p14:creationId xmlns:p14="http://schemas.microsoft.com/office/powerpoint/2010/main" val="241639964"/>
+      </p:ext>
+    </p:extLst>
+  </p:cSld>
+  <p:clrMapOvr>
+    <a:masterClrMapping/>
+  </p:clrMapOvr>
+  <p:transition>
+    <p:fade/>
+  </p:transition>
+</p:sld>
+</file>
+
+<file path=ppt/slides/slide15.xml><?xml version="1.0" encoding="utf-8"?>
+<p:sld xmlns:a="http://schemas.openxmlformats.org/drawingml/2006/main" xmlns:r="http://schemas.openxmlformats.org/officeDocument/2006/relationships" xmlns:p="http://schemas.openxmlformats.org/presentationml/2006/main">
+  <p:cSld>
+    <p:bg>
+      <p:bgPr>
+        <a:solidFill>
+          <a:srgbClr val="00188F"/>
+        </a:solidFill>
+        <a:effectLst/>
+      </p:bgPr>
+    </p:bg>
+    <p:spTree>
+      <p:nvGrpSpPr>
+        <p:cNvPr id="1" name=""/>
+        <p:cNvGrpSpPr/>
+        <p:nvPr/>
+      </p:nvGrpSpPr>
+      <p:grpSpPr>
+        <a:xfrm>
+          <a:off x="0" y="0"/>
+          <a:ext cx="0" cy="0"/>
+          <a:chOff x="0" y="0"/>
+          <a:chExt cx="0" cy="0"/>
+        </a:xfrm>
+      </p:grpSpPr>
+      <p:sp>
+        <p:nvSpPr>
+          <p:cNvPr id="3" name="Text Placeholder 2"/>
+          <p:cNvSpPr>
+            <a:spLocks noGrp="1"/>
+          </p:cNvSpPr>
+          <p:nvPr>
+            <p:ph type="body" sz="quarter" idx="10"/>
+          </p:nvPr>
+        </p:nvSpPr>
+        <p:spPr>
+          <a:xfrm>
+            <a:off x="274209" y="1221503"/>
+            <a:ext cx="8778240" cy="1902059"/>
+          </a:xfrm>
+        </p:spPr>
+        <p:txBody>
+          <a:bodyPr/>
+          <a:lstStyle/>
+          <a:p>
+            <a:pPr marL="0" indent="0">
+              <a:buNone/>
+            </a:pPr>
+            <a:r>
+              <a:rPr lang="da-DK" dirty="0">
+                <a:solidFill>
+                  <a:schemeClr val="bg1"/>
+                </a:solidFill>
+              </a:rPr>
+              <a:t>Single </a:t>
+            </a:r>
+            <a:r>
+              <a:rPr lang="da-DK" dirty="0" err="1">
+                <a:solidFill>
+                  <a:schemeClr val="bg1"/>
+                </a:solidFill>
+              </a:rPr>
+              <a:t>Responsibility</a:t>
+            </a:r>
+            <a:r>
+              <a:rPr lang="da-DK" dirty="0">
+                <a:solidFill>
+                  <a:schemeClr val="bg1"/>
+                </a:solidFill>
+              </a:rPr>
+              <a:t> </a:t>
+            </a:r>
+            <a:r>
+              <a:rPr lang="da-DK" dirty="0" err="1">
+                <a:solidFill>
+                  <a:schemeClr val="bg1"/>
+                </a:solidFill>
+              </a:rPr>
+              <a:t>Principle</a:t>
+            </a:r>
+            <a:endParaRPr lang="da-DK" dirty="0">
+              <a:solidFill>
+                <a:schemeClr val="bg1"/>
+              </a:solidFill>
+            </a:endParaRPr>
+          </a:p>
+          <a:p>
+            <a:pPr marL="0" indent="0">
+              <a:buNone/>
+            </a:pPr>
+            <a:r>
+              <a:rPr lang="da-DK" dirty="0" err="1">
+                <a:solidFill>
+                  <a:schemeClr val="bg1"/>
+                </a:solidFill>
+              </a:rPr>
+              <a:t>Only</a:t>
+            </a:r>
+            <a:r>
+              <a:rPr lang="da-DK" dirty="0">
+                <a:solidFill>
+                  <a:schemeClr val="bg1"/>
+                </a:solidFill>
+              </a:rPr>
+              <a:t> </a:t>
+            </a:r>
+            <a:r>
+              <a:rPr lang="da-DK" dirty="0" err="1">
+                <a:solidFill>
+                  <a:schemeClr val="bg1"/>
+                </a:solidFill>
+              </a:rPr>
+              <a:t>testing</a:t>
+            </a:r>
+            <a:r>
+              <a:rPr lang="da-DK" dirty="0">
+                <a:solidFill>
+                  <a:schemeClr val="bg1"/>
+                </a:solidFill>
+              </a:rPr>
+              <a:t> the ”System Under Test”</a:t>
+            </a:r>
+          </a:p>
+          <a:p>
+            <a:pPr marL="0" indent="0">
+              <a:buNone/>
+            </a:pPr>
+            <a:r>
+              <a:rPr lang="da-DK" dirty="0" err="1">
+                <a:solidFill>
+                  <a:schemeClr val="bg1"/>
+                </a:solidFill>
+              </a:rPr>
+              <a:t>Use</a:t>
+            </a:r>
+            <a:r>
+              <a:rPr lang="da-DK" dirty="0">
+                <a:solidFill>
+                  <a:schemeClr val="bg1"/>
+                </a:solidFill>
+              </a:rPr>
+              <a:t> </a:t>
+            </a:r>
+            <a:r>
+              <a:rPr lang="da-DK" dirty="0" err="1">
+                <a:solidFill>
+                  <a:schemeClr val="bg1"/>
+                </a:solidFill>
+              </a:rPr>
+              <a:t>either</a:t>
+            </a:r>
+            <a:r>
+              <a:rPr lang="da-DK" dirty="0">
+                <a:solidFill>
+                  <a:schemeClr val="bg1"/>
+                </a:solidFill>
+              </a:rPr>
+              <a:t> </a:t>
+            </a:r>
+            <a:r>
+              <a:rPr lang="da-DK" dirty="0" err="1">
+                <a:solidFill>
+                  <a:schemeClr val="bg1"/>
+                </a:solidFill>
+              </a:rPr>
+              <a:t>mocks</a:t>
+            </a:r>
+            <a:r>
+              <a:rPr lang="da-DK" dirty="0">
+                <a:solidFill>
+                  <a:schemeClr val="bg1"/>
+                </a:solidFill>
+              </a:rPr>
+              <a:t> or stubs</a:t>
+            </a:r>
+          </a:p>
+        </p:txBody>
+      </p:sp>
+      <p:sp>
+        <p:nvSpPr>
+          <p:cNvPr id="2" name="Title 1"/>
+          <p:cNvSpPr>
+            <a:spLocks noGrp="1"/>
+          </p:cNvSpPr>
+          <p:nvPr>
+            <p:ph type="title"/>
+          </p:nvPr>
+        </p:nvSpPr>
+        <p:spPr/>
+        <p:txBody>
+          <a:bodyPr/>
+          <a:lstStyle/>
+          <a:p>
+            <a:r>
+              <a:rPr lang="da-DK" dirty="0" err="1">
+                <a:solidFill>
+                  <a:schemeClr val="bg1"/>
+                </a:solidFill>
+              </a:rPr>
+              <a:t>Testing</a:t>
+            </a:r>
+            <a:endParaRPr lang="da-DK" dirty="0">
+              <a:solidFill>
+                <a:schemeClr val="bg1"/>
+              </a:solidFill>
+            </a:endParaRPr>
+          </a:p>
+        </p:txBody>
+      </p:sp>
+    </p:spTree>
+    <p:extLst>
+      <p:ext uri="{BB962C8B-B14F-4D97-AF65-F5344CB8AC3E}">
+        <p14:creationId xmlns:p14="http://schemas.microsoft.com/office/powerpoint/2010/main" val="3945350199"/>
+      </p:ext>
+    </p:extLst>
+  </p:cSld>
+  <p:clrMapOvr>
+    <a:masterClrMapping/>
+  </p:clrMapOvr>
+  <p:transition>
+    <p:fade/>
+  </p:transition>
+</p:sld>
+</file>
+
+<file path=ppt/slides/slide16.xml><?xml version="1.0" encoding="utf-8"?>
+<p:sld xmlns:a="http://schemas.openxmlformats.org/drawingml/2006/main" xmlns:r="http://schemas.openxmlformats.org/officeDocument/2006/relationships" xmlns:p="http://schemas.openxmlformats.org/presentationml/2006/main">
+  <p:cSld>
+    <p:spTree>
+      <p:nvGrpSpPr>
+        <p:cNvPr id="1" name=""/>
+        <p:cNvGrpSpPr/>
+        <p:nvPr/>
+      </p:nvGrpSpPr>
+      <p:grpSpPr>
+        <a:xfrm>
+          <a:off x="0" y="0"/>
+          <a:ext cx="0" cy="0"/>
+          <a:chOff x="0" y="0"/>
+          <a:chExt cx="0" cy="0"/>
+        </a:xfrm>
+      </p:grpSpPr>
+      <p:sp>
+        <p:nvSpPr>
+          <p:cNvPr id="3" name="Title 2"/>
+          <p:cNvSpPr>
+            <a:spLocks noGrp="1"/>
+          </p:cNvSpPr>
+          <p:nvPr>
+            <p:ph type="title"/>
+          </p:nvPr>
+        </p:nvSpPr>
+        <p:spPr/>
+        <p:txBody>
+          <a:bodyPr/>
+          <a:lstStyle/>
+          <a:p>
+            <a:r>
+              <a:rPr lang="da-DK" dirty="0"/>
+              <a:t>Stub </a:t>
+            </a:r>
+            <a:r>
+              <a:rPr lang="da-DK" dirty="0" err="1"/>
+              <a:t>testing</a:t>
+            </a:r>
+            <a:endParaRPr lang="da-DK" dirty="0"/>
+          </a:p>
+        </p:txBody>
+      </p:sp>
+      <p:sp>
+        <p:nvSpPr>
+          <p:cNvPr id="4" name="Rectangle 3"/>
+          <p:cNvSpPr/>
+          <p:nvPr/>
+        </p:nvSpPr>
+        <p:spPr>
+          <a:xfrm>
+            <a:off x="1543038" y="2308555"/>
+            <a:ext cx="6240486" cy="3139321"/>
+          </a:xfrm>
+          <a:prstGeom prst="rect">
+            <a:avLst/>
+          </a:prstGeom>
+        </p:spPr>
+        <p:txBody>
+          <a:bodyPr wrap="square">
+            <a:spAutoFit/>
+          </a:bodyPr>
+          <a:lstStyle/>
+          <a:p>
+            <a:r>
+              <a:rPr lang="da-DK" dirty="0">
+                <a:solidFill>
+                  <a:srgbClr val="0000FF"/>
+                </a:solidFill>
+                <a:latin typeface="Consolas" panose="020B0609020204030204" pitchFamily="49" charset="0"/>
+              </a:rPr>
+              <a:t>public</a:t>
+            </a:r>
+            <a:r>
+              <a:rPr lang="da-DK" dirty="0">
+                <a:solidFill>
+                  <a:srgbClr val="000000"/>
+                </a:solidFill>
+                <a:latin typeface="Consolas" panose="020B0609020204030204" pitchFamily="49" charset="0"/>
+              </a:rPr>
+              <a:t> </a:t>
+            </a:r>
+            <a:r>
+              <a:rPr lang="da-DK" dirty="0">
+                <a:solidFill>
+                  <a:srgbClr val="0000FF"/>
+                </a:solidFill>
+                <a:latin typeface="Consolas" panose="020B0609020204030204" pitchFamily="49" charset="0"/>
+              </a:rPr>
+              <a:t>class</a:t>
+            </a:r>
+            <a:r>
+              <a:rPr lang="da-DK" dirty="0">
+                <a:solidFill>
+                  <a:srgbClr val="000000"/>
+                </a:solidFill>
+                <a:latin typeface="Consolas" panose="020B0609020204030204" pitchFamily="49" charset="0"/>
+              </a:rPr>
+              <a:t> </a:t>
+            </a:r>
+            <a:r>
+              <a:rPr lang="da-DK" dirty="0" err="1">
+                <a:solidFill>
+                  <a:srgbClr val="2B91AF"/>
+                </a:solidFill>
+                <a:latin typeface="Consolas" panose="020B0609020204030204" pitchFamily="49" charset="0"/>
+              </a:rPr>
+              <a:t>FooServiceFalseStub</a:t>
+            </a:r>
+            <a:r>
+              <a:rPr lang="da-DK" dirty="0">
+                <a:solidFill>
+                  <a:srgbClr val="000000"/>
+                </a:solidFill>
+                <a:latin typeface="Consolas" panose="020B0609020204030204" pitchFamily="49" charset="0"/>
+              </a:rPr>
+              <a:t> : </a:t>
+            </a:r>
+            <a:r>
+              <a:rPr lang="da-DK" dirty="0" err="1">
+                <a:solidFill>
+                  <a:srgbClr val="2B91AF"/>
+                </a:solidFill>
+                <a:latin typeface="Consolas" panose="020B0609020204030204" pitchFamily="49" charset="0"/>
+              </a:rPr>
+              <a:t>IFooService</a:t>
+            </a:r>
+            <a:endParaRPr lang="da-DK" dirty="0">
+              <a:solidFill>
+                <a:srgbClr val="000000"/>
+              </a:solidFill>
+              <a:latin typeface="Consolas" panose="020B0609020204030204" pitchFamily="49" charset="0"/>
+            </a:endParaRPr>
+          </a:p>
+          <a:p>
+            <a:r>
+              <a:rPr lang="da-DK" dirty="0">
+                <a:solidFill>
+                  <a:srgbClr val="000000"/>
+                </a:solidFill>
+                <a:latin typeface="Consolas" panose="020B0609020204030204" pitchFamily="49" charset="0"/>
+              </a:rPr>
+              <a:t>{</a:t>
+            </a:r>
+          </a:p>
+          <a:p>
+            <a:r>
+              <a:rPr lang="en-US" dirty="0">
+                <a:solidFill>
+                  <a:srgbClr val="000000"/>
+                </a:solidFill>
+                <a:latin typeface="Consolas" panose="020B0609020204030204" pitchFamily="49" charset="0"/>
+              </a:rPr>
+              <a:t>    </a:t>
+            </a:r>
+            <a:r>
+              <a:rPr lang="en-US" dirty="0">
+                <a:solidFill>
+                  <a:srgbClr val="0000FF"/>
+                </a:solidFill>
+                <a:latin typeface="Consolas" panose="020B0609020204030204" pitchFamily="49" charset="0"/>
+              </a:rPr>
+              <a:t>public</a:t>
+            </a:r>
+            <a:r>
+              <a:rPr lang="en-US" dirty="0">
+                <a:solidFill>
+                  <a:srgbClr val="000000"/>
+                </a:solidFill>
+                <a:latin typeface="Consolas" panose="020B0609020204030204" pitchFamily="49" charset="0"/>
+              </a:rPr>
+              <a:t> </a:t>
+            </a:r>
+            <a:r>
+              <a:rPr lang="en-US" dirty="0">
+                <a:solidFill>
+                  <a:srgbClr val="0000FF"/>
+                </a:solidFill>
+                <a:latin typeface="Consolas" panose="020B0609020204030204" pitchFamily="49" charset="0"/>
+              </a:rPr>
+              <a:t>bool</a:t>
+            </a:r>
+            <a:r>
+              <a:rPr lang="en-US" dirty="0">
+                <a:solidFill>
+                  <a:srgbClr val="000000"/>
+                </a:solidFill>
+                <a:latin typeface="Consolas" panose="020B0609020204030204" pitchFamily="49" charset="0"/>
+              </a:rPr>
+              <a:t> Update(</a:t>
+            </a:r>
+            <a:r>
+              <a:rPr lang="en-US" dirty="0">
+                <a:solidFill>
+                  <a:srgbClr val="2B91AF"/>
+                </a:solidFill>
+                <a:latin typeface="Consolas" panose="020B0609020204030204" pitchFamily="49" charset="0"/>
+              </a:rPr>
+              <a:t>Foo</a:t>
+            </a:r>
+            <a:r>
+              <a:rPr lang="en-US" dirty="0">
+                <a:solidFill>
+                  <a:srgbClr val="000000"/>
+                </a:solidFill>
+                <a:latin typeface="Consolas" panose="020B0609020204030204" pitchFamily="49" charset="0"/>
+              </a:rPr>
+              <a:t> foo)</a:t>
+            </a:r>
+          </a:p>
+          <a:p>
+            <a:r>
+              <a:rPr lang="da-DK" dirty="0">
+                <a:solidFill>
+                  <a:srgbClr val="000000"/>
+                </a:solidFill>
+                <a:latin typeface="Consolas" panose="020B0609020204030204" pitchFamily="49" charset="0"/>
+              </a:rPr>
+              <a:t>    {</a:t>
+            </a:r>
+          </a:p>
+          <a:p>
+            <a:r>
+              <a:rPr lang="da-DK" dirty="0">
+                <a:solidFill>
+                  <a:srgbClr val="000000"/>
+                </a:solidFill>
+                <a:latin typeface="Consolas" panose="020B0609020204030204" pitchFamily="49" charset="0"/>
+              </a:rPr>
+              <a:t>        </a:t>
+            </a:r>
+            <a:r>
+              <a:rPr lang="da-DK" dirty="0">
+                <a:solidFill>
+                  <a:srgbClr val="0000FF"/>
+                </a:solidFill>
+                <a:latin typeface="Consolas" panose="020B0609020204030204" pitchFamily="49" charset="0"/>
+              </a:rPr>
+              <a:t>return</a:t>
+            </a:r>
+            <a:r>
+              <a:rPr lang="da-DK" dirty="0">
+                <a:solidFill>
+                  <a:srgbClr val="000000"/>
+                </a:solidFill>
+                <a:latin typeface="Consolas" panose="020B0609020204030204" pitchFamily="49" charset="0"/>
+              </a:rPr>
+              <a:t> </a:t>
+            </a:r>
+            <a:r>
+              <a:rPr lang="da-DK" dirty="0">
+                <a:solidFill>
+                  <a:srgbClr val="0000FF"/>
+                </a:solidFill>
+                <a:latin typeface="Consolas" panose="020B0609020204030204" pitchFamily="49" charset="0"/>
+              </a:rPr>
+              <a:t>false</a:t>
+            </a:r>
+            <a:r>
+              <a:rPr lang="da-DK" dirty="0">
+                <a:solidFill>
+                  <a:srgbClr val="000000"/>
+                </a:solidFill>
+                <a:latin typeface="Consolas" panose="020B0609020204030204" pitchFamily="49" charset="0"/>
+              </a:rPr>
+              <a:t>;</a:t>
+            </a:r>
+          </a:p>
+          <a:p>
+            <a:r>
+              <a:rPr lang="da-DK" dirty="0">
+                <a:solidFill>
+                  <a:srgbClr val="000000"/>
+                </a:solidFill>
+                <a:latin typeface="Consolas" panose="020B0609020204030204" pitchFamily="49" charset="0"/>
+              </a:rPr>
+              <a:t>    }</a:t>
+            </a:r>
+          </a:p>
+          <a:p>
+            <a:endParaRPr lang="da-DK" dirty="0">
+              <a:solidFill>
+                <a:srgbClr val="000000"/>
+              </a:solidFill>
+              <a:latin typeface="Consolas" panose="020B0609020204030204" pitchFamily="49" charset="0"/>
+            </a:endParaRPr>
+          </a:p>
+          <a:p>
+            <a:r>
+              <a:rPr lang="da-DK" dirty="0">
+                <a:solidFill>
+                  <a:srgbClr val="000000"/>
+                </a:solidFill>
+                <a:latin typeface="Consolas" panose="020B0609020204030204" pitchFamily="49" charset="0"/>
+              </a:rPr>
+              <a:t>    </a:t>
+            </a:r>
+            <a:r>
+              <a:rPr lang="da-DK" dirty="0">
+                <a:solidFill>
+                  <a:srgbClr val="0000FF"/>
+                </a:solidFill>
+                <a:latin typeface="Consolas" panose="020B0609020204030204" pitchFamily="49" charset="0"/>
+              </a:rPr>
+              <a:t>public</a:t>
+            </a:r>
+            <a:r>
+              <a:rPr lang="da-DK" dirty="0">
+                <a:solidFill>
+                  <a:srgbClr val="000000"/>
+                </a:solidFill>
+                <a:latin typeface="Consolas" panose="020B0609020204030204" pitchFamily="49" charset="0"/>
+              </a:rPr>
+              <a:t> </a:t>
+            </a:r>
+            <a:r>
+              <a:rPr lang="da-DK" dirty="0" err="1">
+                <a:solidFill>
+                  <a:srgbClr val="0000FF"/>
+                </a:solidFill>
+                <a:latin typeface="Consolas" panose="020B0609020204030204" pitchFamily="49" charset="0"/>
+              </a:rPr>
+              <a:t>void</a:t>
+            </a:r>
+            <a:r>
+              <a:rPr lang="da-DK" dirty="0">
+                <a:solidFill>
+                  <a:srgbClr val="000000"/>
+                </a:solidFill>
+                <a:latin typeface="Consolas" panose="020B0609020204030204" pitchFamily="49" charset="0"/>
+              </a:rPr>
+              <a:t> Dispose()</a:t>
+            </a:r>
+          </a:p>
+          <a:p>
+            <a:r>
+              <a:rPr lang="da-DK" dirty="0">
+                <a:solidFill>
+                  <a:srgbClr val="000000"/>
+                </a:solidFill>
+                <a:latin typeface="Consolas" panose="020B0609020204030204" pitchFamily="49" charset="0"/>
+              </a:rPr>
+              <a:t>    {</a:t>
+            </a:r>
+          </a:p>
+          <a:p>
+            <a:r>
+              <a:rPr lang="da-DK" dirty="0">
+                <a:solidFill>
+                  <a:srgbClr val="000000"/>
+                </a:solidFill>
+                <a:latin typeface="Consolas" panose="020B0609020204030204" pitchFamily="49" charset="0"/>
+              </a:rPr>
+              <a:t>    }</a:t>
+            </a:r>
+          </a:p>
+          <a:p>
+            <a:r>
+              <a:rPr lang="da-DK" dirty="0">
+                <a:solidFill>
+                  <a:srgbClr val="000000"/>
+                </a:solidFill>
+                <a:latin typeface="Consolas" panose="020B0609020204030204" pitchFamily="49" charset="0"/>
+              </a:rPr>
+              <a:t>}</a:t>
+            </a:r>
+            <a:endParaRPr lang="da-DK" dirty="0"/>
+          </a:p>
+        </p:txBody>
+      </p:sp>
+      <p:sp>
+        <p:nvSpPr>
+          <p:cNvPr id="6" name="Speech Bubble: Rectangle 5"/>
+          <p:cNvSpPr/>
+          <p:nvPr/>
+        </p:nvSpPr>
+        <p:spPr bwMode="auto">
+          <a:xfrm>
+            <a:off x="5760549" y="1028409"/>
+            <a:ext cx="2285975" cy="640074"/>
+          </a:xfrm>
+          <a:prstGeom prst="wedgeRectCallout">
+            <a:avLst>
+              <a:gd name="adj1" fmla="val -98262"/>
+              <a:gd name="adj2" fmla="val 140817"/>
+            </a:avLst>
+          </a:prstGeom>
+          <a:solidFill>
+            <a:srgbClr val="68217A"/>
+          </a:solidFill>
+          <a:ln>
+            <a:noFill/>
+            <a:headEnd type="none" w="med" len="med"/>
+            <a:tailEnd type="none" w="med" len="med"/>
+          </a:ln>
+          <a:effectLst/>
+        </p:spPr>
+        <p:style>
+          <a:lnRef idx="1">
+            <a:schemeClr val="accent2"/>
+          </a:lnRef>
+          <a:fillRef idx="3">
+            <a:schemeClr val="accent2"/>
+          </a:fillRef>
+          <a:effectRef idx="2">
+            <a:schemeClr val="accent2"/>
+          </a:effectRef>
+          <a:fontRef idx="minor">
+            <a:schemeClr val="lt1"/>
+          </a:fontRef>
+        </p:style>
+        <p:txBody>
+          <a:bodyPr rot="0" spcFirstLastPara="0" vertOverflow="overflow" horzOverflow="overflow" vert="horz" wrap="square" lIns="182880" tIns="146304" rIns="182880" bIns="146304" numCol="1" spcCol="0" rtlCol="0" fromWordArt="0" anchor="t" anchorCtr="0" forceAA="0" compatLnSpc="1">
+            <a:prstTxWarp prst="textNoShape">
+              <a:avLst/>
+            </a:prstTxWarp>
+            <a:noAutofit/>
+          </a:bodyPr>
+          <a:lstStyle/>
+          <a:p>
+            <a:pPr algn="ctr" defTabSz="932472" fontAlgn="base">
+              <a:lnSpc>
+                <a:spcPct val="90000"/>
+              </a:lnSpc>
+              <a:spcBef>
+                <a:spcPct val="0"/>
+              </a:spcBef>
+              <a:spcAft>
+                <a:spcPct val="0"/>
+              </a:spcAft>
+            </a:pPr>
+            <a:r>
+              <a:rPr lang="da-DK" sz="2400" dirty="0">
+                <a:gradFill>
+                  <a:gsLst>
+                    <a:gs pos="0">
+                      <a:srgbClr val="FFFFFF"/>
+                    </a:gs>
+                    <a:gs pos="100000">
+                      <a:srgbClr val="FFFFFF"/>
+                    </a:gs>
+                  </a:gsLst>
+                  <a:lin ang="5400000" scaled="0"/>
+                </a:gradFill>
+                <a:ea typeface="Segoe UI" pitchFamily="34" charset="0"/>
+                <a:cs typeface="Segoe UI" pitchFamily="34" charset="0"/>
+              </a:rPr>
+              <a:t>Test stub</a:t>
+            </a:r>
+          </a:p>
+        </p:txBody>
+      </p:sp>
+    </p:spTree>
+    <p:extLst>
+      <p:ext uri="{BB962C8B-B14F-4D97-AF65-F5344CB8AC3E}">
+        <p14:creationId xmlns:p14="http://schemas.microsoft.com/office/powerpoint/2010/main" val="3019198459"/>
+      </p:ext>
+    </p:extLst>
+  </p:cSld>
+  <p:clrMapOvr>
+    <a:masterClrMapping/>
+  </p:clrMapOvr>
+  <p:transition>
+    <p:fade/>
+  </p:transition>
+</p:sld>
+</file>
+
+<file path=ppt/slides/slide17.xml><?xml version="1.0" encoding="utf-8"?>
+<p:sld xmlns:a="http://schemas.openxmlformats.org/drawingml/2006/main" xmlns:r="http://schemas.openxmlformats.org/officeDocument/2006/relationships" xmlns:p="http://schemas.openxmlformats.org/presentationml/2006/main">
+  <p:cSld>
+    <p:spTree>
+      <p:nvGrpSpPr>
+        <p:cNvPr id="1" name=""/>
+        <p:cNvGrpSpPr/>
+        <p:nvPr/>
+      </p:nvGrpSpPr>
+      <p:grpSpPr>
+        <a:xfrm>
+          <a:off x="0" y="0"/>
+          <a:ext cx="0" cy="0"/>
+          <a:chOff x="0" y="0"/>
+          <a:chExt cx="0" cy="0"/>
+        </a:xfrm>
+      </p:grpSpPr>
+      <p:sp>
+        <p:nvSpPr>
+          <p:cNvPr id="3" name="Title 2"/>
+          <p:cNvSpPr>
+            <a:spLocks noGrp="1"/>
+          </p:cNvSpPr>
+          <p:nvPr>
+            <p:ph type="title"/>
+          </p:nvPr>
+        </p:nvSpPr>
+        <p:spPr/>
+        <p:txBody>
+          <a:bodyPr/>
+          <a:lstStyle/>
+          <a:p>
+            <a:r>
+              <a:rPr lang="da-DK" dirty="0"/>
+              <a:t>Stub </a:t>
+            </a:r>
+            <a:r>
+              <a:rPr lang="da-DK" dirty="0" err="1"/>
+              <a:t>testing</a:t>
+            </a:r>
+            <a:r>
+              <a:rPr lang="da-DK" dirty="0"/>
+              <a:t> II</a:t>
+            </a:r>
+          </a:p>
+        </p:txBody>
+      </p:sp>
+      <p:sp>
+        <p:nvSpPr>
+          <p:cNvPr id="5" name="Rectangle 4"/>
+          <p:cNvSpPr/>
+          <p:nvPr/>
+        </p:nvSpPr>
+        <p:spPr>
+          <a:xfrm>
+            <a:off x="227910" y="1759921"/>
+            <a:ext cx="8870742" cy="4247317"/>
+          </a:xfrm>
+          <a:prstGeom prst="rect">
+            <a:avLst/>
+          </a:prstGeom>
+        </p:spPr>
+        <p:txBody>
+          <a:bodyPr wrap="square">
+            <a:spAutoFit/>
+          </a:bodyPr>
+          <a:lstStyle/>
+          <a:p>
+            <a:r>
+              <a:rPr lang="da-DK" dirty="0">
+                <a:solidFill>
+                  <a:srgbClr val="0000FF"/>
+                </a:solidFill>
+                <a:latin typeface="Consolas" panose="020B0609020204030204" pitchFamily="49" charset="0"/>
+              </a:rPr>
+              <a:t>public</a:t>
+            </a:r>
+            <a:r>
+              <a:rPr lang="da-DK" dirty="0">
+                <a:solidFill>
+                  <a:srgbClr val="000000"/>
+                </a:solidFill>
+                <a:latin typeface="Consolas" panose="020B0609020204030204" pitchFamily="49" charset="0"/>
+              </a:rPr>
+              <a:t> </a:t>
+            </a:r>
+            <a:r>
+              <a:rPr lang="da-DK" dirty="0">
+                <a:solidFill>
+                  <a:srgbClr val="0000FF"/>
+                </a:solidFill>
+                <a:latin typeface="Consolas" panose="020B0609020204030204" pitchFamily="49" charset="0"/>
+              </a:rPr>
+              <a:t>class</a:t>
+            </a:r>
+            <a:r>
+              <a:rPr lang="da-DK" dirty="0">
+                <a:solidFill>
+                  <a:srgbClr val="000000"/>
+                </a:solidFill>
+                <a:latin typeface="Consolas" panose="020B0609020204030204" pitchFamily="49" charset="0"/>
+              </a:rPr>
+              <a:t> </a:t>
+            </a:r>
+            <a:r>
+              <a:rPr lang="da-DK" dirty="0" err="1">
+                <a:solidFill>
+                  <a:srgbClr val="2B91AF"/>
+                </a:solidFill>
+                <a:latin typeface="Consolas" panose="020B0609020204030204" pitchFamily="49" charset="0"/>
+              </a:rPr>
+              <a:t>WorkerTests</a:t>
+            </a:r>
+            <a:endParaRPr lang="da-DK" dirty="0">
+              <a:solidFill>
+                <a:srgbClr val="000000"/>
+              </a:solidFill>
+              <a:latin typeface="Consolas" panose="020B0609020204030204" pitchFamily="49" charset="0"/>
+            </a:endParaRPr>
+          </a:p>
+          <a:p>
+            <a:r>
+              <a:rPr lang="da-DK" dirty="0">
+                <a:solidFill>
+                  <a:srgbClr val="000000"/>
+                </a:solidFill>
+                <a:latin typeface="Consolas" panose="020B0609020204030204" pitchFamily="49" charset="0"/>
+              </a:rPr>
+              <a:t>{</a:t>
+            </a:r>
+          </a:p>
+          <a:p>
+            <a:r>
+              <a:rPr lang="da-DK" dirty="0">
+                <a:solidFill>
+                  <a:srgbClr val="000000"/>
+                </a:solidFill>
+                <a:latin typeface="Consolas" panose="020B0609020204030204" pitchFamily="49" charset="0"/>
+              </a:rPr>
+              <a:t>    [</a:t>
+            </a:r>
+            <a:r>
+              <a:rPr lang="da-DK" dirty="0" err="1">
+                <a:solidFill>
+                  <a:srgbClr val="2B91AF"/>
+                </a:solidFill>
+                <a:latin typeface="Consolas" panose="020B0609020204030204" pitchFamily="49" charset="0"/>
+              </a:rPr>
+              <a:t>Fact</a:t>
+            </a:r>
+            <a:r>
+              <a:rPr lang="da-DK" dirty="0">
+                <a:solidFill>
+                  <a:srgbClr val="000000"/>
+                </a:solidFill>
+                <a:latin typeface="Consolas" panose="020B0609020204030204" pitchFamily="49" charset="0"/>
+              </a:rPr>
+              <a:t>]</a:t>
+            </a:r>
+          </a:p>
+          <a:p>
+            <a:r>
+              <a:rPr lang="en-US" dirty="0">
+                <a:solidFill>
+                  <a:srgbClr val="000000"/>
+                </a:solidFill>
+                <a:latin typeface="Consolas" panose="020B0609020204030204" pitchFamily="49" charset="0"/>
+              </a:rPr>
+              <a:t>    </a:t>
+            </a:r>
+            <a:r>
+              <a:rPr lang="en-US" dirty="0">
+                <a:solidFill>
+                  <a:srgbClr val="0000FF"/>
+                </a:solidFill>
+                <a:latin typeface="Consolas" panose="020B0609020204030204" pitchFamily="49" charset="0"/>
+              </a:rPr>
+              <a:t>public</a:t>
+            </a:r>
+            <a:r>
+              <a:rPr lang="en-US" dirty="0">
+                <a:solidFill>
+                  <a:srgbClr val="000000"/>
+                </a:solidFill>
+                <a:latin typeface="Consolas" panose="020B0609020204030204" pitchFamily="49" charset="0"/>
+              </a:rPr>
+              <a:t> </a:t>
+            </a:r>
+            <a:r>
+              <a:rPr lang="en-US" dirty="0">
+                <a:solidFill>
+                  <a:srgbClr val="0000FF"/>
+                </a:solidFill>
+                <a:latin typeface="Consolas" panose="020B0609020204030204" pitchFamily="49" charset="0"/>
+              </a:rPr>
+              <a:t>void</a:t>
+            </a:r>
+            <a:r>
+              <a:rPr lang="en-US" dirty="0">
+                <a:solidFill>
+                  <a:srgbClr val="000000"/>
+                </a:solidFill>
+                <a:latin typeface="Consolas" panose="020B0609020204030204" pitchFamily="49" charset="0"/>
+              </a:rPr>
+              <a:t> </a:t>
+            </a:r>
+            <a:r>
+              <a:rPr lang="en-US" dirty="0" err="1">
+                <a:solidFill>
+                  <a:srgbClr val="000000"/>
+                </a:solidFill>
+                <a:latin typeface="Consolas" panose="020B0609020204030204" pitchFamily="49" charset="0"/>
+              </a:rPr>
+              <a:t>DoW</a:t>
+            </a:r>
+            <a:r>
+              <a:rPr lang="en-US" dirty="0" err="1">
+                <a:solidFill>
+                  <a:srgbClr val="000000"/>
+                </a:solidFill>
+                <a:latin typeface="Consolas" panose="020B0609020204030204" pitchFamily="49" charset="0"/>
+              </a:rPr>
+              <a:t>ork_when_IFooService_Update_false_returns_false</a:t>
+            </a:r>
+            <a:r>
+              <a:rPr lang="en-US" dirty="0">
+                <a:solidFill>
+                  <a:srgbClr val="000000"/>
+                </a:solidFill>
+                <a:latin typeface="Consolas" panose="020B0609020204030204" pitchFamily="49" charset="0"/>
+              </a:rPr>
+              <a:t>()</a:t>
+            </a:r>
+          </a:p>
+          <a:p>
+            <a:r>
+              <a:rPr lang="da-DK" dirty="0">
+                <a:solidFill>
+                  <a:srgbClr val="000000"/>
+                </a:solidFill>
+                <a:latin typeface="Consolas" panose="020B0609020204030204" pitchFamily="49" charset="0"/>
+              </a:rPr>
+              <a:t>    {</a:t>
+            </a:r>
+          </a:p>
+          <a:p>
+            <a:r>
+              <a:rPr lang="da-DK" dirty="0">
+                <a:solidFill>
+                  <a:srgbClr val="000000"/>
+                </a:solidFill>
+                <a:latin typeface="Consolas" panose="020B0609020204030204" pitchFamily="49" charset="0"/>
+              </a:rPr>
+              <a:t>        </a:t>
+            </a:r>
+            <a:r>
+              <a:rPr lang="da-DK" dirty="0" err="1">
+                <a:solidFill>
+                  <a:srgbClr val="2B91AF"/>
+                </a:solidFill>
+                <a:latin typeface="Consolas" panose="020B0609020204030204" pitchFamily="49" charset="0"/>
+              </a:rPr>
+              <a:t>IFooService</a:t>
+            </a:r>
+            <a:r>
+              <a:rPr lang="da-DK" dirty="0">
+                <a:solidFill>
+                  <a:srgbClr val="000000"/>
+                </a:solidFill>
+                <a:latin typeface="Consolas" panose="020B0609020204030204" pitchFamily="49" charset="0"/>
+              </a:rPr>
+              <a:t> service = </a:t>
+            </a:r>
+            <a:r>
+              <a:rPr lang="da-DK" dirty="0">
+                <a:solidFill>
+                  <a:srgbClr val="0000FF"/>
+                </a:solidFill>
+                <a:latin typeface="Consolas" panose="020B0609020204030204" pitchFamily="49" charset="0"/>
+              </a:rPr>
+              <a:t>new</a:t>
+            </a:r>
+            <a:r>
+              <a:rPr lang="da-DK" dirty="0">
+                <a:solidFill>
+                  <a:srgbClr val="000000"/>
+                </a:solidFill>
+                <a:latin typeface="Consolas" panose="020B0609020204030204" pitchFamily="49" charset="0"/>
+              </a:rPr>
+              <a:t> </a:t>
+            </a:r>
+            <a:r>
+              <a:rPr lang="da-DK" dirty="0" err="1">
+                <a:solidFill>
+                  <a:srgbClr val="2B91AF"/>
+                </a:solidFill>
+                <a:latin typeface="Consolas" panose="020B0609020204030204" pitchFamily="49" charset="0"/>
+              </a:rPr>
+              <a:t>FooServiceFalseStub</a:t>
+            </a:r>
+            <a:r>
+              <a:rPr lang="da-DK" dirty="0">
+                <a:solidFill>
+                  <a:srgbClr val="000000"/>
+                </a:solidFill>
+                <a:latin typeface="Consolas" panose="020B0609020204030204" pitchFamily="49" charset="0"/>
+              </a:rPr>
+              <a:t>();</a:t>
+            </a:r>
+          </a:p>
+          <a:p>
+            <a:endParaRPr lang="da-DK" dirty="0">
+              <a:solidFill>
+                <a:srgbClr val="000000"/>
+              </a:solidFill>
+              <a:latin typeface="Consolas" panose="020B0609020204030204" pitchFamily="49" charset="0"/>
+            </a:endParaRPr>
+          </a:p>
+          <a:p>
+            <a:r>
+              <a:rPr lang="en-US" dirty="0">
+                <a:solidFill>
+                  <a:srgbClr val="000000"/>
+                </a:solidFill>
+                <a:latin typeface="Consolas" panose="020B0609020204030204" pitchFamily="49" charset="0"/>
+              </a:rPr>
+              <a:t>        </a:t>
+            </a:r>
+            <a:r>
+              <a:rPr lang="en-US" dirty="0">
+                <a:solidFill>
+                  <a:srgbClr val="0000FF"/>
+                </a:solidFill>
+                <a:latin typeface="Consolas" panose="020B0609020204030204" pitchFamily="49" charset="0"/>
+              </a:rPr>
+              <a:t>using</a:t>
+            </a:r>
+            <a:r>
+              <a:rPr lang="en-US" dirty="0">
+                <a:solidFill>
+                  <a:srgbClr val="000000"/>
+                </a:solidFill>
+                <a:latin typeface="Consolas" panose="020B0609020204030204" pitchFamily="49" charset="0"/>
+              </a:rPr>
+              <a:t> (</a:t>
+            </a:r>
+            <a:r>
+              <a:rPr lang="en-US" dirty="0" err="1">
+                <a:solidFill>
+                  <a:srgbClr val="0000FF"/>
+                </a:solidFill>
+                <a:latin typeface="Consolas" panose="020B0609020204030204" pitchFamily="49" charset="0"/>
+              </a:rPr>
+              <a:t>var</a:t>
+            </a:r>
+            <a:r>
+              <a:rPr lang="en-US" dirty="0">
+                <a:solidFill>
+                  <a:srgbClr val="000000"/>
+                </a:solidFill>
+                <a:latin typeface="Consolas" panose="020B0609020204030204" pitchFamily="49" charset="0"/>
+              </a:rPr>
+              <a:t> worker = </a:t>
+            </a:r>
+            <a:r>
+              <a:rPr lang="en-US" dirty="0">
+                <a:solidFill>
+                  <a:srgbClr val="0000FF"/>
+                </a:solidFill>
+                <a:latin typeface="Consolas" panose="020B0609020204030204" pitchFamily="49" charset="0"/>
+              </a:rPr>
+              <a:t>new</a:t>
+            </a:r>
+            <a:r>
+              <a:rPr lang="en-US" dirty="0">
+                <a:solidFill>
+                  <a:srgbClr val="000000"/>
+                </a:solidFill>
+                <a:latin typeface="Consolas" panose="020B0609020204030204" pitchFamily="49" charset="0"/>
+              </a:rPr>
+              <a:t> </a:t>
+            </a:r>
+            <a:r>
+              <a:rPr lang="en-US" dirty="0">
+                <a:solidFill>
+                  <a:srgbClr val="2B91AF"/>
+                </a:solidFill>
+                <a:latin typeface="Consolas" panose="020B0609020204030204" pitchFamily="49" charset="0"/>
+              </a:rPr>
+              <a:t>Worker</a:t>
+            </a:r>
+            <a:r>
+              <a:rPr lang="en-US" dirty="0">
+                <a:solidFill>
+                  <a:srgbClr val="000000"/>
+                </a:solidFill>
+                <a:latin typeface="Consolas" panose="020B0609020204030204" pitchFamily="49" charset="0"/>
+              </a:rPr>
+              <a:t>(service))</a:t>
+            </a:r>
+          </a:p>
+          <a:p>
+            <a:r>
+              <a:rPr lang="da-DK" dirty="0">
+                <a:solidFill>
+                  <a:srgbClr val="000000"/>
+                </a:solidFill>
+                <a:latin typeface="Consolas" panose="020B0609020204030204" pitchFamily="49" charset="0"/>
+              </a:rPr>
+              <a:t>        {</a:t>
+            </a:r>
+          </a:p>
+          <a:p>
+            <a:r>
+              <a:rPr lang="en-US" dirty="0">
+                <a:solidFill>
+                  <a:srgbClr val="000000"/>
+                </a:solidFill>
+                <a:latin typeface="Consolas" panose="020B0609020204030204" pitchFamily="49" charset="0"/>
+              </a:rPr>
+              <a:t>            </a:t>
+            </a:r>
+            <a:r>
+              <a:rPr lang="en-US" dirty="0" err="1">
+                <a:solidFill>
+                  <a:srgbClr val="0000FF"/>
+                </a:solidFill>
+                <a:latin typeface="Consolas" panose="020B0609020204030204" pitchFamily="49" charset="0"/>
+              </a:rPr>
+              <a:t>var</a:t>
+            </a:r>
+            <a:r>
+              <a:rPr lang="en-US" dirty="0">
+                <a:solidFill>
+                  <a:srgbClr val="000000"/>
+                </a:solidFill>
+                <a:latin typeface="Consolas" panose="020B0609020204030204" pitchFamily="49" charset="0"/>
+              </a:rPr>
+              <a:t> result = </a:t>
+            </a:r>
+            <a:r>
+              <a:rPr lang="en-US" dirty="0" err="1">
+                <a:solidFill>
+                  <a:srgbClr val="000000"/>
+                </a:solidFill>
+                <a:latin typeface="Consolas" panose="020B0609020204030204" pitchFamily="49" charset="0"/>
+              </a:rPr>
+              <a:t>worker.DoWork</a:t>
+            </a:r>
+            <a:r>
+              <a:rPr lang="en-US" dirty="0">
+                <a:solidFill>
+                  <a:srgbClr val="000000"/>
+                </a:solidFill>
+                <a:latin typeface="Consolas" panose="020B0609020204030204" pitchFamily="49" charset="0"/>
+              </a:rPr>
+              <a:t>(</a:t>
+            </a:r>
+            <a:r>
+              <a:rPr lang="en-US" dirty="0">
+                <a:solidFill>
+                  <a:srgbClr val="0000FF"/>
+                </a:solidFill>
+                <a:latin typeface="Consolas" panose="020B0609020204030204" pitchFamily="49" charset="0"/>
+              </a:rPr>
+              <a:t>new</a:t>
+            </a:r>
+            <a:r>
+              <a:rPr lang="en-US" dirty="0">
+                <a:solidFill>
+                  <a:srgbClr val="000000"/>
+                </a:solidFill>
+                <a:latin typeface="Consolas" panose="020B0609020204030204" pitchFamily="49" charset="0"/>
+              </a:rPr>
+              <a:t> </a:t>
+            </a:r>
+            <a:r>
+              <a:rPr lang="en-US" dirty="0" err="1">
+                <a:solidFill>
+                  <a:srgbClr val="2B91AF"/>
+                </a:solidFill>
+                <a:latin typeface="Consolas" panose="020B0609020204030204" pitchFamily="49" charset="0"/>
+              </a:rPr>
+              <a:t>FooDto</a:t>
+            </a:r>
+            <a:r>
+              <a:rPr lang="en-US" dirty="0">
+                <a:solidFill>
+                  <a:srgbClr val="000000"/>
+                </a:solidFill>
+                <a:latin typeface="Consolas" panose="020B0609020204030204" pitchFamily="49" charset="0"/>
+              </a:rPr>
+              <a:t>());</a:t>
+            </a:r>
+          </a:p>
+          <a:p>
+            <a:endParaRPr lang="da-DK" dirty="0">
+              <a:solidFill>
+                <a:srgbClr val="000000"/>
+              </a:solidFill>
+              <a:latin typeface="Consolas" panose="020B0609020204030204" pitchFamily="49" charset="0"/>
+            </a:endParaRPr>
+          </a:p>
+          <a:p>
+            <a:r>
+              <a:rPr lang="da-DK" dirty="0">
+                <a:solidFill>
+                  <a:srgbClr val="000000"/>
+                </a:solidFill>
+                <a:latin typeface="Consolas" panose="020B0609020204030204" pitchFamily="49" charset="0"/>
+              </a:rPr>
+              <a:t>            </a:t>
+            </a:r>
+            <a:r>
+              <a:rPr lang="da-DK" dirty="0" err="1">
+                <a:solidFill>
+                  <a:srgbClr val="2B91AF"/>
+                </a:solidFill>
+                <a:latin typeface="Consolas" panose="020B0609020204030204" pitchFamily="49" charset="0"/>
+              </a:rPr>
+              <a:t>Assert</a:t>
+            </a:r>
+            <a:r>
+              <a:rPr lang="da-DK" dirty="0" err="1">
+                <a:solidFill>
+                  <a:srgbClr val="000000"/>
+                </a:solidFill>
+                <a:latin typeface="Consolas" panose="020B0609020204030204" pitchFamily="49" charset="0"/>
+              </a:rPr>
+              <a:t>.False</a:t>
+            </a:r>
+            <a:r>
+              <a:rPr lang="da-DK" dirty="0">
+                <a:solidFill>
+                  <a:srgbClr val="000000"/>
+                </a:solidFill>
+                <a:latin typeface="Consolas" panose="020B0609020204030204" pitchFamily="49" charset="0"/>
+              </a:rPr>
+              <a:t>(</a:t>
+            </a:r>
+            <a:r>
+              <a:rPr lang="da-DK" dirty="0" err="1">
+                <a:solidFill>
+                  <a:srgbClr val="000000"/>
+                </a:solidFill>
+                <a:latin typeface="Consolas" panose="020B0609020204030204" pitchFamily="49" charset="0"/>
+              </a:rPr>
+              <a:t>result</a:t>
+            </a:r>
+            <a:r>
+              <a:rPr lang="da-DK" dirty="0">
+                <a:solidFill>
+                  <a:srgbClr val="000000"/>
+                </a:solidFill>
+                <a:latin typeface="Consolas" panose="020B0609020204030204" pitchFamily="49" charset="0"/>
+              </a:rPr>
+              <a:t>);</a:t>
+            </a:r>
+          </a:p>
+          <a:p>
+            <a:r>
+              <a:rPr lang="da-DK" dirty="0">
+                <a:solidFill>
+                  <a:srgbClr val="000000"/>
+                </a:solidFill>
+                <a:latin typeface="Consolas" panose="020B0609020204030204" pitchFamily="49" charset="0"/>
+              </a:rPr>
+              <a:t>        }</a:t>
+            </a:r>
+          </a:p>
+          <a:p>
+            <a:r>
+              <a:rPr lang="da-DK" dirty="0">
+                <a:solidFill>
+                  <a:srgbClr val="000000"/>
+                </a:solidFill>
+                <a:latin typeface="Consolas" panose="020B0609020204030204" pitchFamily="49" charset="0"/>
+              </a:rPr>
+              <a:t>    }</a:t>
+            </a:r>
+          </a:p>
+          <a:p>
+            <a:r>
+              <a:rPr lang="da-DK" dirty="0">
+                <a:solidFill>
+                  <a:srgbClr val="000000"/>
+                </a:solidFill>
+                <a:latin typeface="Consolas" panose="020B0609020204030204" pitchFamily="49" charset="0"/>
+              </a:rPr>
+              <a:t>}</a:t>
+            </a:r>
+          </a:p>
+        </p:txBody>
+      </p:sp>
+    </p:spTree>
+    <p:extLst>
+      <p:ext uri="{BB962C8B-B14F-4D97-AF65-F5344CB8AC3E}">
+        <p14:creationId xmlns:p14="http://schemas.microsoft.com/office/powerpoint/2010/main" val="4075057526"/>
+      </p:ext>
+    </p:extLst>
+  </p:cSld>
+  <p:clrMapOvr>
+    <a:masterClrMapping/>
+  </p:clrMapOvr>
+  <p:transition>
+    <p:fade/>
+  </p:transition>
+</p:sld>
+</file>
+
+<file path=ppt/slides/slide18.xml><?xml version="1.0" encoding="utf-8"?>
+<p:sld xmlns:a="http://schemas.openxmlformats.org/drawingml/2006/main" xmlns:r="http://schemas.openxmlformats.org/officeDocument/2006/relationships" xmlns:p="http://schemas.openxmlformats.org/presentationml/2006/main">
+  <p:cSld>
+    <p:spTree>
+      <p:nvGrpSpPr>
+        <p:cNvPr id="1" name=""/>
+        <p:cNvGrpSpPr/>
+        <p:nvPr/>
+      </p:nvGrpSpPr>
+      <p:grpSpPr>
+        <a:xfrm>
+          <a:off x="0" y="0"/>
+          <a:ext cx="0" cy="0"/>
+          <a:chOff x="0" y="0"/>
+          <a:chExt cx="0" cy="0"/>
+        </a:xfrm>
+      </p:grpSpPr>
+      <p:sp>
+        <p:nvSpPr>
+          <p:cNvPr id="3" name="Title 2"/>
+          <p:cNvSpPr>
+            <a:spLocks noGrp="1"/>
+          </p:cNvSpPr>
+          <p:nvPr>
+            <p:ph type="title"/>
+          </p:nvPr>
+        </p:nvSpPr>
+        <p:spPr/>
+        <p:txBody>
+          <a:bodyPr/>
+          <a:lstStyle/>
+          <a:p>
+            <a:r>
+              <a:rPr lang="da-DK" dirty="0" err="1"/>
+              <a:t>Mock</a:t>
+            </a:r>
+            <a:r>
+              <a:rPr lang="da-DK" dirty="0"/>
+              <a:t> </a:t>
+            </a:r>
+            <a:r>
+              <a:rPr lang="da-DK" dirty="0" err="1"/>
+              <a:t>testing</a:t>
+            </a:r>
+            <a:endParaRPr lang="da-DK" dirty="0"/>
+          </a:p>
+        </p:txBody>
+      </p:sp>
+      <p:sp>
+        <p:nvSpPr>
+          <p:cNvPr id="4" name="Rectangle 3"/>
+          <p:cNvSpPr/>
+          <p:nvPr/>
+        </p:nvSpPr>
+        <p:spPr>
+          <a:xfrm>
+            <a:off x="261011" y="1759921"/>
+            <a:ext cx="8804541" cy="4524315"/>
+          </a:xfrm>
+          <a:prstGeom prst="rect">
+            <a:avLst/>
+          </a:prstGeom>
+        </p:spPr>
+        <p:txBody>
+          <a:bodyPr wrap="square">
+            <a:spAutoFit/>
+          </a:bodyPr>
+          <a:lstStyle/>
+          <a:p>
+            <a:r>
+              <a:rPr lang="da-DK" dirty="0">
+                <a:solidFill>
+                  <a:srgbClr val="0000FF"/>
+                </a:solidFill>
+                <a:latin typeface="Consolas" panose="020B0609020204030204" pitchFamily="49" charset="0"/>
+              </a:rPr>
+              <a:t>public</a:t>
+            </a:r>
+            <a:r>
+              <a:rPr lang="da-DK" dirty="0">
+                <a:solidFill>
+                  <a:srgbClr val="000000"/>
+                </a:solidFill>
+                <a:latin typeface="Consolas" panose="020B0609020204030204" pitchFamily="49" charset="0"/>
+              </a:rPr>
+              <a:t> </a:t>
+            </a:r>
+            <a:r>
+              <a:rPr lang="da-DK" dirty="0">
+                <a:solidFill>
+                  <a:srgbClr val="0000FF"/>
+                </a:solidFill>
+                <a:latin typeface="Consolas" panose="020B0609020204030204" pitchFamily="49" charset="0"/>
+              </a:rPr>
+              <a:t>class</a:t>
+            </a:r>
+            <a:r>
+              <a:rPr lang="da-DK" dirty="0">
+                <a:solidFill>
+                  <a:srgbClr val="000000"/>
+                </a:solidFill>
+                <a:latin typeface="Consolas" panose="020B0609020204030204" pitchFamily="49" charset="0"/>
+              </a:rPr>
+              <a:t> </a:t>
+            </a:r>
+            <a:r>
+              <a:rPr lang="da-DK" dirty="0" err="1">
+                <a:solidFill>
+                  <a:srgbClr val="2B91AF"/>
+                </a:solidFill>
+                <a:latin typeface="Consolas" panose="020B0609020204030204" pitchFamily="49" charset="0"/>
+              </a:rPr>
+              <a:t>WorkerTests</a:t>
+            </a:r>
+            <a:endParaRPr lang="da-DK" dirty="0">
+              <a:solidFill>
+                <a:srgbClr val="000000"/>
+              </a:solidFill>
+              <a:latin typeface="Consolas" panose="020B0609020204030204" pitchFamily="49" charset="0"/>
+            </a:endParaRPr>
+          </a:p>
+          <a:p>
+            <a:r>
+              <a:rPr lang="da-DK" dirty="0">
+                <a:solidFill>
+                  <a:srgbClr val="000000"/>
+                </a:solidFill>
+                <a:latin typeface="Consolas" panose="020B0609020204030204" pitchFamily="49" charset="0"/>
+              </a:rPr>
+              <a:t>{</a:t>
+            </a:r>
+          </a:p>
+          <a:p>
+            <a:r>
+              <a:rPr lang="da-DK" dirty="0">
+                <a:solidFill>
+                  <a:srgbClr val="000000"/>
+                </a:solidFill>
+                <a:latin typeface="Consolas" panose="020B0609020204030204" pitchFamily="49" charset="0"/>
+              </a:rPr>
+              <a:t>    [</a:t>
+            </a:r>
+            <a:r>
+              <a:rPr lang="da-DK" dirty="0" err="1">
+                <a:solidFill>
+                  <a:srgbClr val="2B91AF"/>
+                </a:solidFill>
+                <a:latin typeface="Consolas" panose="020B0609020204030204" pitchFamily="49" charset="0"/>
+              </a:rPr>
+              <a:t>Fact</a:t>
+            </a:r>
+            <a:r>
+              <a:rPr lang="da-DK" dirty="0">
+                <a:solidFill>
+                  <a:srgbClr val="000000"/>
+                </a:solidFill>
+                <a:latin typeface="Consolas" panose="020B0609020204030204" pitchFamily="49" charset="0"/>
+              </a:rPr>
+              <a:t>]</a:t>
+            </a:r>
+          </a:p>
+          <a:p>
+            <a:r>
+              <a:rPr lang="en-US" dirty="0">
+                <a:solidFill>
+                  <a:srgbClr val="000000"/>
+                </a:solidFill>
+                <a:latin typeface="Consolas" panose="020B0609020204030204" pitchFamily="49" charset="0"/>
+              </a:rPr>
+              <a:t>    </a:t>
+            </a:r>
+            <a:r>
+              <a:rPr lang="en-US" dirty="0">
+                <a:solidFill>
+                  <a:srgbClr val="0000FF"/>
+                </a:solidFill>
+                <a:latin typeface="Consolas" panose="020B0609020204030204" pitchFamily="49" charset="0"/>
+              </a:rPr>
+              <a:t>public</a:t>
+            </a:r>
+            <a:r>
+              <a:rPr lang="en-US" dirty="0">
+                <a:solidFill>
+                  <a:srgbClr val="000000"/>
+                </a:solidFill>
+                <a:latin typeface="Consolas" panose="020B0609020204030204" pitchFamily="49" charset="0"/>
+              </a:rPr>
+              <a:t> </a:t>
+            </a:r>
+            <a:r>
+              <a:rPr lang="en-US" dirty="0">
+                <a:solidFill>
+                  <a:srgbClr val="0000FF"/>
+                </a:solidFill>
+                <a:latin typeface="Consolas" panose="020B0609020204030204" pitchFamily="49" charset="0"/>
+              </a:rPr>
+              <a:t>void</a:t>
+            </a:r>
+            <a:r>
+              <a:rPr lang="en-US" dirty="0">
+                <a:solidFill>
+                  <a:srgbClr val="000000"/>
+                </a:solidFill>
+                <a:latin typeface="Consolas" panose="020B0609020204030204" pitchFamily="49" charset="0"/>
+              </a:rPr>
+              <a:t> </a:t>
+            </a:r>
+            <a:r>
+              <a:rPr lang="en-US" dirty="0" err="1">
+                <a:solidFill>
+                  <a:srgbClr val="000000"/>
+                </a:solidFill>
+                <a:latin typeface="Consolas" panose="020B0609020204030204" pitchFamily="49" charset="0"/>
+              </a:rPr>
+              <a:t>DoWork_when_IFooService_Update_false_returns_false</a:t>
+            </a:r>
+            <a:r>
+              <a:rPr lang="en-US" dirty="0">
+                <a:solidFill>
+                  <a:srgbClr val="000000"/>
+                </a:solidFill>
+                <a:latin typeface="Consolas" panose="020B0609020204030204" pitchFamily="49" charset="0"/>
+              </a:rPr>
+              <a:t>()</a:t>
+            </a:r>
+          </a:p>
+          <a:p>
+            <a:r>
+              <a:rPr lang="da-DK" dirty="0">
+                <a:solidFill>
+                  <a:srgbClr val="000000"/>
+                </a:solidFill>
+                <a:latin typeface="Consolas" panose="020B0609020204030204" pitchFamily="49" charset="0"/>
+              </a:rPr>
+              <a:t>    {</a:t>
+            </a:r>
+          </a:p>
+          <a:p>
+            <a:r>
+              <a:rPr lang="en-US" dirty="0">
+                <a:solidFill>
+                  <a:srgbClr val="000000"/>
+                </a:solidFill>
+                <a:latin typeface="Consolas" panose="020B0609020204030204" pitchFamily="49" charset="0"/>
+              </a:rPr>
+              <a:t>        </a:t>
+            </a:r>
+            <a:r>
+              <a:rPr lang="en-US" dirty="0" err="1">
+                <a:solidFill>
+                  <a:srgbClr val="0000FF"/>
+                </a:solidFill>
+                <a:latin typeface="Consolas" panose="020B0609020204030204" pitchFamily="49" charset="0"/>
+              </a:rPr>
+              <a:t>var</a:t>
+            </a:r>
+            <a:r>
+              <a:rPr lang="en-US" dirty="0">
+                <a:solidFill>
+                  <a:srgbClr val="000000"/>
+                </a:solidFill>
+                <a:latin typeface="Consolas" panose="020B0609020204030204" pitchFamily="49" charset="0"/>
+              </a:rPr>
+              <a:t> mock = </a:t>
+            </a:r>
+            <a:r>
+              <a:rPr lang="en-US" dirty="0">
+                <a:solidFill>
+                  <a:srgbClr val="0000FF"/>
+                </a:solidFill>
+                <a:latin typeface="Consolas" panose="020B0609020204030204" pitchFamily="49" charset="0"/>
+              </a:rPr>
+              <a:t>new</a:t>
+            </a:r>
+            <a:r>
+              <a:rPr lang="en-US" dirty="0">
+                <a:solidFill>
+                  <a:srgbClr val="000000"/>
+                </a:solidFill>
+                <a:latin typeface="Consolas" panose="020B0609020204030204" pitchFamily="49" charset="0"/>
+              </a:rPr>
+              <a:t> </a:t>
+            </a:r>
+            <a:r>
+              <a:rPr lang="en-US" dirty="0">
+                <a:solidFill>
+                  <a:srgbClr val="2B91AF"/>
+                </a:solidFill>
+                <a:latin typeface="Consolas" panose="020B0609020204030204" pitchFamily="49" charset="0"/>
+              </a:rPr>
+              <a:t>Mock</a:t>
+            </a:r>
+            <a:r>
+              <a:rPr lang="en-US" dirty="0">
+                <a:solidFill>
+                  <a:srgbClr val="000000"/>
+                </a:solidFill>
+                <a:latin typeface="Consolas" panose="020B0609020204030204" pitchFamily="49" charset="0"/>
+              </a:rPr>
+              <a:t>&lt;</a:t>
+            </a:r>
+            <a:r>
+              <a:rPr lang="en-US" dirty="0" err="1">
+                <a:solidFill>
+                  <a:srgbClr val="2B91AF"/>
+                </a:solidFill>
+                <a:latin typeface="Consolas" panose="020B0609020204030204" pitchFamily="49" charset="0"/>
+              </a:rPr>
+              <a:t>IFooService</a:t>
+            </a:r>
+            <a:r>
+              <a:rPr lang="en-US" dirty="0">
+                <a:solidFill>
+                  <a:srgbClr val="000000"/>
+                </a:solidFill>
+                <a:latin typeface="Consolas" panose="020B0609020204030204" pitchFamily="49" charset="0"/>
+              </a:rPr>
+              <a:t>&gt;();</a:t>
+            </a:r>
+          </a:p>
+          <a:p>
+            <a:r>
+              <a:rPr lang="da-DK" dirty="0">
+                <a:solidFill>
+                  <a:srgbClr val="000000"/>
+                </a:solidFill>
+                <a:latin typeface="Consolas" panose="020B0609020204030204" pitchFamily="49" charset="0"/>
+              </a:rPr>
+              <a:t>        </a:t>
+            </a:r>
+            <a:r>
+              <a:rPr lang="da-DK" dirty="0" err="1">
+                <a:solidFill>
+                  <a:srgbClr val="2B91AF"/>
+                </a:solidFill>
+                <a:latin typeface="Consolas" panose="020B0609020204030204" pitchFamily="49" charset="0"/>
+              </a:rPr>
+              <a:t>IFooService</a:t>
+            </a:r>
+            <a:r>
+              <a:rPr lang="da-DK" dirty="0">
+                <a:solidFill>
+                  <a:srgbClr val="000000"/>
+                </a:solidFill>
+                <a:latin typeface="Consolas" panose="020B0609020204030204" pitchFamily="49" charset="0"/>
+              </a:rPr>
+              <a:t> service = </a:t>
+            </a:r>
+            <a:r>
+              <a:rPr lang="da-DK" dirty="0" err="1">
+                <a:solidFill>
+                  <a:srgbClr val="000000"/>
+                </a:solidFill>
+                <a:latin typeface="Consolas" panose="020B0609020204030204" pitchFamily="49" charset="0"/>
+              </a:rPr>
+              <a:t>mock.Object</a:t>
+            </a:r>
+            <a:r>
+              <a:rPr lang="da-DK" dirty="0">
+                <a:solidFill>
+                  <a:srgbClr val="000000"/>
+                </a:solidFill>
+                <a:latin typeface="Consolas" panose="020B0609020204030204" pitchFamily="49" charset="0"/>
+              </a:rPr>
+              <a:t>;</a:t>
+            </a:r>
+          </a:p>
+          <a:p>
+            <a:endParaRPr lang="da-DK" dirty="0">
+              <a:solidFill>
+                <a:srgbClr val="000000"/>
+              </a:solidFill>
+              <a:latin typeface="Consolas" panose="020B0609020204030204" pitchFamily="49" charset="0"/>
+            </a:endParaRPr>
+          </a:p>
+          <a:p>
+            <a:r>
+              <a:rPr lang="en-US" dirty="0">
+                <a:solidFill>
+                  <a:srgbClr val="000000"/>
+                </a:solidFill>
+                <a:latin typeface="Consolas" panose="020B0609020204030204" pitchFamily="49" charset="0"/>
+              </a:rPr>
+              <a:t>        </a:t>
+            </a:r>
+            <a:r>
+              <a:rPr lang="en-US" dirty="0">
+                <a:solidFill>
+                  <a:srgbClr val="0000FF"/>
+                </a:solidFill>
+                <a:latin typeface="Consolas" panose="020B0609020204030204" pitchFamily="49" charset="0"/>
+              </a:rPr>
+              <a:t>using</a:t>
+            </a:r>
+            <a:r>
+              <a:rPr lang="en-US" dirty="0">
+                <a:solidFill>
+                  <a:srgbClr val="000000"/>
+                </a:solidFill>
+                <a:latin typeface="Consolas" panose="020B0609020204030204" pitchFamily="49" charset="0"/>
+              </a:rPr>
+              <a:t> (</a:t>
+            </a:r>
+            <a:r>
+              <a:rPr lang="en-US" dirty="0" err="1">
+                <a:solidFill>
+                  <a:srgbClr val="0000FF"/>
+                </a:solidFill>
+                <a:latin typeface="Consolas" panose="020B0609020204030204" pitchFamily="49" charset="0"/>
+              </a:rPr>
+              <a:t>var</a:t>
+            </a:r>
+            <a:r>
+              <a:rPr lang="en-US" dirty="0">
+                <a:solidFill>
+                  <a:srgbClr val="000000"/>
+                </a:solidFill>
+                <a:latin typeface="Consolas" panose="020B0609020204030204" pitchFamily="49" charset="0"/>
+              </a:rPr>
+              <a:t> worker = </a:t>
+            </a:r>
+            <a:r>
+              <a:rPr lang="en-US" dirty="0">
+                <a:solidFill>
+                  <a:srgbClr val="0000FF"/>
+                </a:solidFill>
+                <a:latin typeface="Consolas" panose="020B0609020204030204" pitchFamily="49" charset="0"/>
+              </a:rPr>
+              <a:t>new</a:t>
+            </a:r>
+            <a:r>
+              <a:rPr lang="en-US" dirty="0">
+                <a:solidFill>
+                  <a:srgbClr val="000000"/>
+                </a:solidFill>
+                <a:latin typeface="Consolas" panose="020B0609020204030204" pitchFamily="49" charset="0"/>
+              </a:rPr>
+              <a:t> </a:t>
+            </a:r>
+            <a:r>
+              <a:rPr lang="en-US" dirty="0">
+                <a:solidFill>
+                  <a:srgbClr val="2B91AF"/>
+                </a:solidFill>
+                <a:latin typeface="Consolas" panose="020B0609020204030204" pitchFamily="49" charset="0"/>
+              </a:rPr>
+              <a:t>Worker</a:t>
+            </a:r>
+            <a:r>
+              <a:rPr lang="en-US" dirty="0">
+                <a:solidFill>
+                  <a:srgbClr val="000000"/>
+                </a:solidFill>
+                <a:latin typeface="Consolas" panose="020B0609020204030204" pitchFamily="49" charset="0"/>
+              </a:rPr>
+              <a:t>(service))</a:t>
+            </a:r>
+          </a:p>
+          <a:p>
+            <a:r>
+              <a:rPr lang="da-DK" dirty="0">
+                <a:solidFill>
+                  <a:srgbClr val="000000"/>
+                </a:solidFill>
+                <a:latin typeface="Consolas" panose="020B0609020204030204" pitchFamily="49" charset="0"/>
+              </a:rPr>
+              <a:t>        {</a:t>
+            </a:r>
+          </a:p>
+          <a:p>
+            <a:r>
+              <a:rPr lang="en-US" dirty="0">
+                <a:solidFill>
+                  <a:srgbClr val="000000"/>
+                </a:solidFill>
+                <a:latin typeface="Consolas" panose="020B0609020204030204" pitchFamily="49" charset="0"/>
+              </a:rPr>
+              <a:t>            </a:t>
+            </a:r>
+            <a:r>
+              <a:rPr lang="en-US" dirty="0" err="1">
+                <a:solidFill>
+                  <a:srgbClr val="0000FF"/>
+                </a:solidFill>
+                <a:latin typeface="Consolas" panose="020B0609020204030204" pitchFamily="49" charset="0"/>
+              </a:rPr>
+              <a:t>var</a:t>
+            </a:r>
+            <a:r>
+              <a:rPr lang="en-US" dirty="0">
+                <a:solidFill>
+                  <a:srgbClr val="000000"/>
+                </a:solidFill>
+                <a:latin typeface="Consolas" panose="020B0609020204030204" pitchFamily="49" charset="0"/>
+              </a:rPr>
+              <a:t> result = </a:t>
+            </a:r>
+            <a:r>
+              <a:rPr lang="en-US" dirty="0" err="1">
+                <a:solidFill>
+                  <a:srgbClr val="000000"/>
+                </a:solidFill>
+                <a:latin typeface="Consolas" panose="020B0609020204030204" pitchFamily="49" charset="0"/>
+              </a:rPr>
+              <a:t>worker.DoWork</a:t>
+            </a:r>
+            <a:r>
+              <a:rPr lang="en-US" dirty="0">
+                <a:solidFill>
+                  <a:srgbClr val="000000"/>
+                </a:solidFill>
+                <a:latin typeface="Consolas" panose="020B0609020204030204" pitchFamily="49" charset="0"/>
+              </a:rPr>
+              <a:t>(</a:t>
+            </a:r>
+            <a:r>
+              <a:rPr lang="en-US" dirty="0">
+                <a:solidFill>
+                  <a:srgbClr val="0000FF"/>
+                </a:solidFill>
+                <a:latin typeface="Consolas" panose="020B0609020204030204" pitchFamily="49" charset="0"/>
+              </a:rPr>
+              <a:t>new</a:t>
+            </a:r>
+            <a:r>
+              <a:rPr lang="en-US" dirty="0">
+                <a:solidFill>
+                  <a:srgbClr val="000000"/>
+                </a:solidFill>
+                <a:latin typeface="Consolas" panose="020B0609020204030204" pitchFamily="49" charset="0"/>
+              </a:rPr>
+              <a:t> </a:t>
+            </a:r>
+            <a:r>
+              <a:rPr lang="en-US" dirty="0" err="1">
+                <a:solidFill>
+                  <a:srgbClr val="2B91AF"/>
+                </a:solidFill>
+                <a:latin typeface="Consolas" panose="020B0609020204030204" pitchFamily="49" charset="0"/>
+              </a:rPr>
+              <a:t>FooDto</a:t>
+            </a:r>
+            <a:r>
+              <a:rPr lang="en-US" dirty="0">
+                <a:solidFill>
+                  <a:srgbClr val="000000"/>
+                </a:solidFill>
+                <a:latin typeface="Consolas" panose="020B0609020204030204" pitchFamily="49" charset="0"/>
+              </a:rPr>
+              <a:t>());</a:t>
+            </a:r>
+          </a:p>
+          <a:p>
+            <a:endParaRPr lang="da-DK" dirty="0">
+              <a:solidFill>
+                <a:srgbClr val="000000"/>
+              </a:solidFill>
+              <a:latin typeface="Consolas" panose="020B0609020204030204" pitchFamily="49" charset="0"/>
+            </a:endParaRPr>
+          </a:p>
+          <a:p>
+            <a:r>
+              <a:rPr lang="da-DK" dirty="0">
+                <a:solidFill>
+                  <a:srgbClr val="000000"/>
+                </a:solidFill>
+                <a:latin typeface="Consolas" panose="020B0609020204030204" pitchFamily="49" charset="0"/>
+              </a:rPr>
+              <a:t>            </a:t>
+            </a:r>
+            <a:r>
+              <a:rPr lang="da-DK" dirty="0" err="1">
+                <a:solidFill>
+                  <a:srgbClr val="2B91AF"/>
+                </a:solidFill>
+                <a:latin typeface="Consolas" panose="020B0609020204030204" pitchFamily="49" charset="0"/>
+              </a:rPr>
+              <a:t>Assert</a:t>
+            </a:r>
+            <a:r>
+              <a:rPr lang="da-DK" dirty="0" err="1">
+                <a:solidFill>
+                  <a:srgbClr val="000000"/>
+                </a:solidFill>
+                <a:latin typeface="Consolas" panose="020B0609020204030204" pitchFamily="49" charset="0"/>
+              </a:rPr>
+              <a:t>.False</a:t>
+            </a:r>
+            <a:r>
+              <a:rPr lang="da-DK" dirty="0">
+                <a:solidFill>
+                  <a:srgbClr val="000000"/>
+                </a:solidFill>
+                <a:latin typeface="Consolas" panose="020B0609020204030204" pitchFamily="49" charset="0"/>
+              </a:rPr>
+              <a:t>(</a:t>
+            </a:r>
+            <a:r>
+              <a:rPr lang="da-DK" dirty="0" err="1">
+                <a:solidFill>
+                  <a:srgbClr val="000000"/>
+                </a:solidFill>
+                <a:latin typeface="Consolas" panose="020B0609020204030204" pitchFamily="49" charset="0"/>
+              </a:rPr>
+              <a:t>result</a:t>
+            </a:r>
+            <a:r>
+              <a:rPr lang="da-DK" dirty="0">
+                <a:solidFill>
+                  <a:srgbClr val="000000"/>
+                </a:solidFill>
+                <a:latin typeface="Consolas" panose="020B0609020204030204" pitchFamily="49" charset="0"/>
+              </a:rPr>
+              <a:t>);</a:t>
+            </a:r>
+          </a:p>
+          <a:p>
+            <a:r>
+              <a:rPr lang="da-DK" dirty="0">
+                <a:solidFill>
+                  <a:srgbClr val="000000"/>
+                </a:solidFill>
+                <a:latin typeface="Consolas" panose="020B0609020204030204" pitchFamily="49" charset="0"/>
+              </a:rPr>
+              <a:t>        }</a:t>
+            </a:r>
+          </a:p>
+          <a:p>
+            <a:r>
+              <a:rPr lang="da-DK" dirty="0">
+                <a:solidFill>
+                  <a:srgbClr val="000000"/>
+                </a:solidFill>
+                <a:latin typeface="Consolas" panose="020B0609020204030204" pitchFamily="49" charset="0"/>
+              </a:rPr>
+              <a:t>    }</a:t>
+            </a:r>
+          </a:p>
+          <a:p>
+            <a:r>
+              <a:rPr lang="da-DK" dirty="0">
+                <a:solidFill>
+                  <a:srgbClr val="000000"/>
+                </a:solidFill>
+                <a:latin typeface="Consolas" panose="020B0609020204030204" pitchFamily="49" charset="0"/>
+              </a:rPr>
+              <a:t>}</a:t>
+            </a:r>
+          </a:p>
+        </p:txBody>
+      </p:sp>
+      <p:sp>
+        <p:nvSpPr>
+          <p:cNvPr id="5" name="Speech Bubble: Rectangle 4"/>
+          <p:cNvSpPr/>
+          <p:nvPr/>
+        </p:nvSpPr>
+        <p:spPr bwMode="auto">
+          <a:xfrm>
+            <a:off x="6309184" y="1119847"/>
+            <a:ext cx="2742742" cy="640074"/>
+          </a:xfrm>
+          <a:prstGeom prst="wedgeRectCallout">
+            <a:avLst>
+              <a:gd name="adj1" fmla="val -69162"/>
+              <a:gd name="adj2" fmla="val 309186"/>
+            </a:avLst>
+          </a:prstGeom>
+          <a:solidFill>
+            <a:srgbClr val="68217A"/>
+          </a:solidFill>
+          <a:ln>
+            <a:noFill/>
+            <a:headEnd type="none" w="med" len="med"/>
+            <a:tailEnd type="none" w="med" len="med"/>
+          </a:ln>
+          <a:effectLst/>
+        </p:spPr>
+        <p:style>
+          <a:lnRef idx="1">
+            <a:schemeClr val="accent2"/>
+          </a:lnRef>
+          <a:fillRef idx="3">
+            <a:schemeClr val="accent2"/>
+          </a:fillRef>
+          <a:effectRef idx="2">
+            <a:schemeClr val="accent2"/>
+          </a:effectRef>
+          <a:fontRef idx="minor">
+            <a:schemeClr val="lt1"/>
+          </a:fontRef>
+        </p:style>
+        <p:txBody>
+          <a:bodyPr rot="0" spcFirstLastPara="0" vertOverflow="overflow" horzOverflow="overflow" vert="horz" wrap="square" lIns="182880" tIns="146304" rIns="182880" bIns="146304" numCol="1" spcCol="0" rtlCol="0" fromWordArt="0" anchor="t" anchorCtr="0" forceAA="0" compatLnSpc="1">
+            <a:prstTxWarp prst="textNoShape">
+              <a:avLst/>
+            </a:prstTxWarp>
+            <a:noAutofit/>
+          </a:bodyPr>
+          <a:lstStyle/>
+          <a:p>
+            <a:pPr algn="ctr" defTabSz="932472" fontAlgn="base">
+              <a:lnSpc>
+                <a:spcPct val="90000"/>
+              </a:lnSpc>
+              <a:spcBef>
+                <a:spcPct val="0"/>
+              </a:spcBef>
+              <a:spcAft>
+                <a:spcPct val="0"/>
+              </a:spcAft>
+            </a:pPr>
+            <a:r>
+              <a:rPr lang="da-DK" sz="2400" dirty="0" err="1">
+                <a:gradFill>
+                  <a:gsLst>
+                    <a:gs pos="0">
+                      <a:srgbClr val="FFFFFF"/>
+                    </a:gs>
+                    <a:gs pos="100000">
+                      <a:srgbClr val="FFFFFF"/>
+                    </a:gs>
+                  </a:gsLst>
+                  <a:lin ang="5400000" scaled="0"/>
+                </a:gradFill>
+                <a:ea typeface="Segoe UI" pitchFamily="34" charset="0"/>
+                <a:cs typeface="Segoe UI" pitchFamily="34" charset="0"/>
+              </a:rPr>
+              <a:t>Mock</a:t>
+            </a:r>
+            <a:r>
+              <a:rPr lang="da-DK" sz="2400" dirty="0">
+                <a:gradFill>
+                  <a:gsLst>
+                    <a:gs pos="0">
+                      <a:srgbClr val="FFFFFF"/>
+                    </a:gs>
+                    <a:gs pos="100000">
+                      <a:srgbClr val="FFFFFF"/>
+                    </a:gs>
+                  </a:gsLst>
+                  <a:lin ang="5400000" scaled="0"/>
+                </a:gradFill>
+                <a:ea typeface="Segoe UI" pitchFamily="34" charset="0"/>
+                <a:cs typeface="Segoe UI" pitchFamily="34" charset="0"/>
+              </a:rPr>
+              <a:t> </a:t>
+            </a:r>
+            <a:r>
+              <a:rPr lang="da-DK" sz="2400" dirty="0" err="1">
+                <a:gradFill>
+                  <a:gsLst>
+                    <a:gs pos="0">
+                      <a:srgbClr val="FFFFFF"/>
+                    </a:gs>
+                    <a:gs pos="100000">
+                      <a:srgbClr val="FFFFFF"/>
+                    </a:gs>
+                  </a:gsLst>
+                  <a:lin ang="5400000" scaled="0"/>
+                </a:gradFill>
+                <a:ea typeface="Segoe UI" pitchFamily="34" charset="0"/>
+                <a:cs typeface="Segoe UI" pitchFamily="34" charset="0"/>
+              </a:rPr>
+              <a:t>using</a:t>
+            </a:r>
+            <a:r>
+              <a:rPr lang="da-DK" sz="2400" dirty="0">
+                <a:gradFill>
+                  <a:gsLst>
+                    <a:gs pos="0">
+                      <a:srgbClr val="FFFFFF"/>
+                    </a:gs>
+                    <a:gs pos="100000">
+                      <a:srgbClr val="FFFFFF"/>
+                    </a:gs>
+                  </a:gsLst>
+                  <a:lin ang="5400000" scaled="0"/>
+                </a:gradFill>
+                <a:ea typeface="Segoe UI" pitchFamily="34" charset="0"/>
+                <a:cs typeface="Segoe UI" pitchFamily="34" charset="0"/>
+              </a:rPr>
+              <a:t> </a:t>
+            </a:r>
+            <a:r>
+              <a:rPr lang="da-DK" sz="2400" dirty="0" err="1">
+                <a:gradFill>
+                  <a:gsLst>
+                    <a:gs pos="0">
+                      <a:srgbClr val="FFFFFF"/>
+                    </a:gs>
+                    <a:gs pos="100000">
+                      <a:srgbClr val="FFFFFF"/>
+                    </a:gs>
+                  </a:gsLst>
+                  <a:lin ang="5400000" scaled="0"/>
+                </a:gradFill>
+                <a:ea typeface="Segoe UI" pitchFamily="34" charset="0"/>
+                <a:cs typeface="Segoe UI" pitchFamily="34" charset="0"/>
+              </a:rPr>
+              <a:t>Moq</a:t>
+            </a:r>
+            <a:endParaRPr lang="da-DK" sz="2400" dirty="0">
+              <a:gradFill>
+                <a:gsLst>
+                  <a:gs pos="0">
+                    <a:srgbClr val="FFFFFF"/>
+                  </a:gs>
+                  <a:gs pos="100000">
+                    <a:srgbClr val="FFFFFF"/>
+                  </a:gs>
+                </a:gsLst>
+                <a:lin ang="5400000" scaled="0"/>
+              </a:gradFill>
+              <a:ea typeface="Segoe UI" pitchFamily="34" charset="0"/>
+              <a:cs typeface="Segoe UI" pitchFamily="34" charset="0"/>
+            </a:endParaRPr>
+          </a:p>
+        </p:txBody>
+      </p:sp>
+    </p:spTree>
+    <p:extLst>
+      <p:ext uri="{BB962C8B-B14F-4D97-AF65-F5344CB8AC3E}">
+        <p14:creationId xmlns:p14="http://schemas.microsoft.com/office/powerpoint/2010/main" val="3544514694"/>
+      </p:ext>
+    </p:extLst>
+  </p:cSld>
+  <p:clrMapOvr>
+    <a:masterClrMapping/>
+  </p:clrMapOvr>
+  <p:transition>
+    <p:fade/>
+  </p:transition>
+</p:sld>
+</file>
+
+<file path=ppt/slides/slide19.xml><?xml version="1.0" encoding="utf-8"?>
+<p:sld xmlns:a="http://schemas.openxmlformats.org/drawingml/2006/main" xmlns:r="http://schemas.openxmlformats.org/officeDocument/2006/relationships" xmlns:p="http://schemas.openxmlformats.org/presentationml/2006/main">
+  <p:cSld>
+    <p:spTree>
+      <p:nvGrpSpPr>
+        <p:cNvPr id="1" name=""/>
+        <p:cNvGrpSpPr/>
+        <p:nvPr/>
+      </p:nvGrpSpPr>
+      <p:grpSpPr>
+        <a:xfrm>
+          <a:off x="0" y="0"/>
+          <a:ext cx="0" cy="0"/>
+          <a:chOff x="0" y="0"/>
+          <a:chExt cx="0" cy="0"/>
+        </a:xfrm>
+      </p:grpSpPr>
+      <p:sp>
+        <p:nvSpPr>
+          <p:cNvPr id="3" name="Title 2"/>
+          <p:cNvSpPr>
+            <a:spLocks noGrp="1"/>
+          </p:cNvSpPr>
+          <p:nvPr>
+            <p:ph type="title"/>
+          </p:nvPr>
+        </p:nvSpPr>
+        <p:spPr/>
+        <p:txBody>
+          <a:bodyPr/>
+          <a:lstStyle/>
+          <a:p>
+            <a:r>
+              <a:rPr lang="da-DK" dirty="0" err="1"/>
+              <a:t>Mock</a:t>
+            </a:r>
+            <a:r>
+              <a:rPr lang="da-DK" dirty="0"/>
+              <a:t> </a:t>
+            </a:r>
+            <a:r>
+              <a:rPr lang="da-DK" dirty="0" err="1"/>
+              <a:t>testing</a:t>
+            </a:r>
+            <a:r>
+              <a:rPr lang="da-DK" dirty="0"/>
+              <a:t> II</a:t>
+            </a:r>
+          </a:p>
+        </p:txBody>
+      </p:sp>
+      <p:sp>
+        <p:nvSpPr>
+          <p:cNvPr id="4" name="Rectangle 3"/>
+          <p:cNvSpPr/>
+          <p:nvPr/>
+        </p:nvSpPr>
+        <p:spPr>
+          <a:xfrm>
+            <a:off x="228651" y="1577043"/>
+            <a:ext cx="8869261" cy="4524315"/>
+          </a:xfrm>
+          <a:prstGeom prst="rect">
+            <a:avLst/>
+          </a:prstGeom>
+        </p:spPr>
+        <p:txBody>
+          <a:bodyPr wrap="square">
+            <a:spAutoFit/>
+          </a:bodyPr>
+          <a:lstStyle/>
+          <a:p>
+            <a:r>
+              <a:rPr lang="da-DK" dirty="0">
+                <a:solidFill>
+                  <a:srgbClr val="0000FF"/>
+                </a:solidFill>
+                <a:latin typeface="Consolas" panose="020B0609020204030204" pitchFamily="49" charset="0"/>
+              </a:rPr>
+              <a:t>public</a:t>
+            </a:r>
+            <a:r>
+              <a:rPr lang="da-DK" dirty="0">
+                <a:solidFill>
+                  <a:srgbClr val="000000"/>
+                </a:solidFill>
+                <a:latin typeface="Consolas" panose="020B0609020204030204" pitchFamily="49" charset="0"/>
+              </a:rPr>
+              <a:t> </a:t>
+            </a:r>
+            <a:r>
+              <a:rPr lang="da-DK" dirty="0">
+                <a:solidFill>
+                  <a:srgbClr val="0000FF"/>
+                </a:solidFill>
+                <a:latin typeface="Consolas" panose="020B0609020204030204" pitchFamily="49" charset="0"/>
+              </a:rPr>
+              <a:t>class</a:t>
+            </a:r>
+            <a:r>
+              <a:rPr lang="da-DK" dirty="0">
+                <a:solidFill>
+                  <a:srgbClr val="000000"/>
+                </a:solidFill>
+                <a:latin typeface="Consolas" panose="020B0609020204030204" pitchFamily="49" charset="0"/>
+              </a:rPr>
+              <a:t> </a:t>
+            </a:r>
+            <a:r>
+              <a:rPr lang="da-DK" dirty="0" err="1">
+                <a:solidFill>
+                  <a:srgbClr val="2B91AF"/>
+                </a:solidFill>
+                <a:latin typeface="Consolas" panose="020B0609020204030204" pitchFamily="49" charset="0"/>
+              </a:rPr>
+              <a:t>WorkerTests</a:t>
+            </a:r>
+            <a:endParaRPr lang="da-DK" dirty="0">
+              <a:solidFill>
+                <a:srgbClr val="000000"/>
+              </a:solidFill>
+              <a:latin typeface="Consolas" panose="020B0609020204030204" pitchFamily="49" charset="0"/>
+            </a:endParaRPr>
+          </a:p>
+          <a:p>
+            <a:r>
+              <a:rPr lang="da-DK" dirty="0">
+                <a:solidFill>
+                  <a:srgbClr val="000000"/>
+                </a:solidFill>
+                <a:latin typeface="Consolas" panose="020B0609020204030204" pitchFamily="49" charset="0"/>
+              </a:rPr>
+              <a:t>{</a:t>
+            </a:r>
+          </a:p>
+          <a:p>
+            <a:r>
+              <a:rPr lang="da-DK" dirty="0">
+                <a:solidFill>
+                  <a:srgbClr val="000000"/>
+                </a:solidFill>
+                <a:latin typeface="Consolas" panose="020B0609020204030204" pitchFamily="49" charset="0"/>
+              </a:rPr>
+              <a:t>    [</a:t>
+            </a:r>
+            <a:r>
+              <a:rPr lang="da-DK" dirty="0" err="1">
+                <a:solidFill>
+                  <a:srgbClr val="2B91AF"/>
+                </a:solidFill>
+                <a:latin typeface="Consolas" panose="020B0609020204030204" pitchFamily="49" charset="0"/>
+              </a:rPr>
+              <a:t>Fact</a:t>
+            </a:r>
+            <a:r>
+              <a:rPr lang="da-DK" dirty="0">
+                <a:solidFill>
+                  <a:srgbClr val="000000"/>
+                </a:solidFill>
+                <a:latin typeface="Consolas" panose="020B0609020204030204" pitchFamily="49" charset="0"/>
+              </a:rPr>
+              <a:t>]</a:t>
+            </a:r>
+          </a:p>
+          <a:p>
+            <a:r>
+              <a:rPr lang="en-US" dirty="0">
+                <a:solidFill>
+                  <a:srgbClr val="000000"/>
+                </a:solidFill>
+                <a:latin typeface="Consolas" panose="020B0609020204030204" pitchFamily="49" charset="0"/>
+              </a:rPr>
+              <a:t>    </a:t>
+            </a:r>
+            <a:r>
+              <a:rPr lang="en-US" dirty="0">
+                <a:solidFill>
+                  <a:srgbClr val="0000FF"/>
+                </a:solidFill>
+                <a:latin typeface="Consolas" panose="020B0609020204030204" pitchFamily="49" charset="0"/>
+              </a:rPr>
+              <a:t>public</a:t>
+            </a:r>
+            <a:r>
+              <a:rPr lang="en-US" dirty="0">
+                <a:solidFill>
+                  <a:srgbClr val="000000"/>
+                </a:solidFill>
+                <a:latin typeface="Consolas" panose="020B0609020204030204" pitchFamily="49" charset="0"/>
+              </a:rPr>
+              <a:t> </a:t>
+            </a:r>
+            <a:r>
+              <a:rPr lang="en-US" dirty="0">
+                <a:solidFill>
+                  <a:srgbClr val="0000FF"/>
+                </a:solidFill>
+                <a:latin typeface="Consolas" panose="020B0609020204030204" pitchFamily="49" charset="0"/>
+              </a:rPr>
+              <a:t>void</a:t>
+            </a:r>
+            <a:r>
+              <a:rPr lang="en-US" dirty="0">
+                <a:solidFill>
+                  <a:srgbClr val="000000"/>
+                </a:solidFill>
+                <a:latin typeface="Consolas" panose="020B0609020204030204" pitchFamily="49" charset="0"/>
+              </a:rPr>
+              <a:t> </a:t>
+            </a:r>
+            <a:r>
+              <a:rPr lang="en-US" dirty="0" err="1">
+                <a:solidFill>
+                  <a:srgbClr val="000000"/>
+                </a:solidFill>
+                <a:latin typeface="Consolas" panose="020B0609020204030204" pitchFamily="49" charset="0"/>
+              </a:rPr>
+              <a:t>DoWork_when_IFooService_Update_true_returns_true</a:t>
+            </a:r>
+            <a:r>
+              <a:rPr lang="en-US" dirty="0">
+                <a:solidFill>
+                  <a:srgbClr val="000000"/>
+                </a:solidFill>
+                <a:latin typeface="Consolas" panose="020B0609020204030204" pitchFamily="49" charset="0"/>
+              </a:rPr>
+              <a:t>()</a:t>
+            </a:r>
+          </a:p>
+          <a:p>
+            <a:r>
+              <a:rPr lang="da-DK" dirty="0">
+                <a:solidFill>
+                  <a:srgbClr val="000000"/>
+                </a:solidFill>
+                <a:latin typeface="Consolas" panose="020B0609020204030204" pitchFamily="49" charset="0"/>
+              </a:rPr>
+              <a:t>    {</a:t>
+            </a:r>
+          </a:p>
+          <a:p>
+            <a:r>
+              <a:rPr lang="en-US" dirty="0">
+                <a:solidFill>
+                  <a:srgbClr val="000000"/>
+                </a:solidFill>
+                <a:latin typeface="Consolas" panose="020B0609020204030204" pitchFamily="49" charset="0"/>
+              </a:rPr>
+              <a:t>        </a:t>
+            </a:r>
+            <a:r>
+              <a:rPr lang="en-US" dirty="0" err="1">
+                <a:solidFill>
+                  <a:srgbClr val="0000FF"/>
+                </a:solidFill>
+                <a:latin typeface="Consolas" panose="020B0609020204030204" pitchFamily="49" charset="0"/>
+              </a:rPr>
+              <a:t>var</a:t>
+            </a:r>
+            <a:r>
+              <a:rPr lang="en-US" dirty="0">
+                <a:solidFill>
+                  <a:srgbClr val="000000"/>
+                </a:solidFill>
+                <a:latin typeface="Consolas" panose="020B0609020204030204" pitchFamily="49" charset="0"/>
+              </a:rPr>
+              <a:t> mock = </a:t>
+            </a:r>
+            <a:r>
+              <a:rPr lang="en-US" dirty="0">
+                <a:solidFill>
+                  <a:srgbClr val="0000FF"/>
+                </a:solidFill>
+                <a:latin typeface="Consolas" panose="020B0609020204030204" pitchFamily="49" charset="0"/>
+              </a:rPr>
+              <a:t>new</a:t>
+            </a:r>
+            <a:r>
+              <a:rPr lang="en-US" dirty="0">
+                <a:solidFill>
+                  <a:srgbClr val="000000"/>
+                </a:solidFill>
+                <a:latin typeface="Consolas" panose="020B0609020204030204" pitchFamily="49" charset="0"/>
+              </a:rPr>
+              <a:t> </a:t>
+            </a:r>
+            <a:r>
+              <a:rPr lang="en-US" dirty="0">
+                <a:solidFill>
+                  <a:srgbClr val="2B91AF"/>
+                </a:solidFill>
+                <a:latin typeface="Consolas" panose="020B0609020204030204" pitchFamily="49" charset="0"/>
+              </a:rPr>
+              <a:t>Mock</a:t>
+            </a:r>
+            <a:r>
+              <a:rPr lang="en-US" dirty="0">
+                <a:solidFill>
+                  <a:srgbClr val="000000"/>
+                </a:solidFill>
+                <a:latin typeface="Consolas" panose="020B0609020204030204" pitchFamily="49" charset="0"/>
+              </a:rPr>
+              <a:t>&lt;</a:t>
+            </a:r>
+            <a:r>
+              <a:rPr lang="en-US" dirty="0" err="1">
+                <a:solidFill>
+                  <a:srgbClr val="2B91AF"/>
+                </a:solidFill>
+                <a:latin typeface="Consolas" panose="020B0609020204030204" pitchFamily="49" charset="0"/>
+              </a:rPr>
+              <a:t>IFooService</a:t>
+            </a:r>
+            <a:r>
+              <a:rPr lang="en-US" dirty="0">
+                <a:solidFill>
+                  <a:srgbClr val="000000"/>
+                </a:solidFill>
+                <a:latin typeface="Consolas" panose="020B0609020204030204" pitchFamily="49" charset="0"/>
+              </a:rPr>
+              <a:t>&gt;();</a:t>
+            </a:r>
+          </a:p>
+          <a:p>
+            <a:r>
+              <a:rPr lang="en-US" dirty="0">
+                <a:solidFill>
+                  <a:srgbClr val="000000"/>
+                </a:solidFill>
+                <a:latin typeface="Consolas" panose="020B0609020204030204" pitchFamily="49" charset="0"/>
+              </a:rPr>
+              <a:t>        </a:t>
+            </a:r>
+            <a:r>
+              <a:rPr lang="en-US" dirty="0" err="1">
+                <a:solidFill>
+                  <a:srgbClr val="000000"/>
+                </a:solidFill>
+                <a:latin typeface="Consolas" panose="020B0609020204030204" pitchFamily="49" charset="0"/>
+              </a:rPr>
+              <a:t>mock.Setup</a:t>
+            </a:r>
+            <a:r>
+              <a:rPr lang="en-US" dirty="0">
+                <a:solidFill>
+                  <a:srgbClr val="000000"/>
+                </a:solidFill>
+                <a:latin typeface="Consolas" panose="020B0609020204030204" pitchFamily="49" charset="0"/>
+              </a:rPr>
+              <a:t>(m =&gt; </a:t>
+            </a:r>
+            <a:r>
+              <a:rPr lang="en-US" dirty="0" err="1">
+                <a:solidFill>
+                  <a:srgbClr val="000000"/>
+                </a:solidFill>
+                <a:latin typeface="Consolas" panose="020B0609020204030204" pitchFamily="49" charset="0"/>
+              </a:rPr>
+              <a:t>m.Update</a:t>
+            </a:r>
+            <a:r>
+              <a:rPr lang="en-US" dirty="0">
+                <a:solidFill>
+                  <a:srgbClr val="000000"/>
+                </a:solidFill>
+                <a:latin typeface="Consolas" panose="020B0609020204030204" pitchFamily="49" charset="0"/>
+              </a:rPr>
+              <a:t>(</a:t>
+            </a:r>
+            <a:r>
+              <a:rPr lang="en-US" dirty="0" err="1">
+                <a:solidFill>
+                  <a:srgbClr val="2B91AF"/>
+                </a:solidFill>
+                <a:latin typeface="Consolas" panose="020B0609020204030204" pitchFamily="49" charset="0"/>
+              </a:rPr>
+              <a:t>It</a:t>
+            </a:r>
+            <a:r>
+              <a:rPr lang="en-US" dirty="0" err="1">
+                <a:solidFill>
+                  <a:srgbClr val="000000"/>
+                </a:solidFill>
+                <a:latin typeface="Consolas" panose="020B0609020204030204" pitchFamily="49" charset="0"/>
+              </a:rPr>
+              <a:t>.IsAny</a:t>
+            </a:r>
+            <a:r>
+              <a:rPr lang="en-US" dirty="0">
+                <a:solidFill>
+                  <a:srgbClr val="000000"/>
+                </a:solidFill>
+                <a:latin typeface="Consolas" panose="020B0609020204030204" pitchFamily="49" charset="0"/>
+              </a:rPr>
+              <a:t>&lt;</a:t>
+            </a:r>
+            <a:r>
+              <a:rPr lang="en-US" dirty="0">
+                <a:solidFill>
+                  <a:srgbClr val="2B91AF"/>
+                </a:solidFill>
+                <a:latin typeface="Consolas" panose="020B0609020204030204" pitchFamily="49" charset="0"/>
+              </a:rPr>
+              <a:t>Foo</a:t>
+            </a:r>
+            <a:r>
+              <a:rPr lang="en-US" dirty="0">
+                <a:solidFill>
+                  <a:srgbClr val="000000"/>
+                </a:solidFill>
+                <a:latin typeface="Consolas" panose="020B0609020204030204" pitchFamily="49" charset="0"/>
+              </a:rPr>
+              <a:t>&gt;())).Returns(</a:t>
+            </a:r>
+            <a:r>
+              <a:rPr lang="en-US" dirty="0">
+                <a:solidFill>
+                  <a:srgbClr val="0000FF"/>
+                </a:solidFill>
+                <a:latin typeface="Consolas" panose="020B0609020204030204" pitchFamily="49" charset="0"/>
+              </a:rPr>
+              <a:t>true</a:t>
+            </a:r>
+            <a:r>
+              <a:rPr lang="en-US" dirty="0">
+                <a:solidFill>
+                  <a:srgbClr val="000000"/>
+                </a:solidFill>
+                <a:latin typeface="Consolas" panose="020B0609020204030204" pitchFamily="49" charset="0"/>
+              </a:rPr>
+              <a:t>);</a:t>
+            </a:r>
+          </a:p>
+          <a:p>
+            <a:endParaRPr lang="da-DK" dirty="0">
+              <a:solidFill>
+                <a:srgbClr val="000000"/>
+              </a:solidFill>
+              <a:latin typeface="Consolas" panose="020B0609020204030204" pitchFamily="49" charset="0"/>
+            </a:endParaRPr>
+          </a:p>
+          <a:p>
+            <a:r>
+              <a:rPr lang="en-US" dirty="0">
+                <a:solidFill>
+                  <a:srgbClr val="000000"/>
+                </a:solidFill>
+                <a:latin typeface="Consolas" panose="020B0609020204030204" pitchFamily="49" charset="0"/>
+              </a:rPr>
+              <a:t>        </a:t>
+            </a:r>
+            <a:r>
+              <a:rPr lang="en-US" dirty="0">
+                <a:solidFill>
+                  <a:srgbClr val="0000FF"/>
+                </a:solidFill>
+                <a:latin typeface="Consolas" panose="020B0609020204030204" pitchFamily="49" charset="0"/>
+              </a:rPr>
+              <a:t>using</a:t>
+            </a:r>
+            <a:r>
+              <a:rPr lang="en-US" dirty="0">
+                <a:solidFill>
+                  <a:srgbClr val="000000"/>
+                </a:solidFill>
+                <a:latin typeface="Consolas" panose="020B0609020204030204" pitchFamily="49" charset="0"/>
+              </a:rPr>
+              <a:t> (</a:t>
+            </a:r>
+            <a:r>
+              <a:rPr lang="en-US" dirty="0" err="1">
+                <a:solidFill>
+                  <a:srgbClr val="0000FF"/>
+                </a:solidFill>
+                <a:latin typeface="Consolas" panose="020B0609020204030204" pitchFamily="49" charset="0"/>
+              </a:rPr>
+              <a:t>var</a:t>
+            </a:r>
+            <a:r>
+              <a:rPr lang="en-US" dirty="0">
+                <a:solidFill>
+                  <a:srgbClr val="000000"/>
+                </a:solidFill>
+                <a:latin typeface="Consolas" panose="020B0609020204030204" pitchFamily="49" charset="0"/>
+              </a:rPr>
+              <a:t> worker = </a:t>
+            </a:r>
+            <a:r>
+              <a:rPr lang="en-US" dirty="0">
+                <a:solidFill>
+                  <a:srgbClr val="0000FF"/>
+                </a:solidFill>
+                <a:latin typeface="Consolas" panose="020B0609020204030204" pitchFamily="49" charset="0"/>
+              </a:rPr>
+              <a:t>new</a:t>
+            </a:r>
+            <a:r>
+              <a:rPr lang="en-US" dirty="0">
+                <a:solidFill>
+                  <a:srgbClr val="000000"/>
+                </a:solidFill>
+                <a:latin typeface="Consolas" panose="020B0609020204030204" pitchFamily="49" charset="0"/>
+              </a:rPr>
+              <a:t> </a:t>
+            </a:r>
+            <a:r>
+              <a:rPr lang="en-US" dirty="0">
+                <a:solidFill>
+                  <a:srgbClr val="2B91AF"/>
+                </a:solidFill>
+                <a:latin typeface="Consolas" panose="020B0609020204030204" pitchFamily="49" charset="0"/>
+              </a:rPr>
+              <a:t>Worker</a:t>
+            </a:r>
+            <a:r>
+              <a:rPr lang="en-US" dirty="0">
+                <a:solidFill>
+                  <a:srgbClr val="000000"/>
+                </a:solidFill>
+                <a:latin typeface="Consolas" panose="020B0609020204030204" pitchFamily="49" charset="0"/>
+              </a:rPr>
+              <a:t>(</a:t>
+            </a:r>
+            <a:r>
+              <a:rPr lang="da-DK" dirty="0" err="1">
+                <a:solidFill>
+                  <a:srgbClr val="000000"/>
+                </a:solidFill>
+                <a:latin typeface="Consolas" panose="020B0609020204030204" pitchFamily="49" charset="0"/>
+              </a:rPr>
+              <a:t>mock.Object</a:t>
+            </a:r>
+            <a:r>
+              <a:rPr lang="en-US" dirty="0">
+                <a:solidFill>
+                  <a:srgbClr val="000000"/>
+                </a:solidFill>
+                <a:latin typeface="Consolas" panose="020B0609020204030204" pitchFamily="49" charset="0"/>
+              </a:rPr>
+              <a:t>))</a:t>
+            </a:r>
+          </a:p>
+          <a:p>
+            <a:r>
+              <a:rPr lang="da-DK" dirty="0">
+                <a:solidFill>
+                  <a:srgbClr val="000000"/>
+                </a:solidFill>
+                <a:latin typeface="Consolas" panose="020B0609020204030204" pitchFamily="49" charset="0"/>
+              </a:rPr>
+              <a:t>        {</a:t>
+            </a:r>
+          </a:p>
+          <a:p>
+            <a:r>
+              <a:rPr lang="en-US" dirty="0">
+                <a:solidFill>
+                  <a:srgbClr val="000000"/>
+                </a:solidFill>
+                <a:latin typeface="Consolas" panose="020B0609020204030204" pitchFamily="49" charset="0"/>
+              </a:rPr>
+              <a:t>            </a:t>
+            </a:r>
+            <a:r>
+              <a:rPr lang="en-US" dirty="0" err="1">
+                <a:solidFill>
+                  <a:srgbClr val="0000FF"/>
+                </a:solidFill>
+                <a:latin typeface="Consolas" panose="020B0609020204030204" pitchFamily="49" charset="0"/>
+              </a:rPr>
+              <a:t>var</a:t>
+            </a:r>
+            <a:r>
+              <a:rPr lang="en-US" dirty="0">
+                <a:solidFill>
+                  <a:srgbClr val="000000"/>
+                </a:solidFill>
+                <a:latin typeface="Consolas" panose="020B0609020204030204" pitchFamily="49" charset="0"/>
+              </a:rPr>
+              <a:t> result = </a:t>
+            </a:r>
+            <a:r>
+              <a:rPr lang="en-US" dirty="0" err="1">
+                <a:solidFill>
+                  <a:srgbClr val="000000"/>
+                </a:solidFill>
+                <a:latin typeface="Consolas" panose="020B0609020204030204" pitchFamily="49" charset="0"/>
+              </a:rPr>
+              <a:t>worker.DoWork</a:t>
+            </a:r>
+            <a:r>
+              <a:rPr lang="en-US" dirty="0">
+                <a:solidFill>
+                  <a:srgbClr val="000000"/>
+                </a:solidFill>
+                <a:latin typeface="Consolas" panose="020B0609020204030204" pitchFamily="49" charset="0"/>
+              </a:rPr>
+              <a:t>(</a:t>
+            </a:r>
+            <a:r>
+              <a:rPr lang="en-US" dirty="0">
+                <a:solidFill>
+                  <a:srgbClr val="0000FF"/>
+                </a:solidFill>
+                <a:latin typeface="Consolas" panose="020B0609020204030204" pitchFamily="49" charset="0"/>
+              </a:rPr>
+              <a:t>new</a:t>
+            </a:r>
+            <a:r>
+              <a:rPr lang="en-US" dirty="0">
+                <a:solidFill>
+                  <a:srgbClr val="000000"/>
+                </a:solidFill>
+                <a:latin typeface="Consolas" panose="020B0609020204030204" pitchFamily="49" charset="0"/>
+              </a:rPr>
+              <a:t> </a:t>
+            </a:r>
+            <a:r>
+              <a:rPr lang="en-US" dirty="0" err="1">
+                <a:solidFill>
+                  <a:srgbClr val="2B91AF"/>
+                </a:solidFill>
+                <a:latin typeface="Consolas" panose="020B0609020204030204" pitchFamily="49" charset="0"/>
+              </a:rPr>
+              <a:t>FooDto</a:t>
+            </a:r>
+            <a:r>
+              <a:rPr lang="en-US" dirty="0">
+                <a:solidFill>
+                  <a:srgbClr val="000000"/>
+                </a:solidFill>
+                <a:latin typeface="Consolas" panose="020B0609020204030204" pitchFamily="49" charset="0"/>
+              </a:rPr>
+              <a:t>());</a:t>
+            </a:r>
+          </a:p>
+          <a:p>
+            <a:endParaRPr lang="da-DK" dirty="0">
+              <a:solidFill>
+                <a:srgbClr val="000000"/>
+              </a:solidFill>
+              <a:latin typeface="Consolas" panose="020B0609020204030204" pitchFamily="49" charset="0"/>
+            </a:endParaRPr>
+          </a:p>
+          <a:p>
+            <a:r>
+              <a:rPr lang="da-DK" dirty="0">
+                <a:solidFill>
+                  <a:srgbClr val="000000"/>
+                </a:solidFill>
+                <a:latin typeface="Consolas" panose="020B0609020204030204" pitchFamily="49" charset="0"/>
+              </a:rPr>
+              <a:t>            </a:t>
+            </a:r>
+            <a:r>
+              <a:rPr lang="da-DK" dirty="0" err="1">
+                <a:solidFill>
+                  <a:srgbClr val="2B91AF"/>
+                </a:solidFill>
+                <a:latin typeface="Consolas" panose="020B0609020204030204" pitchFamily="49" charset="0"/>
+              </a:rPr>
+              <a:t>Assert</a:t>
+            </a:r>
+            <a:r>
+              <a:rPr lang="da-DK" dirty="0" err="1">
+                <a:solidFill>
+                  <a:srgbClr val="000000"/>
+                </a:solidFill>
+                <a:latin typeface="Consolas" panose="020B0609020204030204" pitchFamily="49" charset="0"/>
+              </a:rPr>
+              <a:t>.True</a:t>
+            </a:r>
+            <a:r>
+              <a:rPr lang="da-DK" dirty="0">
+                <a:solidFill>
+                  <a:srgbClr val="000000"/>
+                </a:solidFill>
+                <a:latin typeface="Consolas" panose="020B0609020204030204" pitchFamily="49" charset="0"/>
+              </a:rPr>
+              <a:t>(</a:t>
+            </a:r>
+            <a:r>
+              <a:rPr lang="da-DK" dirty="0" err="1">
+                <a:solidFill>
+                  <a:srgbClr val="000000"/>
+                </a:solidFill>
+                <a:latin typeface="Consolas" panose="020B0609020204030204" pitchFamily="49" charset="0"/>
+              </a:rPr>
+              <a:t>result</a:t>
+            </a:r>
+            <a:r>
+              <a:rPr lang="da-DK" dirty="0">
+                <a:solidFill>
+                  <a:srgbClr val="000000"/>
+                </a:solidFill>
+                <a:latin typeface="Consolas" panose="020B0609020204030204" pitchFamily="49" charset="0"/>
+              </a:rPr>
+              <a:t>);</a:t>
+            </a:r>
+          </a:p>
+          <a:p>
+            <a:r>
+              <a:rPr lang="da-DK" dirty="0">
+                <a:solidFill>
+                  <a:srgbClr val="000000"/>
+                </a:solidFill>
+                <a:latin typeface="Consolas" panose="020B0609020204030204" pitchFamily="49" charset="0"/>
+              </a:rPr>
+              <a:t>        }</a:t>
+            </a:r>
+          </a:p>
+          <a:p>
+            <a:r>
+              <a:rPr lang="da-DK" dirty="0">
+                <a:solidFill>
+                  <a:srgbClr val="000000"/>
+                </a:solidFill>
+                <a:latin typeface="Consolas" panose="020B0609020204030204" pitchFamily="49" charset="0"/>
+              </a:rPr>
+              <a:t>    }</a:t>
+            </a:r>
+          </a:p>
+          <a:p>
+            <a:r>
+              <a:rPr lang="da-DK" dirty="0">
+                <a:solidFill>
+                  <a:srgbClr val="000000"/>
+                </a:solidFill>
+                <a:latin typeface="Consolas" panose="020B0609020204030204" pitchFamily="49" charset="0"/>
+              </a:rPr>
+              <a:t>}</a:t>
+            </a:r>
+            <a:endParaRPr lang="da-DK" dirty="0"/>
+          </a:p>
+        </p:txBody>
+      </p:sp>
+      <p:sp>
+        <p:nvSpPr>
+          <p:cNvPr id="5" name="Speech Bubble: Rectangle 4"/>
+          <p:cNvSpPr/>
+          <p:nvPr/>
+        </p:nvSpPr>
+        <p:spPr bwMode="auto">
+          <a:xfrm>
+            <a:off x="5669110" y="463935"/>
+            <a:ext cx="3291376" cy="640074"/>
+          </a:xfrm>
+          <a:prstGeom prst="wedgeRectCallout">
+            <a:avLst>
+              <a:gd name="adj1" fmla="val -46540"/>
+              <a:gd name="adj2" fmla="val 388778"/>
+            </a:avLst>
+          </a:prstGeom>
+          <a:solidFill>
+            <a:srgbClr val="68217A"/>
+          </a:solidFill>
+          <a:ln>
+            <a:noFill/>
+            <a:headEnd type="none" w="med" len="med"/>
+            <a:tailEnd type="none" w="med" len="med"/>
+          </a:ln>
+          <a:effectLst/>
+        </p:spPr>
+        <p:style>
+          <a:lnRef idx="1">
+            <a:schemeClr val="accent2"/>
+          </a:lnRef>
+          <a:fillRef idx="3">
+            <a:schemeClr val="accent2"/>
+          </a:fillRef>
+          <a:effectRef idx="2">
+            <a:schemeClr val="accent2"/>
+          </a:effectRef>
+          <a:fontRef idx="minor">
+            <a:schemeClr val="lt1"/>
+          </a:fontRef>
+        </p:style>
+        <p:txBody>
+          <a:bodyPr rot="0" spcFirstLastPara="0" vertOverflow="overflow" horzOverflow="overflow" vert="horz" wrap="square" lIns="182880" tIns="146304" rIns="182880" bIns="146304" numCol="1" spcCol="0" rtlCol="0" fromWordArt="0" anchor="t" anchorCtr="0" forceAA="0" compatLnSpc="1">
+            <a:prstTxWarp prst="textNoShape">
+              <a:avLst/>
+            </a:prstTxWarp>
+            <a:noAutofit/>
+          </a:bodyPr>
+          <a:lstStyle/>
+          <a:p>
+            <a:pPr algn="ctr" defTabSz="932472" fontAlgn="base">
+              <a:lnSpc>
+                <a:spcPct val="90000"/>
+              </a:lnSpc>
+              <a:spcBef>
+                <a:spcPct val="0"/>
+              </a:spcBef>
+              <a:spcAft>
+                <a:spcPct val="0"/>
+              </a:spcAft>
+            </a:pPr>
+            <a:r>
+              <a:rPr lang="da-DK" sz="2400" dirty="0" err="1">
+                <a:gradFill>
+                  <a:gsLst>
+                    <a:gs pos="0">
+                      <a:srgbClr val="FFFFFF"/>
+                    </a:gs>
+                    <a:gs pos="100000">
+                      <a:srgbClr val="FFFFFF"/>
+                    </a:gs>
+                  </a:gsLst>
+                  <a:lin ang="5400000" scaled="0"/>
+                </a:gradFill>
+                <a:ea typeface="Segoe UI" pitchFamily="34" charset="0"/>
+                <a:cs typeface="Segoe UI" pitchFamily="34" charset="0"/>
+              </a:rPr>
+              <a:t>Configure</a:t>
+            </a:r>
+            <a:r>
+              <a:rPr lang="da-DK" sz="2400" dirty="0">
+                <a:gradFill>
+                  <a:gsLst>
+                    <a:gs pos="0">
+                      <a:srgbClr val="FFFFFF"/>
+                    </a:gs>
+                    <a:gs pos="100000">
+                      <a:srgbClr val="FFFFFF"/>
+                    </a:gs>
+                  </a:gsLst>
+                  <a:lin ang="5400000" scaled="0"/>
+                </a:gradFill>
+                <a:ea typeface="Segoe UI" pitchFamily="34" charset="0"/>
+                <a:cs typeface="Segoe UI" pitchFamily="34" charset="0"/>
+              </a:rPr>
+              <a:t> the </a:t>
+            </a:r>
+            <a:r>
+              <a:rPr lang="da-DK" sz="2400" dirty="0" err="1">
+                <a:gradFill>
+                  <a:gsLst>
+                    <a:gs pos="0">
+                      <a:srgbClr val="FFFFFF"/>
+                    </a:gs>
+                    <a:gs pos="100000">
+                      <a:srgbClr val="FFFFFF"/>
+                    </a:gs>
+                  </a:gsLst>
+                  <a:lin ang="5400000" scaled="0"/>
+                </a:gradFill>
+                <a:ea typeface="Segoe UI" pitchFamily="34" charset="0"/>
+                <a:cs typeface="Segoe UI" pitchFamily="34" charset="0"/>
+              </a:rPr>
+              <a:t>mock</a:t>
+            </a:r>
+            <a:endParaRPr lang="da-DK" sz="2400" dirty="0">
+              <a:gradFill>
+                <a:gsLst>
+                  <a:gs pos="0">
+                    <a:srgbClr val="FFFFFF"/>
+                  </a:gs>
+                  <a:gs pos="100000">
+                    <a:srgbClr val="FFFFFF"/>
+                  </a:gs>
+                </a:gsLst>
+                <a:lin ang="5400000" scaled="0"/>
+              </a:gradFill>
+              <a:ea typeface="Segoe UI" pitchFamily="34" charset="0"/>
+              <a:cs typeface="Segoe UI" pitchFamily="34" charset="0"/>
+            </a:endParaRPr>
+          </a:p>
+        </p:txBody>
+      </p:sp>
+    </p:spTree>
+    <p:extLst>
+      <p:ext uri="{BB962C8B-B14F-4D97-AF65-F5344CB8AC3E}">
+        <p14:creationId xmlns:p14="http://schemas.microsoft.com/office/powerpoint/2010/main" val="1723436954"/>
+      </p:ext>
+    </p:extLst>
+  </p:cSld>
+  <p:clrMapOvr>
+    <a:masterClrMapping/>
+  </p:clrMapOvr>
+  <p:transition>
+    <p:fade/>
+  </p:transition>
+</p:sld>
+</file>
+
 <file path=ppt/slides/slide2.xml><?xml version="1.0" encoding="utf-8"?>
 <p:sld xmlns:a="http://schemas.openxmlformats.org/drawingml/2006/main" xmlns:r="http://schemas.openxmlformats.org/officeDocument/2006/relationships" xmlns:p="http://schemas.openxmlformats.org/presentationml/2006/main">
   <p:cSld>
@@ -4706,6 +10434,183 @@
     <p:extLst>
       <p:ext uri="{BB962C8B-B14F-4D97-AF65-F5344CB8AC3E}">
         <p14:creationId xmlns:p14="http://schemas.microsoft.com/office/powerpoint/2010/main" val="3709366929"/>
+      </p:ext>
+    </p:extLst>
+  </p:cSld>
+  <p:clrMapOvr>
+    <a:masterClrMapping/>
+  </p:clrMapOvr>
+  <p:transition>
+    <p:fade/>
+  </p:transition>
+</p:sld>
+</file>
+
+<file path=ppt/slides/slide20.xml><?xml version="1.0" encoding="utf-8"?>
+<p:sld xmlns:a="http://schemas.openxmlformats.org/drawingml/2006/main" xmlns:r="http://schemas.openxmlformats.org/officeDocument/2006/relationships" xmlns:p="http://schemas.openxmlformats.org/presentationml/2006/main">
+  <p:cSld>
+    <p:spTree>
+      <p:nvGrpSpPr>
+        <p:cNvPr id="1" name=""/>
+        <p:cNvGrpSpPr/>
+        <p:nvPr/>
+      </p:nvGrpSpPr>
+      <p:grpSpPr>
+        <a:xfrm>
+          <a:off x="0" y="0"/>
+          <a:ext cx="0" cy="0"/>
+          <a:chOff x="0" y="0"/>
+          <a:chExt cx="0" cy="0"/>
+        </a:xfrm>
+      </p:grpSpPr>
+      <p:sp>
+        <p:nvSpPr>
+          <p:cNvPr id="4" name="Title 3"/>
+          <p:cNvSpPr>
+            <a:spLocks noGrp="1"/>
+          </p:cNvSpPr>
+          <p:nvPr>
+            <p:ph type="title"/>
+          </p:nvPr>
+        </p:nvSpPr>
+        <p:spPr/>
+        <p:txBody>
+          <a:bodyPr/>
+          <a:lstStyle/>
+          <a:p>
+            <a:r>
+              <a:rPr lang="da-DK" dirty="0"/>
+              <a:t>Demo</a:t>
+            </a:r>
+          </a:p>
+        </p:txBody>
+      </p:sp>
+    </p:spTree>
+    <p:extLst>
+      <p:ext uri="{BB962C8B-B14F-4D97-AF65-F5344CB8AC3E}">
+        <p14:creationId xmlns:p14="http://schemas.microsoft.com/office/powerpoint/2010/main" val="3099204126"/>
+      </p:ext>
+    </p:extLst>
+  </p:cSld>
+  <p:clrMapOvr>
+    <a:masterClrMapping/>
+  </p:clrMapOvr>
+  <p:transition>
+    <p:fade/>
+  </p:transition>
+</p:sld>
+</file>
+
+<file path=ppt/slides/slide21.xml><?xml version="1.0" encoding="utf-8"?>
+<p:sld xmlns:a="http://schemas.openxmlformats.org/drawingml/2006/main" xmlns:r="http://schemas.openxmlformats.org/officeDocument/2006/relationships" xmlns:p="http://schemas.openxmlformats.org/presentationml/2006/main">
+  <p:cSld>
+    <p:spTree>
+      <p:nvGrpSpPr>
+        <p:cNvPr id="1" name=""/>
+        <p:cNvGrpSpPr/>
+        <p:nvPr/>
+      </p:nvGrpSpPr>
+      <p:grpSpPr>
+        <a:xfrm>
+          <a:off x="0" y="0"/>
+          <a:ext cx="0" cy="0"/>
+          <a:chOff x="0" y="0"/>
+          <a:chExt cx="0" cy="0"/>
+        </a:xfrm>
+      </p:grpSpPr>
+      <p:sp>
+        <p:nvSpPr>
+          <p:cNvPr id="3" name="Title 2"/>
+          <p:cNvSpPr>
+            <a:spLocks noGrp="1"/>
+          </p:cNvSpPr>
+          <p:nvPr>
+            <p:ph type="title"/>
+          </p:nvPr>
+        </p:nvSpPr>
+        <p:spPr/>
+        <p:txBody>
+          <a:bodyPr/>
+          <a:lstStyle/>
+          <a:p>
+            <a:r>
+              <a:rPr lang="da-DK" dirty="0" err="1"/>
+              <a:t>Testing</a:t>
+            </a:r>
+            <a:r>
+              <a:rPr lang="da-DK" dirty="0"/>
+              <a:t> </a:t>
+            </a:r>
+            <a:br>
+              <a:rPr lang="da-DK" dirty="0"/>
+            </a:br>
+            <a:r>
+              <a:rPr lang="da-DK" dirty="0" err="1"/>
+              <a:t>Entity</a:t>
+            </a:r>
+            <a:r>
+              <a:rPr lang="da-DK" dirty="0"/>
+              <a:t> Framework</a:t>
+            </a:r>
+          </a:p>
+        </p:txBody>
+      </p:sp>
+    </p:spTree>
+    <p:extLst>
+      <p:ext uri="{BB962C8B-B14F-4D97-AF65-F5344CB8AC3E}">
+        <p14:creationId xmlns:p14="http://schemas.microsoft.com/office/powerpoint/2010/main" val="3387630413"/>
+      </p:ext>
+    </p:extLst>
+  </p:cSld>
+  <p:clrMapOvr>
+    <a:masterClrMapping/>
+  </p:clrMapOvr>
+  <p:transition>
+    <p:fade/>
+  </p:transition>
+</p:sld>
+</file>
+
+<file path=ppt/slides/slide22.xml><?xml version="1.0" encoding="utf-8"?>
+<p:sld xmlns:a="http://schemas.openxmlformats.org/drawingml/2006/main" xmlns:r="http://schemas.openxmlformats.org/officeDocument/2006/relationships" xmlns:p="http://schemas.openxmlformats.org/presentationml/2006/main">
+  <p:cSld>
+    <p:spTree>
+      <p:nvGrpSpPr>
+        <p:cNvPr id="1" name=""/>
+        <p:cNvGrpSpPr/>
+        <p:nvPr/>
+      </p:nvGrpSpPr>
+      <p:grpSpPr>
+        <a:xfrm>
+          <a:off x="0" y="0"/>
+          <a:ext cx="0" cy="0"/>
+          <a:chOff x="0" y="0"/>
+          <a:chExt cx="0" cy="0"/>
+        </a:xfrm>
+      </p:grpSpPr>
+      <p:sp>
+        <p:nvSpPr>
+          <p:cNvPr id="2" name="Title 1"/>
+          <p:cNvSpPr>
+            <a:spLocks noGrp="1"/>
+          </p:cNvSpPr>
+          <p:nvPr>
+            <p:ph type="title"/>
+          </p:nvPr>
+        </p:nvSpPr>
+        <p:spPr/>
+        <p:txBody>
+          <a:bodyPr/>
+          <a:lstStyle/>
+          <a:p>
+            <a:endParaRPr lang="da-DK"/>
+          </a:p>
+        </p:txBody>
+      </p:sp>
+    </p:spTree>
+    <p:extLst>
+      <p:ext uri="{BB962C8B-B14F-4D97-AF65-F5344CB8AC3E}">
+        <p14:creationId xmlns:p14="http://schemas.microsoft.com/office/powerpoint/2010/main" val="1211410852"/>
       </p:ext>
     </p:extLst>
   </p:cSld>
@@ -5335,12 +11240,20 @@
               </a:rPr>
             </a:br>
             <a:r>
-              <a:rPr lang="da-DK" dirty="0">
+              <a:rPr lang="da-DK" dirty="0" err="1">
                 <a:solidFill>
                   <a:schemeClr val="bg1"/>
                 </a:solidFill>
               </a:rPr>
-              <a:t>More </a:t>
+              <a:t>Testable</a:t>
+            </a:r>
+            <a:r>
+              <a:rPr lang="da-DK" dirty="0">
+                <a:solidFill>
+                  <a:schemeClr val="bg1"/>
+                </a:solidFill>
+              </a:rPr>
+              <a:t> </a:t>
             </a:r>
             <a:r>
               <a:rPr lang="da-DK" dirty="0" err="1">
@@ -5348,23 +11261,38 @@
                   <a:schemeClr val="bg1"/>
                 </a:solidFill>
               </a:rPr>
-              <a:t>testable</a:t>
-            </a:r>
-            <a:r>
+              <a:t>code</a:t>
+            </a:r>
+            <a:br>
               <a:rPr lang="da-DK" dirty="0">
                 <a:solidFill>
                   <a:schemeClr val="bg1"/>
                 </a:solidFill>
               </a:rPr>
-              <a:t> </a:t>
-            </a:r>
+            </a:br>
             <a:r>
               <a:rPr lang="da-DK" dirty="0" err="1">
                 <a:solidFill>
                   <a:schemeClr val="bg1"/>
                 </a:solidFill>
               </a:rPr>
-              <a:t>code</a:t>
+              <a:t>Dependency</a:t>
+            </a:r>
+            <a:r>
+              <a:rPr lang="da-DK" dirty="0">
+                <a:solidFill>
+                  <a:schemeClr val="bg1"/>
+                </a:solidFill>
+              </a:rPr>
+              <a:t> Inversion </a:t>
+            </a:r>
+            <a:r>
+              <a:rPr lang="da-DK" dirty="0" err="1">
+                <a:solidFill>
+                  <a:schemeClr val="bg1"/>
+                </a:solidFill>
+              </a:rPr>
+              <a:t>Principle</a:t>
             </a:r>
             <a:br>
               <a:rPr lang="da-DK" dirty="0">
@@ -5374,28 +11302,42 @@
               </a:rPr>
             </a:br>
             <a:r>
+              <a:rPr lang="da-DK" dirty="0">
+                <a:solidFill>
+                  <a:schemeClr val="bg1"/>
+                </a:solidFill>
+              </a:rPr>
+              <a:t>Separation of </a:t>
+            </a:r>
+            <a:r>
               <a:rPr lang="da-DK" dirty="0" err="1">
                 <a:solidFill>
                   <a:schemeClr val="bg1"/>
                 </a:solidFill>
               </a:rPr>
-              <a:t>Dependency</a:t>
-            </a:r>
-            <a:r>
+              <a:t>Concerns</a:t>
+            </a:r>
+            <a:br>
               <a:rPr lang="da-DK" dirty="0">
                 <a:solidFill>
                   <a:schemeClr val="bg1"/>
                 </a:solidFill>
               </a:rPr>
-              <a:t> Inversion </a:t>
-            </a:r>
-            <a:r>
-              <a:rPr lang="da-DK" dirty="0" err="1">
+            </a:br>
+            <a:br>
+              <a:rPr lang="da-DK" dirty="0">
                 <a:solidFill>
                   <a:schemeClr val="bg1"/>
                 </a:solidFill>
               </a:rPr>
-              <a:t>Principle</a:t>
+            </a:br>
+            <a:r>
+              <a:rPr lang="da-DK" dirty="0">
+                <a:solidFill>
+                  <a:schemeClr val="bg1"/>
+                </a:solidFill>
+              </a:rPr>
+              <a:t>Rock SOLID!!!</a:t>
             </a:r>
             <a:br>
               <a:rPr lang="da-DK" dirty="0">
@@ -5430,6 +11372,139 @@
               <a:solidFill>
                 <a:schemeClr val="bg1"/>
               </a:solidFill>
+            </a:endParaRPr>
+          </a:p>
+        </p:txBody>
+      </p:sp>
+      <p:sp>
+        <p:nvSpPr>
+          <p:cNvPr id="3" name="Speech Bubble: Rectangle 2"/>
+          <p:cNvSpPr/>
+          <p:nvPr/>
+        </p:nvSpPr>
+        <p:spPr bwMode="auto">
+          <a:xfrm>
+            <a:off x="5851988" y="3497262"/>
+            <a:ext cx="2925620" cy="636870"/>
+          </a:xfrm>
+          <a:prstGeom prst="wedgeRectCallout">
+            <a:avLst>
+              <a:gd name="adj1" fmla="val -117717"/>
+              <a:gd name="adj2" fmla="val 26629"/>
+            </a:avLst>
+          </a:prstGeom>
+          <a:solidFill>
+            <a:srgbClr val="68217A"/>
+          </a:solidFill>
+          <a:ln>
+            <a:noFill/>
+            <a:headEnd type="none" w="med" len="med"/>
+            <a:tailEnd type="none" w="med" len="med"/>
+          </a:ln>
+          <a:effectLst/>
+        </p:spPr>
+        <p:style>
+          <a:lnRef idx="1">
+            <a:schemeClr val="accent2"/>
+          </a:lnRef>
+          <a:fillRef idx="3">
+            <a:schemeClr val="accent2"/>
+          </a:fillRef>
+          <a:effectRef idx="2">
+            <a:schemeClr val="accent2"/>
+          </a:effectRef>
+          <a:fontRef idx="minor">
+            <a:schemeClr val="lt1"/>
+          </a:fontRef>
+        </p:style>
+        <p:txBody>
+          <a:bodyPr rot="0" spcFirstLastPara="0" vertOverflow="overflow" horzOverflow="overflow" vert="horz" wrap="square" lIns="182880" tIns="146304" rIns="182880" bIns="146304" numCol="1" spcCol="0" rtlCol="0" fromWordArt="0" anchor="t" anchorCtr="0" forceAA="0" compatLnSpc="1">
+            <a:prstTxWarp prst="textNoShape">
+              <a:avLst/>
+            </a:prstTxWarp>
+            <a:noAutofit/>
+          </a:bodyPr>
+          <a:lstStyle/>
+          <a:p>
+            <a:pPr algn="ctr" defTabSz="932472" fontAlgn="base">
+              <a:lnSpc>
+                <a:spcPct val="90000"/>
+              </a:lnSpc>
+              <a:spcBef>
+                <a:spcPct val="0"/>
+              </a:spcBef>
+              <a:spcAft>
+                <a:spcPct val="0"/>
+              </a:spcAft>
+            </a:pPr>
+            <a:r>
+              <a:rPr lang="da-DK" sz="2400" dirty="0" err="1">
+                <a:gradFill>
+                  <a:gsLst>
+                    <a:gs pos="0">
+                      <a:srgbClr val="FFFFFF"/>
+                    </a:gs>
+                    <a:gs pos="100000">
+                      <a:srgbClr val="FFFFFF"/>
+                    </a:gs>
+                  </a:gsLst>
+                  <a:lin ang="5400000" scaled="0"/>
+                </a:gradFill>
+                <a:ea typeface="Segoe UI" pitchFamily="34" charset="0"/>
+                <a:cs typeface="Segoe UI" pitchFamily="34" charset="0"/>
+              </a:rPr>
+              <a:t>Pun</a:t>
+            </a:r>
+            <a:r>
+              <a:rPr lang="da-DK" sz="2400" dirty="0">
+                <a:gradFill>
+                  <a:gsLst>
+                    <a:gs pos="0">
+                      <a:srgbClr val="FFFFFF"/>
+                    </a:gs>
+                    <a:gs pos="100000">
+                      <a:srgbClr val="FFFFFF"/>
+                    </a:gs>
+                  </a:gsLst>
+                  <a:lin ang="5400000" scaled="0"/>
+                </a:gradFill>
+                <a:ea typeface="Segoe UI" pitchFamily="34" charset="0"/>
+                <a:cs typeface="Segoe UI" pitchFamily="34" charset="0"/>
+              </a:rPr>
+              <a:t> </a:t>
+            </a:r>
+            <a:r>
+              <a:rPr lang="da-DK" sz="2400" dirty="0" err="1">
+                <a:gradFill>
+                  <a:gsLst>
+                    <a:gs pos="0">
+                      <a:srgbClr val="FFFFFF"/>
+                    </a:gs>
+                    <a:gs pos="100000">
+                      <a:srgbClr val="FFFFFF"/>
+                    </a:gs>
+                  </a:gsLst>
+                  <a:lin ang="5400000" scaled="0"/>
+                </a:gradFill>
+                <a:ea typeface="Segoe UI" pitchFamily="34" charset="0"/>
+                <a:cs typeface="Segoe UI" pitchFamily="34" charset="0"/>
+              </a:rPr>
+              <a:t>intended</a:t>
+            </a:r>
+            <a:endParaRPr lang="da-DK" sz="2400" dirty="0">
+              <a:gradFill>
+                <a:gsLst>
+                  <a:gs pos="0">
+                    <a:srgbClr val="FFFFFF"/>
+                  </a:gs>
+                  <a:gs pos="100000">
+                    <a:srgbClr val="FFFFFF"/>
+                  </a:gs>
+                </a:gsLst>
+                <a:lin ang="5400000" scaled="0"/>
+              </a:gradFill>
+              <a:ea typeface="Segoe UI" pitchFamily="34" charset="0"/>
+              <a:cs typeface="Segoe UI" pitchFamily="34" charset="0"/>
             </a:endParaRPr>
           </a:p>
         </p:txBody>
@@ -5447,6 +11522,84 @@
   <p:transition>
     <p:fade/>
   </p:transition>
+  <p:timing>
+    <p:tnLst>
+      <p:par>
+        <p:cTn id="1" dur="indefinite" restart="never" nodeType="tmRoot">
+          <p:childTnLst>
+            <p:seq concurrent="1" nextAc="seek">
+              <p:cTn id="2" dur="indefinite" nodeType="mainSeq">
+                <p:childTnLst>
+                  <p:par>
+                    <p:cTn id="3" fill="hold">
+                      <p:stCondLst>
+                        <p:cond delay="indefinite"/>
+                      </p:stCondLst>
+                      <p:childTnLst>
+                        <p:par>
+                          <p:cTn id="4" fill="hold">
+                            <p:stCondLst>
+                              <p:cond delay="0"/>
+                            </p:stCondLst>
+                            <p:childTnLst>
+                              <p:par>
+                                <p:cTn id="5" presetID="1" presetClass="entr" presetSubtype="0" fill="hold" grpId="0" nodeType="clickEffect">
+                                  <p:stCondLst>
+                                    <p:cond delay="0"/>
+                                  </p:stCondLst>
+                                  <p:childTnLst>
+                                    <p:set>
+                                      <p:cBhvr>
+                                        <p:cTn id="6" dur="1" fill="hold">
+                                          <p:stCondLst>
+                                            <p:cond delay="0"/>
+                                          </p:stCondLst>
+                                        </p:cTn>
+                                        <p:tgtEl>
+                                          <p:spTgt spid="3"/>
+                                        </p:tgtEl>
+                                        <p:attrNameLst>
+                                          <p:attrName>style.visibility</p:attrName>
+                                        </p:attrNameLst>
+                                      </p:cBhvr>
+                                      <p:to>
+                                        <p:strVal val="visible"/>
+                                      </p:to>
+                                    </p:set>
+                                  </p:childTnLst>
+                                </p:cTn>
+                              </p:par>
+                            </p:childTnLst>
+                          </p:cTn>
+                        </p:par>
+                      </p:childTnLst>
+                    </p:cTn>
+                  </p:par>
+                </p:childTnLst>
+              </p:cTn>
+              <p:prevCondLst>
+                <p:cond evt="onPrev" delay="0">
+                  <p:tgtEl>
+                    <p:sldTgt/>
+                  </p:tgtEl>
+                </p:cond>
+              </p:prevCondLst>
+              <p:nextCondLst>
+                <p:cond evt="onNext" delay="0">
+                  <p:tgtEl>
+                    <p:sldTgt/>
+                  </p:tgtEl>
+                </p:cond>
+              </p:nextCondLst>
+            </p:seq>
+          </p:childTnLst>
+        </p:cTn>
+      </p:par>
+    </p:tnLst>
+    <p:bldLst>
+      <p:bldP spid="3" grpId="0" animBg="1"/>
+    </p:bldLst>
+  </p:timing>
 </p:sld>
 </file>
 
@@ -5467,10 +11620,3033 @@
           <a:chExt cx="0" cy="0"/>
         </a:xfrm>
       </p:grpSpPr>
+      <p:sp>
+        <p:nvSpPr>
+          <p:cNvPr id="4" name="Rectangle 3"/>
+          <p:cNvSpPr/>
+          <p:nvPr/>
+        </p:nvSpPr>
+        <p:spPr>
+          <a:xfrm>
+            <a:off x="1852551" y="3394201"/>
+            <a:ext cx="5621461" cy="1200329"/>
+          </a:xfrm>
+          <a:prstGeom prst="rect">
+            <a:avLst/>
+          </a:prstGeom>
+        </p:spPr>
+        <p:txBody>
+          <a:bodyPr wrap="square">
+            <a:spAutoFit/>
+          </a:bodyPr>
+          <a:lstStyle/>
+          <a:p>
+            <a:r>
+              <a:rPr lang="da-DK" dirty="0">
+                <a:solidFill>
+                  <a:srgbClr val="0000FF"/>
+                </a:solidFill>
+                <a:latin typeface="Consolas" panose="020B0609020204030204" pitchFamily="49" charset="0"/>
+              </a:rPr>
+              <a:t>public</a:t>
+            </a:r>
+            <a:r>
+              <a:rPr lang="da-DK" dirty="0">
+                <a:solidFill>
+                  <a:srgbClr val="000000"/>
+                </a:solidFill>
+                <a:latin typeface="Consolas" panose="020B0609020204030204" pitchFamily="49" charset="0"/>
+              </a:rPr>
+              <a:t> </a:t>
+            </a:r>
+            <a:r>
+              <a:rPr lang="da-DK" dirty="0">
+                <a:solidFill>
+                  <a:srgbClr val="0000FF"/>
+                </a:solidFill>
+                <a:latin typeface="Consolas" panose="020B0609020204030204" pitchFamily="49" charset="0"/>
+              </a:rPr>
+              <a:t>interface</a:t>
+            </a:r>
+            <a:r>
+              <a:rPr lang="da-DK" dirty="0">
+                <a:solidFill>
+                  <a:srgbClr val="000000"/>
+                </a:solidFill>
+                <a:latin typeface="Consolas" panose="020B0609020204030204" pitchFamily="49" charset="0"/>
+              </a:rPr>
+              <a:t> </a:t>
+            </a:r>
+            <a:r>
+              <a:rPr lang="da-DK" dirty="0" err="1">
+                <a:solidFill>
+                  <a:srgbClr val="2B91AF"/>
+                </a:solidFill>
+                <a:latin typeface="Consolas" panose="020B0609020204030204" pitchFamily="49" charset="0"/>
+              </a:rPr>
+              <a:t>IFooService</a:t>
+            </a:r>
+            <a:r>
+              <a:rPr lang="da-DK" dirty="0">
+                <a:solidFill>
+                  <a:srgbClr val="000000"/>
+                </a:solidFill>
+                <a:latin typeface="Consolas" panose="020B0609020204030204" pitchFamily="49" charset="0"/>
+              </a:rPr>
+              <a:t> : </a:t>
+            </a:r>
+            <a:r>
+              <a:rPr lang="da-DK" dirty="0" err="1">
+                <a:solidFill>
+                  <a:srgbClr val="2B91AF"/>
+                </a:solidFill>
+                <a:latin typeface="Consolas" panose="020B0609020204030204" pitchFamily="49" charset="0"/>
+              </a:rPr>
+              <a:t>IDisposable</a:t>
+            </a:r>
+            <a:endParaRPr lang="da-DK" dirty="0">
+              <a:solidFill>
+                <a:srgbClr val="000000"/>
+              </a:solidFill>
+              <a:latin typeface="Consolas" panose="020B0609020204030204" pitchFamily="49" charset="0"/>
+            </a:endParaRPr>
+          </a:p>
+          <a:p>
+            <a:r>
+              <a:rPr lang="da-DK" dirty="0">
+                <a:solidFill>
+                  <a:srgbClr val="000000"/>
+                </a:solidFill>
+                <a:latin typeface="Consolas" panose="020B0609020204030204" pitchFamily="49" charset="0"/>
+              </a:rPr>
+              <a:t>{</a:t>
+            </a:r>
+          </a:p>
+          <a:p>
+            <a:r>
+              <a:rPr lang="da-DK" dirty="0">
+                <a:solidFill>
+                  <a:srgbClr val="000000"/>
+                </a:solidFill>
+                <a:latin typeface="Consolas" panose="020B0609020204030204" pitchFamily="49" charset="0"/>
+              </a:rPr>
+              <a:t>   </a:t>
+            </a:r>
+            <a:r>
+              <a:rPr lang="da-DK" dirty="0" err="1">
+                <a:solidFill>
+                  <a:srgbClr val="0000FF"/>
+                </a:solidFill>
+                <a:latin typeface="Consolas" panose="020B0609020204030204" pitchFamily="49" charset="0"/>
+              </a:rPr>
+              <a:t>bool</a:t>
+            </a:r>
+            <a:r>
+              <a:rPr lang="da-DK" dirty="0">
+                <a:solidFill>
+                  <a:srgbClr val="000000"/>
+                </a:solidFill>
+                <a:latin typeface="Consolas" panose="020B0609020204030204" pitchFamily="49" charset="0"/>
+              </a:rPr>
+              <a:t> Update(</a:t>
+            </a:r>
+            <a:r>
+              <a:rPr lang="da-DK" dirty="0" err="1">
+                <a:solidFill>
+                  <a:srgbClr val="2B91AF"/>
+                </a:solidFill>
+                <a:latin typeface="Consolas" panose="020B0609020204030204" pitchFamily="49" charset="0"/>
+              </a:rPr>
+              <a:t>Foo</a:t>
+            </a:r>
+            <a:r>
+              <a:rPr lang="da-DK" dirty="0">
+                <a:solidFill>
+                  <a:srgbClr val="000000"/>
+                </a:solidFill>
+                <a:latin typeface="Consolas" panose="020B0609020204030204" pitchFamily="49" charset="0"/>
+              </a:rPr>
+              <a:t> </a:t>
+            </a:r>
+            <a:r>
+              <a:rPr lang="da-DK" dirty="0" err="1">
+                <a:solidFill>
+                  <a:srgbClr val="000000"/>
+                </a:solidFill>
+                <a:latin typeface="Consolas" panose="020B0609020204030204" pitchFamily="49" charset="0"/>
+              </a:rPr>
+              <a:t>foo</a:t>
+            </a:r>
+            <a:r>
+              <a:rPr lang="da-DK" dirty="0">
+                <a:solidFill>
+                  <a:srgbClr val="000000"/>
+                </a:solidFill>
+                <a:latin typeface="Consolas" panose="020B0609020204030204" pitchFamily="49" charset="0"/>
+              </a:rPr>
+              <a:t>);</a:t>
+            </a:r>
+          </a:p>
+          <a:p>
+            <a:r>
+              <a:rPr lang="da-DK" dirty="0">
+                <a:solidFill>
+                  <a:srgbClr val="000000"/>
+                </a:solidFill>
+                <a:latin typeface="Consolas" panose="020B0609020204030204" pitchFamily="49" charset="0"/>
+              </a:rPr>
+              <a:t>}</a:t>
+            </a:r>
+            <a:endParaRPr lang="da-DK" dirty="0"/>
+          </a:p>
+        </p:txBody>
+      </p:sp>
+      <p:sp>
+        <p:nvSpPr>
+          <p:cNvPr id="5" name="Title 4"/>
+          <p:cNvSpPr>
+            <a:spLocks noGrp="1"/>
+          </p:cNvSpPr>
+          <p:nvPr>
+            <p:ph type="title"/>
+          </p:nvPr>
+        </p:nvSpPr>
+        <p:spPr/>
+        <p:txBody>
+          <a:bodyPr/>
+          <a:lstStyle/>
+          <a:p>
+            <a:r>
+              <a:rPr lang="da-DK" dirty="0"/>
+              <a:t>Programming to interface, not </a:t>
+            </a:r>
+            <a:r>
+              <a:rPr lang="da-DK" dirty="0" err="1"/>
+              <a:t>implementation</a:t>
+            </a:r>
+            <a:r>
+              <a:rPr lang="da-DK" dirty="0"/>
+              <a:t>…</a:t>
+            </a:r>
+          </a:p>
+        </p:txBody>
+      </p:sp>
     </p:spTree>
     <p:extLst>
       <p:ext uri="{BB962C8B-B14F-4D97-AF65-F5344CB8AC3E}">
-        <p14:creationId xmlns:p14="http://schemas.microsoft.com/office/powerpoint/2010/main" val="3144391674"/>
+        <p14:creationId xmlns:p14="http://schemas.microsoft.com/office/powerpoint/2010/main" val="1954202603"/>
+      </p:ext>
+    </p:extLst>
+  </p:cSld>
+  <p:clrMapOvr>
+    <a:masterClrMapping/>
+  </p:clrMapOvr>
+  <p:transition>
+    <p:fade/>
+  </p:transition>
+</p:sld>
+</file>
+
+<file path=ppt/slides/slide6.xml><?xml version="1.0" encoding="utf-8"?>
+<p:sld xmlns:a="http://schemas.openxmlformats.org/drawingml/2006/main" xmlns:r="http://schemas.openxmlformats.org/officeDocument/2006/relationships" xmlns:p="http://schemas.openxmlformats.org/presentationml/2006/main">
+  <p:cSld>
+    <p:spTree>
+      <p:nvGrpSpPr>
+        <p:cNvPr id="1" name=""/>
+        <p:cNvGrpSpPr/>
+        <p:nvPr/>
+      </p:nvGrpSpPr>
+      <p:grpSpPr>
+        <a:xfrm>
+          <a:off x="0" y="0"/>
+          <a:ext cx="0" cy="0"/>
+          <a:chOff x="0" y="0"/>
+          <a:chExt cx="0" cy="0"/>
+        </a:xfrm>
+      </p:grpSpPr>
+      <p:sp>
+        <p:nvSpPr>
+          <p:cNvPr id="2" name="Title 1"/>
+          <p:cNvSpPr>
+            <a:spLocks noGrp="1"/>
+          </p:cNvSpPr>
+          <p:nvPr>
+            <p:ph type="title"/>
+          </p:nvPr>
+        </p:nvSpPr>
+        <p:spPr/>
+        <p:txBody>
+          <a:bodyPr/>
+          <a:lstStyle/>
+          <a:p>
+            <a:r>
+              <a:rPr lang="da-DK" dirty="0" err="1"/>
+              <a:t>Constructor</a:t>
+            </a:r>
+            <a:r>
+              <a:rPr lang="da-DK" dirty="0"/>
+              <a:t> </a:t>
+            </a:r>
+            <a:r>
+              <a:rPr lang="da-DK" dirty="0" err="1"/>
+              <a:t>Injection</a:t>
+            </a:r>
+            <a:endParaRPr lang="da-DK" dirty="0"/>
+          </a:p>
+        </p:txBody>
+      </p:sp>
+      <p:sp>
+        <p:nvSpPr>
+          <p:cNvPr id="3" name="Rectangle 2"/>
+          <p:cNvSpPr/>
+          <p:nvPr/>
+        </p:nvSpPr>
+        <p:spPr>
+          <a:xfrm>
+            <a:off x="457087" y="1302726"/>
+            <a:ext cx="6081273" cy="5355312"/>
+          </a:xfrm>
+          <a:prstGeom prst="rect">
+            <a:avLst/>
+          </a:prstGeom>
+        </p:spPr>
+        <p:txBody>
+          <a:bodyPr wrap="square">
+            <a:spAutoFit/>
+          </a:bodyPr>
+          <a:lstStyle/>
+          <a:p>
+            <a:r>
+              <a:rPr lang="da-DK" dirty="0">
+                <a:solidFill>
+                  <a:srgbClr val="0000FF"/>
+                </a:solidFill>
+                <a:latin typeface="Consolas" panose="020B0609020204030204" pitchFamily="49" charset="0"/>
+              </a:rPr>
+              <a:t>public</a:t>
+            </a:r>
+            <a:r>
+              <a:rPr lang="da-DK" dirty="0">
+                <a:solidFill>
+                  <a:srgbClr val="000000"/>
+                </a:solidFill>
+                <a:latin typeface="Consolas" panose="020B0609020204030204" pitchFamily="49" charset="0"/>
+              </a:rPr>
+              <a:t> </a:t>
+            </a:r>
+            <a:r>
+              <a:rPr lang="da-DK" dirty="0">
+                <a:solidFill>
+                  <a:srgbClr val="0000FF"/>
+                </a:solidFill>
+                <a:latin typeface="Consolas" panose="020B0609020204030204" pitchFamily="49" charset="0"/>
+              </a:rPr>
+              <a:t>class</a:t>
+            </a:r>
+            <a:r>
+              <a:rPr lang="da-DK" dirty="0">
+                <a:solidFill>
+                  <a:srgbClr val="000000"/>
+                </a:solidFill>
+                <a:latin typeface="Consolas" panose="020B0609020204030204" pitchFamily="49" charset="0"/>
+              </a:rPr>
+              <a:t> </a:t>
+            </a:r>
+            <a:r>
+              <a:rPr lang="da-DK" dirty="0" err="1">
+                <a:solidFill>
+                  <a:srgbClr val="2B91AF"/>
+                </a:solidFill>
+                <a:latin typeface="Consolas" panose="020B0609020204030204" pitchFamily="49" charset="0"/>
+              </a:rPr>
+              <a:t>Worker</a:t>
+            </a:r>
+            <a:r>
+              <a:rPr lang="da-DK" dirty="0">
+                <a:solidFill>
+                  <a:srgbClr val="000000"/>
+                </a:solidFill>
+                <a:latin typeface="Consolas" panose="020B0609020204030204" pitchFamily="49" charset="0"/>
+              </a:rPr>
+              <a:t> : </a:t>
+            </a:r>
+            <a:r>
+              <a:rPr lang="da-DK" dirty="0" err="1">
+                <a:solidFill>
+                  <a:srgbClr val="2B91AF"/>
+                </a:solidFill>
+                <a:latin typeface="Consolas" panose="020B0609020204030204" pitchFamily="49" charset="0"/>
+              </a:rPr>
+              <a:t>IDisposable</a:t>
+            </a:r>
+            <a:endParaRPr lang="da-DK" dirty="0">
+              <a:solidFill>
+                <a:srgbClr val="000000"/>
+              </a:solidFill>
+              <a:latin typeface="Consolas" panose="020B0609020204030204" pitchFamily="49" charset="0"/>
+            </a:endParaRPr>
+          </a:p>
+          <a:p>
+            <a:r>
+              <a:rPr lang="da-DK" dirty="0">
+                <a:solidFill>
+                  <a:srgbClr val="000000"/>
+                </a:solidFill>
+                <a:latin typeface="Consolas" panose="020B0609020204030204" pitchFamily="49" charset="0"/>
+              </a:rPr>
+              <a:t>{</a:t>
+            </a:r>
+          </a:p>
+          <a:p>
+            <a:r>
+              <a:rPr lang="da-DK" dirty="0">
+                <a:solidFill>
+                  <a:srgbClr val="000000"/>
+                </a:solidFill>
+                <a:latin typeface="Consolas" panose="020B0609020204030204" pitchFamily="49" charset="0"/>
+              </a:rPr>
+              <a:t>    </a:t>
+            </a:r>
+            <a:r>
+              <a:rPr lang="da-DK" dirty="0">
+                <a:solidFill>
+                  <a:srgbClr val="0000FF"/>
+                </a:solidFill>
+                <a:latin typeface="Consolas" panose="020B0609020204030204" pitchFamily="49" charset="0"/>
+              </a:rPr>
+              <a:t>private</a:t>
+            </a:r>
+            <a:r>
+              <a:rPr lang="da-DK" dirty="0">
+                <a:solidFill>
+                  <a:srgbClr val="000000"/>
+                </a:solidFill>
+                <a:latin typeface="Consolas" panose="020B0609020204030204" pitchFamily="49" charset="0"/>
+              </a:rPr>
+              <a:t> </a:t>
+            </a:r>
+            <a:r>
+              <a:rPr lang="da-DK" dirty="0" err="1">
+                <a:solidFill>
+                  <a:srgbClr val="0000FF"/>
+                </a:solidFill>
+                <a:latin typeface="Consolas" panose="020B0609020204030204" pitchFamily="49" charset="0"/>
+              </a:rPr>
+              <a:t>readonly</a:t>
+            </a:r>
+            <a:r>
+              <a:rPr lang="da-DK" dirty="0">
+                <a:solidFill>
+                  <a:srgbClr val="000000"/>
+                </a:solidFill>
+                <a:latin typeface="Consolas" panose="020B0609020204030204" pitchFamily="49" charset="0"/>
+              </a:rPr>
+              <a:t> </a:t>
+            </a:r>
+            <a:r>
+              <a:rPr lang="da-DK" dirty="0" err="1">
+                <a:solidFill>
+                  <a:srgbClr val="2B91AF"/>
+                </a:solidFill>
+                <a:latin typeface="Consolas" panose="020B0609020204030204" pitchFamily="49" charset="0"/>
+              </a:rPr>
+              <a:t>IFooService</a:t>
+            </a:r>
+            <a:r>
+              <a:rPr lang="da-DK" dirty="0">
+                <a:solidFill>
+                  <a:srgbClr val="000000"/>
+                </a:solidFill>
+                <a:latin typeface="Consolas" panose="020B0609020204030204" pitchFamily="49" charset="0"/>
+              </a:rPr>
+              <a:t> _service;</a:t>
+            </a:r>
+          </a:p>
+          <a:p>
+            <a:endParaRPr lang="da-DK" dirty="0">
+              <a:solidFill>
+                <a:srgbClr val="000000"/>
+              </a:solidFill>
+              <a:latin typeface="Consolas" panose="020B0609020204030204" pitchFamily="49" charset="0"/>
+            </a:endParaRPr>
+          </a:p>
+          <a:p>
+            <a:r>
+              <a:rPr lang="da-DK" dirty="0">
+                <a:solidFill>
+                  <a:srgbClr val="000000"/>
+                </a:solidFill>
+                <a:latin typeface="Consolas" panose="020B0609020204030204" pitchFamily="49" charset="0"/>
+              </a:rPr>
+              <a:t>    </a:t>
+            </a:r>
+            <a:r>
+              <a:rPr lang="da-DK" dirty="0">
+                <a:solidFill>
+                  <a:srgbClr val="0000FF"/>
+                </a:solidFill>
+                <a:latin typeface="Consolas" panose="020B0609020204030204" pitchFamily="49" charset="0"/>
+              </a:rPr>
+              <a:t>public</a:t>
+            </a:r>
+            <a:r>
+              <a:rPr lang="da-DK" dirty="0">
+                <a:solidFill>
+                  <a:srgbClr val="000000"/>
+                </a:solidFill>
+                <a:latin typeface="Consolas" panose="020B0609020204030204" pitchFamily="49" charset="0"/>
+              </a:rPr>
+              <a:t> </a:t>
+            </a:r>
+            <a:r>
+              <a:rPr lang="da-DK" dirty="0" err="1">
+                <a:solidFill>
+                  <a:srgbClr val="2B91AF"/>
+                </a:solidFill>
+                <a:latin typeface="Consolas" panose="020B0609020204030204" pitchFamily="49" charset="0"/>
+              </a:rPr>
+              <a:t>Worker</a:t>
+            </a:r>
+            <a:r>
+              <a:rPr lang="da-DK" dirty="0">
+                <a:solidFill>
+                  <a:srgbClr val="000000"/>
+                </a:solidFill>
+                <a:latin typeface="Consolas" panose="020B0609020204030204" pitchFamily="49" charset="0"/>
+              </a:rPr>
+              <a:t>(</a:t>
+            </a:r>
+            <a:r>
+              <a:rPr lang="da-DK" dirty="0" err="1">
+                <a:solidFill>
+                  <a:srgbClr val="2B91AF"/>
+                </a:solidFill>
+                <a:latin typeface="Consolas" panose="020B0609020204030204" pitchFamily="49" charset="0"/>
+              </a:rPr>
+              <a:t>IFooService</a:t>
+            </a:r>
+            <a:r>
+              <a:rPr lang="da-DK" dirty="0">
+                <a:solidFill>
+                  <a:srgbClr val="000000"/>
+                </a:solidFill>
+                <a:latin typeface="Consolas" panose="020B0609020204030204" pitchFamily="49" charset="0"/>
+              </a:rPr>
+              <a:t> service)</a:t>
+            </a:r>
+          </a:p>
+          <a:p>
+            <a:r>
+              <a:rPr lang="da-DK" dirty="0">
+                <a:solidFill>
+                  <a:srgbClr val="000000"/>
+                </a:solidFill>
+                <a:latin typeface="Consolas" panose="020B0609020204030204" pitchFamily="49" charset="0"/>
+              </a:rPr>
+              <a:t>    {</a:t>
+            </a:r>
+          </a:p>
+          <a:p>
+            <a:r>
+              <a:rPr lang="da-DK" dirty="0">
+                <a:solidFill>
+                  <a:srgbClr val="000000"/>
+                </a:solidFill>
+                <a:latin typeface="Consolas" panose="020B0609020204030204" pitchFamily="49" charset="0"/>
+              </a:rPr>
+              <a:t>        _service = service;</a:t>
+            </a:r>
+          </a:p>
+          <a:p>
+            <a:r>
+              <a:rPr lang="da-DK" dirty="0">
+                <a:solidFill>
+                  <a:srgbClr val="000000"/>
+                </a:solidFill>
+                <a:latin typeface="Consolas" panose="020B0609020204030204" pitchFamily="49" charset="0"/>
+              </a:rPr>
+              <a:t>    }</a:t>
+            </a:r>
+          </a:p>
+          <a:p>
+            <a:endParaRPr lang="da-DK" dirty="0">
+              <a:solidFill>
+                <a:srgbClr val="000000"/>
+              </a:solidFill>
+              <a:latin typeface="Consolas" panose="020B0609020204030204" pitchFamily="49" charset="0"/>
+            </a:endParaRPr>
+          </a:p>
+          <a:p>
+            <a:r>
+              <a:rPr lang="en-US" dirty="0">
+                <a:solidFill>
+                  <a:srgbClr val="000000"/>
+                </a:solidFill>
+                <a:latin typeface="Consolas" panose="020B0609020204030204" pitchFamily="49" charset="0"/>
+              </a:rPr>
+              <a:t>    </a:t>
+            </a:r>
+            <a:r>
+              <a:rPr lang="en-US" dirty="0">
+                <a:solidFill>
+                  <a:srgbClr val="0000FF"/>
+                </a:solidFill>
+                <a:latin typeface="Consolas" panose="020B0609020204030204" pitchFamily="49" charset="0"/>
+              </a:rPr>
+              <a:t>public</a:t>
+            </a:r>
+            <a:r>
+              <a:rPr lang="en-US" dirty="0">
+                <a:solidFill>
+                  <a:srgbClr val="000000"/>
+                </a:solidFill>
+                <a:latin typeface="Consolas" panose="020B0609020204030204" pitchFamily="49" charset="0"/>
+              </a:rPr>
+              <a:t> </a:t>
+            </a:r>
+            <a:r>
+              <a:rPr lang="en-US" dirty="0">
+                <a:solidFill>
+                  <a:srgbClr val="0000FF"/>
+                </a:solidFill>
+                <a:latin typeface="Consolas" panose="020B0609020204030204" pitchFamily="49" charset="0"/>
+              </a:rPr>
+              <a:t>bool</a:t>
+            </a:r>
+            <a:r>
+              <a:rPr lang="en-US" dirty="0">
+                <a:solidFill>
+                  <a:srgbClr val="000000"/>
+                </a:solidFill>
+                <a:latin typeface="Consolas" panose="020B0609020204030204" pitchFamily="49" charset="0"/>
+              </a:rPr>
+              <a:t> </a:t>
+            </a:r>
+            <a:r>
+              <a:rPr lang="en-US" dirty="0" err="1">
+                <a:solidFill>
+                  <a:srgbClr val="000000"/>
+                </a:solidFill>
+                <a:latin typeface="Consolas" panose="020B0609020204030204" pitchFamily="49" charset="0"/>
+              </a:rPr>
+              <a:t>DoWork</a:t>
+            </a:r>
+            <a:r>
+              <a:rPr lang="en-US" dirty="0">
+                <a:solidFill>
+                  <a:srgbClr val="000000"/>
+                </a:solidFill>
+                <a:latin typeface="Consolas" panose="020B0609020204030204" pitchFamily="49" charset="0"/>
+              </a:rPr>
+              <a:t>(</a:t>
+            </a:r>
+            <a:r>
+              <a:rPr lang="en-US" dirty="0" err="1">
+                <a:solidFill>
+                  <a:srgbClr val="2B91AF"/>
+                </a:solidFill>
+                <a:latin typeface="Consolas" panose="020B0609020204030204" pitchFamily="49" charset="0"/>
+              </a:rPr>
+              <a:t>FooDto</a:t>
+            </a:r>
+            <a:r>
+              <a:rPr lang="en-US" dirty="0">
+                <a:solidFill>
+                  <a:srgbClr val="000000"/>
+                </a:solidFill>
+                <a:latin typeface="Consolas" panose="020B0609020204030204" pitchFamily="49" charset="0"/>
+              </a:rPr>
+              <a:t> </a:t>
+            </a:r>
+            <a:r>
+              <a:rPr lang="en-US" dirty="0" err="1">
+                <a:solidFill>
+                  <a:srgbClr val="000000"/>
+                </a:solidFill>
+                <a:latin typeface="Consolas" panose="020B0609020204030204" pitchFamily="49" charset="0"/>
+              </a:rPr>
+              <a:t>fooDto</a:t>
+            </a:r>
+            <a:r>
+              <a:rPr lang="en-US" dirty="0">
+                <a:solidFill>
+                  <a:srgbClr val="000000"/>
+                </a:solidFill>
+                <a:latin typeface="Consolas" panose="020B0609020204030204" pitchFamily="49" charset="0"/>
+              </a:rPr>
+              <a:t>)</a:t>
+            </a:r>
+          </a:p>
+          <a:p>
+            <a:r>
+              <a:rPr lang="da-DK" dirty="0">
+                <a:solidFill>
+                  <a:srgbClr val="000000"/>
+                </a:solidFill>
+                <a:latin typeface="Consolas" panose="020B0609020204030204" pitchFamily="49" charset="0"/>
+              </a:rPr>
+              <a:t>    {</a:t>
+            </a:r>
+          </a:p>
+          <a:p>
+            <a:r>
+              <a:rPr lang="da-DK" dirty="0">
+                <a:solidFill>
+                  <a:srgbClr val="008000"/>
+                </a:solidFill>
+                <a:latin typeface="Consolas" panose="020B0609020204030204" pitchFamily="49" charset="0"/>
+              </a:rPr>
+              <a:t>        // </a:t>
+            </a:r>
+            <a:r>
+              <a:rPr lang="da-DK" dirty="0" err="1">
+                <a:solidFill>
+                  <a:srgbClr val="008000"/>
+                </a:solidFill>
+                <a:latin typeface="Consolas" panose="020B0609020204030204" pitchFamily="49" charset="0"/>
+              </a:rPr>
+              <a:t>Implementation</a:t>
+            </a:r>
+            <a:endParaRPr lang="da-DK" dirty="0">
+              <a:solidFill>
+                <a:srgbClr val="000000"/>
+              </a:solidFill>
+              <a:latin typeface="Consolas" panose="020B0609020204030204" pitchFamily="49" charset="0"/>
+            </a:endParaRPr>
+          </a:p>
+          <a:p>
+            <a:r>
+              <a:rPr lang="da-DK" dirty="0">
+                <a:solidFill>
+                  <a:srgbClr val="000000"/>
+                </a:solidFill>
+                <a:latin typeface="Consolas" panose="020B0609020204030204" pitchFamily="49" charset="0"/>
+              </a:rPr>
+              <a:t>    }</a:t>
+            </a:r>
+          </a:p>
+          <a:p>
+            <a:endParaRPr lang="da-DK" dirty="0">
+              <a:solidFill>
+                <a:srgbClr val="000000"/>
+              </a:solidFill>
+              <a:latin typeface="Consolas" panose="020B0609020204030204" pitchFamily="49" charset="0"/>
+            </a:endParaRPr>
+          </a:p>
+          <a:p>
+            <a:r>
+              <a:rPr lang="da-DK" dirty="0">
+                <a:solidFill>
+                  <a:srgbClr val="000000"/>
+                </a:solidFill>
+                <a:latin typeface="Consolas" panose="020B0609020204030204" pitchFamily="49" charset="0"/>
+              </a:rPr>
+              <a:t>    </a:t>
+            </a:r>
+            <a:r>
+              <a:rPr lang="da-DK" dirty="0">
+                <a:solidFill>
+                  <a:srgbClr val="0000FF"/>
+                </a:solidFill>
+                <a:latin typeface="Consolas" panose="020B0609020204030204" pitchFamily="49" charset="0"/>
+              </a:rPr>
+              <a:t>public</a:t>
+            </a:r>
+            <a:r>
+              <a:rPr lang="da-DK" dirty="0">
+                <a:solidFill>
+                  <a:srgbClr val="000000"/>
+                </a:solidFill>
+                <a:latin typeface="Consolas" panose="020B0609020204030204" pitchFamily="49" charset="0"/>
+              </a:rPr>
+              <a:t> </a:t>
+            </a:r>
+            <a:r>
+              <a:rPr lang="da-DK" dirty="0" err="1">
+                <a:solidFill>
+                  <a:srgbClr val="0000FF"/>
+                </a:solidFill>
+                <a:latin typeface="Consolas" panose="020B0609020204030204" pitchFamily="49" charset="0"/>
+              </a:rPr>
+              <a:t>void</a:t>
+            </a:r>
+            <a:r>
+              <a:rPr lang="da-DK" dirty="0">
+                <a:solidFill>
+                  <a:srgbClr val="000000"/>
+                </a:solidFill>
+                <a:latin typeface="Consolas" panose="020B0609020204030204" pitchFamily="49" charset="0"/>
+              </a:rPr>
+              <a:t> Dispose()</a:t>
+            </a:r>
+          </a:p>
+          <a:p>
+            <a:r>
+              <a:rPr lang="da-DK" dirty="0">
+                <a:solidFill>
+                  <a:srgbClr val="000000"/>
+                </a:solidFill>
+                <a:latin typeface="Consolas" panose="020B0609020204030204" pitchFamily="49" charset="0"/>
+              </a:rPr>
+              <a:t>    {</a:t>
+            </a:r>
+          </a:p>
+          <a:p>
+            <a:r>
+              <a:rPr lang="da-DK" dirty="0">
+                <a:solidFill>
+                  <a:srgbClr val="000000"/>
+                </a:solidFill>
+                <a:latin typeface="Consolas" panose="020B0609020204030204" pitchFamily="49" charset="0"/>
+              </a:rPr>
+              <a:t>        _</a:t>
+            </a:r>
+            <a:r>
+              <a:rPr lang="da-DK" dirty="0" err="1">
+                <a:solidFill>
+                  <a:srgbClr val="000000"/>
+                </a:solidFill>
+                <a:latin typeface="Consolas" panose="020B0609020204030204" pitchFamily="49" charset="0"/>
+              </a:rPr>
+              <a:t>service.Dispose</a:t>
+            </a:r>
+            <a:r>
+              <a:rPr lang="da-DK" dirty="0">
+                <a:solidFill>
+                  <a:srgbClr val="000000"/>
+                </a:solidFill>
+                <a:latin typeface="Consolas" panose="020B0609020204030204" pitchFamily="49" charset="0"/>
+              </a:rPr>
+              <a:t>();</a:t>
+            </a:r>
+          </a:p>
+          <a:p>
+            <a:r>
+              <a:rPr lang="da-DK" dirty="0">
+                <a:solidFill>
+                  <a:srgbClr val="000000"/>
+                </a:solidFill>
+                <a:latin typeface="Consolas" panose="020B0609020204030204" pitchFamily="49" charset="0"/>
+              </a:rPr>
+              <a:t>    }</a:t>
+            </a:r>
+          </a:p>
+          <a:p>
+            <a:r>
+              <a:rPr lang="da-DK" dirty="0">
+                <a:solidFill>
+                  <a:srgbClr val="000000"/>
+                </a:solidFill>
+                <a:latin typeface="Consolas" panose="020B0609020204030204" pitchFamily="49" charset="0"/>
+              </a:rPr>
+              <a:t>}</a:t>
+            </a:r>
+            <a:endParaRPr lang="da-DK" dirty="0"/>
+          </a:p>
+        </p:txBody>
+      </p:sp>
+      <p:sp>
+        <p:nvSpPr>
+          <p:cNvPr id="6" name="Speech Bubble: Rectangle 5"/>
+          <p:cNvSpPr/>
+          <p:nvPr/>
+        </p:nvSpPr>
+        <p:spPr bwMode="auto">
+          <a:xfrm>
+            <a:off x="6368098" y="1485604"/>
+            <a:ext cx="2925620" cy="914390"/>
+          </a:xfrm>
+          <a:prstGeom prst="wedgeRectCallout">
+            <a:avLst>
+              <a:gd name="adj1" fmla="val -67708"/>
+              <a:gd name="adj2" fmla="val 9642"/>
+            </a:avLst>
+          </a:prstGeom>
+          <a:solidFill>
+            <a:srgbClr val="68217A"/>
+          </a:solidFill>
+          <a:ln>
+            <a:noFill/>
+            <a:headEnd type="none" w="med" len="med"/>
+            <a:tailEnd type="none" w="med" len="med"/>
+          </a:ln>
+          <a:effectLst/>
+        </p:spPr>
+        <p:style>
+          <a:lnRef idx="1">
+            <a:schemeClr val="accent2"/>
+          </a:lnRef>
+          <a:fillRef idx="3">
+            <a:schemeClr val="accent2"/>
+          </a:fillRef>
+          <a:effectRef idx="2">
+            <a:schemeClr val="accent2"/>
+          </a:effectRef>
+          <a:fontRef idx="minor">
+            <a:schemeClr val="lt1"/>
+          </a:fontRef>
+        </p:style>
+        <p:txBody>
+          <a:bodyPr rot="0" spcFirstLastPara="0" vertOverflow="overflow" horzOverflow="overflow" vert="horz" wrap="square" lIns="182880" tIns="146304" rIns="182880" bIns="146304" numCol="1" spcCol="0" rtlCol="0" fromWordArt="0" anchor="t" anchorCtr="0" forceAA="0" compatLnSpc="1">
+            <a:prstTxWarp prst="textNoShape">
+              <a:avLst/>
+            </a:prstTxWarp>
+            <a:noAutofit/>
+          </a:bodyPr>
+          <a:lstStyle/>
+          <a:p>
+            <a:pPr algn="ctr" defTabSz="932472" fontAlgn="base">
+              <a:lnSpc>
+                <a:spcPct val="90000"/>
+              </a:lnSpc>
+              <a:spcBef>
+                <a:spcPct val="0"/>
+              </a:spcBef>
+              <a:spcAft>
+                <a:spcPct val="0"/>
+              </a:spcAft>
+            </a:pPr>
+            <a:r>
+              <a:rPr lang="da-DK" sz="2400" dirty="0">
+                <a:gradFill>
+                  <a:gsLst>
+                    <a:gs pos="0">
+                      <a:srgbClr val="FFFFFF"/>
+                    </a:gs>
+                    <a:gs pos="100000">
+                      <a:srgbClr val="FFFFFF"/>
+                    </a:gs>
+                  </a:gsLst>
+                  <a:lin ang="5400000" scaled="0"/>
+                </a:gradFill>
+                <a:ea typeface="Segoe UI" pitchFamily="34" charset="0"/>
+                <a:cs typeface="Segoe UI" pitchFamily="34" charset="0"/>
+              </a:rPr>
+              <a:t>Private </a:t>
+            </a:r>
+            <a:r>
+              <a:rPr lang="da-DK" sz="2400" dirty="0" err="1">
+                <a:gradFill>
+                  <a:gsLst>
+                    <a:gs pos="0">
+                      <a:srgbClr val="FFFFFF"/>
+                    </a:gs>
+                    <a:gs pos="100000">
+                      <a:srgbClr val="FFFFFF"/>
+                    </a:gs>
+                  </a:gsLst>
+                  <a:lin ang="5400000" scaled="0"/>
+                </a:gradFill>
+                <a:ea typeface="Segoe UI" pitchFamily="34" charset="0"/>
+                <a:cs typeface="Segoe UI" pitchFamily="34" charset="0"/>
+              </a:rPr>
+              <a:t>readonly</a:t>
+            </a:r>
+            <a:r>
+              <a:rPr lang="da-DK" sz="2400" dirty="0">
+                <a:gradFill>
+                  <a:gsLst>
+                    <a:gs pos="0">
+                      <a:srgbClr val="FFFFFF"/>
+                    </a:gs>
+                    <a:gs pos="100000">
+                      <a:srgbClr val="FFFFFF"/>
+                    </a:gs>
+                  </a:gsLst>
+                  <a:lin ang="5400000" scaled="0"/>
+                </a:gradFill>
+                <a:ea typeface="Segoe UI" pitchFamily="34" charset="0"/>
+                <a:cs typeface="Segoe UI" pitchFamily="34" charset="0"/>
+              </a:rPr>
+              <a:t> </a:t>
+            </a:r>
+            <a:r>
+              <a:rPr lang="da-DK" sz="2400" dirty="0" err="1">
+                <a:gradFill>
+                  <a:gsLst>
+                    <a:gs pos="0">
+                      <a:srgbClr val="FFFFFF"/>
+                    </a:gs>
+                    <a:gs pos="100000">
+                      <a:srgbClr val="FFFFFF"/>
+                    </a:gs>
+                  </a:gsLst>
+                  <a:lin ang="5400000" scaled="0"/>
+                </a:gradFill>
+                <a:ea typeface="Segoe UI" pitchFamily="34" charset="0"/>
+                <a:cs typeface="Segoe UI" pitchFamily="34" charset="0"/>
+              </a:rPr>
+              <a:t>field</a:t>
+            </a:r>
+            <a:endParaRPr lang="da-DK" sz="2400" dirty="0">
+              <a:gradFill>
+                <a:gsLst>
+                  <a:gs pos="0">
+                    <a:srgbClr val="FFFFFF"/>
+                  </a:gs>
+                  <a:gs pos="100000">
+                    <a:srgbClr val="FFFFFF"/>
+                  </a:gs>
+                </a:gsLst>
+                <a:lin ang="5400000" scaled="0"/>
+              </a:gradFill>
+              <a:ea typeface="Segoe UI" pitchFamily="34" charset="0"/>
+              <a:cs typeface="Segoe UI" pitchFamily="34" charset="0"/>
+            </a:endParaRPr>
+          </a:p>
+        </p:txBody>
+      </p:sp>
+      <p:sp>
+        <p:nvSpPr>
+          <p:cNvPr id="7" name="Speech Bubble: Rectangle 6"/>
+          <p:cNvSpPr/>
+          <p:nvPr/>
+        </p:nvSpPr>
+        <p:spPr bwMode="auto">
+          <a:xfrm>
+            <a:off x="5943427" y="2857189"/>
+            <a:ext cx="2925620" cy="914390"/>
+          </a:xfrm>
+          <a:prstGeom prst="wedgeRectCallout">
+            <a:avLst>
+              <a:gd name="adj1" fmla="val -68601"/>
+              <a:gd name="adj2" fmla="val -76073"/>
+            </a:avLst>
+          </a:prstGeom>
+          <a:solidFill>
+            <a:srgbClr val="68217A"/>
+          </a:solidFill>
+          <a:ln>
+            <a:noFill/>
+            <a:headEnd type="none" w="med" len="med"/>
+            <a:tailEnd type="none" w="med" len="med"/>
+          </a:ln>
+          <a:effectLst/>
+        </p:spPr>
+        <p:style>
+          <a:lnRef idx="1">
+            <a:schemeClr val="accent2"/>
+          </a:lnRef>
+          <a:fillRef idx="3">
+            <a:schemeClr val="accent2"/>
+          </a:fillRef>
+          <a:effectRef idx="2">
+            <a:schemeClr val="accent2"/>
+          </a:effectRef>
+          <a:fontRef idx="minor">
+            <a:schemeClr val="lt1"/>
+          </a:fontRef>
+        </p:style>
+        <p:txBody>
+          <a:bodyPr rot="0" spcFirstLastPara="0" vertOverflow="overflow" horzOverflow="overflow" vert="horz" wrap="square" lIns="182880" tIns="146304" rIns="182880" bIns="146304" numCol="1" spcCol="0" rtlCol="0" fromWordArt="0" anchor="t" anchorCtr="0" forceAA="0" compatLnSpc="1">
+            <a:prstTxWarp prst="textNoShape">
+              <a:avLst/>
+            </a:prstTxWarp>
+            <a:noAutofit/>
+          </a:bodyPr>
+          <a:lstStyle/>
+          <a:p>
+            <a:pPr algn="ctr" defTabSz="932472" fontAlgn="base">
+              <a:lnSpc>
+                <a:spcPct val="90000"/>
+              </a:lnSpc>
+              <a:spcBef>
+                <a:spcPct val="0"/>
+              </a:spcBef>
+              <a:spcAft>
+                <a:spcPct val="0"/>
+              </a:spcAft>
+            </a:pPr>
+            <a:r>
+              <a:rPr lang="da-DK" sz="2400" dirty="0" err="1">
+                <a:gradFill>
+                  <a:gsLst>
+                    <a:gs pos="0">
+                      <a:srgbClr val="FFFFFF"/>
+                    </a:gs>
+                    <a:gs pos="100000">
+                      <a:srgbClr val="FFFFFF"/>
+                    </a:gs>
+                  </a:gsLst>
+                  <a:lin ang="5400000" scaled="0"/>
+                </a:gradFill>
+                <a:ea typeface="Segoe UI" pitchFamily="34" charset="0"/>
+                <a:cs typeface="Segoe UI" pitchFamily="34" charset="0"/>
+              </a:rPr>
+              <a:t>Initialize</a:t>
+            </a:r>
+            <a:r>
+              <a:rPr lang="da-DK" sz="2400" dirty="0">
+                <a:gradFill>
+                  <a:gsLst>
+                    <a:gs pos="0">
+                      <a:srgbClr val="FFFFFF"/>
+                    </a:gs>
+                    <a:gs pos="100000">
+                      <a:srgbClr val="FFFFFF"/>
+                    </a:gs>
+                  </a:gsLst>
+                  <a:lin ang="5400000" scaled="0"/>
+                </a:gradFill>
+                <a:ea typeface="Segoe UI" pitchFamily="34" charset="0"/>
+                <a:cs typeface="Segoe UI" pitchFamily="34" charset="0"/>
+              </a:rPr>
+              <a:t> from </a:t>
+            </a:r>
+            <a:r>
+              <a:rPr lang="da-DK" sz="2400" dirty="0" err="1">
+                <a:gradFill>
+                  <a:gsLst>
+                    <a:gs pos="0">
+                      <a:srgbClr val="FFFFFF"/>
+                    </a:gs>
+                    <a:gs pos="100000">
+                      <a:srgbClr val="FFFFFF"/>
+                    </a:gs>
+                  </a:gsLst>
+                  <a:lin ang="5400000" scaled="0"/>
+                </a:gradFill>
+                <a:ea typeface="Segoe UI" pitchFamily="34" charset="0"/>
+                <a:cs typeface="Segoe UI" pitchFamily="34" charset="0"/>
+              </a:rPr>
+              <a:t>constructor</a:t>
+            </a:r>
+            <a:endParaRPr lang="da-DK" sz="2400" dirty="0">
+              <a:gradFill>
+                <a:gsLst>
+                  <a:gs pos="0">
+                    <a:srgbClr val="FFFFFF"/>
+                  </a:gs>
+                  <a:gs pos="100000">
+                    <a:srgbClr val="FFFFFF"/>
+                  </a:gs>
+                </a:gsLst>
+                <a:lin ang="5400000" scaled="0"/>
+              </a:gradFill>
+              <a:ea typeface="Segoe UI" pitchFamily="34" charset="0"/>
+              <a:cs typeface="Segoe UI" pitchFamily="34" charset="0"/>
+            </a:endParaRPr>
+          </a:p>
+        </p:txBody>
+      </p:sp>
+      <p:sp>
+        <p:nvSpPr>
+          <p:cNvPr id="9" name="Speech Bubble: Rectangle 8"/>
+          <p:cNvSpPr/>
+          <p:nvPr/>
+        </p:nvSpPr>
+        <p:spPr bwMode="auto">
+          <a:xfrm>
+            <a:off x="5760549" y="5417481"/>
+            <a:ext cx="2925620" cy="914390"/>
+          </a:xfrm>
+          <a:prstGeom prst="wedgeRectCallout">
+            <a:avLst>
+              <a:gd name="adj1" fmla="val -116153"/>
+              <a:gd name="adj2" fmla="val -50358"/>
+            </a:avLst>
+          </a:prstGeom>
+          <a:solidFill>
+            <a:srgbClr val="68217A"/>
+          </a:solidFill>
+          <a:ln>
+            <a:noFill/>
+            <a:headEnd type="none" w="med" len="med"/>
+            <a:tailEnd type="none" w="med" len="med"/>
+          </a:ln>
+          <a:effectLst/>
+        </p:spPr>
+        <p:style>
+          <a:lnRef idx="1">
+            <a:schemeClr val="accent2"/>
+          </a:lnRef>
+          <a:fillRef idx="3">
+            <a:schemeClr val="accent2"/>
+          </a:fillRef>
+          <a:effectRef idx="2">
+            <a:schemeClr val="accent2"/>
+          </a:effectRef>
+          <a:fontRef idx="minor">
+            <a:schemeClr val="lt1"/>
+          </a:fontRef>
+        </p:style>
+        <p:txBody>
+          <a:bodyPr rot="0" spcFirstLastPara="0" vertOverflow="overflow" horzOverflow="overflow" vert="horz" wrap="square" lIns="182880" tIns="146304" rIns="182880" bIns="146304" numCol="1" spcCol="0" rtlCol="0" fromWordArt="0" anchor="t" anchorCtr="0" forceAA="0" compatLnSpc="1">
+            <a:prstTxWarp prst="textNoShape">
+              <a:avLst/>
+            </a:prstTxWarp>
+            <a:noAutofit/>
+          </a:bodyPr>
+          <a:lstStyle/>
+          <a:p>
+            <a:pPr algn="ctr" defTabSz="932472" fontAlgn="base">
+              <a:lnSpc>
+                <a:spcPct val="90000"/>
+              </a:lnSpc>
+              <a:spcBef>
+                <a:spcPct val="0"/>
+              </a:spcBef>
+              <a:spcAft>
+                <a:spcPct val="0"/>
+              </a:spcAft>
+            </a:pPr>
+            <a:r>
+              <a:rPr lang="da-DK" sz="2400" dirty="0" err="1">
+                <a:gradFill>
+                  <a:gsLst>
+                    <a:gs pos="0">
+                      <a:srgbClr val="FFFFFF"/>
+                    </a:gs>
+                    <a:gs pos="100000">
+                      <a:srgbClr val="FFFFFF"/>
+                    </a:gs>
+                  </a:gsLst>
+                  <a:lin ang="5400000" scaled="0"/>
+                </a:gradFill>
+                <a:ea typeface="Segoe UI" pitchFamily="34" charset="0"/>
+                <a:cs typeface="Segoe UI" pitchFamily="34" charset="0"/>
+              </a:rPr>
+              <a:t>Remember</a:t>
+            </a:r>
+            <a:r>
+              <a:rPr lang="da-DK" sz="2400" dirty="0">
+                <a:gradFill>
+                  <a:gsLst>
+                    <a:gs pos="0">
+                      <a:srgbClr val="FFFFFF"/>
+                    </a:gs>
+                    <a:gs pos="100000">
+                      <a:srgbClr val="FFFFFF"/>
+                    </a:gs>
+                  </a:gsLst>
+                  <a:lin ang="5400000" scaled="0"/>
+                </a:gradFill>
+                <a:ea typeface="Segoe UI" pitchFamily="34" charset="0"/>
+                <a:cs typeface="Segoe UI" pitchFamily="34" charset="0"/>
+              </a:rPr>
+              <a:t> to </a:t>
+            </a:r>
+            <a:r>
+              <a:rPr lang="da-DK" sz="2400" dirty="0" err="1">
+                <a:gradFill>
+                  <a:gsLst>
+                    <a:gs pos="0">
+                      <a:srgbClr val="FFFFFF"/>
+                    </a:gs>
+                    <a:gs pos="100000">
+                      <a:srgbClr val="FFFFFF"/>
+                    </a:gs>
+                  </a:gsLst>
+                  <a:lin ang="5400000" scaled="0"/>
+                </a:gradFill>
+                <a:ea typeface="Segoe UI" pitchFamily="34" charset="0"/>
+                <a:cs typeface="Segoe UI" pitchFamily="34" charset="0"/>
+              </a:rPr>
+              <a:t>call</a:t>
+            </a:r>
+            <a:r>
+              <a:rPr lang="da-DK" sz="2400" dirty="0">
+                <a:gradFill>
+                  <a:gsLst>
+                    <a:gs pos="0">
+                      <a:srgbClr val="FFFFFF"/>
+                    </a:gs>
+                    <a:gs pos="100000">
+                      <a:srgbClr val="FFFFFF"/>
+                    </a:gs>
+                  </a:gsLst>
+                  <a:lin ang="5400000" scaled="0"/>
+                </a:gradFill>
+                <a:ea typeface="Segoe UI" pitchFamily="34" charset="0"/>
+                <a:cs typeface="Segoe UI" pitchFamily="34" charset="0"/>
+              </a:rPr>
+              <a:t> Dispose…</a:t>
+            </a:r>
+          </a:p>
+        </p:txBody>
+      </p:sp>
+    </p:spTree>
+    <p:extLst>
+      <p:ext uri="{BB962C8B-B14F-4D97-AF65-F5344CB8AC3E}">
+        <p14:creationId xmlns:p14="http://schemas.microsoft.com/office/powerpoint/2010/main" val="3705276214"/>
+      </p:ext>
+    </p:extLst>
+  </p:cSld>
+  <p:clrMapOvr>
+    <a:masterClrMapping/>
+  </p:clrMapOvr>
+  <p:transition>
+    <p:fade/>
+  </p:transition>
+</p:sld>
+</file>
+
+<file path=ppt/slides/slide7.xml><?xml version="1.0" encoding="utf-8"?>
+<p:sld xmlns:a="http://schemas.openxmlformats.org/drawingml/2006/main" xmlns:r="http://schemas.openxmlformats.org/officeDocument/2006/relationships" xmlns:p="http://schemas.openxmlformats.org/presentationml/2006/main">
+  <p:cSld>
+    <p:spTree>
+      <p:nvGrpSpPr>
+        <p:cNvPr id="1" name=""/>
+        <p:cNvGrpSpPr/>
+        <p:nvPr/>
+      </p:nvGrpSpPr>
+      <p:grpSpPr>
+        <a:xfrm>
+          <a:off x="0" y="0"/>
+          <a:ext cx="0" cy="0"/>
+          <a:chOff x="0" y="0"/>
+          <a:chExt cx="0" cy="0"/>
+        </a:xfrm>
+      </p:grpSpPr>
+      <p:sp>
+        <p:nvSpPr>
+          <p:cNvPr id="2" name="Title 1"/>
+          <p:cNvSpPr>
+            <a:spLocks noGrp="1"/>
+          </p:cNvSpPr>
+          <p:nvPr>
+            <p:ph type="title"/>
+          </p:nvPr>
+        </p:nvSpPr>
+        <p:spPr/>
+        <p:txBody>
+          <a:bodyPr/>
+          <a:lstStyle/>
+          <a:p>
+            <a:r>
+              <a:rPr lang="da-DK" dirty="0"/>
+              <a:t>Property </a:t>
+            </a:r>
+            <a:r>
+              <a:rPr lang="da-DK" dirty="0" err="1"/>
+              <a:t>Injection</a:t>
+            </a:r>
+            <a:endParaRPr lang="da-DK" dirty="0"/>
+          </a:p>
+        </p:txBody>
+      </p:sp>
+      <p:sp>
+        <p:nvSpPr>
+          <p:cNvPr id="3" name="Rectangle 2"/>
+          <p:cNvSpPr/>
+          <p:nvPr/>
+        </p:nvSpPr>
+        <p:spPr>
+          <a:xfrm>
+            <a:off x="960002" y="1942799"/>
+            <a:ext cx="7406559" cy="3970318"/>
+          </a:xfrm>
+          <a:prstGeom prst="rect">
+            <a:avLst/>
+          </a:prstGeom>
+        </p:spPr>
+        <p:txBody>
+          <a:bodyPr wrap="square">
+            <a:spAutoFit/>
+          </a:bodyPr>
+          <a:lstStyle/>
+          <a:p>
+            <a:r>
+              <a:rPr lang="da-DK" dirty="0">
+                <a:solidFill>
+                  <a:srgbClr val="0000FF"/>
+                </a:solidFill>
+                <a:latin typeface="Consolas" panose="020B0609020204030204" pitchFamily="49" charset="0"/>
+              </a:rPr>
+              <a:t>public</a:t>
+            </a:r>
+            <a:r>
+              <a:rPr lang="da-DK" dirty="0">
+                <a:solidFill>
+                  <a:srgbClr val="000000"/>
+                </a:solidFill>
+                <a:latin typeface="Consolas" panose="020B0609020204030204" pitchFamily="49" charset="0"/>
+              </a:rPr>
+              <a:t> </a:t>
+            </a:r>
+            <a:r>
+              <a:rPr lang="da-DK" dirty="0">
+                <a:solidFill>
+                  <a:srgbClr val="0000FF"/>
+                </a:solidFill>
+                <a:latin typeface="Consolas" panose="020B0609020204030204" pitchFamily="49" charset="0"/>
+              </a:rPr>
+              <a:t>class</a:t>
+            </a:r>
+            <a:r>
+              <a:rPr lang="da-DK" dirty="0">
+                <a:solidFill>
+                  <a:srgbClr val="000000"/>
+                </a:solidFill>
+                <a:latin typeface="Consolas" panose="020B0609020204030204" pitchFamily="49" charset="0"/>
+              </a:rPr>
+              <a:t> </a:t>
+            </a:r>
+            <a:r>
+              <a:rPr lang="da-DK" dirty="0" err="1">
+                <a:solidFill>
+                  <a:srgbClr val="2B91AF"/>
+                </a:solidFill>
+                <a:latin typeface="Consolas" panose="020B0609020204030204" pitchFamily="49" charset="0"/>
+              </a:rPr>
+              <a:t>Worker</a:t>
+            </a:r>
+            <a:r>
+              <a:rPr lang="da-DK" dirty="0">
+                <a:solidFill>
+                  <a:srgbClr val="000000"/>
+                </a:solidFill>
+                <a:latin typeface="Consolas" panose="020B0609020204030204" pitchFamily="49" charset="0"/>
+              </a:rPr>
+              <a:t> : </a:t>
+            </a:r>
+            <a:r>
+              <a:rPr lang="da-DK" dirty="0" err="1">
+                <a:solidFill>
+                  <a:srgbClr val="2B91AF"/>
+                </a:solidFill>
+                <a:latin typeface="Consolas" panose="020B0609020204030204" pitchFamily="49" charset="0"/>
+              </a:rPr>
+              <a:t>IDisposable</a:t>
+            </a:r>
+            <a:endParaRPr lang="da-DK" dirty="0">
+              <a:solidFill>
+                <a:srgbClr val="000000"/>
+              </a:solidFill>
+              <a:latin typeface="Consolas" panose="020B0609020204030204" pitchFamily="49" charset="0"/>
+            </a:endParaRPr>
+          </a:p>
+          <a:p>
+            <a:r>
+              <a:rPr lang="da-DK" dirty="0">
+                <a:solidFill>
+                  <a:srgbClr val="000000"/>
+                </a:solidFill>
+                <a:latin typeface="Consolas" panose="020B0609020204030204" pitchFamily="49" charset="0"/>
+              </a:rPr>
+              <a:t>{</a:t>
+            </a:r>
+          </a:p>
+          <a:p>
+            <a:r>
+              <a:rPr lang="en-US" dirty="0">
+                <a:solidFill>
+                  <a:srgbClr val="000000"/>
+                </a:solidFill>
+                <a:latin typeface="Consolas" panose="020B0609020204030204" pitchFamily="49" charset="0"/>
+              </a:rPr>
+              <a:t>    </a:t>
+            </a:r>
+            <a:r>
+              <a:rPr lang="en-US" dirty="0">
+                <a:solidFill>
+                  <a:srgbClr val="0000FF"/>
+                </a:solidFill>
+                <a:latin typeface="Consolas" panose="020B0609020204030204" pitchFamily="49" charset="0"/>
+              </a:rPr>
+              <a:t>public</a:t>
+            </a:r>
+            <a:r>
+              <a:rPr lang="en-US" dirty="0">
+                <a:solidFill>
+                  <a:srgbClr val="000000"/>
+                </a:solidFill>
+                <a:latin typeface="Consolas" panose="020B0609020204030204" pitchFamily="49" charset="0"/>
+              </a:rPr>
+              <a:t> </a:t>
+            </a:r>
+            <a:r>
+              <a:rPr lang="en-US" dirty="0" err="1">
+                <a:solidFill>
+                  <a:srgbClr val="2B91AF"/>
+                </a:solidFill>
+                <a:latin typeface="Consolas" panose="020B0609020204030204" pitchFamily="49" charset="0"/>
+              </a:rPr>
+              <a:t>IFooService</a:t>
+            </a:r>
+            <a:r>
+              <a:rPr lang="en-US" dirty="0">
+                <a:solidFill>
+                  <a:srgbClr val="000000"/>
+                </a:solidFill>
+                <a:latin typeface="Consolas" panose="020B0609020204030204" pitchFamily="49" charset="0"/>
+              </a:rPr>
+              <a:t> Service { </a:t>
+            </a:r>
+            <a:r>
+              <a:rPr lang="en-US" dirty="0">
+                <a:solidFill>
+                  <a:srgbClr val="0000FF"/>
+                </a:solidFill>
+                <a:latin typeface="Consolas" panose="020B0609020204030204" pitchFamily="49" charset="0"/>
+              </a:rPr>
+              <a:t>private</a:t>
+            </a:r>
+            <a:r>
+              <a:rPr lang="en-US" dirty="0">
+                <a:solidFill>
+                  <a:srgbClr val="000000"/>
+                </a:solidFill>
+                <a:latin typeface="Consolas" panose="020B0609020204030204" pitchFamily="49" charset="0"/>
+              </a:rPr>
+              <a:t> </a:t>
+            </a:r>
+            <a:r>
+              <a:rPr lang="en-US" dirty="0">
+                <a:solidFill>
+                  <a:srgbClr val="0000FF"/>
+                </a:solidFill>
+                <a:latin typeface="Consolas" panose="020B0609020204030204" pitchFamily="49" charset="0"/>
+              </a:rPr>
+              <a:t>get</a:t>
+            </a:r>
+            <a:r>
+              <a:rPr lang="en-US" dirty="0">
+                <a:solidFill>
+                  <a:srgbClr val="000000"/>
+                </a:solidFill>
+                <a:latin typeface="Consolas" panose="020B0609020204030204" pitchFamily="49" charset="0"/>
+              </a:rPr>
+              <a:t>; </a:t>
+            </a:r>
+            <a:r>
+              <a:rPr lang="en-US" dirty="0">
+                <a:solidFill>
+                  <a:srgbClr val="0000FF"/>
+                </a:solidFill>
+                <a:latin typeface="Consolas" panose="020B0609020204030204" pitchFamily="49" charset="0"/>
+              </a:rPr>
+              <a:t>set</a:t>
+            </a:r>
+            <a:r>
+              <a:rPr lang="en-US" dirty="0">
+                <a:solidFill>
+                  <a:srgbClr val="000000"/>
+                </a:solidFill>
+                <a:latin typeface="Consolas" panose="020B0609020204030204" pitchFamily="49" charset="0"/>
+              </a:rPr>
+              <a:t>; }</a:t>
+            </a:r>
+          </a:p>
+          <a:p>
+            <a:endParaRPr lang="da-DK" dirty="0">
+              <a:solidFill>
+                <a:srgbClr val="000000"/>
+              </a:solidFill>
+              <a:latin typeface="Consolas" panose="020B0609020204030204" pitchFamily="49" charset="0"/>
+            </a:endParaRPr>
+          </a:p>
+          <a:p>
+            <a:r>
+              <a:rPr lang="en-US" dirty="0">
+                <a:solidFill>
+                  <a:srgbClr val="000000"/>
+                </a:solidFill>
+                <a:latin typeface="Consolas" panose="020B0609020204030204" pitchFamily="49" charset="0"/>
+              </a:rPr>
+              <a:t>    </a:t>
+            </a:r>
+            <a:r>
+              <a:rPr lang="en-US" dirty="0">
+                <a:solidFill>
+                  <a:srgbClr val="0000FF"/>
+                </a:solidFill>
+                <a:latin typeface="Consolas" panose="020B0609020204030204" pitchFamily="49" charset="0"/>
+              </a:rPr>
+              <a:t>public</a:t>
+            </a:r>
+            <a:r>
+              <a:rPr lang="en-US" dirty="0">
+                <a:solidFill>
+                  <a:srgbClr val="000000"/>
+                </a:solidFill>
+                <a:latin typeface="Consolas" panose="020B0609020204030204" pitchFamily="49" charset="0"/>
+              </a:rPr>
+              <a:t> </a:t>
+            </a:r>
+            <a:r>
+              <a:rPr lang="en-US" dirty="0">
+                <a:solidFill>
+                  <a:srgbClr val="0000FF"/>
+                </a:solidFill>
+                <a:latin typeface="Consolas" panose="020B0609020204030204" pitchFamily="49" charset="0"/>
+              </a:rPr>
+              <a:t>void</a:t>
+            </a:r>
+            <a:r>
+              <a:rPr lang="en-US" dirty="0">
+                <a:solidFill>
+                  <a:srgbClr val="000000"/>
+                </a:solidFill>
+                <a:latin typeface="Consolas" panose="020B0609020204030204" pitchFamily="49" charset="0"/>
+              </a:rPr>
+              <a:t> </a:t>
+            </a:r>
+            <a:r>
+              <a:rPr lang="en-US" dirty="0" err="1">
+                <a:solidFill>
+                  <a:srgbClr val="000000"/>
+                </a:solidFill>
+                <a:latin typeface="Consolas" panose="020B0609020204030204" pitchFamily="49" charset="0"/>
+              </a:rPr>
+              <a:t>DoWork</a:t>
+            </a:r>
+            <a:r>
+              <a:rPr lang="en-US" dirty="0">
+                <a:solidFill>
+                  <a:srgbClr val="000000"/>
+                </a:solidFill>
+                <a:latin typeface="Consolas" panose="020B0609020204030204" pitchFamily="49" charset="0"/>
+              </a:rPr>
+              <a:t>(</a:t>
+            </a:r>
+            <a:r>
+              <a:rPr lang="en-US" dirty="0" err="1">
+                <a:solidFill>
+                  <a:srgbClr val="2B91AF"/>
+                </a:solidFill>
+                <a:latin typeface="Consolas" panose="020B0609020204030204" pitchFamily="49" charset="0"/>
+              </a:rPr>
+              <a:t>FooDto</a:t>
+            </a:r>
+            <a:r>
+              <a:rPr lang="en-US" dirty="0">
+                <a:solidFill>
+                  <a:srgbClr val="000000"/>
+                </a:solidFill>
+                <a:latin typeface="Consolas" panose="020B0609020204030204" pitchFamily="49" charset="0"/>
+              </a:rPr>
+              <a:t> foo)</a:t>
+            </a:r>
+          </a:p>
+          <a:p>
+            <a:r>
+              <a:rPr lang="da-DK" dirty="0">
+                <a:solidFill>
+                  <a:srgbClr val="000000"/>
+                </a:solidFill>
+                <a:latin typeface="Consolas" panose="020B0609020204030204" pitchFamily="49" charset="0"/>
+              </a:rPr>
+              <a:t>    {</a:t>
+            </a:r>
+          </a:p>
+          <a:p>
+            <a:r>
+              <a:rPr lang="da-DK" dirty="0">
+                <a:solidFill>
+                  <a:srgbClr val="000000"/>
+                </a:solidFill>
+                <a:latin typeface="Consolas" panose="020B0609020204030204" pitchFamily="49" charset="0"/>
+              </a:rPr>
+              <a:t>        </a:t>
+            </a:r>
+            <a:r>
+              <a:rPr lang="da-DK" dirty="0">
+                <a:solidFill>
+                  <a:srgbClr val="008000"/>
+                </a:solidFill>
+                <a:latin typeface="Consolas" panose="020B0609020204030204" pitchFamily="49" charset="0"/>
+              </a:rPr>
+              <a:t>// </a:t>
+            </a:r>
+            <a:r>
+              <a:rPr lang="da-DK" dirty="0" err="1">
+                <a:solidFill>
+                  <a:srgbClr val="008000"/>
+                </a:solidFill>
+                <a:latin typeface="Consolas" panose="020B0609020204030204" pitchFamily="49" charset="0"/>
+              </a:rPr>
+              <a:t>Implementation</a:t>
+            </a:r>
+            <a:endParaRPr lang="da-DK" dirty="0">
+              <a:solidFill>
+                <a:srgbClr val="000000"/>
+              </a:solidFill>
+              <a:latin typeface="Consolas" panose="020B0609020204030204" pitchFamily="49" charset="0"/>
+            </a:endParaRPr>
+          </a:p>
+          <a:p>
+            <a:r>
+              <a:rPr lang="da-DK" dirty="0">
+                <a:solidFill>
+                  <a:srgbClr val="000000"/>
+                </a:solidFill>
+                <a:latin typeface="Consolas" panose="020B0609020204030204" pitchFamily="49" charset="0"/>
+              </a:rPr>
+              <a:t>    }</a:t>
+            </a:r>
+          </a:p>
+          <a:p>
+            <a:endParaRPr lang="da-DK" dirty="0">
+              <a:solidFill>
+                <a:srgbClr val="000000"/>
+              </a:solidFill>
+              <a:latin typeface="Consolas" panose="020B0609020204030204" pitchFamily="49" charset="0"/>
+            </a:endParaRPr>
+          </a:p>
+          <a:p>
+            <a:r>
+              <a:rPr lang="da-DK" dirty="0">
+                <a:solidFill>
+                  <a:srgbClr val="000000"/>
+                </a:solidFill>
+                <a:latin typeface="Consolas" panose="020B0609020204030204" pitchFamily="49" charset="0"/>
+              </a:rPr>
+              <a:t>    </a:t>
+            </a:r>
+            <a:r>
+              <a:rPr lang="da-DK" dirty="0">
+                <a:solidFill>
+                  <a:srgbClr val="0000FF"/>
+                </a:solidFill>
+                <a:latin typeface="Consolas" panose="020B0609020204030204" pitchFamily="49" charset="0"/>
+              </a:rPr>
+              <a:t>public</a:t>
+            </a:r>
+            <a:r>
+              <a:rPr lang="da-DK" dirty="0">
+                <a:solidFill>
+                  <a:srgbClr val="000000"/>
+                </a:solidFill>
+                <a:latin typeface="Consolas" panose="020B0609020204030204" pitchFamily="49" charset="0"/>
+              </a:rPr>
+              <a:t> </a:t>
+            </a:r>
+            <a:r>
+              <a:rPr lang="da-DK" dirty="0" err="1">
+                <a:solidFill>
+                  <a:srgbClr val="0000FF"/>
+                </a:solidFill>
+                <a:latin typeface="Consolas" panose="020B0609020204030204" pitchFamily="49" charset="0"/>
+              </a:rPr>
+              <a:t>void</a:t>
+            </a:r>
+            <a:r>
+              <a:rPr lang="da-DK" dirty="0">
+                <a:solidFill>
+                  <a:srgbClr val="000000"/>
+                </a:solidFill>
+                <a:latin typeface="Consolas" panose="020B0609020204030204" pitchFamily="49" charset="0"/>
+              </a:rPr>
+              <a:t> Dispose()</a:t>
+            </a:r>
+          </a:p>
+          <a:p>
+            <a:r>
+              <a:rPr lang="da-DK" dirty="0">
+                <a:solidFill>
+                  <a:srgbClr val="000000"/>
+                </a:solidFill>
+                <a:latin typeface="Consolas" panose="020B0609020204030204" pitchFamily="49" charset="0"/>
+              </a:rPr>
+              <a:t>    {</a:t>
+            </a:r>
+          </a:p>
+          <a:p>
+            <a:r>
+              <a:rPr lang="da-DK" dirty="0">
+                <a:solidFill>
+                  <a:srgbClr val="000000"/>
+                </a:solidFill>
+                <a:latin typeface="Consolas" panose="020B0609020204030204" pitchFamily="49" charset="0"/>
+              </a:rPr>
+              <a:t>        </a:t>
+            </a:r>
+            <a:r>
+              <a:rPr lang="da-DK" dirty="0" err="1">
+                <a:solidFill>
+                  <a:srgbClr val="000000"/>
+                </a:solidFill>
+                <a:latin typeface="Consolas" panose="020B0609020204030204" pitchFamily="49" charset="0"/>
+              </a:rPr>
+              <a:t>Service?.Dispose</a:t>
+            </a:r>
+            <a:r>
+              <a:rPr lang="da-DK" dirty="0">
+                <a:solidFill>
+                  <a:srgbClr val="000000"/>
+                </a:solidFill>
+                <a:latin typeface="Consolas" panose="020B0609020204030204" pitchFamily="49" charset="0"/>
+              </a:rPr>
+              <a:t>();</a:t>
+            </a:r>
+          </a:p>
+          <a:p>
+            <a:r>
+              <a:rPr lang="da-DK" dirty="0">
+                <a:solidFill>
+                  <a:srgbClr val="000000"/>
+                </a:solidFill>
+                <a:latin typeface="Consolas" panose="020B0609020204030204" pitchFamily="49" charset="0"/>
+              </a:rPr>
+              <a:t>    }</a:t>
+            </a:r>
+          </a:p>
+          <a:p>
+            <a:r>
+              <a:rPr lang="da-DK" dirty="0">
+                <a:solidFill>
+                  <a:srgbClr val="000000"/>
+                </a:solidFill>
+                <a:latin typeface="Consolas" panose="020B0609020204030204" pitchFamily="49" charset="0"/>
+              </a:rPr>
+              <a:t>}</a:t>
+            </a:r>
+            <a:endParaRPr lang="da-DK" dirty="0"/>
+          </a:p>
+        </p:txBody>
+      </p:sp>
+      <p:sp>
+        <p:nvSpPr>
+          <p:cNvPr id="4" name="Speech Bubble: Rectangle 3"/>
+          <p:cNvSpPr/>
+          <p:nvPr/>
+        </p:nvSpPr>
+        <p:spPr bwMode="auto">
+          <a:xfrm>
+            <a:off x="6034866" y="1212850"/>
+            <a:ext cx="2925620" cy="636870"/>
+          </a:xfrm>
+          <a:prstGeom prst="wedgeRectCallout">
+            <a:avLst>
+              <a:gd name="adj1" fmla="val -16361"/>
+              <a:gd name="adj2" fmla="val 147644"/>
+            </a:avLst>
+          </a:prstGeom>
+          <a:solidFill>
+            <a:srgbClr val="68217A"/>
+          </a:solidFill>
+          <a:ln>
+            <a:noFill/>
+            <a:headEnd type="none" w="med" len="med"/>
+            <a:tailEnd type="none" w="med" len="med"/>
+          </a:ln>
+          <a:effectLst/>
+        </p:spPr>
+        <p:style>
+          <a:lnRef idx="1">
+            <a:schemeClr val="accent2"/>
+          </a:lnRef>
+          <a:fillRef idx="3">
+            <a:schemeClr val="accent2"/>
+          </a:fillRef>
+          <a:effectRef idx="2">
+            <a:schemeClr val="accent2"/>
+          </a:effectRef>
+          <a:fontRef idx="minor">
+            <a:schemeClr val="lt1"/>
+          </a:fontRef>
+        </p:style>
+        <p:txBody>
+          <a:bodyPr rot="0" spcFirstLastPara="0" vertOverflow="overflow" horzOverflow="overflow" vert="horz" wrap="square" lIns="182880" tIns="146304" rIns="182880" bIns="146304" numCol="1" spcCol="0" rtlCol="0" fromWordArt="0" anchor="t" anchorCtr="0" forceAA="0" compatLnSpc="1">
+            <a:prstTxWarp prst="textNoShape">
+              <a:avLst/>
+            </a:prstTxWarp>
+            <a:noAutofit/>
+          </a:bodyPr>
+          <a:lstStyle/>
+          <a:p>
+            <a:pPr algn="ctr" defTabSz="932472" fontAlgn="base">
+              <a:lnSpc>
+                <a:spcPct val="90000"/>
+              </a:lnSpc>
+              <a:spcBef>
+                <a:spcPct val="0"/>
+              </a:spcBef>
+              <a:spcAft>
+                <a:spcPct val="0"/>
+              </a:spcAft>
+            </a:pPr>
+            <a:r>
+              <a:rPr lang="da-DK" sz="2400" dirty="0">
+                <a:gradFill>
+                  <a:gsLst>
+                    <a:gs pos="0">
+                      <a:srgbClr val="FFFFFF"/>
+                    </a:gs>
+                    <a:gs pos="100000">
+                      <a:srgbClr val="FFFFFF"/>
+                    </a:gs>
+                  </a:gsLst>
+                  <a:lin ang="5400000" scaled="0"/>
+                </a:gradFill>
+                <a:ea typeface="Segoe UI" pitchFamily="34" charset="0"/>
+                <a:cs typeface="Segoe UI" pitchFamily="34" charset="0"/>
+              </a:rPr>
+              <a:t>Public setter</a:t>
+            </a:r>
+          </a:p>
+        </p:txBody>
+      </p:sp>
+      <p:sp>
+        <p:nvSpPr>
+          <p:cNvPr id="5" name="Speech Bubble: Rectangle 4"/>
+          <p:cNvSpPr/>
+          <p:nvPr/>
+        </p:nvSpPr>
+        <p:spPr bwMode="auto">
+          <a:xfrm>
+            <a:off x="5760549" y="5417481"/>
+            <a:ext cx="2925620" cy="914390"/>
+          </a:xfrm>
+          <a:prstGeom prst="wedgeRectCallout">
+            <a:avLst>
+              <a:gd name="adj1" fmla="val -92265"/>
+              <a:gd name="adj2" fmla="val -73215"/>
+            </a:avLst>
+          </a:prstGeom>
+          <a:solidFill>
+            <a:srgbClr val="68217A"/>
+          </a:solidFill>
+          <a:ln>
+            <a:noFill/>
+            <a:headEnd type="none" w="med" len="med"/>
+            <a:tailEnd type="none" w="med" len="med"/>
+          </a:ln>
+          <a:effectLst/>
+        </p:spPr>
+        <p:style>
+          <a:lnRef idx="1">
+            <a:schemeClr val="accent2"/>
+          </a:lnRef>
+          <a:fillRef idx="3">
+            <a:schemeClr val="accent2"/>
+          </a:fillRef>
+          <a:effectRef idx="2">
+            <a:schemeClr val="accent2"/>
+          </a:effectRef>
+          <a:fontRef idx="minor">
+            <a:schemeClr val="lt1"/>
+          </a:fontRef>
+        </p:style>
+        <p:txBody>
+          <a:bodyPr rot="0" spcFirstLastPara="0" vertOverflow="overflow" horzOverflow="overflow" vert="horz" wrap="square" lIns="182880" tIns="146304" rIns="182880" bIns="146304" numCol="1" spcCol="0" rtlCol="0" fromWordArt="0" anchor="t" anchorCtr="0" forceAA="0" compatLnSpc="1">
+            <a:prstTxWarp prst="textNoShape">
+              <a:avLst/>
+            </a:prstTxWarp>
+            <a:noAutofit/>
+          </a:bodyPr>
+          <a:lstStyle/>
+          <a:p>
+            <a:pPr algn="ctr" defTabSz="932472" fontAlgn="base">
+              <a:lnSpc>
+                <a:spcPct val="90000"/>
+              </a:lnSpc>
+              <a:spcBef>
+                <a:spcPct val="0"/>
+              </a:spcBef>
+              <a:spcAft>
+                <a:spcPct val="0"/>
+              </a:spcAft>
+            </a:pPr>
+            <a:r>
+              <a:rPr lang="da-DK" sz="2400" dirty="0">
+                <a:gradFill>
+                  <a:gsLst>
+                    <a:gs pos="0">
+                      <a:srgbClr val="FFFFFF"/>
+                    </a:gs>
+                    <a:gs pos="100000">
+                      <a:srgbClr val="FFFFFF"/>
+                    </a:gs>
+                  </a:gsLst>
+                  <a:lin ang="5400000" scaled="0"/>
+                </a:gradFill>
+                <a:ea typeface="Segoe UI" pitchFamily="34" charset="0"/>
+                <a:cs typeface="Segoe UI" pitchFamily="34" charset="0"/>
+              </a:rPr>
+              <a:t>Dispose with the King…</a:t>
+            </a:r>
+          </a:p>
+        </p:txBody>
+      </p:sp>
+    </p:spTree>
+    <p:extLst>
+      <p:ext uri="{BB962C8B-B14F-4D97-AF65-F5344CB8AC3E}">
+        <p14:creationId xmlns:p14="http://schemas.microsoft.com/office/powerpoint/2010/main" val="548886773"/>
+      </p:ext>
+    </p:extLst>
+  </p:cSld>
+  <p:clrMapOvr>
+    <a:masterClrMapping/>
+  </p:clrMapOvr>
+  <p:transition>
+    <p:fade/>
+  </p:transition>
+</p:sld>
+</file>
+
+<file path=ppt/slides/slide8.xml><?xml version="1.0" encoding="utf-8"?>
+<p:sld xmlns:a="http://schemas.openxmlformats.org/drawingml/2006/main" xmlns:r="http://schemas.openxmlformats.org/officeDocument/2006/relationships" xmlns:p="http://schemas.openxmlformats.org/presentationml/2006/main">
+  <p:cSld>
+    <p:spTree>
+      <p:nvGrpSpPr>
+        <p:cNvPr id="1" name=""/>
+        <p:cNvGrpSpPr/>
+        <p:nvPr/>
+      </p:nvGrpSpPr>
+      <p:grpSpPr>
+        <a:xfrm>
+          <a:off x="0" y="0"/>
+          <a:ext cx="0" cy="0"/>
+          <a:chOff x="0" y="0"/>
+          <a:chExt cx="0" cy="0"/>
+        </a:xfrm>
+      </p:grpSpPr>
+      <p:sp>
+        <p:nvSpPr>
+          <p:cNvPr id="2" name="Title 1"/>
+          <p:cNvSpPr>
+            <a:spLocks noGrp="1"/>
+          </p:cNvSpPr>
+          <p:nvPr>
+            <p:ph type="title"/>
+          </p:nvPr>
+        </p:nvSpPr>
+        <p:spPr/>
+        <p:txBody>
+          <a:bodyPr/>
+          <a:lstStyle/>
+          <a:p>
+            <a:r>
+              <a:rPr lang="da-DK" dirty="0"/>
+              <a:t>Interface </a:t>
+            </a:r>
+            <a:r>
+              <a:rPr lang="da-DK" dirty="0" err="1"/>
+              <a:t>Injection</a:t>
+            </a:r>
+            <a:endParaRPr lang="da-DK" dirty="0"/>
+          </a:p>
+        </p:txBody>
+      </p:sp>
+      <p:sp>
+        <p:nvSpPr>
+          <p:cNvPr id="3" name="Rectangle 2"/>
+          <p:cNvSpPr/>
+          <p:nvPr/>
+        </p:nvSpPr>
+        <p:spPr>
+          <a:xfrm>
+            <a:off x="2377306" y="3222945"/>
+            <a:ext cx="4571950" cy="1200329"/>
+          </a:xfrm>
+          <a:prstGeom prst="rect">
+            <a:avLst/>
+          </a:prstGeom>
+        </p:spPr>
+        <p:txBody>
+          <a:bodyPr wrap="square">
+            <a:spAutoFit/>
+          </a:bodyPr>
+          <a:lstStyle/>
+          <a:p>
+            <a:r>
+              <a:rPr lang="da-DK" dirty="0">
+                <a:solidFill>
+                  <a:srgbClr val="0000FF"/>
+                </a:solidFill>
+                <a:latin typeface="Consolas" panose="020B0609020204030204" pitchFamily="49" charset="0"/>
+              </a:rPr>
+              <a:t>public</a:t>
+            </a:r>
+            <a:r>
+              <a:rPr lang="da-DK" dirty="0">
+                <a:solidFill>
+                  <a:srgbClr val="000000"/>
+                </a:solidFill>
+                <a:latin typeface="Consolas" panose="020B0609020204030204" pitchFamily="49" charset="0"/>
+              </a:rPr>
+              <a:t> </a:t>
+            </a:r>
+            <a:r>
+              <a:rPr lang="da-DK" dirty="0">
+                <a:solidFill>
+                  <a:srgbClr val="0000FF"/>
+                </a:solidFill>
+                <a:latin typeface="Consolas" panose="020B0609020204030204" pitchFamily="49" charset="0"/>
+              </a:rPr>
+              <a:t>interface</a:t>
+            </a:r>
+            <a:r>
+              <a:rPr lang="da-DK" dirty="0">
+                <a:solidFill>
+                  <a:srgbClr val="000000"/>
+                </a:solidFill>
+                <a:latin typeface="Consolas" panose="020B0609020204030204" pitchFamily="49" charset="0"/>
+              </a:rPr>
+              <a:t> </a:t>
+            </a:r>
+            <a:r>
+              <a:rPr lang="da-DK" dirty="0" err="1">
+                <a:solidFill>
+                  <a:srgbClr val="2B91AF"/>
+                </a:solidFill>
+                <a:latin typeface="Consolas" panose="020B0609020204030204" pitchFamily="49" charset="0"/>
+              </a:rPr>
+              <a:t>IServiceSetter</a:t>
+            </a:r>
+            <a:r>
+              <a:rPr lang="da-DK" dirty="0">
+                <a:solidFill>
+                  <a:srgbClr val="000000"/>
+                </a:solidFill>
+                <a:latin typeface="Consolas" panose="020B0609020204030204" pitchFamily="49" charset="0"/>
+              </a:rPr>
+              <a:t>&lt;</a:t>
+            </a:r>
+            <a:r>
+              <a:rPr lang="da-DK" dirty="0">
+                <a:solidFill>
+                  <a:srgbClr val="2B91AF"/>
+                </a:solidFill>
+                <a:latin typeface="Consolas" panose="020B0609020204030204" pitchFamily="49" charset="0"/>
+              </a:rPr>
+              <a:t>T</a:t>
+            </a:r>
+            <a:r>
+              <a:rPr lang="da-DK" dirty="0">
+                <a:solidFill>
+                  <a:srgbClr val="000000"/>
+                </a:solidFill>
+                <a:latin typeface="Consolas" panose="020B0609020204030204" pitchFamily="49" charset="0"/>
+              </a:rPr>
+              <a:t>&gt;</a:t>
+            </a:r>
+          </a:p>
+          <a:p>
+            <a:r>
+              <a:rPr lang="da-DK" dirty="0">
+                <a:solidFill>
+                  <a:srgbClr val="000000"/>
+                </a:solidFill>
+                <a:latin typeface="Consolas" panose="020B0609020204030204" pitchFamily="49" charset="0"/>
+              </a:rPr>
+              <a:t>{</a:t>
+            </a:r>
+          </a:p>
+          <a:p>
+            <a:r>
+              <a:rPr lang="da-DK" dirty="0">
+                <a:solidFill>
+                  <a:srgbClr val="000000"/>
+                </a:solidFill>
+                <a:latin typeface="Consolas" panose="020B0609020204030204" pitchFamily="49" charset="0"/>
+              </a:rPr>
+              <a:t>    </a:t>
+            </a:r>
+            <a:r>
+              <a:rPr lang="da-DK" dirty="0" err="1">
+                <a:solidFill>
+                  <a:srgbClr val="0000FF"/>
+                </a:solidFill>
+                <a:latin typeface="Consolas" panose="020B0609020204030204" pitchFamily="49" charset="0"/>
+              </a:rPr>
+              <a:t>void</a:t>
+            </a:r>
+            <a:r>
+              <a:rPr lang="da-DK" dirty="0">
+                <a:solidFill>
+                  <a:srgbClr val="000000"/>
+                </a:solidFill>
+                <a:latin typeface="Consolas" panose="020B0609020204030204" pitchFamily="49" charset="0"/>
+              </a:rPr>
+              <a:t> </a:t>
+            </a:r>
+            <a:r>
+              <a:rPr lang="da-DK" dirty="0" err="1">
+                <a:solidFill>
+                  <a:srgbClr val="000000"/>
+                </a:solidFill>
+                <a:latin typeface="Consolas" panose="020B0609020204030204" pitchFamily="49" charset="0"/>
+              </a:rPr>
+              <a:t>SetService</a:t>
+            </a:r>
+            <a:r>
+              <a:rPr lang="da-DK" dirty="0">
+                <a:solidFill>
+                  <a:srgbClr val="000000"/>
+                </a:solidFill>
+                <a:latin typeface="Consolas" panose="020B0609020204030204" pitchFamily="49" charset="0"/>
+              </a:rPr>
+              <a:t>(</a:t>
+            </a:r>
+            <a:r>
+              <a:rPr lang="da-DK" dirty="0">
+                <a:solidFill>
+                  <a:srgbClr val="2B91AF"/>
+                </a:solidFill>
+                <a:latin typeface="Consolas" panose="020B0609020204030204" pitchFamily="49" charset="0"/>
+              </a:rPr>
+              <a:t>T</a:t>
+            </a:r>
+            <a:r>
+              <a:rPr lang="da-DK" dirty="0">
+                <a:solidFill>
+                  <a:srgbClr val="000000"/>
+                </a:solidFill>
+                <a:latin typeface="Consolas" panose="020B0609020204030204" pitchFamily="49" charset="0"/>
+              </a:rPr>
+              <a:t> service);</a:t>
+            </a:r>
+          </a:p>
+          <a:p>
+            <a:r>
+              <a:rPr lang="da-DK" dirty="0">
+                <a:solidFill>
+                  <a:srgbClr val="000000"/>
+                </a:solidFill>
+                <a:latin typeface="Consolas" panose="020B0609020204030204" pitchFamily="49" charset="0"/>
+              </a:rPr>
+              <a:t>}</a:t>
+            </a:r>
+          </a:p>
+        </p:txBody>
+      </p:sp>
+    </p:spTree>
+    <p:extLst>
+      <p:ext uri="{BB962C8B-B14F-4D97-AF65-F5344CB8AC3E}">
+        <p14:creationId xmlns:p14="http://schemas.microsoft.com/office/powerpoint/2010/main" val="3839271333"/>
+      </p:ext>
+    </p:extLst>
+  </p:cSld>
+  <p:clrMapOvr>
+    <a:masterClrMapping/>
+  </p:clrMapOvr>
+  <p:transition>
+    <p:fade/>
+  </p:transition>
+</p:sld>
+</file>
+
+<file path=ppt/slides/slide9.xml><?xml version="1.0" encoding="utf-8"?>
+<p:sld xmlns:a="http://schemas.openxmlformats.org/drawingml/2006/main" xmlns:r="http://schemas.openxmlformats.org/officeDocument/2006/relationships" xmlns:p="http://schemas.openxmlformats.org/presentationml/2006/main">
+  <p:cSld>
+    <p:spTree>
+      <p:nvGrpSpPr>
+        <p:cNvPr id="1" name=""/>
+        <p:cNvGrpSpPr/>
+        <p:nvPr/>
+      </p:nvGrpSpPr>
+      <p:grpSpPr>
+        <a:xfrm>
+          <a:off x="0" y="0"/>
+          <a:ext cx="0" cy="0"/>
+          <a:chOff x="0" y="0"/>
+          <a:chExt cx="0" cy="0"/>
+        </a:xfrm>
+      </p:grpSpPr>
+      <p:sp>
+        <p:nvSpPr>
+          <p:cNvPr id="2" name="Title 1"/>
+          <p:cNvSpPr>
+            <a:spLocks noGrp="1"/>
+          </p:cNvSpPr>
+          <p:nvPr>
+            <p:ph type="title"/>
+          </p:nvPr>
+        </p:nvSpPr>
+        <p:spPr/>
+        <p:txBody>
+          <a:bodyPr/>
+          <a:lstStyle/>
+          <a:p>
+            <a:r>
+              <a:rPr lang="da-DK" dirty="0"/>
+              <a:t>Interface </a:t>
+            </a:r>
+            <a:r>
+              <a:rPr lang="da-DK" dirty="0" err="1"/>
+              <a:t>Injection</a:t>
+            </a:r>
+            <a:r>
+              <a:rPr lang="da-DK" dirty="0"/>
+              <a:t> II</a:t>
+            </a:r>
+          </a:p>
+        </p:txBody>
+      </p:sp>
+      <p:sp>
+        <p:nvSpPr>
+          <p:cNvPr id="3" name="Rectangle 2"/>
+          <p:cNvSpPr/>
+          <p:nvPr/>
+        </p:nvSpPr>
+        <p:spPr>
+          <a:xfrm>
+            <a:off x="182770" y="1394165"/>
+            <a:ext cx="8778144" cy="5355312"/>
+          </a:xfrm>
+          <a:prstGeom prst="rect">
+            <a:avLst/>
+          </a:prstGeom>
+        </p:spPr>
+        <p:txBody>
+          <a:bodyPr wrap="square">
+            <a:spAutoFit/>
+          </a:bodyPr>
+          <a:lstStyle/>
+          <a:p>
+            <a:r>
+              <a:rPr lang="en-US" dirty="0">
+                <a:solidFill>
+                  <a:srgbClr val="0000FF"/>
+                </a:solidFill>
+                <a:latin typeface="Consolas" panose="020B0609020204030204" pitchFamily="49" charset="0"/>
+              </a:rPr>
+              <a:t>public</a:t>
+            </a:r>
+            <a:r>
+              <a:rPr lang="en-US" dirty="0">
+                <a:solidFill>
+                  <a:srgbClr val="000000"/>
+                </a:solidFill>
+                <a:latin typeface="Consolas" panose="020B0609020204030204" pitchFamily="49" charset="0"/>
+              </a:rPr>
+              <a:t> </a:t>
+            </a:r>
+            <a:r>
+              <a:rPr lang="en-US" dirty="0">
+                <a:solidFill>
+                  <a:srgbClr val="0000FF"/>
+                </a:solidFill>
+                <a:latin typeface="Consolas" panose="020B0609020204030204" pitchFamily="49" charset="0"/>
+              </a:rPr>
+              <a:t>class</a:t>
+            </a:r>
+            <a:r>
+              <a:rPr lang="en-US" dirty="0">
+                <a:solidFill>
+                  <a:srgbClr val="000000"/>
+                </a:solidFill>
+                <a:latin typeface="Consolas" panose="020B0609020204030204" pitchFamily="49" charset="0"/>
+              </a:rPr>
+              <a:t> </a:t>
+            </a:r>
+            <a:r>
+              <a:rPr lang="en-US" dirty="0">
+                <a:solidFill>
+                  <a:srgbClr val="2B91AF"/>
+                </a:solidFill>
+                <a:latin typeface="Consolas" panose="020B0609020204030204" pitchFamily="49" charset="0"/>
+              </a:rPr>
+              <a:t>Worker</a:t>
+            </a:r>
+            <a:r>
+              <a:rPr lang="en-US" dirty="0">
+                <a:solidFill>
+                  <a:srgbClr val="000000"/>
+                </a:solidFill>
+                <a:latin typeface="Consolas" panose="020B0609020204030204" pitchFamily="49" charset="0"/>
+              </a:rPr>
+              <a:t> : </a:t>
+            </a:r>
+            <a:r>
+              <a:rPr lang="en-US" dirty="0" err="1">
+                <a:solidFill>
+                  <a:srgbClr val="2B91AF"/>
+                </a:solidFill>
+                <a:latin typeface="Consolas" panose="020B0609020204030204" pitchFamily="49" charset="0"/>
+              </a:rPr>
+              <a:t>IServiceSetter</a:t>
+            </a:r>
+            <a:r>
+              <a:rPr lang="en-US" dirty="0">
+                <a:solidFill>
+                  <a:srgbClr val="000000"/>
+                </a:solidFill>
+                <a:latin typeface="Consolas" panose="020B0609020204030204" pitchFamily="49" charset="0"/>
+              </a:rPr>
+              <a:t>&lt;</a:t>
+            </a:r>
+            <a:r>
+              <a:rPr lang="en-US" dirty="0" err="1">
+                <a:solidFill>
+                  <a:srgbClr val="2B91AF"/>
+                </a:solidFill>
+                <a:latin typeface="Consolas" panose="020B0609020204030204" pitchFamily="49" charset="0"/>
+              </a:rPr>
+              <a:t>IFooService</a:t>
+            </a:r>
+            <a:r>
+              <a:rPr lang="en-US" dirty="0">
+                <a:solidFill>
+                  <a:srgbClr val="000000"/>
+                </a:solidFill>
+                <a:latin typeface="Consolas" panose="020B0609020204030204" pitchFamily="49" charset="0"/>
+              </a:rPr>
+              <a:t>&gt;, </a:t>
+            </a:r>
+            <a:r>
+              <a:rPr lang="en-US" dirty="0" err="1">
+                <a:solidFill>
+                  <a:srgbClr val="2B91AF"/>
+                </a:solidFill>
+                <a:latin typeface="Consolas" panose="020B0609020204030204" pitchFamily="49" charset="0"/>
+              </a:rPr>
+              <a:t>IDisposable</a:t>
+            </a:r>
+            <a:endParaRPr lang="en-US" dirty="0">
+              <a:solidFill>
+                <a:srgbClr val="000000"/>
+              </a:solidFill>
+              <a:latin typeface="Consolas" panose="020B0609020204030204" pitchFamily="49" charset="0"/>
+            </a:endParaRPr>
+          </a:p>
+          <a:p>
+            <a:r>
+              <a:rPr lang="da-DK" dirty="0">
+                <a:solidFill>
+                  <a:srgbClr val="000000"/>
+                </a:solidFill>
+                <a:latin typeface="Consolas" panose="020B0609020204030204" pitchFamily="49" charset="0"/>
+              </a:rPr>
+              <a:t>{</a:t>
+            </a:r>
+          </a:p>
+          <a:p>
+            <a:r>
+              <a:rPr lang="da-DK" dirty="0">
+                <a:solidFill>
+                  <a:srgbClr val="000000"/>
+                </a:solidFill>
+                <a:latin typeface="Consolas" panose="020B0609020204030204" pitchFamily="49" charset="0"/>
+              </a:rPr>
+              <a:t>    </a:t>
+            </a:r>
+            <a:r>
+              <a:rPr lang="da-DK" dirty="0">
+                <a:solidFill>
+                  <a:srgbClr val="0000FF"/>
+                </a:solidFill>
+                <a:latin typeface="Consolas" panose="020B0609020204030204" pitchFamily="49" charset="0"/>
+              </a:rPr>
+              <a:t>private</a:t>
+            </a:r>
+            <a:r>
+              <a:rPr lang="da-DK" dirty="0">
+                <a:solidFill>
+                  <a:srgbClr val="000000"/>
+                </a:solidFill>
+                <a:latin typeface="Consolas" panose="020B0609020204030204" pitchFamily="49" charset="0"/>
+              </a:rPr>
+              <a:t> </a:t>
+            </a:r>
+            <a:r>
+              <a:rPr lang="da-DK" dirty="0" err="1">
+                <a:solidFill>
+                  <a:srgbClr val="2B91AF"/>
+                </a:solidFill>
+                <a:latin typeface="Consolas" panose="020B0609020204030204" pitchFamily="49" charset="0"/>
+              </a:rPr>
+              <a:t>IFooService</a:t>
+            </a:r>
+            <a:r>
+              <a:rPr lang="da-DK" dirty="0">
+                <a:solidFill>
+                  <a:srgbClr val="000000"/>
+                </a:solidFill>
+                <a:latin typeface="Consolas" panose="020B0609020204030204" pitchFamily="49" charset="0"/>
+              </a:rPr>
+              <a:t> _service;</a:t>
+            </a:r>
+          </a:p>
+          <a:p>
+            <a:endParaRPr lang="da-DK" dirty="0">
+              <a:solidFill>
+                <a:srgbClr val="000000"/>
+              </a:solidFill>
+              <a:latin typeface="Consolas" panose="020B0609020204030204" pitchFamily="49" charset="0"/>
+            </a:endParaRPr>
+          </a:p>
+          <a:p>
+            <a:r>
+              <a:rPr lang="da-DK" dirty="0">
+                <a:solidFill>
+                  <a:srgbClr val="000000"/>
+                </a:solidFill>
+                <a:latin typeface="Consolas" panose="020B0609020204030204" pitchFamily="49" charset="0"/>
+              </a:rPr>
+              <a:t>    </a:t>
+            </a:r>
+            <a:r>
+              <a:rPr lang="da-DK" dirty="0">
+                <a:solidFill>
+                  <a:srgbClr val="0000FF"/>
+                </a:solidFill>
+                <a:latin typeface="Consolas" panose="020B0609020204030204" pitchFamily="49" charset="0"/>
+              </a:rPr>
+              <a:t>public</a:t>
+            </a:r>
+            <a:r>
+              <a:rPr lang="da-DK" dirty="0">
+                <a:solidFill>
+                  <a:srgbClr val="000000"/>
+                </a:solidFill>
+                <a:latin typeface="Consolas" panose="020B0609020204030204" pitchFamily="49" charset="0"/>
+              </a:rPr>
+              <a:t> </a:t>
+            </a:r>
+            <a:r>
+              <a:rPr lang="da-DK" dirty="0" err="1">
+                <a:solidFill>
+                  <a:srgbClr val="0000FF"/>
+                </a:solidFill>
+                <a:latin typeface="Consolas" panose="020B0609020204030204" pitchFamily="49" charset="0"/>
+              </a:rPr>
+              <a:t>void</a:t>
+            </a:r>
+            <a:r>
+              <a:rPr lang="da-DK" dirty="0">
+                <a:solidFill>
+                  <a:srgbClr val="000000"/>
+                </a:solidFill>
+                <a:latin typeface="Consolas" panose="020B0609020204030204" pitchFamily="49" charset="0"/>
+              </a:rPr>
+              <a:t> </a:t>
+            </a:r>
+            <a:r>
+              <a:rPr lang="da-DK" dirty="0" err="1">
+                <a:solidFill>
+                  <a:srgbClr val="000000"/>
+                </a:solidFill>
+                <a:latin typeface="Consolas" panose="020B0609020204030204" pitchFamily="49" charset="0"/>
+              </a:rPr>
+              <a:t>SetService</a:t>
+            </a:r>
+            <a:r>
+              <a:rPr lang="da-DK" dirty="0">
+                <a:solidFill>
+                  <a:srgbClr val="000000"/>
+                </a:solidFill>
+                <a:latin typeface="Consolas" panose="020B0609020204030204" pitchFamily="49" charset="0"/>
+              </a:rPr>
+              <a:t>(</a:t>
+            </a:r>
+            <a:r>
+              <a:rPr lang="da-DK" dirty="0" err="1">
+                <a:solidFill>
+                  <a:srgbClr val="2B91AF"/>
+                </a:solidFill>
+                <a:latin typeface="Consolas" panose="020B0609020204030204" pitchFamily="49" charset="0"/>
+              </a:rPr>
+              <a:t>IFooService</a:t>
+            </a:r>
+            <a:r>
+              <a:rPr lang="da-DK" dirty="0">
+                <a:solidFill>
+                  <a:srgbClr val="000000"/>
+                </a:solidFill>
+                <a:latin typeface="Consolas" panose="020B0609020204030204" pitchFamily="49" charset="0"/>
+              </a:rPr>
+              <a:t> service)</a:t>
+            </a:r>
+          </a:p>
+          <a:p>
+            <a:r>
+              <a:rPr lang="da-DK" dirty="0">
+                <a:solidFill>
+                  <a:srgbClr val="000000"/>
+                </a:solidFill>
+                <a:latin typeface="Consolas" panose="020B0609020204030204" pitchFamily="49" charset="0"/>
+              </a:rPr>
+              <a:t>    {</a:t>
+            </a:r>
+          </a:p>
+          <a:p>
+            <a:r>
+              <a:rPr lang="da-DK" dirty="0">
+                <a:solidFill>
+                  <a:srgbClr val="000000"/>
+                </a:solidFill>
+                <a:latin typeface="Consolas" panose="020B0609020204030204" pitchFamily="49" charset="0"/>
+              </a:rPr>
+              <a:t>        _service = service;</a:t>
+            </a:r>
+          </a:p>
+          <a:p>
+            <a:r>
+              <a:rPr lang="da-DK" dirty="0">
+                <a:solidFill>
+                  <a:srgbClr val="000000"/>
+                </a:solidFill>
+                <a:latin typeface="Consolas" panose="020B0609020204030204" pitchFamily="49" charset="0"/>
+              </a:rPr>
+              <a:t>    }</a:t>
+            </a:r>
+          </a:p>
+          <a:p>
+            <a:endParaRPr lang="da-DK" dirty="0">
+              <a:solidFill>
+                <a:srgbClr val="000000"/>
+              </a:solidFill>
+              <a:latin typeface="Consolas" panose="020B0609020204030204" pitchFamily="49" charset="0"/>
+            </a:endParaRPr>
+          </a:p>
+          <a:p>
+            <a:r>
+              <a:rPr lang="en-US" dirty="0">
+                <a:solidFill>
+                  <a:srgbClr val="000000"/>
+                </a:solidFill>
+                <a:latin typeface="Consolas" panose="020B0609020204030204" pitchFamily="49" charset="0"/>
+              </a:rPr>
+              <a:t>    </a:t>
+            </a:r>
+            <a:r>
+              <a:rPr lang="en-US" dirty="0">
+                <a:solidFill>
+                  <a:srgbClr val="0000FF"/>
+                </a:solidFill>
+                <a:latin typeface="Consolas" panose="020B0609020204030204" pitchFamily="49" charset="0"/>
+              </a:rPr>
+              <a:t>public</a:t>
+            </a:r>
+            <a:r>
+              <a:rPr lang="en-US" dirty="0">
+                <a:solidFill>
+                  <a:srgbClr val="000000"/>
+                </a:solidFill>
+                <a:latin typeface="Consolas" panose="020B0609020204030204" pitchFamily="49" charset="0"/>
+              </a:rPr>
+              <a:t> </a:t>
+            </a:r>
+            <a:r>
+              <a:rPr lang="en-US" dirty="0">
+                <a:solidFill>
+                  <a:srgbClr val="0000FF"/>
+                </a:solidFill>
+                <a:latin typeface="Consolas" panose="020B0609020204030204" pitchFamily="49" charset="0"/>
+              </a:rPr>
+              <a:t>void</a:t>
+            </a:r>
+            <a:r>
+              <a:rPr lang="en-US" dirty="0">
+                <a:solidFill>
+                  <a:srgbClr val="000000"/>
+                </a:solidFill>
+                <a:latin typeface="Consolas" panose="020B0609020204030204" pitchFamily="49" charset="0"/>
+              </a:rPr>
+              <a:t> </a:t>
+            </a:r>
+            <a:r>
+              <a:rPr lang="en-US" dirty="0" err="1">
+                <a:solidFill>
+                  <a:srgbClr val="000000"/>
+                </a:solidFill>
+                <a:latin typeface="Consolas" panose="020B0609020204030204" pitchFamily="49" charset="0"/>
+              </a:rPr>
+              <a:t>DoWork</a:t>
+            </a:r>
+            <a:r>
+              <a:rPr lang="en-US" dirty="0">
+                <a:solidFill>
+                  <a:srgbClr val="000000"/>
+                </a:solidFill>
+                <a:latin typeface="Consolas" panose="020B0609020204030204" pitchFamily="49" charset="0"/>
+              </a:rPr>
+              <a:t>(</a:t>
+            </a:r>
+            <a:r>
+              <a:rPr lang="en-US" dirty="0" err="1">
+                <a:solidFill>
+                  <a:srgbClr val="2B91AF"/>
+                </a:solidFill>
+                <a:latin typeface="Consolas" panose="020B0609020204030204" pitchFamily="49" charset="0"/>
+              </a:rPr>
+              <a:t>FooDto</a:t>
+            </a:r>
+            <a:r>
+              <a:rPr lang="en-US" dirty="0">
+                <a:solidFill>
+                  <a:srgbClr val="000000"/>
+                </a:solidFill>
+                <a:latin typeface="Consolas" panose="020B0609020204030204" pitchFamily="49" charset="0"/>
+              </a:rPr>
+              <a:t> </a:t>
+            </a:r>
+            <a:r>
+              <a:rPr lang="en-US" dirty="0" err="1">
+                <a:solidFill>
+                  <a:srgbClr val="000000"/>
+                </a:solidFill>
+                <a:latin typeface="Consolas" panose="020B0609020204030204" pitchFamily="49" charset="0"/>
+              </a:rPr>
+              <a:t>fooDto</a:t>
+            </a:r>
+            <a:r>
+              <a:rPr lang="en-US" dirty="0">
+                <a:solidFill>
+                  <a:srgbClr val="000000"/>
+                </a:solidFill>
+                <a:latin typeface="Consolas" panose="020B0609020204030204" pitchFamily="49" charset="0"/>
+              </a:rPr>
+              <a:t>)</a:t>
+            </a:r>
+          </a:p>
+          <a:p>
+            <a:r>
+              <a:rPr lang="da-DK" dirty="0">
+                <a:solidFill>
+                  <a:srgbClr val="000000"/>
+                </a:solidFill>
+                <a:latin typeface="Consolas" panose="020B0609020204030204" pitchFamily="49" charset="0"/>
+              </a:rPr>
+              <a:t>    {</a:t>
+            </a:r>
+          </a:p>
+          <a:p>
+            <a:r>
+              <a:rPr lang="da-DK" dirty="0">
+                <a:solidFill>
+                  <a:srgbClr val="000000"/>
+                </a:solidFill>
+                <a:latin typeface="Consolas" panose="020B0609020204030204" pitchFamily="49" charset="0"/>
+              </a:rPr>
+              <a:t>        </a:t>
+            </a:r>
+            <a:r>
+              <a:rPr lang="da-DK" dirty="0">
+                <a:solidFill>
+                  <a:srgbClr val="008000"/>
+                </a:solidFill>
+                <a:latin typeface="Consolas" panose="020B0609020204030204" pitchFamily="49" charset="0"/>
+              </a:rPr>
+              <a:t>// </a:t>
+            </a:r>
+            <a:r>
+              <a:rPr lang="da-DK" dirty="0" err="1">
+                <a:solidFill>
+                  <a:srgbClr val="008000"/>
+                </a:solidFill>
+                <a:latin typeface="Consolas" panose="020B0609020204030204" pitchFamily="49" charset="0"/>
+              </a:rPr>
+              <a:t>Implementation</a:t>
+            </a:r>
+            <a:endParaRPr lang="da-DK" dirty="0">
+              <a:solidFill>
+                <a:srgbClr val="000000"/>
+              </a:solidFill>
+              <a:latin typeface="Consolas" panose="020B0609020204030204" pitchFamily="49" charset="0"/>
+            </a:endParaRPr>
+          </a:p>
+          <a:p>
+            <a:r>
+              <a:rPr lang="da-DK" dirty="0">
+                <a:solidFill>
+                  <a:srgbClr val="000000"/>
+                </a:solidFill>
+                <a:latin typeface="Consolas" panose="020B0609020204030204" pitchFamily="49" charset="0"/>
+              </a:rPr>
+              <a:t>    }</a:t>
+            </a:r>
+          </a:p>
+          <a:p>
+            <a:endParaRPr lang="da-DK" dirty="0">
+              <a:solidFill>
+                <a:srgbClr val="000000"/>
+              </a:solidFill>
+              <a:latin typeface="Consolas" panose="020B0609020204030204" pitchFamily="49" charset="0"/>
+            </a:endParaRPr>
+          </a:p>
+          <a:p>
+            <a:r>
+              <a:rPr lang="da-DK" dirty="0">
+                <a:solidFill>
+                  <a:srgbClr val="000000"/>
+                </a:solidFill>
+                <a:latin typeface="Consolas" panose="020B0609020204030204" pitchFamily="49" charset="0"/>
+              </a:rPr>
+              <a:t>    </a:t>
+            </a:r>
+            <a:r>
+              <a:rPr lang="da-DK" dirty="0">
+                <a:solidFill>
+                  <a:srgbClr val="0000FF"/>
+                </a:solidFill>
+                <a:latin typeface="Consolas" panose="020B0609020204030204" pitchFamily="49" charset="0"/>
+              </a:rPr>
+              <a:t>public</a:t>
+            </a:r>
+            <a:r>
+              <a:rPr lang="da-DK" dirty="0">
+                <a:solidFill>
+                  <a:srgbClr val="000000"/>
+                </a:solidFill>
+                <a:latin typeface="Consolas" panose="020B0609020204030204" pitchFamily="49" charset="0"/>
+              </a:rPr>
+              <a:t> </a:t>
+            </a:r>
+            <a:r>
+              <a:rPr lang="da-DK" dirty="0" err="1">
+                <a:solidFill>
+                  <a:srgbClr val="0000FF"/>
+                </a:solidFill>
+                <a:latin typeface="Consolas" panose="020B0609020204030204" pitchFamily="49" charset="0"/>
+              </a:rPr>
+              <a:t>void</a:t>
+            </a:r>
+            <a:r>
+              <a:rPr lang="da-DK" dirty="0">
+                <a:solidFill>
+                  <a:srgbClr val="000000"/>
+                </a:solidFill>
+                <a:latin typeface="Consolas" panose="020B0609020204030204" pitchFamily="49" charset="0"/>
+              </a:rPr>
+              <a:t> Dispose()</a:t>
+            </a:r>
+          </a:p>
+          <a:p>
+            <a:r>
+              <a:rPr lang="da-DK" dirty="0">
+                <a:solidFill>
+                  <a:srgbClr val="000000"/>
+                </a:solidFill>
+                <a:latin typeface="Consolas" panose="020B0609020204030204" pitchFamily="49" charset="0"/>
+              </a:rPr>
+              <a:t>    {</a:t>
+            </a:r>
+          </a:p>
+          <a:p>
+            <a:r>
+              <a:rPr lang="da-DK" dirty="0">
+                <a:solidFill>
+                  <a:srgbClr val="000000"/>
+                </a:solidFill>
+                <a:latin typeface="Consolas" panose="020B0609020204030204" pitchFamily="49" charset="0"/>
+              </a:rPr>
+              <a:t>        _</a:t>
+            </a:r>
+            <a:r>
+              <a:rPr lang="da-DK" dirty="0" err="1">
+                <a:solidFill>
+                  <a:srgbClr val="000000"/>
+                </a:solidFill>
+                <a:latin typeface="Consolas" panose="020B0609020204030204" pitchFamily="49" charset="0"/>
+              </a:rPr>
+              <a:t>service?.Dispose</a:t>
+            </a:r>
+            <a:r>
+              <a:rPr lang="da-DK" dirty="0">
+                <a:solidFill>
+                  <a:srgbClr val="000000"/>
+                </a:solidFill>
+                <a:latin typeface="Consolas" panose="020B0609020204030204" pitchFamily="49" charset="0"/>
+              </a:rPr>
+              <a:t>();</a:t>
+            </a:r>
+          </a:p>
+          <a:p>
+            <a:r>
+              <a:rPr lang="da-DK" dirty="0">
+                <a:solidFill>
+                  <a:srgbClr val="000000"/>
+                </a:solidFill>
+                <a:latin typeface="Consolas" panose="020B0609020204030204" pitchFamily="49" charset="0"/>
+              </a:rPr>
+              <a:t>    }</a:t>
+            </a:r>
+          </a:p>
+          <a:p>
+            <a:r>
+              <a:rPr lang="da-DK" dirty="0">
+                <a:solidFill>
+                  <a:srgbClr val="000000"/>
+                </a:solidFill>
+                <a:latin typeface="Consolas" panose="020B0609020204030204" pitchFamily="49" charset="0"/>
+              </a:rPr>
+              <a:t>}</a:t>
+            </a:r>
+            <a:endParaRPr lang="da-DK" dirty="0"/>
+          </a:p>
+        </p:txBody>
+      </p:sp>
+      <p:sp>
+        <p:nvSpPr>
+          <p:cNvPr id="4" name="Speech Bubble: Rectangle 3"/>
+          <p:cNvSpPr/>
+          <p:nvPr/>
+        </p:nvSpPr>
+        <p:spPr bwMode="auto">
+          <a:xfrm>
+            <a:off x="6309183" y="295275"/>
+            <a:ext cx="2925620" cy="636870"/>
+          </a:xfrm>
+          <a:prstGeom prst="wedgeRectCallout">
+            <a:avLst>
+              <a:gd name="adj1" fmla="val -99187"/>
+              <a:gd name="adj2" fmla="val 131235"/>
+            </a:avLst>
+          </a:prstGeom>
+          <a:solidFill>
+            <a:srgbClr val="68217A"/>
+          </a:solidFill>
+          <a:ln>
+            <a:noFill/>
+            <a:headEnd type="none" w="med" len="med"/>
+            <a:tailEnd type="none" w="med" len="med"/>
+          </a:ln>
+          <a:effectLst/>
+        </p:spPr>
+        <p:style>
+          <a:lnRef idx="1">
+            <a:schemeClr val="accent2"/>
+          </a:lnRef>
+          <a:fillRef idx="3">
+            <a:schemeClr val="accent2"/>
+          </a:fillRef>
+          <a:effectRef idx="2">
+            <a:schemeClr val="accent2"/>
+          </a:effectRef>
+          <a:fontRef idx="minor">
+            <a:schemeClr val="lt1"/>
+          </a:fontRef>
+        </p:style>
+        <p:txBody>
+          <a:bodyPr rot="0" spcFirstLastPara="0" vertOverflow="overflow" horzOverflow="overflow" vert="horz" wrap="square" lIns="182880" tIns="146304" rIns="182880" bIns="146304" numCol="1" spcCol="0" rtlCol="0" fromWordArt="0" anchor="t" anchorCtr="0" forceAA="0" compatLnSpc="1">
+            <a:prstTxWarp prst="textNoShape">
+              <a:avLst/>
+            </a:prstTxWarp>
+            <a:noAutofit/>
+          </a:bodyPr>
+          <a:lstStyle/>
+          <a:p>
+            <a:pPr algn="ctr" defTabSz="932472" fontAlgn="base">
+              <a:lnSpc>
+                <a:spcPct val="90000"/>
+              </a:lnSpc>
+              <a:spcBef>
+                <a:spcPct val="0"/>
+              </a:spcBef>
+              <a:spcAft>
+                <a:spcPct val="0"/>
+              </a:spcAft>
+            </a:pPr>
+            <a:r>
+              <a:rPr lang="da-DK" sz="2400" dirty="0">
+                <a:gradFill>
+                  <a:gsLst>
+                    <a:gs pos="0">
+                      <a:srgbClr val="FFFFFF"/>
+                    </a:gs>
+                    <a:gs pos="100000">
+                      <a:srgbClr val="FFFFFF"/>
+                    </a:gs>
+                  </a:gsLst>
+                  <a:lin ang="5400000" scaled="0"/>
+                </a:gradFill>
+                <a:ea typeface="Segoe UI" pitchFamily="34" charset="0"/>
+                <a:cs typeface="Segoe UI" pitchFamily="34" charset="0"/>
+              </a:rPr>
+              <a:t>Interface</a:t>
+            </a:r>
+          </a:p>
+        </p:txBody>
+      </p:sp>
+      <p:sp>
+        <p:nvSpPr>
+          <p:cNvPr id="5" name="Speech Bubble: Rectangle 4"/>
+          <p:cNvSpPr/>
+          <p:nvPr/>
+        </p:nvSpPr>
+        <p:spPr bwMode="auto">
+          <a:xfrm>
+            <a:off x="5669110" y="4107404"/>
+            <a:ext cx="2925620" cy="914390"/>
+          </a:xfrm>
+          <a:prstGeom prst="wedgeRectCallout">
+            <a:avLst>
+              <a:gd name="adj1" fmla="val -104544"/>
+              <a:gd name="adj2" fmla="val -178930"/>
+            </a:avLst>
+          </a:prstGeom>
+          <a:solidFill>
+            <a:srgbClr val="68217A"/>
+          </a:solidFill>
+          <a:ln>
+            <a:noFill/>
+            <a:headEnd type="none" w="med" len="med"/>
+            <a:tailEnd type="none" w="med" len="med"/>
+          </a:ln>
+          <a:effectLst/>
+        </p:spPr>
+        <p:style>
+          <a:lnRef idx="1">
+            <a:schemeClr val="accent2"/>
+          </a:lnRef>
+          <a:fillRef idx="3">
+            <a:schemeClr val="accent2"/>
+          </a:fillRef>
+          <a:effectRef idx="2">
+            <a:schemeClr val="accent2"/>
+          </a:effectRef>
+          <a:fontRef idx="minor">
+            <a:schemeClr val="lt1"/>
+          </a:fontRef>
+        </p:style>
+        <p:txBody>
+          <a:bodyPr rot="0" spcFirstLastPara="0" vertOverflow="overflow" horzOverflow="overflow" vert="horz" wrap="square" lIns="182880" tIns="146304" rIns="182880" bIns="146304" numCol="1" spcCol="0" rtlCol="0" fromWordArt="0" anchor="t" anchorCtr="0" forceAA="0" compatLnSpc="1">
+            <a:prstTxWarp prst="textNoShape">
+              <a:avLst/>
+            </a:prstTxWarp>
+            <a:noAutofit/>
+          </a:bodyPr>
+          <a:lstStyle/>
+          <a:p>
+            <a:pPr algn="ctr" defTabSz="932472" fontAlgn="base">
+              <a:lnSpc>
+                <a:spcPct val="90000"/>
+              </a:lnSpc>
+              <a:spcBef>
+                <a:spcPct val="0"/>
+              </a:spcBef>
+              <a:spcAft>
+                <a:spcPct val="0"/>
+              </a:spcAft>
+            </a:pPr>
+            <a:r>
+              <a:rPr lang="da-DK" sz="2400" dirty="0" err="1">
+                <a:gradFill>
+                  <a:gsLst>
+                    <a:gs pos="0">
+                      <a:srgbClr val="FFFFFF"/>
+                    </a:gs>
+                    <a:gs pos="100000">
+                      <a:srgbClr val="FFFFFF"/>
+                    </a:gs>
+                  </a:gsLst>
+                  <a:lin ang="5400000" scaled="0"/>
+                </a:gradFill>
+                <a:ea typeface="Segoe UI" pitchFamily="34" charset="0"/>
+                <a:cs typeface="Segoe UI" pitchFamily="34" charset="0"/>
+              </a:rPr>
+              <a:t>Implement</a:t>
+            </a:r>
+            <a:r>
+              <a:rPr lang="da-DK" sz="2400" dirty="0">
+                <a:gradFill>
+                  <a:gsLst>
+                    <a:gs pos="0">
+                      <a:srgbClr val="FFFFFF"/>
+                    </a:gs>
+                    <a:gs pos="100000">
+                      <a:srgbClr val="FFFFFF"/>
+                    </a:gs>
+                  </a:gsLst>
+                  <a:lin ang="5400000" scaled="0"/>
+                </a:gradFill>
+                <a:ea typeface="Segoe UI" pitchFamily="34" charset="0"/>
+                <a:cs typeface="Segoe UI" pitchFamily="34" charset="0"/>
+              </a:rPr>
+              <a:t> interface</a:t>
+            </a:r>
+          </a:p>
+        </p:txBody>
+      </p:sp>
+    </p:spTree>
+    <p:extLst>
+      <p:ext uri="{BB962C8B-B14F-4D97-AF65-F5344CB8AC3E}">
+        <p14:creationId xmlns:p14="http://schemas.microsoft.com/office/powerpoint/2010/main" val="735320054"/>
       </p:ext>
     </p:extLst>
   </p:cSld>

--- a/Slides/Lecture05.pptx
+++ b/Slides/Lecture05.pptx
@@ -5,10 +5,10 @@
     <p:sldMasterId id="2147484082" r:id="rId4"/>
   </p:sldMasterIdLst>
   <p:notesMasterIdLst>
-    <p:notesMasterId r:id="rId27"/>
+    <p:notesMasterId r:id="rId32"/>
   </p:notesMasterIdLst>
   <p:handoutMasterIdLst>
-    <p:handoutMasterId r:id="rId28"/>
+    <p:handoutMasterId r:id="rId33"/>
   </p:handoutMasterIdLst>
   <p:sldIdLst>
     <p:sldId id="880" r:id="rId5"/>
@@ -25,14 +25,19 @@
     <p:sldId id="897" r:id="rId16"/>
     <p:sldId id="896" r:id="rId17"/>
     <p:sldId id="898" r:id="rId18"/>
-    <p:sldId id="886" r:id="rId19"/>
-    <p:sldId id="887" r:id="rId20"/>
-    <p:sldId id="888" r:id="rId21"/>
-    <p:sldId id="889" r:id="rId22"/>
-    <p:sldId id="890" r:id="rId23"/>
-    <p:sldId id="899" r:id="rId24"/>
-    <p:sldId id="900" r:id="rId25"/>
-    <p:sldId id="901" r:id="rId26"/>
+    <p:sldId id="906" r:id="rId19"/>
+    <p:sldId id="886" r:id="rId20"/>
+    <p:sldId id="887" r:id="rId21"/>
+    <p:sldId id="888" r:id="rId22"/>
+    <p:sldId id="889" r:id="rId23"/>
+    <p:sldId id="890" r:id="rId24"/>
+    <p:sldId id="899" r:id="rId25"/>
+    <p:sldId id="900" r:id="rId26"/>
+    <p:sldId id="902" r:id="rId27"/>
+    <p:sldId id="901" r:id="rId28"/>
+    <p:sldId id="903" r:id="rId29"/>
+    <p:sldId id="904" r:id="rId30"/>
+    <p:sldId id="905" r:id="rId31"/>
   </p:sldIdLst>
   <p:sldSz cx="9326563" cy="6994525"/>
   <p:notesSz cx="6858000" cy="9144000"/>
@@ -150,6 +155,7 @@
             <p14:sldId id="897"/>
             <p14:sldId id="896"/>
             <p14:sldId id="898"/>
+            <p14:sldId id="906"/>
             <p14:sldId id="886"/>
             <p14:sldId id="887"/>
             <p14:sldId id="888"/>
@@ -157,7 +163,11 @@
             <p14:sldId id="890"/>
             <p14:sldId id="899"/>
             <p14:sldId id="900"/>
+            <p14:sldId id="902"/>
             <p14:sldId id="901"/>
+            <p14:sldId id="903"/>
+            <p14:sldId id="904"/>
+            <p14:sldId id="905"/>
           </p14:sldIdLst>
         </p14:section>
       </p14:sectionLst>
@@ -7332,6 +7342,114 @@
 <file path=ppt/slides/slide15.xml><?xml version="1.0" encoding="utf-8"?>
 <p:sld xmlns:a="http://schemas.openxmlformats.org/drawingml/2006/main" xmlns:r="http://schemas.openxmlformats.org/officeDocument/2006/relationships" xmlns:p="http://schemas.openxmlformats.org/presentationml/2006/main">
   <p:cSld>
+    <p:spTree>
+      <p:nvGrpSpPr>
+        <p:cNvPr id="1" name=""/>
+        <p:cNvGrpSpPr/>
+        <p:nvPr/>
+      </p:nvGrpSpPr>
+      <p:grpSpPr>
+        <a:xfrm>
+          <a:off x="0" y="0"/>
+          <a:ext cx="0" cy="0"/>
+          <a:chOff x="0" y="0"/>
+          <a:chExt cx="0" cy="0"/>
+        </a:xfrm>
+      </p:grpSpPr>
+      <p:sp>
+        <p:nvSpPr>
+          <p:cNvPr id="4" name="Title 3"/>
+          <p:cNvSpPr txBox="1">
+            <a:spLocks/>
+          </p:cNvSpPr>
+          <p:nvPr/>
+        </p:nvSpPr>
+        <p:spPr>
+          <a:xfrm>
+            <a:off x="274209" y="2125663"/>
+            <a:ext cx="8778240" cy="1831975"/>
+          </a:xfrm>
+          <a:prstGeom prst="rect">
+            <a:avLst/>
+          </a:prstGeom>
+        </p:spPr>
+        <p:txBody>
+          <a:bodyPr/>
+          <a:lstStyle>
+            <a:lvl1pPr algn="l" defTabSz="932742" rtl="0" eaLnBrk="1" latinLnBrk="0" hangingPunct="1">
+              <a:lnSpc>
+                <a:spcPct val="90000"/>
+              </a:lnSpc>
+              <a:spcBef>
+                <a:spcPct val="0"/>
+              </a:spcBef>
+              <a:buNone/>
+              <a:defRPr lang="en-US" sz="4800" b="0" kern="1200" cap="none" spc="-102" baseline="0" dirty="0" smtClean="0">
+                <a:ln w="3175">
+                  <a:noFill/>
+                </a:ln>
+                <a:gradFill>
+                  <a:gsLst>
+                    <a:gs pos="1250">
+                      <a:schemeClr val="tx1"/>
+                    </a:gs>
+                    <a:gs pos="100000">
+                      <a:schemeClr val="tx1"/>
+                    </a:gs>
+                  </a:gsLst>
+                  <a:lin ang="5400000" scaled="0"/>
+                </a:gradFill>
+                <a:effectLst/>
+                <a:latin typeface="+mj-lt"/>
+                <a:ea typeface="+mn-ea"/>
+                <a:cs typeface="Segoe UI" pitchFamily="34" charset="0"/>
+              </a:defRPr>
+            </a:lvl1pPr>
+          </a:lstStyle>
+          <a:p>
+            <a:r>
+              <a:rPr lang="da-DK" sz="7200" dirty="0">
+                <a:solidFill>
+                  <a:schemeClr val="bg1"/>
+                </a:solidFill>
+              </a:rPr>
+              <a:t>Unit </a:t>
+            </a:r>
+            <a:r>
+              <a:rPr lang="da-DK" sz="7200" dirty="0" err="1">
+                <a:solidFill>
+                  <a:schemeClr val="bg1"/>
+                </a:solidFill>
+              </a:rPr>
+              <a:t>Testing</a:t>
+            </a:r>
+            <a:endParaRPr lang="da-DK" sz="7200" dirty="0">
+              <a:solidFill>
+                <a:schemeClr val="bg1"/>
+              </a:solidFill>
+            </a:endParaRPr>
+          </a:p>
+        </p:txBody>
+      </p:sp>
+    </p:spTree>
+    <p:extLst>
+      <p:ext uri="{BB962C8B-B14F-4D97-AF65-F5344CB8AC3E}">
+        <p14:creationId xmlns:p14="http://schemas.microsoft.com/office/powerpoint/2010/main" val="912187170"/>
+      </p:ext>
+    </p:extLst>
+  </p:cSld>
+  <p:clrMapOvr>
+    <a:masterClrMapping/>
+  </p:clrMapOvr>
+  <p:transition>
+    <p:fade/>
+  </p:transition>
+</p:sld>
+</file>
+
+<file path=ppt/slides/slide16.xml><?xml version="1.0" encoding="utf-8"?>
+<p:sld xmlns:a="http://schemas.openxmlformats.org/drawingml/2006/main" xmlns:r="http://schemas.openxmlformats.org/officeDocument/2006/relationships" xmlns:p="http://schemas.openxmlformats.org/presentationml/2006/main">
+  <p:cSld>
     <p:bg>
       <p:bgPr>
         <a:solidFill>
@@ -7356,159 +7474,6 @@
       </p:grpSpPr>
       <p:sp>
         <p:nvSpPr>
-          <p:cNvPr id="3" name="Text Placeholder 2"/>
-          <p:cNvSpPr>
-            <a:spLocks noGrp="1"/>
-          </p:cNvSpPr>
-          <p:nvPr>
-            <p:ph type="body" sz="quarter" idx="10"/>
-          </p:nvPr>
-        </p:nvSpPr>
-        <p:spPr>
-          <a:xfrm>
-            <a:off x="274209" y="1221503"/>
-            <a:ext cx="8778240" cy="1902059"/>
-          </a:xfrm>
-        </p:spPr>
-        <p:txBody>
-          <a:bodyPr/>
-          <a:lstStyle/>
-          <a:p>
-            <a:pPr marL="0" indent="0">
-              <a:buNone/>
-            </a:pPr>
-            <a:r>
-              <a:rPr lang="da-DK" dirty="0">
-                <a:solidFill>
-                  <a:schemeClr val="bg1"/>
-                </a:solidFill>
-              </a:rPr>
-              <a:t>Single </a:t>
-            </a:r>
-            <a:r>
-              <a:rPr lang="da-DK" dirty="0" err="1">
-                <a:solidFill>
-                  <a:schemeClr val="bg1"/>
-                </a:solidFill>
-              </a:rPr>
-              <a:t>Responsibility</a:t>
-            </a:r>
-            <a:r>
-              <a:rPr lang="da-DK" dirty="0">
-                <a:solidFill>
-                  <a:schemeClr val="bg1"/>
-                </a:solidFill>
-              </a:rPr>
-              <a:t> </a:t>
-            </a:r>
-            <a:r>
-              <a:rPr lang="da-DK" dirty="0" err="1">
-                <a:solidFill>
-                  <a:schemeClr val="bg1"/>
-                </a:solidFill>
-              </a:rPr>
-              <a:t>Principle</a:t>
-            </a:r>
-            <a:endParaRPr lang="da-DK" dirty="0">
-              <a:solidFill>
-                <a:schemeClr val="bg1"/>
-              </a:solidFill>
-            </a:endParaRPr>
-          </a:p>
-          <a:p>
-            <a:pPr marL="0" indent="0">
-              <a:buNone/>
-            </a:pPr>
-            <a:r>
-              <a:rPr lang="da-DK" dirty="0" err="1">
-                <a:solidFill>
-                  <a:schemeClr val="bg1"/>
-                </a:solidFill>
-              </a:rPr>
-              <a:t>Only</a:t>
-            </a:r>
-            <a:r>
-              <a:rPr lang="da-DK" dirty="0">
-                <a:solidFill>
-                  <a:schemeClr val="bg1"/>
-                </a:solidFill>
-              </a:rPr>
-              <a:t> </a:t>
-            </a:r>
-            <a:r>
-              <a:rPr lang="da-DK" dirty="0" err="1">
-                <a:solidFill>
-                  <a:schemeClr val="bg1"/>
-                </a:solidFill>
-              </a:rPr>
-              <a:t>testing</a:t>
-            </a:r>
-            <a:r>
-              <a:rPr lang="da-DK" dirty="0">
-                <a:solidFill>
-                  <a:schemeClr val="bg1"/>
-                </a:solidFill>
-              </a:rPr>
-              <a:t> the ”System Under Test”</a:t>
-            </a:r>
-          </a:p>
-          <a:p>
-            <a:pPr marL="0" indent="0">
-              <a:buNone/>
-            </a:pPr>
-            <a:r>
-              <a:rPr lang="da-DK" dirty="0" err="1">
-                <a:solidFill>
-                  <a:schemeClr val="bg1"/>
-                </a:solidFill>
-              </a:rPr>
-              <a:t>Use</a:t>
-            </a:r>
-            <a:r>
-              <a:rPr lang="da-DK" dirty="0">
-                <a:solidFill>
-                  <a:schemeClr val="bg1"/>
-                </a:solidFill>
-              </a:rPr>
-              <a:t> </a:t>
-            </a:r>
-            <a:r>
-              <a:rPr lang="da-DK" dirty="0" err="1">
-                <a:solidFill>
-                  <a:schemeClr val="bg1"/>
-                </a:solidFill>
-              </a:rPr>
-              <a:t>either</a:t>
-            </a:r>
-            <a:r>
-              <a:rPr lang="da-DK" dirty="0">
-                <a:solidFill>
-                  <a:schemeClr val="bg1"/>
-                </a:solidFill>
-              </a:rPr>
-              <a:t> </a:t>
-            </a:r>
-            <a:r>
-              <a:rPr lang="da-DK" dirty="0" err="1">
-                <a:solidFill>
-                  <a:schemeClr val="bg1"/>
-                </a:solidFill>
-              </a:rPr>
-              <a:t>mocks</a:t>
-            </a:r>
-            <a:r>
-              <a:rPr lang="da-DK" dirty="0">
-                <a:solidFill>
-                  <a:schemeClr val="bg1"/>
-                </a:solidFill>
-              </a:rPr>
-              <a:t> or stubs</a:t>
-            </a:r>
-          </a:p>
-        </p:txBody>
-      </p:sp>
-      <p:sp>
-        <p:nvSpPr>
           <p:cNvPr id="2" name="Title 1"/>
           <p:cNvSpPr>
             <a:spLocks noGrp="1"/>
@@ -7523,14 +7488,323 @@
           <a:lstStyle/>
           <a:p>
             <a:r>
-              <a:rPr lang="da-DK" dirty="0" err="1">
+              <a:rPr lang="da-DK" dirty="0">
                 <a:solidFill>
                   <a:schemeClr val="bg1"/>
                 </a:solidFill>
               </a:rPr>
-              <a:t>Testing</a:t>
-            </a:r>
-            <a:endParaRPr lang="da-DK" dirty="0">
+              <a:t>Best Practices</a:t>
+            </a:r>
+          </a:p>
+        </p:txBody>
+      </p:sp>
+      <p:sp>
+        <p:nvSpPr>
+          <p:cNvPr id="4" name="Rectangle 3"/>
+          <p:cNvSpPr/>
+          <p:nvPr/>
+        </p:nvSpPr>
+        <p:spPr bwMode="auto">
+          <a:xfrm>
+            <a:off x="4480403" y="3954457"/>
+            <a:ext cx="2834609" cy="1188707"/>
+          </a:xfrm>
+          <a:prstGeom prst="rect">
+            <a:avLst/>
+          </a:prstGeom>
+          <a:solidFill>
+            <a:srgbClr val="FF8C00"/>
+          </a:solidFill>
+          <a:ln>
+            <a:noFill/>
+            <a:headEnd type="none" w="med" len="med"/>
+            <a:tailEnd type="none" w="med" len="med"/>
+          </a:ln>
+          <a:effectLst/>
+        </p:spPr>
+        <p:style>
+          <a:lnRef idx="1">
+            <a:schemeClr val="accent2"/>
+          </a:lnRef>
+          <a:fillRef idx="3">
+            <a:schemeClr val="accent2"/>
+          </a:fillRef>
+          <a:effectRef idx="2">
+            <a:schemeClr val="accent2"/>
+          </a:effectRef>
+          <a:fontRef idx="minor">
+            <a:schemeClr val="lt1"/>
+          </a:fontRef>
+        </p:style>
+        <p:txBody>
+          <a:bodyPr rot="0" spcFirstLastPara="0" vertOverflow="overflow" horzOverflow="overflow" vert="horz" wrap="square" lIns="182880" tIns="146304" rIns="182880" bIns="146304" numCol="1" spcCol="0" rtlCol="0" fromWordArt="0" anchor="t" anchorCtr="0" forceAA="0" compatLnSpc="1">
+            <a:prstTxWarp prst="textNoShape">
+              <a:avLst/>
+            </a:prstTxWarp>
+            <a:noAutofit/>
+          </a:bodyPr>
+          <a:lstStyle/>
+          <a:p>
+            <a:r>
+              <a:rPr lang="da-DK" sz="2400" dirty="0" err="1">
+                <a:solidFill>
+                  <a:schemeClr val="bg1"/>
+                </a:solidFill>
+              </a:rPr>
+              <a:t>Use</a:t>
+            </a:r>
+            <a:r>
+              <a:rPr lang="da-DK" sz="2400" dirty="0">
+                <a:solidFill>
+                  <a:schemeClr val="bg1"/>
+                </a:solidFill>
+              </a:rPr>
+              <a:t> </a:t>
+            </a:r>
+            <a:r>
+              <a:rPr lang="da-DK" sz="2400" dirty="0" err="1">
+                <a:solidFill>
+                  <a:schemeClr val="bg1"/>
+                </a:solidFill>
+              </a:rPr>
+              <a:t>either</a:t>
+            </a:r>
+            <a:r>
+              <a:rPr lang="da-DK" sz="2400" dirty="0">
+                <a:solidFill>
+                  <a:schemeClr val="bg1"/>
+                </a:solidFill>
+              </a:rPr>
+              <a:t> </a:t>
+            </a:r>
+            <a:r>
+              <a:rPr lang="da-DK" sz="2400" dirty="0" err="1">
+                <a:solidFill>
+                  <a:schemeClr val="bg1"/>
+                </a:solidFill>
+              </a:rPr>
+              <a:t>mocks</a:t>
+            </a:r>
+            <a:r>
+              <a:rPr lang="da-DK" sz="2400" dirty="0">
+                <a:solidFill>
+                  <a:schemeClr val="bg1"/>
+                </a:solidFill>
+              </a:rPr>
+              <a:t> or stubs</a:t>
+            </a:r>
+          </a:p>
+        </p:txBody>
+      </p:sp>
+      <p:sp>
+        <p:nvSpPr>
+          <p:cNvPr id="5" name="Rectangle 4"/>
+          <p:cNvSpPr/>
+          <p:nvPr/>
+        </p:nvSpPr>
+        <p:spPr bwMode="auto">
+          <a:xfrm>
+            <a:off x="731404" y="4159859"/>
+            <a:ext cx="3017487" cy="1463024"/>
+          </a:xfrm>
+          <a:prstGeom prst="rect">
+            <a:avLst/>
+          </a:prstGeom>
+          <a:solidFill>
+            <a:srgbClr val="68217A"/>
+          </a:solidFill>
+          <a:ln>
+            <a:noFill/>
+            <a:headEnd type="none" w="med" len="med"/>
+            <a:tailEnd type="none" w="med" len="med"/>
+          </a:ln>
+          <a:effectLst/>
+        </p:spPr>
+        <p:style>
+          <a:lnRef idx="1">
+            <a:schemeClr val="accent2"/>
+          </a:lnRef>
+          <a:fillRef idx="3">
+            <a:schemeClr val="accent2"/>
+          </a:fillRef>
+          <a:effectRef idx="2">
+            <a:schemeClr val="accent2"/>
+          </a:effectRef>
+          <a:fontRef idx="minor">
+            <a:schemeClr val="lt1"/>
+          </a:fontRef>
+        </p:style>
+        <p:txBody>
+          <a:bodyPr rot="0" spcFirstLastPara="0" vertOverflow="overflow" horzOverflow="overflow" vert="horz" wrap="square" lIns="182880" tIns="146304" rIns="182880" bIns="146304" numCol="1" spcCol="0" rtlCol="0" fromWordArt="0" anchor="t" anchorCtr="0" forceAA="0" compatLnSpc="1">
+            <a:prstTxWarp prst="textNoShape">
+              <a:avLst/>
+            </a:prstTxWarp>
+            <a:noAutofit/>
+          </a:bodyPr>
+          <a:lstStyle/>
+          <a:p>
+            <a:r>
+              <a:rPr lang="da-DK" sz="2400" dirty="0" err="1">
+                <a:solidFill>
+                  <a:schemeClr val="bg1"/>
+                </a:solidFill>
+              </a:rPr>
+              <a:t>Only</a:t>
+            </a:r>
+            <a:r>
+              <a:rPr lang="da-DK" sz="2400" dirty="0">
+                <a:solidFill>
+                  <a:schemeClr val="bg1"/>
+                </a:solidFill>
+              </a:rPr>
+              <a:t> test the ”System Under Test”</a:t>
+            </a:r>
+          </a:p>
+        </p:txBody>
+      </p:sp>
+      <p:sp>
+        <p:nvSpPr>
+          <p:cNvPr id="6" name="Rectangle 5"/>
+          <p:cNvSpPr/>
+          <p:nvPr/>
+        </p:nvSpPr>
+        <p:spPr bwMode="auto">
+          <a:xfrm>
+            <a:off x="5029037" y="1120629"/>
+            <a:ext cx="2834609" cy="1463024"/>
+          </a:xfrm>
+          <a:prstGeom prst="rect">
+            <a:avLst/>
+          </a:prstGeom>
+          <a:solidFill>
+            <a:srgbClr val="505050"/>
+          </a:solidFill>
+          <a:ln>
+            <a:noFill/>
+            <a:headEnd type="none" w="med" len="med"/>
+            <a:tailEnd type="none" w="med" len="med"/>
+          </a:ln>
+          <a:effectLst/>
+        </p:spPr>
+        <p:style>
+          <a:lnRef idx="1">
+            <a:schemeClr val="accent2"/>
+          </a:lnRef>
+          <a:fillRef idx="3">
+            <a:schemeClr val="accent2"/>
+          </a:fillRef>
+          <a:effectRef idx="2">
+            <a:schemeClr val="accent2"/>
+          </a:effectRef>
+          <a:fontRef idx="minor">
+            <a:schemeClr val="lt1"/>
+          </a:fontRef>
+        </p:style>
+        <p:txBody>
+          <a:bodyPr rot="0" spcFirstLastPara="0" vertOverflow="overflow" horzOverflow="overflow" vert="horz" wrap="square" lIns="182880" tIns="146304" rIns="182880" bIns="146304" numCol="1" spcCol="0" rtlCol="0" fromWordArt="0" anchor="t" anchorCtr="0" forceAA="0" compatLnSpc="1">
+            <a:prstTxWarp prst="textNoShape">
+              <a:avLst/>
+            </a:prstTxWarp>
+            <a:noAutofit/>
+          </a:bodyPr>
+          <a:lstStyle/>
+          <a:p>
+            <a:r>
+              <a:rPr lang="da-DK" sz="2400" dirty="0">
+                <a:solidFill>
+                  <a:schemeClr val="bg1"/>
+                </a:solidFill>
+              </a:rPr>
+              <a:t>Single </a:t>
+            </a:r>
+            <a:r>
+              <a:rPr lang="da-DK" sz="2400" dirty="0" err="1">
+                <a:solidFill>
+                  <a:schemeClr val="bg1"/>
+                </a:solidFill>
+              </a:rPr>
+              <a:t>Responsibility</a:t>
+            </a:r>
+            <a:r>
+              <a:rPr lang="da-DK" sz="2400" dirty="0">
+                <a:solidFill>
+                  <a:schemeClr val="bg1"/>
+                </a:solidFill>
+              </a:rPr>
+              <a:t> </a:t>
+            </a:r>
+            <a:r>
+              <a:rPr lang="da-DK" sz="2400" dirty="0" err="1">
+                <a:solidFill>
+                  <a:schemeClr val="bg1"/>
+                </a:solidFill>
+              </a:rPr>
+              <a:t>Principle</a:t>
+            </a:r>
+            <a:endParaRPr lang="da-DK" sz="2400" dirty="0">
+              <a:solidFill>
+                <a:schemeClr val="bg1"/>
+              </a:solidFill>
+            </a:endParaRPr>
+          </a:p>
+        </p:txBody>
+      </p:sp>
+      <p:sp>
+        <p:nvSpPr>
+          <p:cNvPr id="9" name="Rectangle 8"/>
+          <p:cNvSpPr/>
+          <p:nvPr/>
+        </p:nvSpPr>
+        <p:spPr bwMode="auto">
+          <a:xfrm>
+            <a:off x="1280039" y="1668483"/>
+            <a:ext cx="3108926" cy="1463024"/>
+          </a:xfrm>
+          <a:prstGeom prst="rect">
+            <a:avLst/>
+          </a:prstGeom>
+          <a:solidFill>
+            <a:srgbClr val="00B050"/>
+          </a:solidFill>
+          <a:ln>
+            <a:noFill/>
+            <a:headEnd type="none" w="med" len="med"/>
+            <a:tailEnd type="none" w="med" len="med"/>
+          </a:ln>
+          <a:effectLst/>
+        </p:spPr>
+        <p:style>
+          <a:lnRef idx="1">
+            <a:schemeClr val="accent2"/>
+          </a:lnRef>
+          <a:fillRef idx="3">
+            <a:schemeClr val="accent2"/>
+          </a:fillRef>
+          <a:effectRef idx="2">
+            <a:schemeClr val="accent2"/>
+          </a:effectRef>
+          <a:fontRef idx="minor">
+            <a:schemeClr val="lt1"/>
+          </a:fontRef>
+        </p:style>
+        <p:txBody>
+          <a:bodyPr rot="0" spcFirstLastPara="0" vertOverflow="overflow" horzOverflow="overflow" vert="horz" wrap="square" lIns="182880" tIns="146304" rIns="182880" bIns="146304" numCol="1" spcCol="0" rtlCol="0" fromWordArt="0" anchor="t" anchorCtr="0" forceAA="0" compatLnSpc="1">
+            <a:prstTxWarp prst="textNoShape">
+              <a:avLst/>
+            </a:prstTxWarp>
+            <a:noAutofit/>
+          </a:bodyPr>
+          <a:lstStyle/>
+          <a:p>
+            <a:r>
+              <a:rPr lang="da-DK" sz="2400">
+                <a:solidFill>
+                  <a:schemeClr val="bg1"/>
+                </a:solidFill>
+              </a:rPr>
+              <a:t>Never test against a live database, file, or web service</a:t>
+            </a:r>
+            <a:endParaRPr lang="da-DK" sz="2400" dirty="0">
               <a:solidFill>
                 <a:schemeClr val="bg1"/>
               </a:solidFill>
@@ -7554,7 +7828,7 @@
 </p:sld>
 </file>
 
-<file path=ppt/slides/slide16.xml><?xml version="1.0" encoding="utf-8"?>
+<file path=ppt/slides/slide17.xml><?xml version="1.0" encoding="utf-8"?>
 <p:sld xmlns:a="http://schemas.openxmlformats.org/drawingml/2006/main" xmlns:r="http://schemas.openxmlformats.org/officeDocument/2006/relationships" xmlns:p="http://schemas.openxmlformats.org/presentationml/2006/main">
   <p:cSld>
     <p:spTree>
@@ -8023,7 +8297,7 @@
 </p:sld>
 </file>
 
-<file path=ppt/slides/slide17.xml><?xml version="1.0" encoding="utf-8"?>
+<file path=ppt/slides/slide18.xml><?xml version="1.0" encoding="utf-8"?>
 <p:sld xmlns:a="http://schemas.openxmlformats.org/drawingml/2006/main" xmlns:r="http://schemas.openxmlformats.org/officeDocument/2006/relationships" xmlns:p="http://schemas.openxmlformats.org/presentationml/2006/main">
   <p:cSld>
     <p:spTree>
@@ -8633,7 +8907,7 @@
 </p:sld>
 </file>
 
-<file path=ppt/slides/slide18.xml><?xml version="1.0" encoding="utf-8"?>
+<file path=ppt/slides/slide19.xml><?xml version="1.0" encoding="utf-8"?>
 <p:sld xmlns:a="http://schemas.openxmlformats.org/drawingml/2006/main" xmlns:r="http://schemas.openxmlformats.org/officeDocument/2006/relationships" xmlns:p="http://schemas.openxmlformats.org/presentationml/2006/main">
   <p:cSld>
     <p:spTree>
@@ -9457,891 +9731,6 @@
     <p:extLst>
       <p:ext uri="{BB962C8B-B14F-4D97-AF65-F5344CB8AC3E}">
         <p14:creationId xmlns:p14="http://schemas.microsoft.com/office/powerpoint/2010/main" val="3544514694"/>
-      </p:ext>
-    </p:extLst>
-  </p:cSld>
-  <p:clrMapOvr>
-    <a:masterClrMapping/>
-  </p:clrMapOvr>
-  <p:transition>
-    <p:fade/>
-  </p:transition>
-</p:sld>
-</file>
-
-<file path=ppt/slides/slide19.xml><?xml version="1.0" encoding="utf-8"?>
-<p:sld xmlns:a="http://schemas.openxmlformats.org/drawingml/2006/main" xmlns:r="http://schemas.openxmlformats.org/officeDocument/2006/relationships" xmlns:p="http://schemas.openxmlformats.org/presentationml/2006/main">
-  <p:cSld>
-    <p:spTree>
-      <p:nvGrpSpPr>
-        <p:cNvPr id="1" name=""/>
-        <p:cNvGrpSpPr/>
-        <p:nvPr/>
-      </p:nvGrpSpPr>
-      <p:grpSpPr>
-        <a:xfrm>
-          <a:off x="0" y="0"/>
-          <a:ext cx="0" cy="0"/>
-          <a:chOff x="0" y="0"/>
-          <a:chExt cx="0" cy="0"/>
-        </a:xfrm>
-      </p:grpSpPr>
-      <p:sp>
-        <p:nvSpPr>
-          <p:cNvPr id="3" name="Title 2"/>
-          <p:cNvSpPr>
-            <a:spLocks noGrp="1"/>
-          </p:cNvSpPr>
-          <p:nvPr>
-            <p:ph type="title"/>
-          </p:nvPr>
-        </p:nvSpPr>
-        <p:spPr/>
-        <p:txBody>
-          <a:bodyPr/>
-          <a:lstStyle/>
-          <a:p>
-            <a:r>
-              <a:rPr lang="da-DK" dirty="0" err="1"/>
-              <a:t>Mock</a:t>
-            </a:r>
-            <a:r>
-              <a:rPr lang="da-DK" dirty="0"/>
-              <a:t> </a:t>
-            </a:r>
-            <a:r>
-              <a:rPr lang="da-DK" dirty="0" err="1"/>
-              <a:t>testing</a:t>
-            </a:r>
-            <a:r>
-              <a:rPr lang="da-DK" dirty="0"/>
-              <a:t> II</a:t>
-            </a:r>
-          </a:p>
-        </p:txBody>
-      </p:sp>
-      <p:sp>
-        <p:nvSpPr>
-          <p:cNvPr id="4" name="Rectangle 3"/>
-          <p:cNvSpPr/>
-          <p:nvPr/>
-        </p:nvSpPr>
-        <p:spPr>
-          <a:xfrm>
-            <a:off x="228651" y="1577043"/>
-            <a:ext cx="8869261" cy="4524315"/>
-          </a:xfrm>
-          <a:prstGeom prst="rect">
-            <a:avLst/>
-          </a:prstGeom>
-        </p:spPr>
-        <p:txBody>
-          <a:bodyPr wrap="square">
-            <a:spAutoFit/>
-          </a:bodyPr>
-          <a:lstStyle/>
-          <a:p>
-            <a:r>
-              <a:rPr lang="da-DK" dirty="0">
-                <a:solidFill>
-                  <a:srgbClr val="0000FF"/>
-                </a:solidFill>
-                <a:latin typeface="Consolas" panose="020B0609020204030204" pitchFamily="49" charset="0"/>
-              </a:rPr>
-              <a:t>public</a:t>
-            </a:r>
-            <a:r>
-              <a:rPr lang="da-DK" dirty="0">
-                <a:solidFill>
-                  <a:srgbClr val="000000"/>
-                </a:solidFill>
-                <a:latin typeface="Consolas" panose="020B0609020204030204" pitchFamily="49" charset="0"/>
-              </a:rPr>
-              <a:t> </a:t>
-            </a:r>
-            <a:r>
-              <a:rPr lang="da-DK" dirty="0">
-                <a:solidFill>
-                  <a:srgbClr val="0000FF"/>
-                </a:solidFill>
-                <a:latin typeface="Consolas" panose="020B0609020204030204" pitchFamily="49" charset="0"/>
-              </a:rPr>
-              <a:t>class</a:t>
-            </a:r>
-            <a:r>
-              <a:rPr lang="da-DK" dirty="0">
-                <a:solidFill>
-                  <a:srgbClr val="000000"/>
-                </a:solidFill>
-                <a:latin typeface="Consolas" panose="020B0609020204030204" pitchFamily="49" charset="0"/>
-              </a:rPr>
-              <a:t> </a:t>
-            </a:r>
-            <a:r>
-              <a:rPr lang="da-DK" dirty="0" err="1">
-                <a:solidFill>
-                  <a:srgbClr val="2B91AF"/>
-                </a:solidFill>
-                <a:latin typeface="Consolas" panose="020B0609020204030204" pitchFamily="49" charset="0"/>
-              </a:rPr>
-              <a:t>WorkerTests</a:t>
-            </a:r>
-            <a:endParaRPr lang="da-DK" dirty="0">
-              <a:solidFill>
-                <a:srgbClr val="000000"/>
-              </a:solidFill>
-              <a:latin typeface="Consolas" panose="020B0609020204030204" pitchFamily="49" charset="0"/>
-            </a:endParaRPr>
-          </a:p>
-          <a:p>
-            <a:r>
-              <a:rPr lang="da-DK" dirty="0">
-                <a:solidFill>
-                  <a:srgbClr val="000000"/>
-                </a:solidFill>
-                <a:latin typeface="Consolas" panose="020B0609020204030204" pitchFamily="49" charset="0"/>
-              </a:rPr>
-              <a:t>{</a:t>
-            </a:r>
-          </a:p>
-          <a:p>
-            <a:r>
-              <a:rPr lang="da-DK" dirty="0">
-                <a:solidFill>
-                  <a:srgbClr val="000000"/>
-                </a:solidFill>
-                <a:latin typeface="Consolas" panose="020B0609020204030204" pitchFamily="49" charset="0"/>
-              </a:rPr>
-              <a:t>    [</a:t>
-            </a:r>
-            <a:r>
-              <a:rPr lang="da-DK" dirty="0" err="1">
-                <a:solidFill>
-                  <a:srgbClr val="2B91AF"/>
-                </a:solidFill>
-                <a:latin typeface="Consolas" panose="020B0609020204030204" pitchFamily="49" charset="0"/>
-              </a:rPr>
-              <a:t>Fact</a:t>
-            </a:r>
-            <a:r>
-              <a:rPr lang="da-DK" dirty="0">
-                <a:solidFill>
-                  <a:srgbClr val="000000"/>
-                </a:solidFill>
-                <a:latin typeface="Consolas" panose="020B0609020204030204" pitchFamily="49" charset="0"/>
-              </a:rPr>
-              <a:t>]</a:t>
-            </a:r>
-          </a:p>
-          <a:p>
-            <a:r>
-              <a:rPr lang="en-US" dirty="0">
-                <a:solidFill>
-                  <a:srgbClr val="000000"/>
-                </a:solidFill>
-                <a:latin typeface="Consolas" panose="020B0609020204030204" pitchFamily="49" charset="0"/>
-              </a:rPr>
-              <a:t>    </a:t>
-            </a:r>
-            <a:r>
-              <a:rPr lang="en-US" dirty="0">
-                <a:solidFill>
-                  <a:srgbClr val="0000FF"/>
-                </a:solidFill>
-                <a:latin typeface="Consolas" panose="020B0609020204030204" pitchFamily="49" charset="0"/>
-              </a:rPr>
-              <a:t>public</a:t>
-            </a:r>
-            <a:r>
-              <a:rPr lang="en-US" dirty="0">
-                <a:solidFill>
-                  <a:srgbClr val="000000"/>
-                </a:solidFill>
-                <a:latin typeface="Consolas" panose="020B0609020204030204" pitchFamily="49" charset="0"/>
-              </a:rPr>
-              <a:t> </a:t>
-            </a:r>
-            <a:r>
-              <a:rPr lang="en-US" dirty="0">
-                <a:solidFill>
-                  <a:srgbClr val="0000FF"/>
-                </a:solidFill>
-                <a:latin typeface="Consolas" panose="020B0609020204030204" pitchFamily="49" charset="0"/>
-              </a:rPr>
-              <a:t>void</a:t>
-            </a:r>
-            <a:r>
-              <a:rPr lang="en-US" dirty="0">
-                <a:solidFill>
-                  <a:srgbClr val="000000"/>
-                </a:solidFill>
-                <a:latin typeface="Consolas" panose="020B0609020204030204" pitchFamily="49" charset="0"/>
-              </a:rPr>
-              <a:t> </a:t>
-            </a:r>
-            <a:r>
-              <a:rPr lang="en-US" dirty="0" err="1">
-                <a:solidFill>
-                  <a:srgbClr val="000000"/>
-                </a:solidFill>
-                <a:latin typeface="Consolas" panose="020B0609020204030204" pitchFamily="49" charset="0"/>
-              </a:rPr>
-              <a:t>DoWork_when_IFooService_Update_true_returns_true</a:t>
-            </a:r>
-            <a:r>
-              <a:rPr lang="en-US" dirty="0">
-                <a:solidFill>
-                  <a:srgbClr val="000000"/>
-                </a:solidFill>
-                <a:latin typeface="Consolas" panose="020B0609020204030204" pitchFamily="49" charset="0"/>
-              </a:rPr>
-              <a:t>()</a:t>
-            </a:r>
-          </a:p>
-          <a:p>
-            <a:r>
-              <a:rPr lang="da-DK" dirty="0">
-                <a:solidFill>
-                  <a:srgbClr val="000000"/>
-                </a:solidFill>
-                <a:latin typeface="Consolas" panose="020B0609020204030204" pitchFamily="49" charset="0"/>
-              </a:rPr>
-              <a:t>    {</a:t>
-            </a:r>
-          </a:p>
-          <a:p>
-            <a:r>
-              <a:rPr lang="en-US" dirty="0">
-                <a:solidFill>
-                  <a:srgbClr val="000000"/>
-                </a:solidFill>
-                <a:latin typeface="Consolas" panose="020B0609020204030204" pitchFamily="49" charset="0"/>
-              </a:rPr>
-              <a:t>        </a:t>
-            </a:r>
-            <a:r>
-              <a:rPr lang="en-US" dirty="0" err="1">
-                <a:solidFill>
-                  <a:srgbClr val="0000FF"/>
-                </a:solidFill>
-                <a:latin typeface="Consolas" panose="020B0609020204030204" pitchFamily="49" charset="0"/>
-              </a:rPr>
-              <a:t>var</a:t>
-            </a:r>
-            <a:r>
-              <a:rPr lang="en-US" dirty="0">
-                <a:solidFill>
-                  <a:srgbClr val="000000"/>
-                </a:solidFill>
-                <a:latin typeface="Consolas" panose="020B0609020204030204" pitchFamily="49" charset="0"/>
-              </a:rPr>
-              <a:t> mock = </a:t>
-            </a:r>
-            <a:r>
-              <a:rPr lang="en-US" dirty="0">
-                <a:solidFill>
-                  <a:srgbClr val="0000FF"/>
-                </a:solidFill>
-                <a:latin typeface="Consolas" panose="020B0609020204030204" pitchFamily="49" charset="0"/>
-              </a:rPr>
-              <a:t>new</a:t>
-            </a:r>
-            <a:r>
-              <a:rPr lang="en-US" dirty="0">
-                <a:solidFill>
-                  <a:srgbClr val="000000"/>
-                </a:solidFill>
-                <a:latin typeface="Consolas" panose="020B0609020204030204" pitchFamily="49" charset="0"/>
-              </a:rPr>
-              <a:t> </a:t>
-            </a:r>
-            <a:r>
-              <a:rPr lang="en-US" dirty="0">
-                <a:solidFill>
-                  <a:srgbClr val="2B91AF"/>
-                </a:solidFill>
-                <a:latin typeface="Consolas" panose="020B0609020204030204" pitchFamily="49" charset="0"/>
-              </a:rPr>
-              <a:t>Mock</a:t>
-            </a:r>
-            <a:r>
-              <a:rPr lang="en-US" dirty="0">
-                <a:solidFill>
-                  <a:srgbClr val="000000"/>
-                </a:solidFill>
-                <a:latin typeface="Consolas" panose="020B0609020204030204" pitchFamily="49" charset="0"/>
-              </a:rPr>
-              <a:t>&lt;</a:t>
-            </a:r>
-            <a:r>
-              <a:rPr lang="en-US" dirty="0" err="1">
-                <a:solidFill>
-                  <a:srgbClr val="2B91AF"/>
-                </a:solidFill>
-                <a:latin typeface="Consolas" panose="020B0609020204030204" pitchFamily="49" charset="0"/>
-              </a:rPr>
-              <a:t>IFooService</a:t>
-            </a:r>
-            <a:r>
-              <a:rPr lang="en-US" dirty="0">
-                <a:solidFill>
-                  <a:srgbClr val="000000"/>
-                </a:solidFill>
-                <a:latin typeface="Consolas" panose="020B0609020204030204" pitchFamily="49" charset="0"/>
-              </a:rPr>
-              <a:t>&gt;();</a:t>
-            </a:r>
-          </a:p>
-          <a:p>
-            <a:r>
-              <a:rPr lang="en-US" dirty="0">
-                <a:solidFill>
-                  <a:srgbClr val="000000"/>
-                </a:solidFill>
-                <a:latin typeface="Consolas" panose="020B0609020204030204" pitchFamily="49" charset="0"/>
-              </a:rPr>
-              <a:t>        </a:t>
-            </a:r>
-            <a:r>
-              <a:rPr lang="en-US" dirty="0" err="1">
-                <a:solidFill>
-                  <a:srgbClr val="000000"/>
-                </a:solidFill>
-                <a:latin typeface="Consolas" panose="020B0609020204030204" pitchFamily="49" charset="0"/>
-              </a:rPr>
-              <a:t>mock.Setup</a:t>
-            </a:r>
-            <a:r>
-              <a:rPr lang="en-US" dirty="0">
-                <a:solidFill>
-                  <a:srgbClr val="000000"/>
-                </a:solidFill>
-                <a:latin typeface="Consolas" panose="020B0609020204030204" pitchFamily="49" charset="0"/>
-              </a:rPr>
-              <a:t>(m =&gt; </a:t>
-            </a:r>
-            <a:r>
-              <a:rPr lang="en-US" dirty="0" err="1">
-                <a:solidFill>
-                  <a:srgbClr val="000000"/>
-                </a:solidFill>
-                <a:latin typeface="Consolas" panose="020B0609020204030204" pitchFamily="49" charset="0"/>
-              </a:rPr>
-              <a:t>m.Update</a:t>
-            </a:r>
-            <a:r>
-              <a:rPr lang="en-US" dirty="0">
-                <a:solidFill>
-                  <a:srgbClr val="000000"/>
-                </a:solidFill>
-                <a:latin typeface="Consolas" panose="020B0609020204030204" pitchFamily="49" charset="0"/>
-              </a:rPr>
-              <a:t>(</a:t>
-            </a:r>
-            <a:r>
-              <a:rPr lang="en-US" dirty="0" err="1">
-                <a:solidFill>
-                  <a:srgbClr val="2B91AF"/>
-                </a:solidFill>
-                <a:latin typeface="Consolas" panose="020B0609020204030204" pitchFamily="49" charset="0"/>
-              </a:rPr>
-              <a:t>It</a:t>
-            </a:r>
-            <a:r>
-              <a:rPr lang="en-US" dirty="0" err="1">
-                <a:solidFill>
-                  <a:srgbClr val="000000"/>
-                </a:solidFill>
-                <a:latin typeface="Consolas" panose="020B0609020204030204" pitchFamily="49" charset="0"/>
-              </a:rPr>
-              <a:t>.IsAny</a:t>
-            </a:r>
-            <a:r>
-              <a:rPr lang="en-US" dirty="0">
-                <a:solidFill>
-                  <a:srgbClr val="000000"/>
-                </a:solidFill>
-                <a:latin typeface="Consolas" panose="020B0609020204030204" pitchFamily="49" charset="0"/>
-              </a:rPr>
-              <a:t>&lt;</a:t>
-            </a:r>
-            <a:r>
-              <a:rPr lang="en-US" dirty="0">
-                <a:solidFill>
-                  <a:srgbClr val="2B91AF"/>
-                </a:solidFill>
-                <a:latin typeface="Consolas" panose="020B0609020204030204" pitchFamily="49" charset="0"/>
-              </a:rPr>
-              <a:t>Foo</a:t>
-            </a:r>
-            <a:r>
-              <a:rPr lang="en-US" dirty="0">
-                <a:solidFill>
-                  <a:srgbClr val="000000"/>
-                </a:solidFill>
-                <a:latin typeface="Consolas" panose="020B0609020204030204" pitchFamily="49" charset="0"/>
-              </a:rPr>
-              <a:t>&gt;())).Returns(</a:t>
-            </a:r>
-            <a:r>
-              <a:rPr lang="en-US" dirty="0">
-                <a:solidFill>
-                  <a:srgbClr val="0000FF"/>
-                </a:solidFill>
-                <a:latin typeface="Consolas" panose="020B0609020204030204" pitchFamily="49" charset="0"/>
-              </a:rPr>
-              <a:t>true</a:t>
-            </a:r>
-            <a:r>
-              <a:rPr lang="en-US" dirty="0">
-                <a:solidFill>
-                  <a:srgbClr val="000000"/>
-                </a:solidFill>
-                <a:latin typeface="Consolas" panose="020B0609020204030204" pitchFamily="49" charset="0"/>
-              </a:rPr>
-              <a:t>);</a:t>
-            </a:r>
-          </a:p>
-          <a:p>
-            <a:endParaRPr lang="da-DK" dirty="0">
-              <a:solidFill>
-                <a:srgbClr val="000000"/>
-              </a:solidFill>
-              <a:latin typeface="Consolas" panose="020B0609020204030204" pitchFamily="49" charset="0"/>
-            </a:endParaRPr>
-          </a:p>
-          <a:p>
-            <a:r>
-              <a:rPr lang="en-US" dirty="0">
-                <a:solidFill>
-                  <a:srgbClr val="000000"/>
-                </a:solidFill>
-                <a:latin typeface="Consolas" panose="020B0609020204030204" pitchFamily="49" charset="0"/>
-              </a:rPr>
-              <a:t>        </a:t>
-            </a:r>
-            <a:r>
-              <a:rPr lang="en-US" dirty="0">
-                <a:solidFill>
-                  <a:srgbClr val="0000FF"/>
-                </a:solidFill>
-                <a:latin typeface="Consolas" panose="020B0609020204030204" pitchFamily="49" charset="0"/>
-              </a:rPr>
-              <a:t>using</a:t>
-            </a:r>
-            <a:r>
-              <a:rPr lang="en-US" dirty="0">
-                <a:solidFill>
-                  <a:srgbClr val="000000"/>
-                </a:solidFill>
-                <a:latin typeface="Consolas" panose="020B0609020204030204" pitchFamily="49" charset="0"/>
-              </a:rPr>
-              <a:t> (</a:t>
-            </a:r>
-            <a:r>
-              <a:rPr lang="en-US" dirty="0" err="1">
-                <a:solidFill>
-                  <a:srgbClr val="0000FF"/>
-                </a:solidFill>
-                <a:latin typeface="Consolas" panose="020B0609020204030204" pitchFamily="49" charset="0"/>
-              </a:rPr>
-              <a:t>var</a:t>
-            </a:r>
-            <a:r>
-              <a:rPr lang="en-US" dirty="0">
-                <a:solidFill>
-                  <a:srgbClr val="000000"/>
-                </a:solidFill>
-                <a:latin typeface="Consolas" panose="020B0609020204030204" pitchFamily="49" charset="0"/>
-              </a:rPr>
-              <a:t> worker = </a:t>
-            </a:r>
-            <a:r>
-              <a:rPr lang="en-US" dirty="0">
-                <a:solidFill>
-                  <a:srgbClr val="0000FF"/>
-                </a:solidFill>
-                <a:latin typeface="Consolas" panose="020B0609020204030204" pitchFamily="49" charset="0"/>
-              </a:rPr>
-              <a:t>new</a:t>
-            </a:r>
-            <a:r>
-              <a:rPr lang="en-US" dirty="0">
-                <a:solidFill>
-                  <a:srgbClr val="000000"/>
-                </a:solidFill>
-                <a:latin typeface="Consolas" panose="020B0609020204030204" pitchFamily="49" charset="0"/>
-              </a:rPr>
-              <a:t> </a:t>
-            </a:r>
-            <a:r>
-              <a:rPr lang="en-US" dirty="0">
-                <a:solidFill>
-                  <a:srgbClr val="2B91AF"/>
-                </a:solidFill>
-                <a:latin typeface="Consolas" panose="020B0609020204030204" pitchFamily="49" charset="0"/>
-              </a:rPr>
-              <a:t>Worker</a:t>
-            </a:r>
-            <a:r>
-              <a:rPr lang="en-US" dirty="0">
-                <a:solidFill>
-                  <a:srgbClr val="000000"/>
-                </a:solidFill>
-                <a:latin typeface="Consolas" panose="020B0609020204030204" pitchFamily="49" charset="0"/>
-              </a:rPr>
-              <a:t>(</a:t>
-            </a:r>
-            <a:r>
-              <a:rPr lang="da-DK" dirty="0" err="1">
-                <a:solidFill>
-                  <a:srgbClr val="000000"/>
-                </a:solidFill>
-                <a:latin typeface="Consolas" panose="020B0609020204030204" pitchFamily="49" charset="0"/>
-              </a:rPr>
-              <a:t>mock.Object</a:t>
-            </a:r>
-            <a:r>
-              <a:rPr lang="en-US" dirty="0">
-                <a:solidFill>
-                  <a:srgbClr val="000000"/>
-                </a:solidFill>
-                <a:latin typeface="Consolas" panose="020B0609020204030204" pitchFamily="49" charset="0"/>
-              </a:rPr>
-              <a:t>))</a:t>
-            </a:r>
-          </a:p>
-          <a:p>
-            <a:r>
-              <a:rPr lang="da-DK" dirty="0">
-                <a:solidFill>
-                  <a:srgbClr val="000000"/>
-                </a:solidFill>
-                <a:latin typeface="Consolas" panose="020B0609020204030204" pitchFamily="49" charset="0"/>
-              </a:rPr>
-              <a:t>        {</a:t>
-            </a:r>
-          </a:p>
-          <a:p>
-            <a:r>
-              <a:rPr lang="en-US" dirty="0">
-                <a:solidFill>
-                  <a:srgbClr val="000000"/>
-                </a:solidFill>
-                <a:latin typeface="Consolas" panose="020B0609020204030204" pitchFamily="49" charset="0"/>
-              </a:rPr>
-              <a:t>            </a:t>
-            </a:r>
-            <a:r>
-              <a:rPr lang="en-US" dirty="0" err="1">
-                <a:solidFill>
-                  <a:srgbClr val="0000FF"/>
-                </a:solidFill>
-                <a:latin typeface="Consolas" panose="020B0609020204030204" pitchFamily="49" charset="0"/>
-              </a:rPr>
-              <a:t>var</a:t>
-            </a:r>
-            <a:r>
-              <a:rPr lang="en-US" dirty="0">
-                <a:solidFill>
-                  <a:srgbClr val="000000"/>
-                </a:solidFill>
-                <a:latin typeface="Consolas" panose="020B0609020204030204" pitchFamily="49" charset="0"/>
-              </a:rPr>
-              <a:t> result = </a:t>
-            </a:r>
-            <a:r>
-              <a:rPr lang="en-US" dirty="0" err="1">
-                <a:solidFill>
-                  <a:srgbClr val="000000"/>
-                </a:solidFill>
-                <a:latin typeface="Consolas" panose="020B0609020204030204" pitchFamily="49" charset="0"/>
-              </a:rPr>
-              <a:t>worker.DoWork</a:t>
-            </a:r>
-            <a:r>
-              <a:rPr lang="en-US" dirty="0">
-                <a:solidFill>
-                  <a:srgbClr val="000000"/>
-                </a:solidFill>
-                <a:latin typeface="Consolas" panose="020B0609020204030204" pitchFamily="49" charset="0"/>
-              </a:rPr>
-              <a:t>(</a:t>
-            </a:r>
-            <a:r>
-              <a:rPr lang="en-US" dirty="0">
-                <a:solidFill>
-                  <a:srgbClr val="0000FF"/>
-                </a:solidFill>
-                <a:latin typeface="Consolas" panose="020B0609020204030204" pitchFamily="49" charset="0"/>
-              </a:rPr>
-              <a:t>new</a:t>
-            </a:r>
-            <a:r>
-              <a:rPr lang="en-US" dirty="0">
-                <a:solidFill>
-                  <a:srgbClr val="000000"/>
-                </a:solidFill>
-                <a:latin typeface="Consolas" panose="020B0609020204030204" pitchFamily="49" charset="0"/>
-              </a:rPr>
-              <a:t> </a:t>
-            </a:r>
-            <a:r>
-              <a:rPr lang="en-US" dirty="0" err="1">
-                <a:solidFill>
-                  <a:srgbClr val="2B91AF"/>
-                </a:solidFill>
-                <a:latin typeface="Consolas" panose="020B0609020204030204" pitchFamily="49" charset="0"/>
-              </a:rPr>
-              <a:t>FooDto</a:t>
-            </a:r>
-            <a:r>
-              <a:rPr lang="en-US" dirty="0">
-                <a:solidFill>
-                  <a:srgbClr val="000000"/>
-                </a:solidFill>
-                <a:latin typeface="Consolas" panose="020B0609020204030204" pitchFamily="49" charset="0"/>
-              </a:rPr>
-              <a:t>());</a:t>
-            </a:r>
-          </a:p>
-          <a:p>
-            <a:endParaRPr lang="da-DK" dirty="0">
-              <a:solidFill>
-                <a:srgbClr val="000000"/>
-              </a:solidFill>
-              <a:latin typeface="Consolas" panose="020B0609020204030204" pitchFamily="49" charset="0"/>
-            </a:endParaRPr>
-          </a:p>
-          <a:p>
-            <a:r>
-              <a:rPr lang="da-DK" dirty="0">
-                <a:solidFill>
-                  <a:srgbClr val="000000"/>
-                </a:solidFill>
-                <a:latin typeface="Consolas" panose="020B0609020204030204" pitchFamily="49" charset="0"/>
-              </a:rPr>
-              <a:t>            </a:t>
-            </a:r>
-            <a:r>
-              <a:rPr lang="da-DK" dirty="0" err="1">
-                <a:solidFill>
-                  <a:srgbClr val="2B91AF"/>
-                </a:solidFill>
-                <a:latin typeface="Consolas" panose="020B0609020204030204" pitchFamily="49" charset="0"/>
-              </a:rPr>
-              <a:t>Assert</a:t>
-            </a:r>
-            <a:r>
-              <a:rPr lang="da-DK" dirty="0" err="1">
-                <a:solidFill>
-                  <a:srgbClr val="000000"/>
-                </a:solidFill>
-                <a:latin typeface="Consolas" panose="020B0609020204030204" pitchFamily="49" charset="0"/>
-              </a:rPr>
-              <a:t>.True</a:t>
-            </a:r>
-            <a:r>
-              <a:rPr lang="da-DK" dirty="0">
-                <a:solidFill>
-                  <a:srgbClr val="000000"/>
-                </a:solidFill>
-                <a:latin typeface="Consolas" panose="020B0609020204030204" pitchFamily="49" charset="0"/>
-              </a:rPr>
-              <a:t>(</a:t>
-            </a:r>
-            <a:r>
-              <a:rPr lang="da-DK" dirty="0" err="1">
-                <a:solidFill>
-                  <a:srgbClr val="000000"/>
-                </a:solidFill>
-                <a:latin typeface="Consolas" panose="020B0609020204030204" pitchFamily="49" charset="0"/>
-              </a:rPr>
-              <a:t>result</a:t>
-            </a:r>
-            <a:r>
-              <a:rPr lang="da-DK" dirty="0">
-                <a:solidFill>
-                  <a:srgbClr val="000000"/>
-                </a:solidFill>
-                <a:latin typeface="Consolas" panose="020B0609020204030204" pitchFamily="49" charset="0"/>
-              </a:rPr>
-              <a:t>);</a:t>
-            </a:r>
-          </a:p>
-          <a:p>
-            <a:r>
-              <a:rPr lang="da-DK" dirty="0">
-                <a:solidFill>
-                  <a:srgbClr val="000000"/>
-                </a:solidFill>
-                <a:latin typeface="Consolas" panose="020B0609020204030204" pitchFamily="49" charset="0"/>
-              </a:rPr>
-              <a:t>        }</a:t>
-            </a:r>
-          </a:p>
-          <a:p>
-            <a:r>
-              <a:rPr lang="da-DK" dirty="0">
-                <a:solidFill>
-                  <a:srgbClr val="000000"/>
-                </a:solidFill>
-                <a:latin typeface="Consolas" panose="020B0609020204030204" pitchFamily="49" charset="0"/>
-              </a:rPr>
-              <a:t>    }</a:t>
-            </a:r>
-          </a:p>
-          <a:p>
-            <a:r>
-              <a:rPr lang="da-DK" dirty="0">
-                <a:solidFill>
-                  <a:srgbClr val="000000"/>
-                </a:solidFill>
-                <a:latin typeface="Consolas" panose="020B0609020204030204" pitchFamily="49" charset="0"/>
-              </a:rPr>
-              <a:t>}</a:t>
-            </a:r>
-            <a:endParaRPr lang="da-DK" dirty="0"/>
-          </a:p>
-        </p:txBody>
-      </p:sp>
-      <p:sp>
-        <p:nvSpPr>
-          <p:cNvPr id="5" name="Speech Bubble: Rectangle 4"/>
-          <p:cNvSpPr/>
-          <p:nvPr/>
-        </p:nvSpPr>
-        <p:spPr bwMode="auto">
-          <a:xfrm>
-            <a:off x="5669110" y="463935"/>
-            <a:ext cx="3291376" cy="640074"/>
-          </a:xfrm>
-          <a:prstGeom prst="wedgeRectCallout">
-            <a:avLst>
-              <a:gd name="adj1" fmla="val -46540"/>
-              <a:gd name="adj2" fmla="val 388778"/>
-            </a:avLst>
-          </a:prstGeom>
-          <a:solidFill>
-            <a:srgbClr val="68217A"/>
-          </a:solidFill>
-          <a:ln>
-            <a:noFill/>
-            <a:headEnd type="none" w="med" len="med"/>
-            <a:tailEnd type="none" w="med" len="med"/>
-          </a:ln>
-          <a:effectLst/>
-        </p:spPr>
-        <p:style>
-          <a:lnRef idx="1">
-            <a:schemeClr val="accent2"/>
-          </a:lnRef>
-          <a:fillRef idx="3">
-            <a:schemeClr val="accent2"/>
-          </a:fillRef>
-          <a:effectRef idx="2">
-            <a:schemeClr val="accent2"/>
-          </a:effectRef>
-          <a:fontRef idx="minor">
-            <a:schemeClr val="lt1"/>
-          </a:fontRef>
-        </p:style>
-        <p:txBody>
-          <a:bodyPr rot="0" spcFirstLastPara="0" vertOverflow="overflow" horzOverflow="overflow" vert="horz" wrap="square" lIns="182880" tIns="146304" rIns="182880" bIns="146304" numCol="1" spcCol="0" rtlCol="0" fromWordArt="0" anchor="t" anchorCtr="0" forceAA="0" compatLnSpc="1">
-            <a:prstTxWarp prst="textNoShape">
-              <a:avLst/>
-            </a:prstTxWarp>
-            <a:noAutofit/>
-          </a:bodyPr>
-          <a:lstStyle/>
-          <a:p>
-            <a:pPr algn="ctr" defTabSz="932472" fontAlgn="base">
-              <a:lnSpc>
-                <a:spcPct val="90000"/>
-              </a:lnSpc>
-              <a:spcBef>
-                <a:spcPct val="0"/>
-              </a:spcBef>
-              <a:spcAft>
-                <a:spcPct val="0"/>
-              </a:spcAft>
-            </a:pPr>
-            <a:r>
-              <a:rPr lang="da-DK" sz="2400" dirty="0" err="1">
-                <a:gradFill>
-                  <a:gsLst>
-                    <a:gs pos="0">
-                      <a:srgbClr val="FFFFFF"/>
-                    </a:gs>
-                    <a:gs pos="100000">
-                      <a:srgbClr val="FFFFFF"/>
-                    </a:gs>
-                  </a:gsLst>
-                  <a:lin ang="5400000" scaled="0"/>
-                </a:gradFill>
-                <a:ea typeface="Segoe UI" pitchFamily="34" charset="0"/>
-                <a:cs typeface="Segoe UI" pitchFamily="34" charset="0"/>
-              </a:rPr>
-              <a:t>Configure</a:t>
-            </a:r>
-            <a:r>
-              <a:rPr lang="da-DK" sz="2400" dirty="0">
-                <a:gradFill>
-                  <a:gsLst>
-                    <a:gs pos="0">
-                      <a:srgbClr val="FFFFFF"/>
-                    </a:gs>
-                    <a:gs pos="100000">
-                      <a:srgbClr val="FFFFFF"/>
-                    </a:gs>
-                  </a:gsLst>
-                  <a:lin ang="5400000" scaled="0"/>
-                </a:gradFill>
-                <a:ea typeface="Segoe UI" pitchFamily="34" charset="0"/>
-                <a:cs typeface="Segoe UI" pitchFamily="34" charset="0"/>
-              </a:rPr>
-              <a:t> the </a:t>
-            </a:r>
-            <a:r>
-              <a:rPr lang="da-DK" sz="2400" dirty="0" err="1">
-                <a:gradFill>
-                  <a:gsLst>
-                    <a:gs pos="0">
-                      <a:srgbClr val="FFFFFF"/>
-                    </a:gs>
-                    <a:gs pos="100000">
-                      <a:srgbClr val="FFFFFF"/>
-                    </a:gs>
-                  </a:gsLst>
-                  <a:lin ang="5400000" scaled="0"/>
-                </a:gradFill>
-                <a:ea typeface="Segoe UI" pitchFamily="34" charset="0"/>
-                <a:cs typeface="Segoe UI" pitchFamily="34" charset="0"/>
-              </a:rPr>
-              <a:t>mock</a:t>
-            </a:r>
-            <a:endParaRPr lang="da-DK" sz="2400" dirty="0">
-              <a:gradFill>
-                <a:gsLst>
-                  <a:gs pos="0">
-                    <a:srgbClr val="FFFFFF"/>
-                  </a:gs>
-                  <a:gs pos="100000">
-                    <a:srgbClr val="FFFFFF"/>
-                  </a:gs>
-                </a:gsLst>
-                <a:lin ang="5400000" scaled="0"/>
-              </a:gradFill>
-              <a:ea typeface="Segoe UI" pitchFamily="34" charset="0"/>
-              <a:cs typeface="Segoe UI" pitchFamily="34" charset="0"/>
-            </a:endParaRPr>
-          </a:p>
-        </p:txBody>
-      </p:sp>
-    </p:spTree>
-    <p:extLst>
-      <p:ext uri="{BB962C8B-B14F-4D97-AF65-F5344CB8AC3E}">
-        <p14:creationId xmlns:p14="http://schemas.microsoft.com/office/powerpoint/2010/main" val="1723436954"/>
       </p:ext>
     </p:extLst>
   </p:cSld>
@@ -10465,7 +9854,7 @@
       </p:grpSpPr>
       <p:sp>
         <p:nvSpPr>
-          <p:cNvPr id="4" name="Title 3"/>
+          <p:cNvPr id="3" name="Title 2"/>
           <p:cNvSpPr>
             <a:spLocks noGrp="1"/>
           </p:cNvSpPr>
@@ -10479,16 +9868,846 @@
           <a:lstStyle/>
           <a:p>
             <a:r>
+              <a:rPr lang="da-DK" dirty="0" err="1"/>
+              <a:t>Mock</a:t>
+            </a:r>
+            <a:r>
               <a:rPr lang="da-DK" dirty="0"/>
-              <a:t>Demo</a:t>
-            </a:r>
+              <a:t> </a:t>
+            </a:r>
+            <a:r>
+              <a:rPr lang="da-DK" dirty="0" err="1"/>
+              <a:t>testing</a:t>
+            </a:r>
+            <a:r>
+              <a:rPr lang="da-DK" dirty="0"/>
+              <a:t> II</a:t>
+            </a:r>
+          </a:p>
+        </p:txBody>
+      </p:sp>
+      <p:sp>
+        <p:nvSpPr>
+          <p:cNvPr id="4" name="Rectangle 3"/>
+          <p:cNvSpPr/>
+          <p:nvPr/>
+        </p:nvSpPr>
+        <p:spPr>
+          <a:xfrm>
+            <a:off x="228651" y="1577043"/>
+            <a:ext cx="8869261" cy="4524315"/>
+          </a:xfrm>
+          <a:prstGeom prst="rect">
+            <a:avLst/>
+          </a:prstGeom>
+        </p:spPr>
+        <p:txBody>
+          <a:bodyPr wrap="square">
+            <a:spAutoFit/>
+          </a:bodyPr>
+          <a:lstStyle/>
+          <a:p>
+            <a:r>
+              <a:rPr lang="da-DK" dirty="0">
+                <a:solidFill>
+                  <a:srgbClr val="0000FF"/>
+                </a:solidFill>
+                <a:latin typeface="Consolas" panose="020B0609020204030204" pitchFamily="49" charset="0"/>
+              </a:rPr>
+              <a:t>public</a:t>
+            </a:r>
+            <a:r>
+              <a:rPr lang="da-DK" dirty="0">
+                <a:solidFill>
+                  <a:srgbClr val="000000"/>
+                </a:solidFill>
+                <a:latin typeface="Consolas" panose="020B0609020204030204" pitchFamily="49" charset="0"/>
+              </a:rPr>
+              <a:t> </a:t>
+            </a:r>
+            <a:r>
+              <a:rPr lang="da-DK" dirty="0">
+                <a:solidFill>
+                  <a:srgbClr val="0000FF"/>
+                </a:solidFill>
+                <a:latin typeface="Consolas" panose="020B0609020204030204" pitchFamily="49" charset="0"/>
+              </a:rPr>
+              <a:t>class</a:t>
+            </a:r>
+            <a:r>
+              <a:rPr lang="da-DK" dirty="0">
+                <a:solidFill>
+                  <a:srgbClr val="000000"/>
+                </a:solidFill>
+                <a:latin typeface="Consolas" panose="020B0609020204030204" pitchFamily="49" charset="0"/>
+              </a:rPr>
+              <a:t> </a:t>
+            </a:r>
+            <a:r>
+              <a:rPr lang="da-DK" dirty="0" err="1">
+                <a:solidFill>
+                  <a:srgbClr val="2B91AF"/>
+                </a:solidFill>
+                <a:latin typeface="Consolas" panose="020B0609020204030204" pitchFamily="49" charset="0"/>
+              </a:rPr>
+              <a:t>WorkerTests</a:t>
+            </a:r>
+            <a:endParaRPr lang="da-DK" dirty="0">
+              <a:solidFill>
+                <a:srgbClr val="000000"/>
+              </a:solidFill>
+              <a:latin typeface="Consolas" panose="020B0609020204030204" pitchFamily="49" charset="0"/>
+            </a:endParaRPr>
+          </a:p>
+          <a:p>
+            <a:r>
+              <a:rPr lang="da-DK" dirty="0">
+                <a:solidFill>
+                  <a:srgbClr val="000000"/>
+                </a:solidFill>
+                <a:latin typeface="Consolas" panose="020B0609020204030204" pitchFamily="49" charset="0"/>
+              </a:rPr>
+              <a:t>{</a:t>
+            </a:r>
+          </a:p>
+          <a:p>
+            <a:r>
+              <a:rPr lang="da-DK" dirty="0">
+                <a:solidFill>
+                  <a:srgbClr val="000000"/>
+                </a:solidFill>
+                <a:latin typeface="Consolas" panose="020B0609020204030204" pitchFamily="49" charset="0"/>
+              </a:rPr>
+              <a:t>    [</a:t>
+            </a:r>
+            <a:r>
+              <a:rPr lang="da-DK" dirty="0" err="1">
+                <a:solidFill>
+                  <a:srgbClr val="2B91AF"/>
+                </a:solidFill>
+                <a:latin typeface="Consolas" panose="020B0609020204030204" pitchFamily="49" charset="0"/>
+              </a:rPr>
+              <a:t>Fact</a:t>
+            </a:r>
+            <a:r>
+              <a:rPr lang="da-DK" dirty="0">
+                <a:solidFill>
+                  <a:srgbClr val="000000"/>
+                </a:solidFill>
+                <a:latin typeface="Consolas" panose="020B0609020204030204" pitchFamily="49" charset="0"/>
+              </a:rPr>
+              <a:t>]</a:t>
+            </a:r>
+          </a:p>
+          <a:p>
+            <a:r>
+              <a:rPr lang="en-US" dirty="0">
+                <a:solidFill>
+                  <a:srgbClr val="000000"/>
+                </a:solidFill>
+                <a:latin typeface="Consolas" panose="020B0609020204030204" pitchFamily="49" charset="0"/>
+              </a:rPr>
+              <a:t>    </a:t>
+            </a:r>
+            <a:r>
+              <a:rPr lang="en-US" dirty="0">
+                <a:solidFill>
+                  <a:srgbClr val="0000FF"/>
+                </a:solidFill>
+                <a:latin typeface="Consolas" panose="020B0609020204030204" pitchFamily="49" charset="0"/>
+              </a:rPr>
+              <a:t>public</a:t>
+            </a:r>
+            <a:r>
+              <a:rPr lang="en-US" dirty="0">
+                <a:solidFill>
+                  <a:srgbClr val="000000"/>
+                </a:solidFill>
+                <a:latin typeface="Consolas" panose="020B0609020204030204" pitchFamily="49" charset="0"/>
+              </a:rPr>
+              <a:t> </a:t>
+            </a:r>
+            <a:r>
+              <a:rPr lang="en-US" dirty="0">
+                <a:solidFill>
+                  <a:srgbClr val="0000FF"/>
+                </a:solidFill>
+                <a:latin typeface="Consolas" panose="020B0609020204030204" pitchFamily="49" charset="0"/>
+              </a:rPr>
+              <a:t>void</a:t>
+            </a:r>
+            <a:r>
+              <a:rPr lang="en-US" dirty="0">
+                <a:solidFill>
+                  <a:srgbClr val="000000"/>
+                </a:solidFill>
+                <a:latin typeface="Consolas" panose="020B0609020204030204" pitchFamily="49" charset="0"/>
+              </a:rPr>
+              <a:t> </a:t>
+            </a:r>
+            <a:r>
+              <a:rPr lang="en-US" dirty="0" err="1">
+                <a:solidFill>
+                  <a:srgbClr val="000000"/>
+                </a:solidFill>
+                <a:latin typeface="Consolas" panose="020B0609020204030204" pitchFamily="49" charset="0"/>
+              </a:rPr>
+              <a:t>DoWork_when_IFooService_Update_true_returns_true</a:t>
+            </a:r>
+            <a:r>
+              <a:rPr lang="en-US" dirty="0">
+                <a:solidFill>
+                  <a:srgbClr val="000000"/>
+                </a:solidFill>
+                <a:latin typeface="Consolas" panose="020B0609020204030204" pitchFamily="49" charset="0"/>
+              </a:rPr>
+              <a:t>()</a:t>
+            </a:r>
+          </a:p>
+          <a:p>
+            <a:r>
+              <a:rPr lang="da-DK" dirty="0">
+                <a:solidFill>
+                  <a:srgbClr val="000000"/>
+                </a:solidFill>
+                <a:latin typeface="Consolas" panose="020B0609020204030204" pitchFamily="49" charset="0"/>
+              </a:rPr>
+              <a:t>    {</a:t>
+            </a:r>
+          </a:p>
+          <a:p>
+            <a:r>
+              <a:rPr lang="en-US" dirty="0">
+                <a:solidFill>
+                  <a:srgbClr val="000000"/>
+                </a:solidFill>
+                <a:latin typeface="Consolas" panose="020B0609020204030204" pitchFamily="49" charset="0"/>
+              </a:rPr>
+              <a:t>        </a:t>
+            </a:r>
+            <a:r>
+              <a:rPr lang="en-US" dirty="0" err="1">
+                <a:solidFill>
+                  <a:srgbClr val="0000FF"/>
+                </a:solidFill>
+                <a:latin typeface="Consolas" panose="020B0609020204030204" pitchFamily="49" charset="0"/>
+              </a:rPr>
+              <a:t>var</a:t>
+            </a:r>
+            <a:r>
+              <a:rPr lang="en-US" dirty="0">
+                <a:solidFill>
+                  <a:srgbClr val="000000"/>
+                </a:solidFill>
+                <a:latin typeface="Consolas" panose="020B0609020204030204" pitchFamily="49" charset="0"/>
+              </a:rPr>
+              <a:t> mock = </a:t>
+            </a:r>
+            <a:r>
+              <a:rPr lang="en-US" dirty="0">
+                <a:solidFill>
+                  <a:srgbClr val="0000FF"/>
+                </a:solidFill>
+                <a:latin typeface="Consolas" panose="020B0609020204030204" pitchFamily="49" charset="0"/>
+              </a:rPr>
+              <a:t>new</a:t>
+            </a:r>
+            <a:r>
+              <a:rPr lang="en-US" dirty="0">
+                <a:solidFill>
+                  <a:srgbClr val="000000"/>
+                </a:solidFill>
+                <a:latin typeface="Consolas" panose="020B0609020204030204" pitchFamily="49" charset="0"/>
+              </a:rPr>
+              <a:t> </a:t>
+            </a:r>
+            <a:r>
+              <a:rPr lang="en-US" dirty="0">
+                <a:solidFill>
+                  <a:srgbClr val="2B91AF"/>
+                </a:solidFill>
+                <a:latin typeface="Consolas" panose="020B0609020204030204" pitchFamily="49" charset="0"/>
+              </a:rPr>
+              <a:t>Mock</a:t>
+            </a:r>
+            <a:r>
+              <a:rPr lang="en-US" dirty="0">
+                <a:solidFill>
+                  <a:srgbClr val="000000"/>
+                </a:solidFill>
+                <a:latin typeface="Consolas" panose="020B0609020204030204" pitchFamily="49" charset="0"/>
+              </a:rPr>
+              <a:t>&lt;</a:t>
+            </a:r>
+            <a:r>
+              <a:rPr lang="en-US" dirty="0" err="1">
+                <a:solidFill>
+                  <a:srgbClr val="2B91AF"/>
+                </a:solidFill>
+                <a:latin typeface="Consolas" panose="020B0609020204030204" pitchFamily="49" charset="0"/>
+              </a:rPr>
+              <a:t>IFooService</a:t>
+            </a:r>
+            <a:r>
+              <a:rPr lang="en-US" dirty="0">
+                <a:solidFill>
+                  <a:srgbClr val="000000"/>
+                </a:solidFill>
+                <a:latin typeface="Consolas" panose="020B0609020204030204" pitchFamily="49" charset="0"/>
+              </a:rPr>
+              <a:t>&gt;();</a:t>
+            </a:r>
+          </a:p>
+          <a:p>
+            <a:r>
+              <a:rPr lang="en-US" dirty="0">
+                <a:solidFill>
+                  <a:srgbClr val="000000"/>
+                </a:solidFill>
+                <a:latin typeface="Consolas" panose="020B0609020204030204" pitchFamily="49" charset="0"/>
+              </a:rPr>
+              <a:t>        </a:t>
+            </a:r>
+            <a:r>
+              <a:rPr lang="en-US" dirty="0" err="1">
+                <a:solidFill>
+                  <a:srgbClr val="000000"/>
+                </a:solidFill>
+                <a:latin typeface="Consolas" panose="020B0609020204030204" pitchFamily="49" charset="0"/>
+              </a:rPr>
+              <a:t>mock.Setup</a:t>
+            </a:r>
+            <a:r>
+              <a:rPr lang="en-US" dirty="0">
+                <a:solidFill>
+                  <a:srgbClr val="000000"/>
+                </a:solidFill>
+                <a:latin typeface="Consolas" panose="020B0609020204030204" pitchFamily="49" charset="0"/>
+              </a:rPr>
+              <a:t>(m =&gt; </a:t>
+            </a:r>
+            <a:r>
+              <a:rPr lang="en-US" dirty="0" err="1">
+                <a:solidFill>
+                  <a:srgbClr val="000000"/>
+                </a:solidFill>
+                <a:latin typeface="Consolas" panose="020B0609020204030204" pitchFamily="49" charset="0"/>
+              </a:rPr>
+              <a:t>m.Update</a:t>
+            </a:r>
+            <a:r>
+              <a:rPr lang="en-US" dirty="0">
+                <a:solidFill>
+                  <a:srgbClr val="000000"/>
+                </a:solidFill>
+                <a:latin typeface="Consolas" panose="020B0609020204030204" pitchFamily="49" charset="0"/>
+              </a:rPr>
+              <a:t>(</a:t>
+            </a:r>
+            <a:r>
+              <a:rPr lang="en-US" dirty="0" err="1">
+                <a:solidFill>
+                  <a:srgbClr val="2B91AF"/>
+                </a:solidFill>
+                <a:latin typeface="Consolas" panose="020B0609020204030204" pitchFamily="49" charset="0"/>
+              </a:rPr>
+              <a:t>It</a:t>
+            </a:r>
+            <a:r>
+              <a:rPr lang="en-US" dirty="0" err="1">
+                <a:solidFill>
+                  <a:srgbClr val="000000"/>
+                </a:solidFill>
+                <a:latin typeface="Consolas" panose="020B0609020204030204" pitchFamily="49" charset="0"/>
+              </a:rPr>
+              <a:t>.IsAny</a:t>
+            </a:r>
+            <a:r>
+              <a:rPr lang="en-US" dirty="0">
+                <a:solidFill>
+                  <a:srgbClr val="000000"/>
+                </a:solidFill>
+                <a:latin typeface="Consolas" panose="020B0609020204030204" pitchFamily="49" charset="0"/>
+              </a:rPr>
+              <a:t>&lt;</a:t>
+            </a:r>
+            <a:r>
+              <a:rPr lang="en-US" dirty="0">
+                <a:solidFill>
+                  <a:srgbClr val="2B91AF"/>
+                </a:solidFill>
+                <a:latin typeface="Consolas" panose="020B0609020204030204" pitchFamily="49" charset="0"/>
+              </a:rPr>
+              <a:t>Foo</a:t>
+            </a:r>
+            <a:r>
+              <a:rPr lang="en-US" dirty="0">
+                <a:solidFill>
+                  <a:srgbClr val="000000"/>
+                </a:solidFill>
+                <a:latin typeface="Consolas" panose="020B0609020204030204" pitchFamily="49" charset="0"/>
+              </a:rPr>
+              <a:t>&gt;())).Returns(</a:t>
+            </a:r>
+            <a:r>
+              <a:rPr lang="en-US" dirty="0">
+                <a:solidFill>
+                  <a:srgbClr val="0000FF"/>
+                </a:solidFill>
+                <a:latin typeface="Consolas" panose="020B0609020204030204" pitchFamily="49" charset="0"/>
+              </a:rPr>
+              <a:t>true</a:t>
+            </a:r>
+            <a:r>
+              <a:rPr lang="en-US" dirty="0">
+                <a:solidFill>
+                  <a:srgbClr val="000000"/>
+                </a:solidFill>
+                <a:latin typeface="Consolas" panose="020B0609020204030204" pitchFamily="49" charset="0"/>
+              </a:rPr>
+              <a:t>);</a:t>
+            </a:r>
+          </a:p>
+          <a:p>
+            <a:endParaRPr lang="da-DK" dirty="0">
+              <a:solidFill>
+                <a:srgbClr val="000000"/>
+              </a:solidFill>
+              <a:latin typeface="Consolas" panose="020B0609020204030204" pitchFamily="49" charset="0"/>
+            </a:endParaRPr>
+          </a:p>
+          <a:p>
+            <a:r>
+              <a:rPr lang="en-US" dirty="0">
+                <a:solidFill>
+                  <a:srgbClr val="000000"/>
+                </a:solidFill>
+                <a:latin typeface="Consolas" panose="020B0609020204030204" pitchFamily="49" charset="0"/>
+              </a:rPr>
+              <a:t>        </a:t>
+            </a:r>
+            <a:r>
+              <a:rPr lang="en-US" dirty="0">
+                <a:solidFill>
+                  <a:srgbClr val="0000FF"/>
+                </a:solidFill>
+                <a:latin typeface="Consolas" panose="020B0609020204030204" pitchFamily="49" charset="0"/>
+              </a:rPr>
+              <a:t>using</a:t>
+            </a:r>
+            <a:r>
+              <a:rPr lang="en-US" dirty="0">
+                <a:solidFill>
+                  <a:srgbClr val="000000"/>
+                </a:solidFill>
+                <a:latin typeface="Consolas" panose="020B0609020204030204" pitchFamily="49" charset="0"/>
+              </a:rPr>
+              <a:t> (</a:t>
+            </a:r>
+            <a:r>
+              <a:rPr lang="en-US" dirty="0" err="1">
+                <a:solidFill>
+                  <a:srgbClr val="0000FF"/>
+                </a:solidFill>
+                <a:latin typeface="Consolas" panose="020B0609020204030204" pitchFamily="49" charset="0"/>
+              </a:rPr>
+              <a:t>var</a:t>
+            </a:r>
+            <a:r>
+              <a:rPr lang="en-US" dirty="0">
+                <a:solidFill>
+                  <a:srgbClr val="000000"/>
+                </a:solidFill>
+                <a:latin typeface="Consolas" panose="020B0609020204030204" pitchFamily="49" charset="0"/>
+              </a:rPr>
+              <a:t> worker = </a:t>
+            </a:r>
+            <a:r>
+              <a:rPr lang="en-US" dirty="0">
+                <a:solidFill>
+                  <a:srgbClr val="0000FF"/>
+                </a:solidFill>
+                <a:latin typeface="Consolas" panose="020B0609020204030204" pitchFamily="49" charset="0"/>
+              </a:rPr>
+              <a:t>new</a:t>
+            </a:r>
+            <a:r>
+              <a:rPr lang="en-US" dirty="0">
+                <a:solidFill>
+                  <a:srgbClr val="000000"/>
+                </a:solidFill>
+                <a:latin typeface="Consolas" panose="020B0609020204030204" pitchFamily="49" charset="0"/>
+              </a:rPr>
+              <a:t> </a:t>
+            </a:r>
+            <a:r>
+              <a:rPr lang="en-US" dirty="0">
+                <a:solidFill>
+                  <a:srgbClr val="2B91AF"/>
+                </a:solidFill>
+                <a:latin typeface="Consolas" panose="020B0609020204030204" pitchFamily="49" charset="0"/>
+              </a:rPr>
+              <a:t>Worker</a:t>
+            </a:r>
+            <a:r>
+              <a:rPr lang="en-US" dirty="0">
+                <a:solidFill>
+                  <a:srgbClr val="000000"/>
+                </a:solidFill>
+                <a:latin typeface="Consolas" panose="020B0609020204030204" pitchFamily="49" charset="0"/>
+              </a:rPr>
+              <a:t>(</a:t>
+            </a:r>
+            <a:r>
+              <a:rPr lang="da-DK" dirty="0" err="1">
+                <a:solidFill>
+                  <a:srgbClr val="000000"/>
+                </a:solidFill>
+                <a:latin typeface="Consolas" panose="020B0609020204030204" pitchFamily="49" charset="0"/>
+              </a:rPr>
+              <a:t>mock.Object</a:t>
+            </a:r>
+            <a:r>
+              <a:rPr lang="en-US" dirty="0">
+                <a:solidFill>
+                  <a:srgbClr val="000000"/>
+                </a:solidFill>
+                <a:latin typeface="Consolas" panose="020B0609020204030204" pitchFamily="49" charset="0"/>
+              </a:rPr>
+              <a:t>))</a:t>
+            </a:r>
+          </a:p>
+          <a:p>
+            <a:r>
+              <a:rPr lang="da-DK" dirty="0">
+                <a:solidFill>
+                  <a:srgbClr val="000000"/>
+                </a:solidFill>
+                <a:latin typeface="Consolas" panose="020B0609020204030204" pitchFamily="49" charset="0"/>
+              </a:rPr>
+              <a:t>        {</a:t>
+            </a:r>
+          </a:p>
+          <a:p>
+            <a:r>
+              <a:rPr lang="en-US" dirty="0">
+                <a:solidFill>
+                  <a:srgbClr val="000000"/>
+                </a:solidFill>
+                <a:latin typeface="Consolas" panose="020B0609020204030204" pitchFamily="49" charset="0"/>
+              </a:rPr>
+              <a:t>            </a:t>
+            </a:r>
+            <a:r>
+              <a:rPr lang="en-US" dirty="0" err="1">
+                <a:solidFill>
+                  <a:srgbClr val="0000FF"/>
+                </a:solidFill>
+                <a:latin typeface="Consolas" panose="020B0609020204030204" pitchFamily="49" charset="0"/>
+              </a:rPr>
+              <a:t>var</a:t>
+            </a:r>
+            <a:r>
+              <a:rPr lang="en-US" dirty="0">
+                <a:solidFill>
+                  <a:srgbClr val="000000"/>
+                </a:solidFill>
+                <a:latin typeface="Consolas" panose="020B0609020204030204" pitchFamily="49" charset="0"/>
+              </a:rPr>
+              <a:t> result = </a:t>
+            </a:r>
+            <a:r>
+              <a:rPr lang="en-US" dirty="0" err="1">
+                <a:solidFill>
+                  <a:srgbClr val="000000"/>
+                </a:solidFill>
+                <a:latin typeface="Consolas" panose="020B0609020204030204" pitchFamily="49" charset="0"/>
+              </a:rPr>
+              <a:t>worker.DoWork</a:t>
+            </a:r>
+            <a:r>
+              <a:rPr lang="en-US" dirty="0">
+                <a:solidFill>
+                  <a:srgbClr val="000000"/>
+                </a:solidFill>
+                <a:latin typeface="Consolas" panose="020B0609020204030204" pitchFamily="49" charset="0"/>
+              </a:rPr>
+              <a:t>(</a:t>
+            </a:r>
+            <a:r>
+              <a:rPr lang="en-US" dirty="0">
+                <a:solidFill>
+                  <a:srgbClr val="0000FF"/>
+                </a:solidFill>
+                <a:latin typeface="Consolas" panose="020B0609020204030204" pitchFamily="49" charset="0"/>
+              </a:rPr>
+              <a:t>new</a:t>
+            </a:r>
+            <a:r>
+              <a:rPr lang="en-US" dirty="0">
+                <a:solidFill>
+                  <a:srgbClr val="000000"/>
+                </a:solidFill>
+                <a:latin typeface="Consolas" panose="020B0609020204030204" pitchFamily="49" charset="0"/>
+              </a:rPr>
+              <a:t> </a:t>
+            </a:r>
+            <a:r>
+              <a:rPr lang="en-US" dirty="0" err="1">
+                <a:solidFill>
+                  <a:srgbClr val="2B91AF"/>
+                </a:solidFill>
+                <a:latin typeface="Consolas" panose="020B0609020204030204" pitchFamily="49" charset="0"/>
+              </a:rPr>
+              <a:t>FooDto</a:t>
+            </a:r>
+            <a:r>
+              <a:rPr lang="en-US" dirty="0">
+                <a:solidFill>
+                  <a:srgbClr val="000000"/>
+                </a:solidFill>
+                <a:latin typeface="Consolas" panose="020B0609020204030204" pitchFamily="49" charset="0"/>
+              </a:rPr>
+              <a:t>());</a:t>
+            </a:r>
+          </a:p>
+          <a:p>
+            <a:endParaRPr lang="da-DK" dirty="0">
+              <a:solidFill>
+                <a:srgbClr val="000000"/>
+              </a:solidFill>
+              <a:latin typeface="Consolas" panose="020B0609020204030204" pitchFamily="49" charset="0"/>
+            </a:endParaRPr>
+          </a:p>
+          <a:p>
+            <a:r>
+              <a:rPr lang="da-DK" dirty="0">
+                <a:solidFill>
+                  <a:srgbClr val="000000"/>
+                </a:solidFill>
+                <a:latin typeface="Consolas" panose="020B0609020204030204" pitchFamily="49" charset="0"/>
+              </a:rPr>
+              <a:t>            </a:t>
+            </a:r>
+            <a:r>
+              <a:rPr lang="da-DK" dirty="0" err="1">
+                <a:solidFill>
+                  <a:srgbClr val="2B91AF"/>
+                </a:solidFill>
+                <a:latin typeface="Consolas" panose="020B0609020204030204" pitchFamily="49" charset="0"/>
+              </a:rPr>
+              <a:t>Assert</a:t>
+            </a:r>
+            <a:r>
+              <a:rPr lang="da-DK" dirty="0" err="1">
+                <a:solidFill>
+                  <a:srgbClr val="000000"/>
+                </a:solidFill>
+                <a:latin typeface="Consolas" panose="020B0609020204030204" pitchFamily="49" charset="0"/>
+              </a:rPr>
+              <a:t>.True</a:t>
+            </a:r>
+            <a:r>
+              <a:rPr lang="da-DK" dirty="0">
+                <a:solidFill>
+                  <a:srgbClr val="000000"/>
+                </a:solidFill>
+                <a:latin typeface="Consolas" panose="020B0609020204030204" pitchFamily="49" charset="0"/>
+              </a:rPr>
+              <a:t>(</a:t>
+            </a:r>
+            <a:r>
+              <a:rPr lang="da-DK" dirty="0" err="1">
+                <a:solidFill>
+                  <a:srgbClr val="000000"/>
+                </a:solidFill>
+                <a:latin typeface="Consolas" panose="020B0609020204030204" pitchFamily="49" charset="0"/>
+              </a:rPr>
+              <a:t>result</a:t>
+            </a:r>
+            <a:r>
+              <a:rPr lang="da-DK" dirty="0">
+                <a:solidFill>
+                  <a:srgbClr val="000000"/>
+                </a:solidFill>
+                <a:latin typeface="Consolas" panose="020B0609020204030204" pitchFamily="49" charset="0"/>
+              </a:rPr>
+              <a:t>);</a:t>
+            </a:r>
+          </a:p>
+          <a:p>
+            <a:r>
+              <a:rPr lang="da-DK" dirty="0">
+                <a:solidFill>
+                  <a:srgbClr val="000000"/>
+                </a:solidFill>
+                <a:latin typeface="Consolas" panose="020B0609020204030204" pitchFamily="49" charset="0"/>
+              </a:rPr>
+              <a:t>        }</a:t>
+            </a:r>
+          </a:p>
+          <a:p>
+            <a:r>
+              <a:rPr lang="da-DK" dirty="0">
+                <a:solidFill>
+                  <a:srgbClr val="000000"/>
+                </a:solidFill>
+                <a:latin typeface="Consolas" panose="020B0609020204030204" pitchFamily="49" charset="0"/>
+              </a:rPr>
+              <a:t>    }</a:t>
+            </a:r>
+          </a:p>
+          <a:p>
+            <a:r>
+              <a:rPr lang="da-DK" dirty="0">
+                <a:solidFill>
+                  <a:srgbClr val="000000"/>
+                </a:solidFill>
+                <a:latin typeface="Consolas" panose="020B0609020204030204" pitchFamily="49" charset="0"/>
+              </a:rPr>
+              <a:t>}</a:t>
+            </a:r>
+            <a:endParaRPr lang="da-DK" dirty="0"/>
+          </a:p>
+        </p:txBody>
+      </p:sp>
+      <p:sp>
+        <p:nvSpPr>
+          <p:cNvPr id="5" name="Speech Bubble: Rectangle 4"/>
+          <p:cNvSpPr/>
+          <p:nvPr/>
+        </p:nvSpPr>
+        <p:spPr bwMode="auto">
+          <a:xfrm>
+            <a:off x="5669110" y="463935"/>
+            <a:ext cx="3291376" cy="640074"/>
+          </a:xfrm>
+          <a:prstGeom prst="wedgeRectCallout">
+            <a:avLst>
+              <a:gd name="adj1" fmla="val -46540"/>
+              <a:gd name="adj2" fmla="val 388778"/>
+            </a:avLst>
+          </a:prstGeom>
+          <a:solidFill>
+            <a:srgbClr val="68217A"/>
+          </a:solidFill>
+          <a:ln>
+            <a:noFill/>
+            <a:headEnd type="none" w="med" len="med"/>
+            <a:tailEnd type="none" w="med" len="med"/>
+          </a:ln>
+          <a:effectLst/>
+        </p:spPr>
+        <p:style>
+          <a:lnRef idx="1">
+            <a:schemeClr val="accent2"/>
+          </a:lnRef>
+          <a:fillRef idx="3">
+            <a:schemeClr val="accent2"/>
+          </a:fillRef>
+          <a:effectRef idx="2">
+            <a:schemeClr val="accent2"/>
+          </a:effectRef>
+          <a:fontRef idx="minor">
+            <a:schemeClr val="lt1"/>
+          </a:fontRef>
+        </p:style>
+        <p:txBody>
+          <a:bodyPr rot="0" spcFirstLastPara="0" vertOverflow="overflow" horzOverflow="overflow" vert="horz" wrap="square" lIns="182880" tIns="146304" rIns="182880" bIns="146304" numCol="1" spcCol="0" rtlCol="0" fromWordArt="0" anchor="t" anchorCtr="0" forceAA="0" compatLnSpc="1">
+            <a:prstTxWarp prst="textNoShape">
+              <a:avLst/>
+            </a:prstTxWarp>
+            <a:noAutofit/>
+          </a:bodyPr>
+          <a:lstStyle/>
+          <a:p>
+            <a:pPr algn="ctr" defTabSz="932472" fontAlgn="base">
+              <a:lnSpc>
+                <a:spcPct val="90000"/>
+              </a:lnSpc>
+              <a:spcBef>
+                <a:spcPct val="0"/>
+              </a:spcBef>
+              <a:spcAft>
+                <a:spcPct val="0"/>
+              </a:spcAft>
+            </a:pPr>
+            <a:r>
+              <a:rPr lang="da-DK" sz="2400" dirty="0" err="1">
+                <a:gradFill>
+                  <a:gsLst>
+                    <a:gs pos="0">
+                      <a:srgbClr val="FFFFFF"/>
+                    </a:gs>
+                    <a:gs pos="100000">
+                      <a:srgbClr val="FFFFFF"/>
+                    </a:gs>
+                  </a:gsLst>
+                  <a:lin ang="5400000" scaled="0"/>
+                </a:gradFill>
+                <a:ea typeface="Segoe UI" pitchFamily="34" charset="0"/>
+                <a:cs typeface="Segoe UI" pitchFamily="34" charset="0"/>
+              </a:rPr>
+              <a:t>Configure</a:t>
+            </a:r>
+            <a:r>
+              <a:rPr lang="da-DK" sz="2400" dirty="0">
+                <a:gradFill>
+                  <a:gsLst>
+                    <a:gs pos="0">
+                      <a:srgbClr val="FFFFFF"/>
+                    </a:gs>
+                    <a:gs pos="100000">
+                      <a:srgbClr val="FFFFFF"/>
+                    </a:gs>
+                  </a:gsLst>
+                  <a:lin ang="5400000" scaled="0"/>
+                </a:gradFill>
+                <a:ea typeface="Segoe UI" pitchFamily="34" charset="0"/>
+                <a:cs typeface="Segoe UI" pitchFamily="34" charset="0"/>
+              </a:rPr>
+              <a:t> the </a:t>
+            </a:r>
+            <a:r>
+              <a:rPr lang="da-DK" sz="2400" dirty="0" err="1">
+                <a:gradFill>
+                  <a:gsLst>
+                    <a:gs pos="0">
+                      <a:srgbClr val="FFFFFF"/>
+                    </a:gs>
+                    <a:gs pos="100000">
+                      <a:srgbClr val="FFFFFF"/>
+                    </a:gs>
+                  </a:gsLst>
+                  <a:lin ang="5400000" scaled="0"/>
+                </a:gradFill>
+                <a:ea typeface="Segoe UI" pitchFamily="34" charset="0"/>
+                <a:cs typeface="Segoe UI" pitchFamily="34" charset="0"/>
+              </a:rPr>
+              <a:t>mock</a:t>
+            </a:r>
+            <a:endParaRPr lang="da-DK" sz="2400" dirty="0">
+              <a:gradFill>
+                <a:gsLst>
+                  <a:gs pos="0">
+                    <a:srgbClr val="FFFFFF"/>
+                  </a:gs>
+                  <a:gs pos="100000">
+                    <a:srgbClr val="FFFFFF"/>
+                  </a:gs>
+                </a:gsLst>
+                <a:lin ang="5400000" scaled="0"/>
+              </a:gradFill>
+              <a:ea typeface="Segoe UI" pitchFamily="34" charset="0"/>
+              <a:cs typeface="Segoe UI" pitchFamily="34" charset="0"/>
+            </a:endParaRPr>
           </a:p>
         </p:txBody>
       </p:sp>
     </p:spTree>
     <p:extLst>
       <p:ext uri="{BB962C8B-B14F-4D97-AF65-F5344CB8AC3E}">
-        <p14:creationId xmlns:p14="http://schemas.microsoft.com/office/powerpoint/2010/main" val="3099204126"/>
+        <p14:creationId xmlns:p14="http://schemas.microsoft.com/office/powerpoint/2010/main" val="1723436954"/>
       </p:ext>
     </p:extLst>
   </p:cSld>
@@ -10520,7 +10739,7 @@
       </p:grpSpPr>
       <p:sp>
         <p:nvSpPr>
-          <p:cNvPr id="3" name="Title 2"/>
+          <p:cNvPr id="4" name="Title 3"/>
           <p:cNvSpPr>
             <a:spLocks noGrp="1"/>
           </p:cNvSpPr>
@@ -10534,23 +10753,8 @@
           <a:lstStyle/>
           <a:p>
             <a:r>
-              <a:rPr lang="da-DK" dirty="0" err="1"/>
-              <a:t>Testing</a:t>
-            </a:r>
-            <a:r>
               <a:rPr lang="da-DK" dirty="0"/>
-              <a:t> </a:t>
-            </a:r>
-            <a:br>
-              <a:rPr lang="da-DK" dirty="0"/>
-            </a:br>
-            <a:r>
-              <a:rPr lang="da-DK" dirty="0" err="1"/>
-              <a:t>Entity</a:t>
-            </a:r>
-            <a:r>
-              <a:rPr lang="da-DK" dirty="0"/>
-              <a:t> Framework</a:t>
+              <a:t>Demo</a:t>
             </a:r>
           </a:p>
         </p:txBody>
@@ -10558,7 +10762,7 @@
     </p:spTree>
     <p:extLst>
       <p:ext uri="{BB962C8B-B14F-4D97-AF65-F5344CB8AC3E}">
-        <p14:creationId xmlns:p14="http://schemas.microsoft.com/office/powerpoint/2010/main" val="3387630413"/>
+        <p14:creationId xmlns:p14="http://schemas.microsoft.com/office/powerpoint/2010/main" val="3099204126"/>
       </p:ext>
     </p:extLst>
   </p:cSld>
@@ -10590,6 +10794,84 @@
       </p:grpSpPr>
       <p:sp>
         <p:nvSpPr>
+          <p:cNvPr id="3" name="Title 2"/>
+          <p:cNvSpPr>
+            <a:spLocks noGrp="1"/>
+          </p:cNvSpPr>
+          <p:nvPr>
+            <p:ph type="title"/>
+          </p:nvPr>
+        </p:nvSpPr>
+        <p:spPr/>
+        <p:txBody>
+          <a:bodyPr/>
+          <a:lstStyle/>
+          <a:p>
+            <a:r>
+              <a:rPr lang="da-DK" dirty="0" err="1"/>
+              <a:t>Testing</a:t>
+            </a:r>
+            <a:r>
+              <a:rPr lang="da-DK" dirty="0"/>
+              <a:t> </a:t>
+            </a:r>
+            <a:br>
+              <a:rPr lang="da-DK" dirty="0"/>
+            </a:br>
+            <a:r>
+              <a:rPr lang="da-DK" dirty="0" err="1"/>
+              <a:t>Entity</a:t>
+            </a:r>
+            <a:r>
+              <a:rPr lang="da-DK" dirty="0"/>
+              <a:t> Framework</a:t>
+            </a:r>
+          </a:p>
+        </p:txBody>
+      </p:sp>
+    </p:spTree>
+    <p:extLst>
+      <p:ext uri="{BB962C8B-B14F-4D97-AF65-F5344CB8AC3E}">
+        <p14:creationId xmlns:p14="http://schemas.microsoft.com/office/powerpoint/2010/main" val="3387630413"/>
+      </p:ext>
+    </p:extLst>
+  </p:cSld>
+  <p:clrMapOvr>
+    <a:masterClrMapping/>
+  </p:clrMapOvr>
+  <p:transition>
+    <p:fade/>
+  </p:transition>
+</p:sld>
+</file>
+
+<file path=ppt/slides/slide23.xml><?xml version="1.0" encoding="utf-8"?>
+<p:sld xmlns:a="http://schemas.openxmlformats.org/drawingml/2006/main" xmlns:r="http://schemas.openxmlformats.org/officeDocument/2006/relationships" xmlns:p="http://schemas.openxmlformats.org/presentationml/2006/main">
+  <p:cSld>
+    <p:bg>
+      <p:bgPr>
+        <a:solidFill>
+          <a:srgbClr val="505050"/>
+        </a:solidFill>
+        <a:effectLst/>
+      </p:bgPr>
+    </p:bg>
+    <p:spTree>
+      <p:nvGrpSpPr>
+        <p:cNvPr id="1" name=""/>
+        <p:cNvGrpSpPr/>
+        <p:nvPr/>
+      </p:nvGrpSpPr>
+      <p:grpSpPr>
+        <a:xfrm>
+          <a:off x="0" y="0"/>
+          <a:ext cx="0" cy="0"/>
+          <a:chOff x="0" y="0"/>
+          <a:chExt cx="0" cy="0"/>
+        </a:xfrm>
+      </p:grpSpPr>
+      <p:sp>
+        <p:nvSpPr>
           <p:cNvPr id="2" name="Title 1"/>
           <p:cNvSpPr>
             <a:spLocks noGrp="1"/>
@@ -10603,14 +10885,2126 @@
           <a:bodyPr/>
           <a:lstStyle/>
           <a:p>
-            <a:endParaRPr lang="da-DK"/>
+            <a:r>
+              <a:rPr lang="da-DK" dirty="0">
+                <a:solidFill>
+                  <a:schemeClr val="bg1"/>
+                </a:solidFill>
+              </a:rPr>
+              <a:t>Best practices</a:t>
+            </a:r>
+          </a:p>
+        </p:txBody>
+      </p:sp>
+      <p:sp>
+        <p:nvSpPr>
+          <p:cNvPr id="8" name="Rectangle 7"/>
+          <p:cNvSpPr/>
+          <p:nvPr/>
+        </p:nvSpPr>
+        <p:spPr bwMode="auto">
+          <a:xfrm>
+            <a:off x="365648" y="2491433"/>
+            <a:ext cx="3593167" cy="1554463"/>
+          </a:xfrm>
+          <a:prstGeom prst="rect">
+            <a:avLst/>
+          </a:prstGeom>
+          <a:solidFill>
+            <a:srgbClr val="68217A"/>
+          </a:solidFill>
+          <a:ln>
+            <a:noFill/>
+            <a:headEnd type="none" w="med" len="med"/>
+            <a:tailEnd type="none" w="med" len="med"/>
+          </a:ln>
+          <a:effectLst/>
+        </p:spPr>
+        <p:style>
+          <a:lnRef idx="1">
+            <a:schemeClr val="accent2"/>
+          </a:lnRef>
+          <a:fillRef idx="3">
+            <a:schemeClr val="accent2"/>
+          </a:fillRef>
+          <a:effectRef idx="2">
+            <a:schemeClr val="accent2"/>
+          </a:effectRef>
+          <a:fontRef idx="minor">
+            <a:schemeClr val="lt1"/>
+          </a:fontRef>
+        </p:style>
+        <p:txBody>
+          <a:bodyPr rot="0" spcFirstLastPara="0" vertOverflow="overflow" horzOverflow="overflow" vert="horz" wrap="square" lIns="182880" tIns="146304" rIns="182880" bIns="146304" numCol="1" spcCol="0" rtlCol="0" fromWordArt="0" anchor="t" anchorCtr="0" forceAA="0" compatLnSpc="1">
+            <a:prstTxWarp prst="textNoShape">
+              <a:avLst/>
+            </a:prstTxWarp>
+            <a:noAutofit/>
+          </a:bodyPr>
+          <a:lstStyle/>
+          <a:p>
+            <a:pPr algn="ctr" defTabSz="932472" fontAlgn="base">
+              <a:lnSpc>
+                <a:spcPct val="90000"/>
+              </a:lnSpc>
+              <a:spcBef>
+                <a:spcPct val="0"/>
+              </a:spcBef>
+              <a:spcAft>
+                <a:spcPct val="0"/>
+              </a:spcAft>
+            </a:pPr>
+            <a:r>
+              <a:rPr lang="da-DK" sz="2800" dirty="0" err="1">
+                <a:gradFill>
+                  <a:gsLst>
+                    <a:gs pos="0">
+                      <a:srgbClr val="FFFFFF"/>
+                    </a:gs>
+                    <a:gs pos="100000">
+                      <a:srgbClr val="FFFFFF"/>
+                    </a:gs>
+                  </a:gsLst>
+                  <a:lin ang="5400000" scaled="0"/>
+                </a:gradFill>
+                <a:ea typeface="Segoe UI" pitchFamily="34" charset="0"/>
+                <a:cs typeface="Segoe UI" pitchFamily="34" charset="0"/>
+              </a:rPr>
+              <a:t>Wrap</a:t>
+            </a:r>
+            <a:r>
+              <a:rPr lang="da-DK" sz="2800" dirty="0">
+                <a:gradFill>
+                  <a:gsLst>
+                    <a:gs pos="0">
+                      <a:srgbClr val="FFFFFF"/>
+                    </a:gs>
+                    <a:gs pos="100000">
+                      <a:srgbClr val="FFFFFF"/>
+                    </a:gs>
+                  </a:gsLst>
+                  <a:lin ang="5400000" scaled="0"/>
+                </a:gradFill>
+                <a:ea typeface="Segoe UI" pitchFamily="34" charset="0"/>
+                <a:cs typeface="Segoe UI" pitchFamily="34" charset="0"/>
+              </a:rPr>
+              <a:t> in </a:t>
+            </a:r>
+            <a:r>
+              <a:rPr lang="da-DK" sz="2800" dirty="0" err="1">
+                <a:gradFill>
+                  <a:gsLst>
+                    <a:gs pos="0">
+                      <a:srgbClr val="FFFFFF"/>
+                    </a:gs>
+                    <a:gs pos="100000">
+                      <a:srgbClr val="FFFFFF"/>
+                    </a:gs>
+                  </a:gsLst>
+                  <a:lin ang="5400000" scaled="0"/>
+                </a:gradFill>
+                <a:ea typeface="Segoe UI" pitchFamily="34" charset="0"/>
+                <a:cs typeface="Segoe UI" pitchFamily="34" charset="0"/>
+              </a:rPr>
+              <a:t>logical</a:t>
+            </a:r>
+            <a:r>
+              <a:rPr lang="da-DK" sz="2800" dirty="0">
+                <a:gradFill>
+                  <a:gsLst>
+                    <a:gs pos="0">
+                      <a:srgbClr val="FFFFFF"/>
+                    </a:gs>
+                    <a:gs pos="100000">
+                      <a:srgbClr val="FFFFFF"/>
+                    </a:gs>
+                  </a:gsLst>
+                  <a:lin ang="5400000" scaled="0"/>
+                </a:gradFill>
+                <a:ea typeface="Segoe UI" pitchFamily="34" charset="0"/>
+                <a:cs typeface="Segoe UI" pitchFamily="34" charset="0"/>
+              </a:rPr>
+              <a:t> units/service </a:t>
+            </a:r>
+            <a:r>
+              <a:rPr lang="da-DK" sz="2800" dirty="0" err="1">
+                <a:gradFill>
+                  <a:gsLst>
+                    <a:gs pos="0">
+                      <a:srgbClr val="FFFFFF"/>
+                    </a:gs>
+                    <a:gs pos="100000">
+                      <a:srgbClr val="FFFFFF"/>
+                    </a:gs>
+                  </a:gsLst>
+                  <a:lin ang="5400000" scaled="0"/>
+                </a:gradFill>
+                <a:ea typeface="Segoe UI" pitchFamily="34" charset="0"/>
+                <a:cs typeface="Segoe UI" pitchFamily="34" charset="0"/>
+              </a:rPr>
+              <a:t>classes</a:t>
+            </a:r>
+            <a:r>
+              <a:rPr lang="da-DK" sz="2800" dirty="0">
+                <a:gradFill>
+                  <a:gsLst>
+                    <a:gs pos="0">
+                      <a:srgbClr val="FFFFFF"/>
+                    </a:gs>
+                    <a:gs pos="100000">
+                      <a:srgbClr val="FFFFFF"/>
+                    </a:gs>
+                  </a:gsLst>
+                  <a:lin ang="5400000" scaled="0"/>
+                </a:gradFill>
+                <a:ea typeface="Segoe UI" pitchFamily="34" charset="0"/>
+                <a:cs typeface="Segoe UI" pitchFamily="34" charset="0"/>
+              </a:rPr>
+              <a:t>/</a:t>
+            </a:r>
+            <a:r>
+              <a:rPr lang="da-DK" sz="2800" dirty="0" err="1">
+                <a:gradFill>
+                  <a:gsLst>
+                    <a:gs pos="0">
+                      <a:srgbClr val="FFFFFF"/>
+                    </a:gs>
+                    <a:gs pos="100000">
+                      <a:srgbClr val="FFFFFF"/>
+                    </a:gs>
+                  </a:gsLst>
+                  <a:lin ang="5400000" scaled="0"/>
+                </a:gradFill>
+                <a:ea typeface="Segoe UI" pitchFamily="34" charset="0"/>
+                <a:cs typeface="Segoe UI" pitchFamily="34" charset="0"/>
+              </a:rPr>
+              <a:t>repositories</a:t>
+            </a:r>
+            <a:endParaRPr lang="da-DK" sz="2800" dirty="0">
+              <a:gradFill>
+                <a:gsLst>
+                  <a:gs pos="0">
+                    <a:srgbClr val="FFFFFF"/>
+                  </a:gs>
+                  <a:gs pos="100000">
+                    <a:srgbClr val="FFFFFF"/>
+                  </a:gs>
+                </a:gsLst>
+                <a:lin ang="5400000" scaled="0"/>
+              </a:gradFill>
+              <a:ea typeface="Segoe UI" pitchFamily="34" charset="0"/>
+              <a:cs typeface="Segoe UI" pitchFamily="34" charset="0"/>
+            </a:endParaRPr>
+          </a:p>
+        </p:txBody>
+      </p:sp>
+      <p:sp>
+        <p:nvSpPr>
+          <p:cNvPr id="10" name="Rectangle 9"/>
+          <p:cNvSpPr/>
+          <p:nvPr/>
+        </p:nvSpPr>
+        <p:spPr bwMode="auto">
+          <a:xfrm>
+            <a:off x="5760549" y="1302726"/>
+            <a:ext cx="2926048" cy="1097268"/>
+          </a:xfrm>
+          <a:prstGeom prst="rect">
+            <a:avLst/>
+          </a:prstGeom>
+          <a:solidFill>
+            <a:srgbClr val="BA141A"/>
+          </a:solidFill>
+          <a:ln>
+            <a:noFill/>
+            <a:headEnd type="none" w="med" len="med"/>
+            <a:tailEnd type="none" w="med" len="med"/>
+          </a:ln>
+          <a:effectLst/>
+        </p:spPr>
+        <p:style>
+          <a:lnRef idx="1">
+            <a:schemeClr val="accent2"/>
+          </a:lnRef>
+          <a:fillRef idx="3">
+            <a:schemeClr val="accent2"/>
+          </a:fillRef>
+          <a:effectRef idx="2">
+            <a:schemeClr val="accent2"/>
+          </a:effectRef>
+          <a:fontRef idx="minor">
+            <a:schemeClr val="lt1"/>
+          </a:fontRef>
+        </p:style>
+        <p:txBody>
+          <a:bodyPr rot="0" spcFirstLastPara="0" vertOverflow="overflow" horzOverflow="overflow" vert="horz" wrap="square" lIns="182880" tIns="146304" rIns="182880" bIns="146304" numCol="1" spcCol="0" rtlCol="0" fromWordArt="0" anchor="t" anchorCtr="0" forceAA="0" compatLnSpc="1">
+            <a:prstTxWarp prst="textNoShape">
+              <a:avLst/>
+            </a:prstTxWarp>
+            <a:noAutofit/>
+          </a:bodyPr>
+          <a:lstStyle/>
+          <a:p>
+            <a:pPr algn="ctr" defTabSz="932472" fontAlgn="base">
+              <a:lnSpc>
+                <a:spcPct val="90000"/>
+              </a:lnSpc>
+              <a:spcBef>
+                <a:spcPct val="0"/>
+              </a:spcBef>
+              <a:spcAft>
+                <a:spcPct val="0"/>
+              </a:spcAft>
+            </a:pPr>
+            <a:r>
+              <a:rPr lang="da-DK" sz="2800" dirty="0" err="1">
+                <a:gradFill>
+                  <a:gsLst>
+                    <a:gs pos="0">
+                      <a:srgbClr val="FFFFFF"/>
+                    </a:gs>
+                    <a:gs pos="100000">
+                      <a:srgbClr val="FFFFFF"/>
+                    </a:gs>
+                  </a:gsLst>
+                  <a:lin ang="5400000" scaled="0"/>
+                </a:gradFill>
+                <a:ea typeface="Segoe UI" pitchFamily="34" charset="0"/>
+                <a:cs typeface="Segoe UI" pitchFamily="34" charset="0"/>
+              </a:rPr>
+              <a:t>Implement</a:t>
+            </a:r>
+            <a:r>
+              <a:rPr lang="da-DK" sz="2800" dirty="0">
+                <a:gradFill>
+                  <a:gsLst>
+                    <a:gs pos="0">
+                      <a:srgbClr val="FFFFFF"/>
+                    </a:gs>
+                    <a:gs pos="100000">
+                      <a:srgbClr val="FFFFFF"/>
+                    </a:gs>
+                  </a:gsLst>
+                  <a:lin ang="5400000" scaled="0"/>
+                </a:gradFill>
+                <a:ea typeface="Segoe UI" pitchFamily="34" charset="0"/>
+                <a:cs typeface="Segoe UI" pitchFamily="34" charset="0"/>
+              </a:rPr>
+              <a:t> </a:t>
+            </a:r>
+            <a:r>
+              <a:rPr lang="da-DK" sz="2800" dirty="0" err="1">
+                <a:gradFill>
+                  <a:gsLst>
+                    <a:gs pos="0">
+                      <a:srgbClr val="FFFFFF"/>
+                    </a:gs>
+                    <a:gs pos="100000">
+                      <a:srgbClr val="FFFFFF"/>
+                    </a:gs>
+                  </a:gsLst>
+                  <a:lin ang="5400000" scaled="0"/>
+                </a:gradFill>
+                <a:ea typeface="Segoe UI" pitchFamily="34" charset="0"/>
+                <a:cs typeface="Segoe UI" pitchFamily="34" charset="0"/>
+              </a:rPr>
+              <a:t>IDisposable</a:t>
+            </a:r>
+            <a:endParaRPr lang="da-DK" sz="2800" dirty="0">
+              <a:gradFill>
+                <a:gsLst>
+                  <a:gs pos="0">
+                    <a:srgbClr val="FFFFFF"/>
+                  </a:gs>
+                  <a:gs pos="100000">
+                    <a:srgbClr val="FFFFFF"/>
+                  </a:gs>
+                </a:gsLst>
+                <a:lin ang="5400000" scaled="0"/>
+              </a:gradFill>
+              <a:ea typeface="Segoe UI" pitchFamily="34" charset="0"/>
+              <a:cs typeface="Segoe UI" pitchFamily="34" charset="0"/>
+            </a:endParaRPr>
+          </a:p>
+        </p:txBody>
+      </p:sp>
+      <p:sp>
+        <p:nvSpPr>
+          <p:cNvPr id="11" name="Rectangle 10"/>
+          <p:cNvSpPr/>
+          <p:nvPr/>
+        </p:nvSpPr>
+        <p:spPr bwMode="auto">
+          <a:xfrm>
+            <a:off x="5486232" y="3954457"/>
+            <a:ext cx="2926048" cy="1097268"/>
+          </a:xfrm>
+          <a:prstGeom prst="rect">
+            <a:avLst/>
+          </a:prstGeom>
+          <a:solidFill>
+            <a:srgbClr val="FF8C00"/>
+          </a:solidFill>
+          <a:ln>
+            <a:noFill/>
+            <a:headEnd type="none" w="med" len="med"/>
+            <a:tailEnd type="none" w="med" len="med"/>
+          </a:ln>
+          <a:effectLst/>
+        </p:spPr>
+        <p:style>
+          <a:lnRef idx="1">
+            <a:schemeClr val="accent2"/>
+          </a:lnRef>
+          <a:fillRef idx="3">
+            <a:schemeClr val="accent2"/>
+          </a:fillRef>
+          <a:effectRef idx="2">
+            <a:schemeClr val="accent2"/>
+          </a:effectRef>
+          <a:fontRef idx="minor">
+            <a:schemeClr val="lt1"/>
+          </a:fontRef>
+        </p:style>
+        <p:txBody>
+          <a:bodyPr rot="0" spcFirstLastPara="0" vertOverflow="overflow" horzOverflow="overflow" vert="horz" wrap="square" lIns="182880" tIns="146304" rIns="182880" bIns="146304" numCol="1" spcCol="0" rtlCol="0" fromWordArt="0" anchor="t" anchorCtr="0" forceAA="0" compatLnSpc="1">
+            <a:prstTxWarp prst="textNoShape">
+              <a:avLst/>
+            </a:prstTxWarp>
+            <a:noAutofit/>
+          </a:bodyPr>
+          <a:lstStyle/>
+          <a:p>
+            <a:pPr algn="ctr" defTabSz="932472" fontAlgn="base">
+              <a:lnSpc>
+                <a:spcPct val="90000"/>
+              </a:lnSpc>
+              <a:spcBef>
+                <a:spcPct val="0"/>
+              </a:spcBef>
+              <a:spcAft>
+                <a:spcPct val="0"/>
+              </a:spcAft>
+            </a:pPr>
+            <a:r>
+              <a:rPr lang="da-DK" sz="2800" dirty="0" err="1">
+                <a:solidFill>
+                  <a:schemeClr val="tx1"/>
+                </a:solidFill>
+                <a:ea typeface="Segoe UI" pitchFamily="34" charset="0"/>
+                <a:cs typeface="Segoe UI" pitchFamily="34" charset="0"/>
+              </a:rPr>
+              <a:t>Don’t</a:t>
+            </a:r>
+            <a:r>
+              <a:rPr lang="da-DK" sz="2800" dirty="0">
+                <a:solidFill>
+                  <a:schemeClr val="tx1"/>
+                </a:solidFill>
+                <a:ea typeface="Segoe UI" pitchFamily="34" charset="0"/>
+                <a:cs typeface="Segoe UI" pitchFamily="34" charset="0"/>
+              </a:rPr>
+              <a:t> test </a:t>
+            </a:r>
+            <a:r>
+              <a:rPr lang="da-DK" sz="2800" dirty="0" err="1">
+                <a:solidFill>
+                  <a:schemeClr val="tx1"/>
+                </a:solidFill>
+                <a:ea typeface="Segoe UI" pitchFamily="34" charset="0"/>
+                <a:cs typeface="Segoe UI" pitchFamily="34" charset="0"/>
+              </a:rPr>
+              <a:t>built</a:t>
+            </a:r>
+            <a:r>
+              <a:rPr lang="da-DK" sz="2800" dirty="0">
+                <a:solidFill>
+                  <a:schemeClr val="tx1"/>
+                </a:solidFill>
+                <a:ea typeface="Segoe UI" pitchFamily="34" charset="0"/>
+                <a:cs typeface="Segoe UI" pitchFamily="34" charset="0"/>
+              </a:rPr>
+              <a:t> in </a:t>
+            </a:r>
+            <a:r>
+              <a:rPr lang="da-DK" sz="2800" dirty="0" err="1">
+                <a:solidFill>
+                  <a:schemeClr val="tx1"/>
+                </a:solidFill>
+                <a:ea typeface="Segoe UI" pitchFamily="34" charset="0"/>
+                <a:cs typeface="Segoe UI" pitchFamily="34" charset="0"/>
+              </a:rPr>
+              <a:t>code</a:t>
+            </a:r>
+            <a:r>
+              <a:rPr lang="da-DK" sz="2800" dirty="0">
+                <a:solidFill>
+                  <a:schemeClr val="tx1"/>
+                </a:solidFill>
+                <a:ea typeface="Segoe UI" pitchFamily="34" charset="0"/>
+                <a:cs typeface="Segoe UI" pitchFamily="34" charset="0"/>
+              </a:rPr>
+              <a:t>…</a:t>
+            </a:r>
+          </a:p>
+        </p:txBody>
+      </p:sp>
+      <p:sp>
+        <p:nvSpPr>
+          <p:cNvPr id="12" name="Rectangle 11"/>
+          <p:cNvSpPr/>
+          <p:nvPr/>
+        </p:nvSpPr>
+        <p:spPr bwMode="auto">
+          <a:xfrm>
+            <a:off x="1462916" y="4868847"/>
+            <a:ext cx="2926048" cy="1097268"/>
+          </a:xfrm>
+          <a:prstGeom prst="rect">
+            <a:avLst/>
+          </a:prstGeom>
+          <a:solidFill>
+            <a:srgbClr val="007233"/>
+          </a:solidFill>
+          <a:ln>
+            <a:noFill/>
+            <a:headEnd type="none" w="med" len="med"/>
+            <a:tailEnd type="none" w="med" len="med"/>
+          </a:ln>
+          <a:effectLst/>
+        </p:spPr>
+        <p:style>
+          <a:lnRef idx="1">
+            <a:schemeClr val="accent2"/>
+          </a:lnRef>
+          <a:fillRef idx="3">
+            <a:schemeClr val="accent2"/>
+          </a:fillRef>
+          <a:effectRef idx="2">
+            <a:schemeClr val="accent2"/>
+          </a:effectRef>
+          <a:fontRef idx="minor">
+            <a:schemeClr val="lt1"/>
+          </a:fontRef>
+        </p:style>
+        <p:txBody>
+          <a:bodyPr rot="0" spcFirstLastPara="0" vertOverflow="overflow" horzOverflow="overflow" vert="horz" wrap="square" lIns="182880" tIns="146304" rIns="182880" bIns="146304" numCol="1" spcCol="0" rtlCol="0" fromWordArt="0" anchor="t" anchorCtr="0" forceAA="0" compatLnSpc="1">
+            <a:prstTxWarp prst="textNoShape">
+              <a:avLst/>
+            </a:prstTxWarp>
+            <a:noAutofit/>
+          </a:bodyPr>
+          <a:lstStyle/>
+          <a:p>
+            <a:pPr algn="ctr" defTabSz="932472" fontAlgn="base">
+              <a:lnSpc>
+                <a:spcPct val="90000"/>
+              </a:lnSpc>
+              <a:spcBef>
+                <a:spcPct val="0"/>
+              </a:spcBef>
+              <a:spcAft>
+                <a:spcPct val="0"/>
+              </a:spcAft>
+            </a:pPr>
+            <a:r>
+              <a:rPr lang="da-DK" sz="2800" dirty="0">
+                <a:solidFill>
+                  <a:schemeClr val="bg1"/>
+                </a:solidFill>
+                <a:ea typeface="Segoe UI" pitchFamily="34" charset="0"/>
+                <a:cs typeface="Segoe UI" pitchFamily="34" charset="0"/>
+              </a:rPr>
+              <a:t>Program to interface</a:t>
+            </a:r>
           </a:p>
         </p:txBody>
       </p:sp>
     </p:spTree>
     <p:extLst>
       <p:ext uri="{BB962C8B-B14F-4D97-AF65-F5344CB8AC3E}">
+        <p14:creationId xmlns:p14="http://schemas.microsoft.com/office/powerpoint/2010/main" val="226708572"/>
+      </p:ext>
+    </p:extLst>
+  </p:cSld>
+  <p:clrMapOvr>
+    <a:masterClrMapping/>
+  </p:clrMapOvr>
+  <p:transition>
+    <p:fade/>
+  </p:transition>
+</p:sld>
+</file>
+
+<file path=ppt/slides/slide24.xml><?xml version="1.0" encoding="utf-8"?>
+<p:sld xmlns:a="http://schemas.openxmlformats.org/drawingml/2006/main" xmlns:r="http://schemas.openxmlformats.org/officeDocument/2006/relationships" xmlns:p="http://schemas.openxmlformats.org/presentationml/2006/main">
+  <p:cSld>
+    <p:spTree>
+      <p:nvGrpSpPr>
+        <p:cNvPr id="1" name=""/>
+        <p:cNvGrpSpPr/>
+        <p:nvPr/>
+      </p:nvGrpSpPr>
+      <p:grpSpPr>
+        <a:xfrm>
+          <a:off x="0" y="0"/>
+          <a:ext cx="0" cy="0"/>
+          <a:chOff x="0" y="0"/>
+          <a:chExt cx="0" cy="0"/>
+        </a:xfrm>
+      </p:grpSpPr>
+      <p:sp>
+        <p:nvSpPr>
+          <p:cNvPr id="4" name="Title 3"/>
+          <p:cNvSpPr>
+            <a:spLocks noGrp="1"/>
+          </p:cNvSpPr>
+          <p:nvPr>
+            <p:ph type="title"/>
+          </p:nvPr>
+        </p:nvSpPr>
+        <p:spPr/>
+        <p:txBody>
+          <a:bodyPr/>
+          <a:lstStyle/>
+          <a:p>
+            <a:r>
+              <a:rPr lang="da-DK" dirty="0" err="1"/>
+              <a:t>Entity</a:t>
+            </a:r>
+            <a:r>
+              <a:rPr lang="da-DK" dirty="0"/>
+              <a:t> Model</a:t>
+            </a:r>
+          </a:p>
+        </p:txBody>
+      </p:sp>
+      <p:pic>
+        <p:nvPicPr>
+          <p:cNvPr id="5" name="Picture 4"/>
+          <p:cNvPicPr>
+            <a:picLocks noChangeAspect="1"/>
+          </p:cNvPicPr>
+          <p:nvPr/>
+        </p:nvPicPr>
+        <p:blipFill>
+          <a:blip r:embed="rId2"/>
+          <a:stretch>
+            <a:fillRect/>
+          </a:stretch>
+        </p:blipFill>
+        <p:spPr>
+          <a:xfrm>
+            <a:off x="-1" y="1557861"/>
+            <a:ext cx="9326563" cy="5231205"/>
+          </a:xfrm>
+          <a:prstGeom prst="rect">
+            <a:avLst/>
+          </a:prstGeom>
+        </p:spPr>
+      </p:pic>
+    </p:spTree>
+    <p:extLst>
+      <p:ext uri="{BB962C8B-B14F-4D97-AF65-F5344CB8AC3E}">
         <p14:creationId xmlns:p14="http://schemas.microsoft.com/office/powerpoint/2010/main" val="1211410852"/>
+      </p:ext>
+    </p:extLst>
+  </p:cSld>
+  <p:clrMapOvr>
+    <a:masterClrMapping/>
+  </p:clrMapOvr>
+  <p:transition>
+    <p:fade/>
+  </p:transition>
+</p:sld>
+</file>
+
+<file path=ppt/slides/slide25.xml><?xml version="1.0" encoding="utf-8"?>
+<p:sld xmlns:a="http://schemas.openxmlformats.org/drawingml/2006/main" xmlns:r="http://schemas.openxmlformats.org/officeDocument/2006/relationships" xmlns:p="http://schemas.openxmlformats.org/presentationml/2006/main">
+  <p:cSld>
+    <p:spTree>
+      <p:nvGrpSpPr>
+        <p:cNvPr id="1" name=""/>
+        <p:cNvGrpSpPr/>
+        <p:nvPr/>
+      </p:nvGrpSpPr>
+      <p:grpSpPr>
+        <a:xfrm>
+          <a:off x="0" y="0"/>
+          <a:ext cx="0" cy="0"/>
+          <a:chOff x="0" y="0"/>
+          <a:chExt cx="0" cy="0"/>
+        </a:xfrm>
+      </p:grpSpPr>
+      <p:sp>
+        <p:nvSpPr>
+          <p:cNvPr id="2" name="Title 1"/>
+          <p:cNvSpPr>
+            <a:spLocks noGrp="1"/>
+          </p:cNvSpPr>
+          <p:nvPr>
+            <p:ph type="title"/>
+          </p:nvPr>
+        </p:nvSpPr>
+        <p:spPr/>
+        <p:txBody>
+          <a:bodyPr/>
+          <a:lstStyle/>
+          <a:p>
+            <a:r>
+              <a:rPr lang="da-DK" dirty="0" err="1">
+                <a:solidFill>
+                  <a:schemeClr val="tx1"/>
+                </a:solidFill>
+              </a:rPr>
+              <a:t>IStudentRepository</a:t>
+            </a:r>
+            <a:endParaRPr lang="da-DK" dirty="0">
+              <a:solidFill>
+                <a:schemeClr val="tx1"/>
+              </a:solidFill>
+            </a:endParaRPr>
+          </a:p>
+        </p:txBody>
+      </p:sp>
+      <p:sp>
+        <p:nvSpPr>
+          <p:cNvPr id="4" name="Speech Bubble: Rectangle 3"/>
+          <p:cNvSpPr/>
+          <p:nvPr/>
+        </p:nvSpPr>
+        <p:spPr bwMode="auto">
+          <a:xfrm>
+            <a:off x="6217744" y="278656"/>
+            <a:ext cx="2925620" cy="1690840"/>
+          </a:xfrm>
+          <a:prstGeom prst="wedgeRectCallout">
+            <a:avLst>
+              <a:gd name="adj1" fmla="val -160580"/>
+              <a:gd name="adj2" fmla="val 83779"/>
+            </a:avLst>
+          </a:prstGeom>
+          <a:solidFill>
+            <a:srgbClr val="68217A"/>
+          </a:solidFill>
+          <a:ln>
+            <a:noFill/>
+            <a:headEnd type="none" w="med" len="med"/>
+            <a:tailEnd type="none" w="med" len="med"/>
+          </a:ln>
+          <a:effectLst/>
+        </p:spPr>
+        <p:style>
+          <a:lnRef idx="1">
+            <a:schemeClr val="accent2"/>
+          </a:lnRef>
+          <a:fillRef idx="3">
+            <a:schemeClr val="accent2"/>
+          </a:fillRef>
+          <a:effectRef idx="2">
+            <a:schemeClr val="accent2"/>
+          </a:effectRef>
+          <a:fontRef idx="minor">
+            <a:schemeClr val="lt1"/>
+          </a:fontRef>
+        </p:style>
+        <p:txBody>
+          <a:bodyPr rot="0" spcFirstLastPara="0" vertOverflow="overflow" horzOverflow="overflow" vert="horz" wrap="square" lIns="182880" tIns="146304" rIns="182880" bIns="146304" numCol="1" spcCol="0" rtlCol="0" fromWordArt="0" anchor="t" anchorCtr="0" forceAA="0" compatLnSpc="1">
+            <a:prstTxWarp prst="textNoShape">
+              <a:avLst/>
+            </a:prstTxWarp>
+            <a:noAutofit/>
+          </a:bodyPr>
+          <a:lstStyle/>
+          <a:p>
+            <a:pPr algn="ctr" defTabSz="932472" fontAlgn="base">
+              <a:lnSpc>
+                <a:spcPct val="90000"/>
+              </a:lnSpc>
+              <a:spcBef>
+                <a:spcPct val="0"/>
+              </a:spcBef>
+              <a:spcAft>
+                <a:spcPct val="0"/>
+              </a:spcAft>
+            </a:pPr>
+            <a:r>
+              <a:rPr lang="da-DK" sz="2400" dirty="0">
+                <a:gradFill>
+                  <a:gsLst>
+                    <a:gs pos="0">
+                      <a:srgbClr val="FFFFFF"/>
+                    </a:gs>
+                    <a:gs pos="100000">
+                      <a:srgbClr val="FFFFFF"/>
+                    </a:gs>
+                  </a:gsLst>
+                  <a:lin ang="5400000" scaled="0"/>
+                </a:gradFill>
+                <a:ea typeface="Segoe UI" pitchFamily="34" charset="0"/>
+                <a:cs typeface="Segoe UI" pitchFamily="34" charset="0"/>
+              </a:rPr>
+              <a:t>Interface to </a:t>
+            </a:r>
+            <a:r>
+              <a:rPr lang="da-DK" sz="2400" dirty="0" err="1">
+                <a:gradFill>
+                  <a:gsLst>
+                    <a:gs pos="0">
+                      <a:srgbClr val="FFFFFF"/>
+                    </a:gs>
+                    <a:gs pos="100000">
+                      <a:srgbClr val="FFFFFF"/>
+                    </a:gs>
+                  </a:gsLst>
+                  <a:lin ang="5400000" scaled="0"/>
+                </a:gradFill>
+                <a:ea typeface="Segoe UI" pitchFamily="34" charset="0"/>
+                <a:cs typeface="Segoe UI" pitchFamily="34" charset="0"/>
+              </a:rPr>
+              <a:t>enable</a:t>
+            </a:r>
+            <a:r>
+              <a:rPr lang="da-DK" sz="2400" dirty="0">
+                <a:gradFill>
+                  <a:gsLst>
+                    <a:gs pos="0">
+                      <a:srgbClr val="FFFFFF"/>
+                    </a:gs>
+                    <a:gs pos="100000">
+                      <a:srgbClr val="FFFFFF"/>
+                    </a:gs>
+                  </a:gsLst>
+                  <a:lin ang="5400000" scaled="0"/>
+                </a:gradFill>
+                <a:ea typeface="Segoe UI" pitchFamily="34" charset="0"/>
+                <a:cs typeface="Segoe UI" pitchFamily="34" charset="0"/>
+              </a:rPr>
+              <a:t> </a:t>
+            </a:r>
+            <a:r>
+              <a:rPr lang="da-DK" sz="2400" dirty="0" err="1">
+                <a:gradFill>
+                  <a:gsLst>
+                    <a:gs pos="0">
+                      <a:srgbClr val="FFFFFF"/>
+                    </a:gs>
+                    <a:gs pos="100000">
+                      <a:srgbClr val="FFFFFF"/>
+                    </a:gs>
+                  </a:gsLst>
+                  <a:lin ang="5400000" scaled="0"/>
+                </a:gradFill>
+                <a:ea typeface="Segoe UI" pitchFamily="34" charset="0"/>
+                <a:cs typeface="Segoe UI" pitchFamily="34" charset="0"/>
+              </a:rPr>
+              <a:t>Dependency</a:t>
+            </a:r>
+            <a:r>
+              <a:rPr lang="da-DK" sz="2400" dirty="0">
+                <a:gradFill>
+                  <a:gsLst>
+                    <a:gs pos="0">
+                      <a:srgbClr val="FFFFFF"/>
+                    </a:gs>
+                    <a:gs pos="100000">
+                      <a:srgbClr val="FFFFFF"/>
+                    </a:gs>
+                  </a:gsLst>
+                  <a:lin ang="5400000" scaled="0"/>
+                </a:gradFill>
+                <a:ea typeface="Segoe UI" pitchFamily="34" charset="0"/>
+                <a:cs typeface="Segoe UI" pitchFamily="34" charset="0"/>
+              </a:rPr>
+              <a:t> </a:t>
+            </a:r>
+            <a:r>
+              <a:rPr lang="da-DK" sz="2400" dirty="0" err="1">
+                <a:gradFill>
+                  <a:gsLst>
+                    <a:gs pos="0">
+                      <a:srgbClr val="FFFFFF"/>
+                    </a:gs>
+                    <a:gs pos="100000">
+                      <a:srgbClr val="FFFFFF"/>
+                    </a:gs>
+                  </a:gsLst>
+                  <a:lin ang="5400000" scaled="0"/>
+                </a:gradFill>
+                <a:ea typeface="Segoe UI" pitchFamily="34" charset="0"/>
+                <a:cs typeface="Segoe UI" pitchFamily="34" charset="0"/>
+              </a:rPr>
+              <a:t>Injection</a:t>
+            </a:r>
+            <a:r>
+              <a:rPr lang="da-DK" sz="2400" dirty="0">
+                <a:gradFill>
+                  <a:gsLst>
+                    <a:gs pos="0">
+                      <a:srgbClr val="FFFFFF"/>
+                    </a:gs>
+                    <a:gs pos="100000">
+                      <a:srgbClr val="FFFFFF"/>
+                    </a:gs>
+                  </a:gsLst>
+                  <a:lin ang="5400000" scaled="0"/>
+                </a:gradFill>
+                <a:ea typeface="Segoe UI" pitchFamily="34" charset="0"/>
+                <a:cs typeface="Segoe UI" pitchFamily="34" charset="0"/>
+              </a:rPr>
+              <a:t> at the </a:t>
+            </a:r>
+            <a:r>
+              <a:rPr lang="da-DK" sz="2400" dirty="0" err="1">
+                <a:gradFill>
+                  <a:gsLst>
+                    <a:gs pos="0">
+                      <a:srgbClr val="FFFFFF"/>
+                    </a:gs>
+                    <a:gs pos="100000">
+                      <a:srgbClr val="FFFFFF"/>
+                    </a:gs>
+                  </a:gsLst>
+                  <a:lin ang="5400000" scaled="0"/>
+                </a:gradFill>
+                <a:ea typeface="Segoe UI" pitchFamily="34" charset="0"/>
+                <a:cs typeface="Segoe UI" pitchFamily="34" charset="0"/>
+              </a:rPr>
+              <a:t>next</a:t>
+            </a:r>
+            <a:r>
+              <a:rPr lang="da-DK" sz="2400" dirty="0">
+                <a:gradFill>
+                  <a:gsLst>
+                    <a:gs pos="0">
+                      <a:srgbClr val="FFFFFF"/>
+                    </a:gs>
+                    <a:gs pos="100000">
+                      <a:srgbClr val="FFFFFF"/>
+                    </a:gs>
+                  </a:gsLst>
+                  <a:lin ang="5400000" scaled="0"/>
+                </a:gradFill>
+                <a:ea typeface="Segoe UI" pitchFamily="34" charset="0"/>
+                <a:cs typeface="Segoe UI" pitchFamily="34" charset="0"/>
+              </a:rPr>
+              <a:t> </a:t>
+            </a:r>
+            <a:r>
+              <a:rPr lang="da-DK" sz="2400" dirty="0" err="1">
+                <a:gradFill>
+                  <a:gsLst>
+                    <a:gs pos="0">
+                      <a:srgbClr val="FFFFFF"/>
+                    </a:gs>
+                    <a:gs pos="100000">
+                      <a:srgbClr val="FFFFFF"/>
+                    </a:gs>
+                  </a:gsLst>
+                  <a:lin ang="5400000" scaled="0"/>
+                </a:gradFill>
+                <a:ea typeface="Segoe UI" pitchFamily="34" charset="0"/>
+                <a:cs typeface="Segoe UI" pitchFamily="34" charset="0"/>
+              </a:rPr>
+              <a:t>layer</a:t>
+            </a:r>
+            <a:endParaRPr lang="da-DK" sz="2400" dirty="0">
+              <a:gradFill>
+                <a:gsLst>
+                  <a:gs pos="0">
+                    <a:srgbClr val="FFFFFF"/>
+                  </a:gs>
+                  <a:gs pos="100000">
+                    <a:srgbClr val="FFFFFF"/>
+                  </a:gs>
+                </a:gsLst>
+                <a:lin ang="5400000" scaled="0"/>
+              </a:gradFill>
+              <a:ea typeface="Segoe UI" pitchFamily="34" charset="0"/>
+              <a:cs typeface="Segoe UI" pitchFamily="34" charset="0"/>
+            </a:endParaRPr>
+          </a:p>
+        </p:txBody>
+      </p:sp>
+      <p:sp>
+        <p:nvSpPr>
+          <p:cNvPr id="5" name="Rectangle 4"/>
+          <p:cNvSpPr/>
+          <p:nvPr/>
+        </p:nvSpPr>
+        <p:spPr>
+          <a:xfrm>
+            <a:off x="1051441" y="2491433"/>
+            <a:ext cx="7223681" cy="3970318"/>
+          </a:xfrm>
+          <a:prstGeom prst="rect">
+            <a:avLst/>
+          </a:prstGeom>
+        </p:spPr>
+        <p:txBody>
+          <a:bodyPr wrap="square">
+            <a:spAutoFit/>
+          </a:bodyPr>
+          <a:lstStyle/>
+          <a:p>
+            <a:r>
+              <a:rPr lang="da-DK" dirty="0">
+                <a:solidFill>
+                  <a:srgbClr val="0000FF"/>
+                </a:solidFill>
+                <a:latin typeface="Consolas" panose="020B0609020204030204" pitchFamily="49" charset="0"/>
+              </a:rPr>
+              <a:t>public</a:t>
+            </a:r>
+            <a:r>
+              <a:rPr lang="da-DK" dirty="0">
+                <a:solidFill>
+                  <a:srgbClr val="000000"/>
+                </a:solidFill>
+                <a:latin typeface="Consolas" panose="020B0609020204030204" pitchFamily="49" charset="0"/>
+              </a:rPr>
+              <a:t> </a:t>
+            </a:r>
+            <a:r>
+              <a:rPr lang="da-DK" dirty="0">
+                <a:solidFill>
+                  <a:srgbClr val="0000FF"/>
+                </a:solidFill>
+                <a:latin typeface="Consolas" panose="020B0609020204030204" pitchFamily="49" charset="0"/>
+              </a:rPr>
+              <a:t>interface</a:t>
+            </a:r>
+            <a:r>
+              <a:rPr lang="da-DK" dirty="0">
+                <a:solidFill>
+                  <a:srgbClr val="000000"/>
+                </a:solidFill>
+                <a:latin typeface="Consolas" panose="020B0609020204030204" pitchFamily="49" charset="0"/>
+              </a:rPr>
+              <a:t> </a:t>
+            </a:r>
+            <a:r>
+              <a:rPr lang="da-DK" dirty="0" err="1">
+                <a:solidFill>
+                  <a:srgbClr val="2B91AF"/>
+                </a:solidFill>
+                <a:latin typeface="Consolas" panose="020B0609020204030204" pitchFamily="49" charset="0"/>
+              </a:rPr>
+              <a:t>IStudentRepository</a:t>
+            </a:r>
+            <a:r>
+              <a:rPr lang="da-DK" dirty="0">
+                <a:solidFill>
+                  <a:srgbClr val="000000"/>
+                </a:solidFill>
+                <a:latin typeface="Consolas" panose="020B0609020204030204" pitchFamily="49" charset="0"/>
+              </a:rPr>
+              <a:t> : </a:t>
+            </a:r>
+            <a:r>
+              <a:rPr lang="da-DK" dirty="0" err="1">
+                <a:solidFill>
+                  <a:srgbClr val="2B91AF"/>
+                </a:solidFill>
+                <a:latin typeface="Consolas" panose="020B0609020204030204" pitchFamily="49" charset="0"/>
+              </a:rPr>
+              <a:t>IDisposable</a:t>
+            </a:r>
+            <a:endParaRPr lang="da-DK" dirty="0">
+              <a:solidFill>
+                <a:srgbClr val="000000"/>
+              </a:solidFill>
+              <a:latin typeface="Consolas" panose="020B0609020204030204" pitchFamily="49" charset="0"/>
+            </a:endParaRPr>
+          </a:p>
+          <a:p>
+            <a:r>
+              <a:rPr lang="da-DK" dirty="0">
+                <a:solidFill>
+                  <a:srgbClr val="000000"/>
+                </a:solidFill>
+                <a:latin typeface="Consolas" panose="020B0609020204030204" pitchFamily="49" charset="0"/>
+              </a:rPr>
+              <a:t>{</a:t>
+            </a:r>
+          </a:p>
+          <a:p>
+            <a:r>
+              <a:rPr lang="da-DK" dirty="0">
+                <a:solidFill>
+                  <a:srgbClr val="000000"/>
+                </a:solidFill>
+                <a:latin typeface="Consolas" panose="020B0609020204030204" pitchFamily="49" charset="0"/>
+              </a:rPr>
+              <a:t>    </a:t>
+            </a:r>
+            <a:r>
+              <a:rPr lang="da-DK" dirty="0" err="1">
+                <a:solidFill>
+                  <a:srgbClr val="2B91AF"/>
+                </a:solidFill>
+                <a:latin typeface="Consolas" panose="020B0609020204030204" pitchFamily="49" charset="0"/>
+              </a:rPr>
+              <a:t>IEnumerable</a:t>
+            </a:r>
+            <a:r>
+              <a:rPr lang="da-DK" dirty="0">
+                <a:solidFill>
+                  <a:srgbClr val="000000"/>
+                </a:solidFill>
+                <a:latin typeface="Consolas" panose="020B0609020204030204" pitchFamily="49" charset="0"/>
+              </a:rPr>
+              <a:t>&lt;</a:t>
+            </a:r>
+            <a:r>
+              <a:rPr lang="da-DK" dirty="0" err="1">
+                <a:solidFill>
+                  <a:srgbClr val="2B91AF"/>
+                </a:solidFill>
+                <a:latin typeface="Consolas" panose="020B0609020204030204" pitchFamily="49" charset="0"/>
+              </a:rPr>
+              <a:t>StudentListDto</a:t>
+            </a:r>
+            <a:r>
+              <a:rPr lang="da-DK" dirty="0">
+                <a:solidFill>
+                  <a:srgbClr val="000000"/>
+                </a:solidFill>
+                <a:latin typeface="Consolas" panose="020B0609020204030204" pitchFamily="49" charset="0"/>
+              </a:rPr>
+              <a:t>&gt; Read();</a:t>
+            </a:r>
+          </a:p>
+          <a:p>
+            <a:endParaRPr lang="da-DK" dirty="0">
+              <a:solidFill>
+                <a:srgbClr val="000000"/>
+              </a:solidFill>
+              <a:latin typeface="Consolas" panose="020B0609020204030204" pitchFamily="49" charset="0"/>
+            </a:endParaRPr>
+          </a:p>
+          <a:p>
+            <a:r>
+              <a:rPr lang="en-US" dirty="0">
+                <a:solidFill>
+                  <a:srgbClr val="000000"/>
+                </a:solidFill>
+                <a:latin typeface="Consolas" panose="020B0609020204030204" pitchFamily="49" charset="0"/>
+              </a:rPr>
+              <a:t>    </a:t>
+            </a:r>
+            <a:r>
+              <a:rPr lang="en-US" dirty="0" err="1">
+                <a:solidFill>
+                  <a:srgbClr val="2B91AF"/>
+                </a:solidFill>
+                <a:latin typeface="Consolas" panose="020B0609020204030204" pitchFamily="49" charset="0"/>
+              </a:rPr>
+              <a:t>IEnumerable</a:t>
+            </a:r>
+            <a:r>
+              <a:rPr lang="en-US" dirty="0">
+                <a:solidFill>
+                  <a:srgbClr val="000000"/>
+                </a:solidFill>
+                <a:latin typeface="Consolas" panose="020B0609020204030204" pitchFamily="49" charset="0"/>
+              </a:rPr>
+              <a:t>&lt;</a:t>
+            </a:r>
+            <a:r>
+              <a:rPr lang="en-US" dirty="0" err="1">
+                <a:solidFill>
+                  <a:srgbClr val="2B91AF"/>
+                </a:solidFill>
+                <a:latin typeface="Consolas" panose="020B0609020204030204" pitchFamily="49" charset="0"/>
+              </a:rPr>
+              <a:t>StudentListDto</a:t>
+            </a:r>
+            <a:r>
+              <a:rPr lang="en-US" dirty="0">
+                <a:solidFill>
+                  <a:srgbClr val="000000"/>
+                </a:solidFill>
+                <a:latin typeface="Consolas" panose="020B0609020204030204" pitchFamily="49" charset="0"/>
+              </a:rPr>
+              <a:t>&gt; Read(</a:t>
+            </a:r>
+            <a:r>
+              <a:rPr lang="en-US" dirty="0">
+                <a:solidFill>
+                  <a:srgbClr val="2B91AF"/>
+                </a:solidFill>
+                <a:latin typeface="Consolas" panose="020B0609020204030204" pitchFamily="49" charset="0"/>
+              </a:rPr>
+              <a:t>Status</a:t>
+            </a:r>
+            <a:r>
+              <a:rPr lang="en-US" dirty="0">
+                <a:solidFill>
+                  <a:srgbClr val="000000"/>
+                </a:solidFill>
+                <a:latin typeface="Consolas" panose="020B0609020204030204" pitchFamily="49" charset="0"/>
+              </a:rPr>
+              <a:t> status);</a:t>
+            </a:r>
+          </a:p>
+          <a:p>
+            <a:endParaRPr lang="da-DK" dirty="0">
+              <a:solidFill>
+                <a:srgbClr val="000000"/>
+              </a:solidFill>
+              <a:latin typeface="Consolas" panose="020B0609020204030204" pitchFamily="49" charset="0"/>
+            </a:endParaRPr>
+          </a:p>
+          <a:p>
+            <a:r>
+              <a:rPr lang="nl-NL" dirty="0">
+                <a:solidFill>
+                  <a:srgbClr val="000000"/>
+                </a:solidFill>
+                <a:latin typeface="Consolas" panose="020B0609020204030204" pitchFamily="49" charset="0"/>
+              </a:rPr>
+              <a:t>    </a:t>
+            </a:r>
+            <a:r>
+              <a:rPr lang="nl-NL" dirty="0">
+                <a:solidFill>
+                  <a:srgbClr val="0000FF"/>
+                </a:solidFill>
+                <a:latin typeface="Consolas" panose="020B0609020204030204" pitchFamily="49" charset="0"/>
+              </a:rPr>
+              <a:t>bool</a:t>
+            </a:r>
+            <a:r>
+              <a:rPr lang="nl-NL" dirty="0">
+                <a:solidFill>
+                  <a:srgbClr val="000000"/>
+                </a:solidFill>
+                <a:latin typeface="Consolas" panose="020B0609020204030204" pitchFamily="49" charset="0"/>
+              </a:rPr>
+              <a:t> Enrol(</a:t>
+            </a:r>
+            <a:r>
+              <a:rPr lang="nl-NL" dirty="0">
+                <a:solidFill>
+                  <a:srgbClr val="0000FF"/>
+                </a:solidFill>
+                <a:latin typeface="Consolas" panose="020B0609020204030204" pitchFamily="49" charset="0"/>
+              </a:rPr>
+              <a:t>int</a:t>
+            </a:r>
+            <a:r>
+              <a:rPr lang="nl-NL" dirty="0">
+                <a:solidFill>
+                  <a:srgbClr val="000000"/>
+                </a:solidFill>
+                <a:latin typeface="Consolas" panose="020B0609020204030204" pitchFamily="49" charset="0"/>
+              </a:rPr>
+              <a:t> studentId, </a:t>
+            </a:r>
+            <a:r>
+              <a:rPr lang="nl-NL" dirty="0">
+                <a:solidFill>
+                  <a:srgbClr val="0000FF"/>
+                </a:solidFill>
+                <a:latin typeface="Consolas" panose="020B0609020204030204" pitchFamily="49" charset="0"/>
+              </a:rPr>
+              <a:t>int</a:t>
+            </a:r>
+            <a:r>
+              <a:rPr lang="nl-NL" dirty="0">
+                <a:solidFill>
+                  <a:srgbClr val="000000"/>
+                </a:solidFill>
+                <a:latin typeface="Consolas" panose="020B0609020204030204" pitchFamily="49" charset="0"/>
+              </a:rPr>
+              <a:t> dateId);</a:t>
+            </a:r>
+          </a:p>
+          <a:p>
+            <a:endParaRPr lang="da-DK" dirty="0">
+              <a:solidFill>
+                <a:srgbClr val="000000"/>
+              </a:solidFill>
+              <a:latin typeface="Consolas" panose="020B0609020204030204" pitchFamily="49" charset="0"/>
+            </a:endParaRPr>
+          </a:p>
+          <a:p>
+            <a:r>
+              <a:rPr lang="da-DK" dirty="0">
+                <a:solidFill>
+                  <a:srgbClr val="000000"/>
+                </a:solidFill>
+                <a:latin typeface="Consolas" panose="020B0609020204030204" pitchFamily="49" charset="0"/>
+              </a:rPr>
+              <a:t>    </a:t>
+            </a:r>
+            <a:r>
+              <a:rPr lang="da-DK" dirty="0">
+                <a:solidFill>
+                  <a:srgbClr val="0000FF"/>
+                </a:solidFill>
+                <a:latin typeface="Consolas" panose="020B0609020204030204" pitchFamily="49" charset="0"/>
+              </a:rPr>
+              <a:t>int</a:t>
+            </a:r>
+            <a:r>
+              <a:rPr lang="da-DK" dirty="0">
+                <a:solidFill>
+                  <a:srgbClr val="000000"/>
+                </a:solidFill>
+                <a:latin typeface="Consolas" panose="020B0609020204030204" pitchFamily="49" charset="0"/>
+              </a:rPr>
+              <a:t> </a:t>
+            </a:r>
+            <a:r>
+              <a:rPr lang="da-DK" dirty="0" err="1">
+                <a:solidFill>
+                  <a:srgbClr val="000000"/>
+                </a:solidFill>
+                <a:latin typeface="Consolas" panose="020B0609020204030204" pitchFamily="49" charset="0"/>
+              </a:rPr>
+              <a:t>Create</a:t>
+            </a:r>
+            <a:r>
+              <a:rPr lang="da-DK" dirty="0">
+                <a:solidFill>
+                  <a:srgbClr val="000000"/>
+                </a:solidFill>
+                <a:latin typeface="Consolas" panose="020B0609020204030204" pitchFamily="49" charset="0"/>
+              </a:rPr>
+              <a:t>(</a:t>
+            </a:r>
+            <a:r>
+              <a:rPr lang="da-DK" dirty="0" err="1">
+                <a:solidFill>
+                  <a:srgbClr val="2B91AF"/>
+                </a:solidFill>
+                <a:latin typeface="Consolas" panose="020B0609020204030204" pitchFamily="49" charset="0"/>
+              </a:rPr>
+              <a:t>StudentCrudDto</a:t>
+            </a:r>
+            <a:r>
+              <a:rPr lang="da-DK" dirty="0">
+                <a:solidFill>
+                  <a:srgbClr val="000000"/>
+                </a:solidFill>
+                <a:latin typeface="Consolas" panose="020B0609020204030204" pitchFamily="49" charset="0"/>
+              </a:rPr>
+              <a:t> student);</a:t>
+            </a:r>
+          </a:p>
+          <a:p>
+            <a:endParaRPr lang="da-DK" dirty="0">
+              <a:solidFill>
+                <a:srgbClr val="000000"/>
+              </a:solidFill>
+              <a:latin typeface="Consolas" panose="020B0609020204030204" pitchFamily="49" charset="0"/>
+            </a:endParaRPr>
+          </a:p>
+          <a:p>
+            <a:r>
+              <a:rPr lang="da-DK" dirty="0">
+                <a:solidFill>
+                  <a:srgbClr val="000000"/>
+                </a:solidFill>
+                <a:latin typeface="Consolas" panose="020B0609020204030204" pitchFamily="49" charset="0"/>
+              </a:rPr>
+              <a:t>    </a:t>
+            </a:r>
+            <a:r>
+              <a:rPr lang="da-DK" dirty="0" err="1">
+                <a:solidFill>
+                  <a:srgbClr val="0000FF"/>
+                </a:solidFill>
+                <a:latin typeface="Consolas" panose="020B0609020204030204" pitchFamily="49" charset="0"/>
+              </a:rPr>
+              <a:t>bool</a:t>
+            </a:r>
+            <a:r>
+              <a:rPr lang="da-DK" dirty="0">
+                <a:solidFill>
+                  <a:srgbClr val="000000"/>
+                </a:solidFill>
+                <a:latin typeface="Consolas" panose="020B0609020204030204" pitchFamily="49" charset="0"/>
+              </a:rPr>
+              <a:t> Update(</a:t>
+            </a:r>
+            <a:r>
+              <a:rPr lang="da-DK" dirty="0" err="1">
+                <a:solidFill>
+                  <a:srgbClr val="2B91AF"/>
+                </a:solidFill>
+                <a:latin typeface="Consolas" panose="020B0609020204030204" pitchFamily="49" charset="0"/>
+              </a:rPr>
+              <a:t>StudentCrudDto</a:t>
+            </a:r>
+            <a:r>
+              <a:rPr lang="da-DK" dirty="0">
+                <a:solidFill>
+                  <a:srgbClr val="000000"/>
+                </a:solidFill>
+                <a:latin typeface="Consolas" panose="020B0609020204030204" pitchFamily="49" charset="0"/>
+              </a:rPr>
+              <a:t> student);</a:t>
+            </a:r>
+          </a:p>
+          <a:p>
+            <a:endParaRPr lang="da-DK" dirty="0">
+              <a:solidFill>
+                <a:srgbClr val="000000"/>
+              </a:solidFill>
+              <a:latin typeface="Consolas" panose="020B0609020204030204" pitchFamily="49" charset="0"/>
+            </a:endParaRPr>
+          </a:p>
+          <a:p>
+            <a:r>
+              <a:rPr lang="da-DK" dirty="0">
+                <a:solidFill>
+                  <a:srgbClr val="000000"/>
+                </a:solidFill>
+                <a:latin typeface="Consolas" panose="020B0609020204030204" pitchFamily="49" charset="0"/>
+              </a:rPr>
+              <a:t>    </a:t>
+            </a:r>
+            <a:r>
+              <a:rPr lang="da-DK" dirty="0" err="1">
+                <a:solidFill>
+                  <a:srgbClr val="0000FF"/>
+                </a:solidFill>
+                <a:latin typeface="Consolas" panose="020B0609020204030204" pitchFamily="49" charset="0"/>
+              </a:rPr>
+              <a:t>bool</a:t>
+            </a:r>
+            <a:r>
+              <a:rPr lang="da-DK" dirty="0">
+                <a:solidFill>
+                  <a:srgbClr val="000000"/>
+                </a:solidFill>
+                <a:latin typeface="Consolas" panose="020B0609020204030204" pitchFamily="49" charset="0"/>
+              </a:rPr>
+              <a:t> </a:t>
+            </a:r>
+            <a:r>
+              <a:rPr lang="da-DK" dirty="0" err="1">
+                <a:solidFill>
+                  <a:srgbClr val="000000"/>
+                </a:solidFill>
+                <a:latin typeface="Consolas" panose="020B0609020204030204" pitchFamily="49" charset="0"/>
+              </a:rPr>
+              <a:t>Delete</a:t>
+            </a:r>
+            <a:r>
+              <a:rPr lang="da-DK" dirty="0">
+                <a:solidFill>
+                  <a:srgbClr val="000000"/>
+                </a:solidFill>
+                <a:latin typeface="Consolas" panose="020B0609020204030204" pitchFamily="49" charset="0"/>
+              </a:rPr>
+              <a:t>(</a:t>
+            </a:r>
+            <a:r>
+              <a:rPr lang="da-DK" dirty="0">
+                <a:solidFill>
+                  <a:srgbClr val="0000FF"/>
+                </a:solidFill>
+                <a:latin typeface="Consolas" panose="020B0609020204030204" pitchFamily="49" charset="0"/>
+              </a:rPr>
+              <a:t>int</a:t>
+            </a:r>
+            <a:r>
+              <a:rPr lang="da-DK" dirty="0">
+                <a:solidFill>
+                  <a:srgbClr val="000000"/>
+                </a:solidFill>
+                <a:latin typeface="Consolas" panose="020B0609020204030204" pitchFamily="49" charset="0"/>
+              </a:rPr>
+              <a:t> </a:t>
+            </a:r>
+            <a:r>
+              <a:rPr lang="da-DK" dirty="0" err="1">
+                <a:solidFill>
+                  <a:srgbClr val="000000"/>
+                </a:solidFill>
+                <a:latin typeface="Consolas" panose="020B0609020204030204" pitchFamily="49" charset="0"/>
+              </a:rPr>
+              <a:t>studentId</a:t>
+            </a:r>
+            <a:r>
+              <a:rPr lang="da-DK" dirty="0">
+                <a:solidFill>
+                  <a:srgbClr val="000000"/>
+                </a:solidFill>
+                <a:latin typeface="Consolas" panose="020B0609020204030204" pitchFamily="49" charset="0"/>
+              </a:rPr>
+              <a:t>);</a:t>
+            </a:r>
+          </a:p>
+          <a:p>
+            <a:r>
+              <a:rPr lang="da-DK" dirty="0">
+                <a:solidFill>
+                  <a:srgbClr val="000000"/>
+                </a:solidFill>
+                <a:latin typeface="Consolas" panose="020B0609020204030204" pitchFamily="49" charset="0"/>
+              </a:rPr>
+              <a:t>}</a:t>
+            </a:r>
+            <a:endParaRPr lang="da-DK" dirty="0"/>
+          </a:p>
+        </p:txBody>
+      </p:sp>
+    </p:spTree>
+    <p:extLst>
+      <p:ext uri="{BB962C8B-B14F-4D97-AF65-F5344CB8AC3E}">
+        <p14:creationId xmlns:p14="http://schemas.microsoft.com/office/powerpoint/2010/main" val="645320328"/>
+      </p:ext>
+    </p:extLst>
+  </p:cSld>
+  <p:clrMapOvr>
+    <a:masterClrMapping/>
+  </p:clrMapOvr>
+  <p:transition>
+    <p:fade/>
+  </p:transition>
+</p:sld>
+</file>
+
+<file path=ppt/slides/slide26.xml><?xml version="1.0" encoding="utf-8"?>
+<p:sld xmlns:a="http://schemas.openxmlformats.org/drawingml/2006/main" xmlns:r="http://schemas.openxmlformats.org/officeDocument/2006/relationships" xmlns:p="http://schemas.openxmlformats.org/presentationml/2006/main">
+  <p:cSld>
+    <p:spTree>
+      <p:nvGrpSpPr>
+        <p:cNvPr id="1" name=""/>
+        <p:cNvGrpSpPr/>
+        <p:nvPr/>
+      </p:nvGrpSpPr>
+      <p:grpSpPr>
+        <a:xfrm>
+          <a:off x="0" y="0"/>
+          <a:ext cx="0" cy="0"/>
+          <a:chOff x="0" y="0"/>
+          <a:chExt cx="0" cy="0"/>
+        </a:xfrm>
+      </p:grpSpPr>
+      <p:sp>
+        <p:nvSpPr>
+          <p:cNvPr id="2" name="Title 1"/>
+          <p:cNvSpPr>
+            <a:spLocks noGrp="1"/>
+          </p:cNvSpPr>
+          <p:nvPr>
+            <p:ph type="title"/>
+          </p:nvPr>
+        </p:nvSpPr>
+        <p:spPr/>
+        <p:txBody>
+          <a:bodyPr/>
+          <a:lstStyle/>
+          <a:p>
+            <a:r>
+              <a:rPr lang="da-DK" dirty="0" err="1"/>
+              <a:t>Enable</a:t>
+            </a:r>
+            <a:r>
+              <a:rPr lang="da-DK" dirty="0"/>
+              <a:t> </a:t>
+            </a:r>
+            <a:r>
+              <a:rPr lang="da-DK" dirty="0" err="1"/>
+              <a:t>InMemoryDatabase</a:t>
+            </a:r>
+            <a:r>
+              <a:rPr lang="da-DK" dirty="0"/>
+              <a:t> for </a:t>
+            </a:r>
+            <a:r>
+              <a:rPr lang="da-DK" dirty="0" err="1"/>
+              <a:t>DbContext</a:t>
+            </a:r>
+            <a:r>
+              <a:rPr lang="da-DK" dirty="0"/>
+              <a:t> class </a:t>
+            </a:r>
+          </a:p>
+        </p:txBody>
+      </p:sp>
+      <p:sp>
+        <p:nvSpPr>
+          <p:cNvPr id="3" name="Rectangle 2"/>
+          <p:cNvSpPr/>
+          <p:nvPr/>
+        </p:nvSpPr>
+        <p:spPr>
+          <a:xfrm>
+            <a:off x="822843" y="1942799"/>
+            <a:ext cx="8229082" cy="2308324"/>
+          </a:xfrm>
+          <a:prstGeom prst="rect">
+            <a:avLst/>
+          </a:prstGeom>
+        </p:spPr>
+        <p:txBody>
+          <a:bodyPr wrap="square">
+            <a:spAutoFit/>
+          </a:bodyPr>
+          <a:lstStyle/>
+          <a:p>
+            <a:r>
+              <a:rPr lang="da-DK" dirty="0">
+                <a:solidFill>
+                  <a:srgbClr val="0000FF"/>
+                </a:solidFill>
+                <a:latin typeface="Consolas" panose="020B0609020204030204" pitchFamily="49" charset="0"/>
+              </a:rPr>
+              <a:t>public</a:t>
+            </a:r>
+            <a:r>
+              <a:rPr lang="da-DK" dirty="0">
+                <a:solidFill>
+                  <a:srgbClr val="000000"/>
+                </a:solidFill>
+                <a:latin typeface="Consolas" panose="020B0609020204030204" pitchFamily="49" charset="0"/>
+              </a:rPr>
+              <a:t> </a:t>
+            </a:r>
+            <a:r>
+              <a:rPr lang="da-DK" dirty="0" err="1">
+                <a:solidFill>
+                  <a:srgbClr val="000000"/>
+                </a:solidFill>
+                <a:latin typeface="Consolas" panose="020B0609020204030204" pitchFamily="49" charset="0"/>
+              </a:rPr>
+              <a:t>MyContext</a:t>
+            </a:r>
+            <a:r>
+              <a:rPr lang="da-DK" dirty="0">
+                <a:solidFill>
+                  <a:srgbClr val="000000"/>
+                </a:solidFill>
+                <a:latin typeface="Consolas" panose="020B0609020204030204" pitchFamily="49" charset="0"/>
+              </a:rPr>
+              <a:t>()</a:t>
+            </a:r>
+          </a:p>
+          <a:p>
+            <a:r>
+              <a:rPr lang="da-DK" dirty="0">
+                <a:solidFill>
+                  <a:srgbClr val="000000"/>
+                </a:solidFill>
+                <a:latin typeface="Consolas" panose="020B0609020204030204" pitchFamily="49" charset="0"/>
+              </a:rPr>
+              <a:t>{</a:t>
+            </a:r>
+          </a:p>
+          <a:p>
+            <a:r>
+              <a:rPr lang="da-DK" dirty="0">
+                <a:solidFill>
+                  <a:srgbClr val="000000"/>
+                </a:solidFill>
+                <a:latin typeface="Consolas" panose="020B0609020204030204" pitchFamily="49" charset="0"/>
+              </a:rPr>
+              <a:t>}</a:t>
+            </a:r>
+          </a:p>
+          <a:p>
+            <a:endParaRPr lang="da-DK" dirty="0">
+              <a:solidFill>
+                <a:srgbClr val="000000"/>
+              </a:solidFill>
+              <a:latin typeface="Consolas" panose="020B0609020204030204" pitchFamily="49" charset="0"/>
+            </a:endParaRPr>
+          </a:p>
+          <a:p>
+            <a:r>
+              <a:rPr lang="fr-FR" dirty="0">
+                <a:solidFill>
+                  <a:srgbClr val="0000FF"/>
+                </a:solidFill>
+                <a:latin typeface="Consolas" panose="020B0609020204030204" pitchFamily="49" charset="0"/>
+              </a:rPr>
+              <a:t>public</a:t>
+            </a:r>
+            <a:r>
+              <a:rPr lang="fr-FR" dirty="0">
+                <a:solidFill>
+                  <a:srgbClr val="000000"/>
+                </a:solidFill>
+                <a:latin typeface="Consolas" panose="020B0609020204030204" pitchFamily="49" charset="0"/>
+              </a:rPr>
+              <a:t> </a:t>
+            </a:r>
+            <a:r>
+              <a:rPr lang="da-DK" dirty="0" err="1">
+                <a:solidFill>
+                  <a:srgbClr val="000000"/>
+                </a:solidFill>
+                <a:latin typeface="Consolas" panose="020B0609020204030204" pitchFamily="49" charset="0"/>
+              </a:rPr>
+              <a:t>MyContext</a:t>
+            </a:r>
+            <a:r>
+              <a:rPr lang="fr-FR" dirty="0">
+                <a:solidFill>
+                  <a:srgbClr val="000000"/>
+                </a:solidFill>
+                <a:latin typeface="Consolas" panose="020B0609020204030204" pitchFamily="49" charset="0"/>
+              </a:rPr>
+              <a:t>(</a:t>
+            </a:r>
+            <a:r>
+              <a:rPr lang="fr-FR" dirty="0" err="1">
+                <a:solidFill>
+                  <a:srgbClr val="2B91AF"/>
+                </a:solidFill>
+                <a:latin typeface="Consolas" panose="020B0609020204030204" pitchFamily="49" charset="0"/>
+              </a:rPr>
+              <a:t>DbContextOptions</a:t>
+            </a:r>
+            <a:r>
+              <a:rPr lang="fr-FR" dirty="0">
+                <a:solidFill>
+                  <a:srgbClr val="000000"/>
+                </a:solidFill>
+                <a:latin typeface="Consolas" panose="020B0609020204030204" pitchFamily="49" charset="0"/>
+              </a:rPr>
+              <a:t>&lt;</a:t>
+            </a:r>
+            <a:r>
+              <a:rPr lang="fr-FR" dirty="0" err="1">
+                <a:solidFill>
+                  <a:srgbClr val="2B91AF"/>
+                </a:solidFill>
+                <a:latin typeface="Consolas" panose="020B0609020204030204" pitchFamily="49" charset="0"/>
+              </a:rPr>
+              <a:t>CourseBaseContext</a:t>
+            </a:r>
+            <a:r>
+              <a:rPr lang="fr-FR" dirty="0">
+                <a:solidFill>
+                  <a:srgbClr val="000000"/>
+                </a:solidFill>
+                <a:latin typeface="Consolas" panose="020B0609020204030204" pitchFamily="49" charset="0"/>
+              </a:rPr>
+              <a:t>&gt; options)</a:t>
+            </a:r>
+          </a:p>
+          <a:p>
+            <a:r>
+              <a:rPr lang="da-DK" dirty="0">
+                <a:solidFill>
+                  <a:srgbClr val="000000"/>
+                </a:solidFill>
+                <a:latin typeface="Consolas" panose="020B0609020204030204" pitchFamily="49" charset="0"/>
+              </a:rPr>
+              <a:t>    : </a:t>
+            </a:r>
+            <a:r>
+              <a:rPr lang="da-DK" dirty="0">
+                <a:solidFill>
+                  <a:srgbClr val="0000FF"/>
+                </a:solidFill>
+                <a:latin typeface="Consolas" panose="020B0609020204030204" pitchFamily="49" charset="0"/>
+              </a:rPr>
+              <a:t>base</a:t>
+            </a:r>
+            <a:r>
+              <a:rPr lang="da-DK" dirty="0">
+                <a:solidFill>
+                  <a:srgbClr val="000000"/>
+                </a:solidFill>
+                <a:latin typeface="Consolas" panose="020B0609020204030204" pitchFamily="49" charset="0"/>
+              </a:rPr>
+              <a:t>(options)</a:t>
+            </a:r>
+          </a:p>
+          <a:p>
+            <a:r>
+              <a:rPr lang="da-DK" dirty="0">
+                <a:solidFill>
+                  <a:srgbClr val="000000"/>
+                </a:solidFill>
+                <a:latin typeface="Consolas" panose="020B0609020204030204" pitchFamily="49" charset="0"/>
+              </a:rPr>
+              <a:t>{</a:t>
+            </a:r>
+            <a:endParaRPr lang="da-DK" dirty="0">
+              <a:solidFill>
+                <a:srgbClr val="000000"/>
+              </a:solidFill>
+              <a:latin typeface="Consolas" panose="020B0609020204030204" pitchFamily="49" charset="0"/>
+            </a:endParaRPr>
+          </a:p>
+          <a:p>
+            <a:r>
+              <a:rPr lang="da-DK" dirty="0">
+                <a:solidFill>
+                  <a:srgbClr val="000000"/>
+                </a:solidFill>
+                <a:latin typeface="Consolas" panose="020B0609020204030204" pitchFamily="49" charset="0"/>
+              </a:rPr>
+              <a:t>}</a:t>
+            </a:r>
+            <a:endParaRPr lang="da-DK" dirty="0"/>
+          </a:p>
+        </p:txBody>
+      </p:sp>
+      <p:sp>
+        <p:nvSpPr>
+          <p:cNvPr id="5" name="Rectangle 4"/>
+          <p:cNvSpPr/>
+          <p:nvPr/>
+        </p:nvSpPr>
+        <p:spPr>
+          <a:xfrm>
+            <a:off x="548526" y="4594530"/>
+            <a:ext cx="8320949" cy="923330"/>
+          </a:xfrm>
+          <a:prstGeom prst="rect">
+            <a:avLst/>
+          </a:prstGeom>
+        </p:spPr>
+        <p:txBody>
+          <a:bodyPr wrap="square">
+            <a:spAutoFit/>
+          </a:bodyPr>
+          <a:lstStyle/>
+          <a:p>
+            <a:r>
+              <a:rPr lang="da-DK" dirty="0">
+                <a:solidFill>
+                  <a:srgbClr val="2E75B6"/>
+                </a:solidFill>
+                <a:latin typeface="Consolas" panose="020B0609020204030204" pitchFamily="49" charset="0"/>
+              </a:rPr>
+              <a:t>"</a:t>
+            </a:r>
+            <a:r>
+              <a:rPr lang="da-DK" dirty="0" err="1">
+                <a:solidFill>
+                  <a:srgbClr val="2E75B6"/>
+                </a:solidFill>
+                <a:latin typeface="Consolas" panose="020B0609020204030204" pitchFamily="49" charset="0"/>
+              </a:rPr>
+              <a:t>dependencies</a:t>
+            </a:r>
+            <a:r>
+              <a:rPr lang="da-DK" dirty="0">
+                <a:solidFill>
+                  <a:srgbClr val="2E75B6"/>
+                </a:solidFill>
+                <a:latin typeface="Consolas" panose="020B0609020204030204" pitchFamily="49" charset="0"/>
+              </a:rPr>
+              <a:t>"</a:t>
+            </a:r>
+            <a:r>
+              <a:rPr lang="da-DK" dirty="0">
+                <a:solidFill>
+                  <a:srgbClr val="000000"/>
+                </a:solidFill>
+                <a:latin typeface="Consolas" panose="020B0609020204030204" pitchFamily="49" charset="0"/>
+              </a:rPr>
+              <a:t>: {</a:t>
+            </a:r>
+          </a:p>
+          <a:p>
+            <a:r>
+              <a:rPr lang="en-US" dirty="0">
+                <a:solidFill>
+                  <a:srgbClr val="000000"/>
+                </a:solidFill>
+                <a:latin typeface="Consolas" panose="020B0609020204030204" pitchFamily="49" charset="0"/>
+              </a:rPr>
+              <a:t>    </a:t>
+            </a:r>
+            <a:r>
+              <a:rPr lang="en-US" dirty="0">
+                <a:solidFill>
+                  <a:srgbClr val="2E75B6"/>
+                </a:solidFill>
+                <a:latin typeface="Consolas" panose="020B0609020204030204" pitchFamily="49" charset="0"/>
+              </a:rPr>
+              <a:t>"</a:t>
+            </a:r>
+            <a:r>
+              <a:rPr lang="da-DK" dirty="0">
+                <a:solidFill>
+                  <a:srgbClr val="2E75B6"/>
+                </a:solidFill>
+                <a:latin typeface="Consolas" panose="020B0609020204030204" pitchFamily="49" charset="0"/>
+              </a:rPr>
+              <a:t>"</a:t>
+            </a:r>
+            <a:r>
+              <a:rPr lang="da-DK" dirty="0" err="1">
+                <a:solidFill>
+                  <a:srgbClr val="2E75B6"/>
+                </a:solidFill>
+                <a:latin typeface="Consolas" panose="020B0609020204030204" pitchFamily="49" charset="0"/>
+              </a:rPr>
+              <a:t>Microsoft.EntityFrameworkCore.InMemory</a:t>
+            </a:r>
+            <a:r>
+              <a:rPr lang="da-DK" dirty="0">
+                <a:solidFill>
+                  <a:srgbClr val="2E75B6"/>
+                </a:solidFill>
+                <a:latin typeface="Consolas" panose="020B0609020204030204" pitchFamily="49" charset="0"/>
+              </a:rPr>
+              <a:t>"</a:t>
+            </a:r>
+            <a:r>
+              <a:rPr lang="da-DK" dirty="0">
+                <a:solidFill>
+                  <a:srgbClr val="000000"/>
+                </a:solidFill>
+                <a:latin typeface="Consolas" panose="020B0609020204030204" pitchFamily="49" charset="0"/>
+              </a:rPr>
+              <a:t>: </a:t>
+            </a:r>
+            <a:r>
+              <a:rPr lang="da-DK" dirty="0">
+                <a:solidFill>
+                  <a:srgbClr val="A31515"/>
+                </a:solidFill>
+                <a:latin typeface="Consolas" panose="020B0609020204030204" pitchFamily="49" charset="0"/>
+              </a:rPr>
+              <a:t>"1.0.1</a:t>
+            </a:r>
+          </a:p>
+          <a:p>
+            <a:r>
+              <a:rPr lang="da-DK" dirty="0">
+                <a:solidFill>
+                  <a:srgbClr val="000000"/>
+                </a:solidFill>
+                <a:latin typeface="Consolas" panose="020B0609020204030204" pitchFamily="49" charset="0"/>
+              </a:rPr>
+              <a:t>},</a:t>
+            </a:r>
+            <a:endParaRPr lang="da-DK" dirty="0"/>
+          </a:p>
+        </p:txBody>
+      </p:sp>
+      <p:sp>
+        <p:nvSpPr>
+          <p:cNvPr id="6" name="Rectangle 5"/>
+          <p:cNvSpPr/>
+          <p:nvPr/>
+        </p:nvSpPr>
+        <p:spPr>
+          <a:xfrm>
+            <a:off x="32482" y="6514749"/>
+            <a:ext cx="6583608" cy="369332"/>
+          </a:xfrm>
+          <a:prstGeom prst="rect">
+            <a:avLst/>
+          </a:prstGeom>
+        </p:spPr>
+        <p:txBody>
+          <a:bodyPr wrap="square">
+            <a:spAutoFit/>
+          </a:bodyPr>
+          <a:lstStyle/>
+          <a:p>
+            <a:r>
+              <a:rPr lang="da-DK" dirty="0">
+                <a:hlinkClick r:id="rId2"/>
+              </a:rPr>
+              <a:t>https://docs.efproject.net/en/latest/miscellaneous/testing.html</a:t>
+            </a:r>
+            <a:r>
+              <a:rPr lang="da-DK" dirty="0"/>
+              <a:t> </a:t>
+            </a:r>
+            <a:endParaRPr lang="da-DK" dirty="0"/>
+          </a:p>
+        </p:txBody>
+      </p:sp>
+      <p:sp>
+        <p:nvSpPr>
+          <p:cNvPr id="7" name="Speech Bubble: Rectangle 6"/>
+          <p:cNvSpPr/>
+          <p:nvPr/>
+        </p:nvSpPr>
+        <p:spPr bwMode="auto">
+          <a:xfrm>
+            <a:off x="6217744" y="5475095"/>
+            <a:ext cx="2925620" cy="640073"/>
+          </a:xfrm>
+          <a:prstGeom prst="wedgeRectCallout">
+            <a:avLst>
+              <a:gd name="adj1" fmla="val -106107"/>
+              <a:gd name="adj2" fmla="val -83570"/>
+            </a:avLst>
+          </a:prstGeom>
+          <a:solidFill>
+            <a:srgbClr val="68217A"/>
+          </a:solidFill>
+          <a:ln>
+            <a:noFill/>
+            <a:headEnd type="none" w="med" len="med"/>
+            <a:tailEnd type="none" w="med" len="med"/>
+          </a:ln>
+          <a:effectLst/>
+        </p:spPr>
+        <p:style>
+          <a:lnRef idx="1">
+            <a:schemeClr val="accent2"/>
+          </a:lnRef>
+          <a:fillRef idx="3">
+            <a:schemeClr val="accent2"/>
+          </a:fillRef>
+          <a:effectRef idx="2">
+            <a:schemeClr val="accent2"/>
+          </a:effectRef>
+          <a:fontRef idx="minor">
+            <a:schemeClr val="lt1"/>
+          </a:fontRef>
+        </p:style>
+        <p:txBody>
+          <a:bodyPr rot="0" spcFirstLastPara="0" vertOverflow="overflow" horzOverflow="overflow" vert="horz" wrap="square" lIns="182880" tIns="146304" rIns="182880" bIns="146304" numCol="1" spcCol="0" rtlCol="0" fromWordArt="0" anchor="t" anchorCtr="0" forceAA="0" compatLnSpc="1">
+            <a:prstTxWarp prst="textNoShape">
+              <a:avLst/>
+            </a:prstTxWarp>
+            <a:noAutofit/>
+          </a:bodyPr>
+          <a:lstStyle/>
+          <a:p>
+            <a:pPr algn="ctr" defTabSz="932472" fontAlgn="base">
+              <a:lnSpc>
+                <a:spcPct val="90000"/>
+              </a:lnSpc>
+              <a:spcBef>
+                <a:spcPct val="0"/>
+              </a:spcBef>
+              <a:spcAft>
+                <a:spcPct val="0"/>
+              </a:spcAft>
+            </a:pPr>
+            <a:r>
+              <a:rPr lang="da-DK" sz="2400" dirty="0">
+                <a:gradFill>
+                  <a:gsLst>
+                    <a:gs pos="0">
+                      <a:srgbClr val="FFFFFF"/>
+                    </a:gs>
+                    <a:gs pos="100000">
+                      <a:srgbClr val="FFFFFF"/>
+                    </a:gs>
+                  </a:gsLst>
+                  <a:lin ang="5400000" scaled="0"/>
+                </a:gradFill>
+                <a:ea typeface="Segoe UI" pitchFamily="34" charset="0"/>
+                <a:cs typeface="Segoe UI" pitchFamily="34" charset="0"/>
+              </a:rPr>
+              <a:t>In test </a:t>
+            </a:r>
+            <a:r>
+              <a:rPr lang="da-DK" sz="2400" dirty="0" err="1">
+                <a:gradFill>
+                  <a:gsLst>
+                    <a:gs pos="0">
+                      <a:srgbClr val="FFFFFF"/>
+                    </a:gs>
+                    <a:gs pos="100000">
+                      <a:srgbClr val="FFFFFF"/>
+                    </a:gs>
+                  </a:gsLst>
+                  <a:lin ang="5400000" scaled="0"/>
+                </a:gradFill>
+                <a:ea typeface="Segoe UI" pitchFamily="34" charset="0"/>
+                <a:cs typeface="Segoe UI" pitchFamily="34" charset="0"/>
+              </a:rPr>
+              <a:t>library</a:t>
+            </a:r>
+            <a:endParaRPr lang="da-DK" sz="2400" dirty="0">
+              <a:gradFill>
+                <a:gsLst>
+                  <a:gs pos="0">
+                    <a:srgbClr val="FFFFFF"/>
+                  </a:gs>
+                  <a:gs pos="100000">
+                    <a:srgbClr val="FFFFFF"/>
+                  </a:gs>
+                </a:gsLst>
+                <a:lin ang="5400000" scaled="0"/>
+              </a:gradFill>
+              <a:ea typeface="Segoe UI" pitchFamily="34" charset="0"/>
+              <a:cs typeface="Segoe UI" pitchFamily="34" charset="0"/>
+            </a:endParaRPr>
+          </a:p>
+        </p:txBody>
+      </p:sp>
+    </p:spTree>
+    <p:extLst>
+      <p:ext uri="{BB962C8B-B14F-4D97-AF65-F5344CB8AC3E}">
+        <p14:creationId xmlns:p14="http://schemas.microsoft.com/office/powerpoint/2010/main" val="1622331568"/>
+      </p:ext>
+    </p:extLst>
+  </p:cSld>
+  <p:clrMapOvr>
+    <a:masterClrMapping/>
+  </p:clrMapOvr>
+  <p:transition>
+    <p:fade/>
+  </p:transition>
+</p:sld>
+</file>
+
+<file path=ppt/slides/slide27.xml><?xml version="1.0" encoding="utf-8"?>
+<p:sld xmlns:a="http://schemas.openxmlformats.org/drawingml/2006/main" xmlns:r="http://schemas.openxmlformats.org/officeDocument/2006/relationships" xmlns:p="http://schemas.openxmlformats.org/presentationml/2006/main">
+  <p:cSld>
+    <p:bg>
+      <p:bgPr>
+        <a:solidFill>
+          <a:srgbClr val="0072C6"/>
+        </a:solidFill>
+        <a:effectLst/>
+      </p:bgPr>
+    </p:bg>
+    <p:spTree>
+      <p:nvGrpSpPr>
+        <p:cNvPr id="1" name=""/>
+        <p:cNvGrpSpPr/>
+        <p:nvPr/>
+      </p:nvGrpSpPr>
+      <p:grpSpPr>
+        <a:xfrm>
+          <a:off x="0" y="0"/>
+          <a:ext cx="0" cy="0"/>
+          <a:chOff x="0" y="0"/>
+          <a:chExt cx="0" cy="0"/>
+        </a:xfrm>
+      </p:grpSpPr>
+      <p:sp>
+        <p:nvSpPr>
+          <p:cNvPr id="3" name="Title 2"/>
+          <p:cNvSpPr>
+            <a:spLocks noGrp="1"/>
+          </p:cNvSpPr>
+          <p:nvPr>
+            <p:ph type="title"/>
+          </p:nvPr>
+        </p:nvSpPr>
+        <p:spPr/>
+        <p:txBody>
+          <a:bodyPr/>
+          <a:lstStyle/>
+          <a:p>
+            <a:r>
+              <a:rPr lang="da-DK" dirty="0"/>
+              <a:t>Demo</a:t>
+            </a:r>
+          </a:p>
+        </p:txBody>
+      </p:sp>
+    </p:spTree>
+    <p:extLst>
+      <p:ext uri="{BB962C8B-B14F-4D97-AF65-F5344CB8AC3E}">
+        <p14:creationId xmlns:p14="http://schemas.microsoft.com/office/powerpoint/2010/main" val="217215911"/>
       </p:ext>
     </p:extLst>
   </p:cSld>
